--- a/day 5/S4D400 - Day 5.pptx
+++ b/day 5/S4D400 - Day 5.pptx
@@ -3962,8 +3962,15 @@
           <a:p>
             <a:r>
               <a:rPr lang="en-US" sz="2400" dirty="0"/>
-              <a:t>Create a new Exception handling class CX_XX_EXCEPTION_FLY</a:t>
-            </a:r>
+              <a:t>Create a new Exception handling class </a:t>
+            </a:r>
+            <a:r>
+              <a:rPr lang="en-US" sz="2400" dirty="0">
+                <a:hlinkClick r:id="rId2"/>
+              </a:rPr>
+              <a:t>CX_XX_EXCEPTION_FLY</a:t>
+            </a:r>
+            <a:endParaRPr lang="en-US" sz="2400" dirty="0"/>
           </a:p>
           <a:p>
             <a:r>
@@ -3982,7 +3989,7 @@
       <p:pic>
         <p:nvPicPr>
           <p:cNvPr id="2050" name="Picture 2" descr="NetCom Logo">
-            <a:hlinkClick r:id="rId2"/>
+            <a:hlinkClick r:id="rId3"/>
             <a:extLst>
               <a:ext uri="{FF2B5EF4-FFF2-40B4-BE49-F238E27FC236}">
                 <a16:creationId xmlns:a16="http://schemas.microsoft.com/office/drawing/2014/main" id="{2B8D59D5-A57D-4846-863C-31591ACCF193}"/>
@@ -3995,7 +4002,7 @@
           <p:nvPr/>
         </p:nvPicPr>
         <p:blipFill>
-          <a:blip r:embed="rId3" cstate="print">
+          <a:blip r:embed="rId4" cstate="print">
             <a:extLst>
               <a:ext uri="{28A0092B-C50C-407E-A947-70E740481C1C}">
                 <a14:useLocalDpi xmlns:a14="http://schemas.microsoft.com/office/drawing/2010/main" val="0"/>
@@ -4963,15 +4970,22 @@
           <a:p>
             <a:r>
               <a:rPr lang="en-US" sz="2400" dirty="0"/>
-              <a:t>Create a simple CDS View with name ZNC_XX_CDS_VIEW</a:t>
-            </a:r>
+              <a:t>Create a simple CDS View with name </a:t>
+            </a:r>
+            <a:r>
+              <a:rPr lang="en-US" sz="2400" dirty="0">
+                <a:hlinkClick r:id="rId2"/>
+              </a:rPr>
+              <a:t>ZNC_XX_CDS_VIEW</a:t>
+            </a:r>
+            <a:endParaRPr lang="en-US" sz="2400" dirty="0"/>
           </a:p>
         </p:txBody>
       </p:sp>
       <p:pic>
         <p:nvPicPr>
           <p:cNvPr id="2050" name="Picture 2" descr="NetCom Logo">
-            <a:hlinkClick r:id="rId2"/>
+            <a:hlinkClick r:id="rId3"/>
             <a:extLst>
               <a:ext uri="{FF2B5EF4-FFF2-40B4-BE49-F238E27FC236}">
                 <a16:creationId xmlns:a16="http://schemas.microsoft.com/office/drawing/2014/main" id="{2B8D59D5-A57D-4846-863C-31591ACCF193}"/>
@@ -4984,7 +4998,7 @@
           <p:nvPr/>
         </p:nvPicPr>
         <p:blipFill>
-          <a:blip r:embed="rId3" cstate="print">
+          <a:blip r:embed="rId4" cstate="print">
             <a:extLst>
               <a:ext uri="{28A0092B-C50C-407E-A947-70E740481C1C}">
                 <a14:useLocalDpi xmlns:a14="http://schemas.microsoft.com/office/drawing/2010/main" val="0"/>
@@ -8304,8 +8318,14 @@
           </a:p>
           <a:p>
             <a:r>
+              <a:rPr lang="en-US" sz="2400" dirty="0">
+                <a:hlinkClick r:id="rId2"/>
+              </a:rPr>
+              <a:t>ZAC_XX_PLANE</a:t>
+            </a:r>
+            <a:r>
               <a:rPr lang="en-US" sz="2400" dirty="0"/>
-              <a:t>ZAC_XX_PLANE </a:t>
+              <a:t> </a:t>
             </a:r>
           </a:p>
           <a:p>
@@ -8331,7 +8351,7 @@
       <p:pic>
         <p:nvPicPr>
           <p:cNvPr id="2050" name="Picture 2" descr="NetCom Logo">
-            <a:hlinkClick r:id="rId2"/>
+            <a:hlinkClick r:id="rId3"/>
             <a:extLst>
               <a:ext uri="{FF2B5EF4-FFF2-40B4-BE49-F238E27FC236}">
                 <a16:creationId xmlns:a16="http://schemas.microsoft.com/office/drawing/2014/main" id="{2B8D59D5-A57D-4846-863C-31591ACCF193}"/>
@@ -8344,7 +8364,7 @@
           <p:nvPr/>
         </p:nvPicPr>
         <p:blipFill>
-          <a:blip r:embed="rId3" cstate="print">
+          <a:blip r:embed="rId4" cstate="print">
             <a:extLst>
               <a:ext uri="{28A0092B-C50C-407E-A947-70E740481C1C}">
                 <a14:useLocalDpi xmlns:a14="http://schemas.microsoft.com/office/drawing/2010/main" val="0"/>
@@ -8391,11 +8411,11 @@
           <p:nvPr/>
         </p:nvPicPr>
         <p:blipFill>
-          <a:blip r:embed="rId4">
+          <a:blip r:embed="rId5">
             <a:extLst>
               <a:ext uri="{BEBA8EAE-BF5A-486C-A8C5-ECC9F3942E4B}">
                 <a14:imgProps xmlns:a14="http://schemas.microsoft.com/office/drawing/2010/main">
-                  <a14:imgLayer r:embed="rId5">
+                  <a14:imgLayer r:embed="rId6">
                     <a14:imgEffect>
                       <a14:saturation sat="0"/>
                     </a14:imgEffect>
@@ -9028,8 +9048,15 @@
           <a:p>
             <a:r>
               <a:rPr lang="en-US" sz="2400" dirty="0"/>
-              <a:t>Create an Interface ZIF_XX_PLANE</a:t>
-            </a:r>
+              <a:t>Create an Interface </a:t>
+            </a:r>
+            <a:r>
+              <a:rPr lang="en-US" sz="2400" dirty="0">
+                <a:hlinkClick r:id="rId2"/>
+              </a:rPr>
+              <a:t>ZIF_XX_PLANE</a:t>
+            </a:r>
+            <a:endParaRPr lang="en-US" sz="2400" dirty="0"/>
           </a:p>
           <a:p>
             <a:r>
@@ -9048,7 +9075,7 @@
       <p:pic>
         <p:nvPicPr>
           <p:cNvPr id="2050" name="Picture 2" descr="NetCom Logo">
-            <a:hlinkClick r:id="rId2"/>
+            <a:hlinkClick r:id="rId3"/>
             <a:extLst>
               <a:ext uri="{FF2B5EF4-FFF2-40B4-BE49-F238E27FC236}">
                 <a16:creationId xmlns:a16="http://schemas.microsoft.com/office/drawing/2014/main" id="{2B8D59D5-A57D-4846-863C-31591ACCF193}"/>
@@ -9061,7 +9088,7 @@
           <p:nvPr/>
         </p:nvPicPr>
         <p:blipFill>
-          <a:blip r:embed="rId3" cstate="print">
+          <a:blip r:embed="rId4" cstate="print">
             <a:extLst>
               <a:ext uri="{28A0092B-C50C-407E-A947-70E740481C1C}">
                 <a14:useLocalDpi xmlns:a14="http://schemas.microsoft.com/office/drawing/2010/main" val="0"/>

--- a/day 5/S4D400 - Day 5.pptx
+++ b/day 5/S4D400 - Day 5.pptx
@@ -5,7 +5,7 @@
     <p:sldMasterId id="2147483648" r:id="rId1"/>
   </p:sldMasterIdLst>
   <p:notesMasterIdLst>
-    <p:notesMasterId r:id="rId26"/>
+    <p:notesMasterId r:id="rId28"/>
   </p:notesMasterIdLst>
   <p:sldIdLst>
     <p:sldId id="256" r:id="rId2"/>
@@ -19,19 +19,21 @@
     <p:sldId id="600" r:id="rId10"/>
     <p:sldId id="601" r:id="rId11"/>
     <p:sldId id="419" r:id="rId12"/>
-    <p:sldId id="603" r:id="rId13"/>
-    <p:sldId id="613" r:id="rId14"/>
-    <p:sldId id="604" r:id="rId15"/>
-    <p:sldId id="605" r:id="rId16"/>
-    <p:sldId id="606" r:id="rId17"/>
-    <p:sldId id="607" r:id="rId18"/>
-    <p:sldId id="608" r:id="rId19"/>
-    <p:sldId id="609" r:id="rId20"/>
-    <p:sldId id="610" r:id="rId21"/>
-    <p:sldId id="611" r:id="rId22"/>
-    <p:sldId id="614" r:id="rId23"/>
-    <p:sldId id="399" r:id="rId24"/>
-    <p:sldId id="409" r:id="rId25"/>
+    <p:sldId id="613" r:id="rId13"/>
+    <p:sldId id="615" r:id="rId14"/>
+    <p:sldId id="603" r:id="rId15"/>
+    <p:sldId id="604" r:id="rId16"/>
+    <p:sldId id="605" r:id="rId17"/>
+    <p:sldId id="606" r:id="rId18"/>
+    <p:sldId id="607" r:id="rId19"/>
+    <p:sldId id="608" r:id="rId20"/>
+    <p:sldId id="609" r:id="rId21"/>
+    <p:sldId id="610" r:id="rId22"/>
+    <p:sldId id="611" r:id="rId23"/>
+    <p:sldId id="616" r:id="rId24"/>
+    <p:sldId id="614" r:id="rId25"/>
+    <p:sldId id="399" r:id="rId26"/>
+    <p:sldId id="409" r:id="rId27"/>
   </p:sldIdLst>
   <p:sldSz cx="12192000" cy="6858000"/>
   <p:notesSz cx="6858000" cy="9144000"/>
@@ -138,6 +140,1721 @@
 </p:presentation>
 </file>
 
+<file path=ppt/ink/ink1.xml><?xml version="1.0" encoding="utf-8"?>
+<inkml:ink xmlns:inkml="http://www.w3.org/2003/InkML">
+  <inkml:definitions>
+    <inkml:context xml:id="ctx0">
+      <inkml:inkSource xml:id="inkSrc0">
+        <inkml:traceFormat>
+          <inkml:channel name="X" type="integer" max="1920" units="cm"/>
+          <inkml:channel name="Y" type="integer" max="1080" units="cm"/>
+          <inkml:channel name="T" type="integer" max="2.14748E9" units="dev"/>
+        </inkml:traceFormat>
+        <inkml:channelProperties>
+          <inkml:channelProperty channel="X" name="resolution" value="55.81395" units="1/cm"/>
+          <inkml:channelProperty channel="Y" name="resolution" value="55.6701" units="1/cm"/>
+          <inkml:channelProperty channel="T" name="resolution" value="1" units="1/dev"/>
+        </inkml:channelProperties>
+      </inkml:inkSource>
+      <inkml:timestamp xml:id="ts0" timeString="2020-11-20T18:33:37.663"/>
+    </inkml:context>
+    <inkml:brush xml:id="br0">
+      <inkml:brushProperty name="width" value="0.05" units="cm"/>
+      <inkml:brushProperty name="height" value="0.05" units="cm"/>
+      <inkml:brushProperty name="fitToCurve" value="1"/>
+    </inkml:brush>
+  </inkml:definitions>
+  <inkml:trace contextRef="#ctx0" brushRef="#br0">556 1944 0,'0'-26'62,"0"0"-30,-26 26-1,26 26-31,-26-26 16,0 26-16,-26-26 15,27 26-15,-1 0 0,0 0 16,-26-1-16,26 1 15,0 0-15,0 26 0,0 0 16,0-26-16,26 26 0,-26 0 16,26-1-16,0 1 15,0-26-15,0 26 0,26-26 16,0 26-16,0-26 0,0 0 16,26-1-16,0 1 15,-26-26-15,51 0 0,-25 0 16,0 0-16,0 0 15,26-26-15,-27 1 0,1-1 16,0 0-16,0 0 0,-26-26 16,26 26-16,-26-26 15,0 0-15,-26 26 0,0-25 16,0-1-16,0 26 16,-26-26-16,26 0 0,-26 26 15,0-26-15,-26 27 0,26-1 16,0 0-16,0 0 15,0 26-15,0-26 0,0 26 16,1 0-16,-1 0 16,26 26-16,-26 0 0,0-26 15</inkml:trace>
+  <inkml:trace contextRef="#ctx0" brushRef="#br0" timeOffset="935">452 2747 0,'0'-26'0,"-26"26"32,1 0-17,25 26 1,-26 0-16,26 0 16,-26 0-16,26 0 15,-26 0-15,0 26 0,26-26 16,-26 25-16,0 1 15,0-26-15,0 26 0,0 0 16,0-26-16,0 26 0,1-26 16,-1-1-16,26 1 15,-26 0-15,0 0 0,26 0 16,-26-26 0,52 0-1,0 0 1,0 0-1,0-26-15,-1 26 16,1 0-16,0 0 16,26 0-16,-26 0 0,0 0 15,26 0-15,0 26 0,-1-26 16,-25 0-16,26 0 16,0 0-16,0 0 0,0 0 15,0-26-15,-27 26 0,27 0 16,0-26-16,-26 26 15,0-26-15,0 26 0,0 0 16,-26-26-16,26 26 16,-26-25-16,0-1 15,0 0-15,-26 0 0,0 0 16,0 0 0,0-26-16,0 26 0,26 0 15,-26-26-15,0 1 16,0 25-16,26-26 0,-26 26 15,26-26-15,-25 26 0,25 0 16,0 0-16,-26 0 16,26 0-16,-26 1 15,0 25 1,26 25 15</inkml:trace>
+  <inkml:trace contextRef="#ctx0" brushRef="#br0" timeOffset="2688">1748 1892 0,'-26'0'0,"0"0"16,1 0 0,-1 0-16,0 0 15,0 0-15,-26 0 16,26 26-16,0-26 0,0 26 16,-26 0-16,26 0 0,1 0 15,-1 25-15,26-25 16,-26 26-16,26-26 0,0 26 15,0 0-15,26-26 0,-26 25 16,26-25-16,-1 0 16,27 0-16,-26 0 0,26 0 15,0-26-15,0 0 16,0 0-16,-1 0 0,1-26 16,0 26-16,0-26 15,0 0-15,0 0 0,-27-25 16,1 25-16,0 0 0,-26-26 15,0 26-15,0-26 16,0 26-16,0-26 0,-26 26 16,0-25-16,1 25 15,-27-26-15,26 26 0,0 0 16,-26 0-16,26 0 0,0 26 16,0 0-16,0 0 15,0 0-15,1 26 16</inkml:trace>
+  <inkml:trace contextRef="#ctx0" brushRef="#br0" timeOffset="3515">1748 2592 0,'0'-26'0,"0"0"0,0 0 31,-26 52 1,0 0-17,1 26-15,-1-26 0,26 25 16,-26 1-16,0 0 16,0 0-16,0 0 0,26 0 15,-26-1-15,0 1 16,26 0-16,-26 0 0,26-26 15,0 26-15,0-26 0,0 0 16,-26-1-16,26 1 16,0 0-16,0 0 15,26-26-15,-26 26 16,26-26-16,-26 26 16,26-26-16,0 0 15,0 0 1,0-26-16,0 26 0,0-26 15,0 26-15,-1-26 16,27 26-16,-26-26 16,26 26-16,-26-26 0,26 1 0,0 25 15,-26-26-15,-1 26 16,27 0-16,-26-26 0,0 26 16,0-26-16,0 26 15,0 0-15,-26-26 16,0 0-1,0 0 1,-26 0-16,26 0 16,-26 0-1,26-26-15,-26 26 0,0-25 16,26 25-16,-26-26 0,0 0 16,0 0-16,26 26 15,-25-26-15,25 27 0,-26-1 16,26 0-16,0 0 0,-26 26 15,0 0 32</inkml:trace>
+  <inkml:trace contextRef="#ctx0" brushRef="#br0" timeOffset="4134">2785 1918 0,'0'-26'0,"-26"26"15,0 0-15,0 0 16,0-26-16,0 26 16,1 26-16,-1 0 15,0 0-15,0 0 16,0 0-16,0 25 16,26-25-16,-26 26 0,0 0 15,26 0-15,0 0 0,0-26 16,0 25-16,0 1 0,26-26 15,0 0-15,0 0 0,0 0 16,26 0-16,-26-26 16,25 0-16,1 0 0,0 0 15,0-26-15,0 0 16,0 0-16,-27 0 0,27 0 16,-26 0-16,0-25 15,0 25-15,-26-26 0,0 26 16,-26-26-16,0 0 0,26 0 15,-52 26-15,26-25 16,1 25-16,-1 0 0,0 0 16,0 26-16,0 0 0,0 0 15,0 0-15</inkml:trace>
+  <inkml:trace contextRef="#ctx0" brushRef="#br0" timeOffset="5052">2863 2540 0,'0'-26'15,"-26"26"-15,26 26 16,-26-26 0,26 26-16,-26 0 0,26 0 15,-26 0-15,0 25 0,0-25 16,26 26-16,-26-26 16,26 26-16,-26 0 0,26-26 15,0 25-15,0 1 16,-25-26-16,25 0 0,0 26 15,0-26-15,0 0 0,0 0 16,0 0-16,0 0 16,0 0-16,0-1 15,0 1 17,25-26-17,1 0 1,0 0-1,0 0-15,0 0 16,0 0-16,26 0 0,-26 0 16,26-26-16,-1 26 0,1 0 15,0 0-15,0-25 16,0 25-16,-26-26 0,26 26 16,-27 0-16,1-26 15,0 26-15,0-26 0,0 0 16,-26 0-16,0 0 15,-26 0 1,0 0-16,26 0 16,-26-26-16,26 26 0,-26 1 15,1-27-15,25 26 16,-26-26-16,0 26 0,26-26 16,-26 0-16,26 26 15,-26 1-15,26-1 0,-26 0 16,26 0-16,-26 0 15,26 0 17,-26 26-32,0 0 31</inkml:trace>
+  <inkml:trace contextRef="#ctx0" brushRef="#br0" timeOffset="5736">4029 1736 0,'-26'0'15,"0"0"-15,0 0 16,0 0-16,1 0 0,-1 0 16,0 0-16,0 26 0,0-26 15,0 26-15,0 0 16,0 0-16,0 0 0,0 0 15,26 26-15,-26-26 16,26 26-16,0-1 0,0 27 16,0-26-16,26 0 0,0 26 15,0-27-15,0 1 16,26-26-16,-26 26 0,0-26 16,26 0-16,-1-26 15,-25 0-15,26 0 0,0 0 16,0-26-16,0 0 0,-26 0 15,25-26-15,-25 26 16,26-26-16,-52 27 0,26-27 16,-26 0-16,0 26 0,0-26 15,-26 0-15,0 0 16,0 1-16,0 25 0,0-26 16,-25 26-16,25-26 15,0 26-15,-26 0 0,26 26 16,0-26-16,0 26 0,0 26 15,0 0 1,26 0-16,0 0 0,-26 0 16</inkml:trace>
+  <inkml:trace contextRef="#ctx0" brushRef="#br0" timeOffset="6594">3925 2721 0,'0'-26'16,"0"52"15,-25 0-15,25 26-16,-26-26 15,0 0-15,0 26 0,0 0 16,0-27-16,0 27 15,26 0-15,-26-26 0,0 26 16,26-26-16,0 0 16,0 26-16,0-26 0,0-1 15,0 1 1,0 0-16,26-26 16,-26 26-16,26-26 15,-26 26 1,26-26-16,0 0 0,0 0 15,0 0 1,0 0-16,0-26 0,-1 26 16,27 0-16,-26-26 0,26 26 15,-26 0-15,26-26 16,-26 26-16,26 0 0,-27 0 16,27 0-16,-26 0 15,0 0-15,0 0 0,0 0 16,0 0-16,0 0 15,0 0 1,-26-26 0,0 1-1,0-1 1,0 0-16,-26 26 16,26-26-16,0 0 15,-26 0-15,26-26 0,-26 26 16,0-26-16,26 26 15,-26-25-15,26-1 0,-26 26 16,26-26-16,0 26 0,-26-26 16,26 26-16,0 0 15,0 0-15,-26 26 0,26-25 16,-26-1 0,26 52 46</inkml:trace>
+  <inkml:trace contextRef="#ctx0" brushRef="#br0" timeOffset="9044">841 3914 0,'26'0'16,"-52"0"15,0 0-15,0 0-16,0 0 15,0 0-15,1 25 0,-1-25 16,0 26-16,0-26 15,-26 26-15,26 0 0,0 0 16,26 0-16,-26 26 16,0-26-16,26 0 0,-26 26 15,26-27-15,0 27 0,26 0 16,-26-26-16,26 26 16,0-26-16,0 26 0,0-26 15,26 0-15,0-1 16,-26 1-16,25-26 0,27 0 15,-26 0-15,0 0 0,0 0 16,0 0-16,25-26 16,-25 26-16,-26-25 0,26-1 15,0-26-15,-26 26 16,0 0-16,-1-26 0,1 0 16,-26 26-16,0-26 0,0 1 15,0-1-15,-26 0 16,1 0-16,-1 0 0,0 26 15,-26 0-15,26 1 16,0-1-16,-26 0 0,26 26 16,-26-26-16,27 26 0,-27 0 15,26 0-15,0 0 16,-26 26-16,26-26 0,0 26 16,0 0-1</inkml:trace>
+  <inkml:trace contextRef="#ctx0" brushRef="#br0" timeOffset="9919">919 4665 0,'26'0'15,"0"-26"1,-52 52 15,0 0-31,0 0 16,0 0-16,0 0 15,0 26-15,0-26 0,0 25 16,-25-25-16,25 26 16,0-26-16,0 26 0,0 0 15,26-26-15,-26 26 0,26-27 16,0 27-16,0-26 15,-26 0-15,26 0 0,0 0 16,0 0 0,0 0-16,26-26 15,0 0-15,0 0 16,26-26 0,-26 26-16,-1 0 15,27-26-15,0 26 16,-26-26-16,52 26 0,-26 0 15,0-26-15,25 26 0,-25 0 16,0-26-16,0 26 16,26 0-16,-27 0 0,-25-26 15,26 26-15,-26 0 16,0 0-16,0 0 0,0 0 16,-26-26-1,0 0 1,-26 1-1,0-1 1,26 0-16,-26 26 16,26-26-16,-26 0 0,0-26 15,0 26-15,0 0 16,0 0-16,1-26 0,-1 27 16,0-1-16,0 0 15,26 0-15,-26 26 0,26-26 16,0 0-16,-26 26 15,26-26 17,-26 26-17</inkml:trace>
+  <inkml:trace contextRef="#ctx0" brushRef="#br0" timeOffset="10627">2474 3836 0,'-26'-26'16,"0"26"-16,0 0 0,0 0 15,0 0-15,1 0 16,-1 26-16,0 0 0,0 0 15,0 0-15,-26-1 0,26 1 16,26 0-16,-26 26 16,0 0-16,26-26 0,-26 26 15,26 0-15,0-1 16,0 1-16,26-26 0,-26 26 16,26-26-16,0 0 0,0 0 15,26 0-15,-26-26 16,26 26-16,-26-26 0,25 0 15,1 0-15,0-26 16,0 26-16,-26-26 0,26 26 16,-1-52-16,-25 26 15,0-26-15,-26 26 16,26-26-16,-26 26 0,0-25 16,-26-1-16,26 0 15,-26 0-15,0 0 0,1 0 16,-1 1-16,26 25 0,-26 0 15,0 0-15,0 26 16,0 0-16,0 0 0,0 0 16,0 0-16,26 26 15,-26 0-15</inkml:trace>
+  <inkml:trace contextRef="#ctx0" brushRef="#br0" timeOffset="11391">2396 4639 0,'-26'26'63,"26"0"-47,-26 0-16,1 0 0,25 26 15,-26-26-15,0 26 0,0-1 16,26 1-16,-26 0 15,0 0-15,26-26 0,-26 26 16,26-26-16,0-1 16,0 1-16,0 0 0,0 0 15,26-26 17,0 0-17,0 0 1,0-26-16,0 26 15,0 0-15,25 0 0,-25 0 16,26 0-16,-26-26 16,26 26-16,-26 0 0,26 0 15,-26 0-15,25-26 16,-25 26-16,26 0 0,-26 0 16,0 0-16,0-25 0,0 25 15,0 0 1,-26-26-1,-26 26 1,26-26 0,-26 26-16,26-26 0,-26 0 15,0 26-15,26-26 16,-26 0-16,0-26 0,0 26 16,0 0-16,0 0 15,26-25-15,-25 25 0,-1 0 16,0 0-16,26 0 15,-26 26-15,26-26 16,0 0 0,0 0 15</inkml:trace>
+  <inkml:trace contextRef="#ctx0" brushRef="#br0" timeOffset="12134">3692 3784 0,'-26'0'15,"0"0"-15,0 0 16,1 26-16,-1-26 0,-26 0 15,26 26-15,0 0 0,-26-26 16,26 26-16,0 25 16,0-25-16,0 0 0,26 26 15,-26-26-15,26 26 0,0 0 16,0 0-16,26-1 16,-26-25-16,26 26 0,0-26 15,0 0-15,26 0 16,-26 0-16,26 0 0,0-26 15,-1 0-15,1 0 16,0 0-16,0 0 0,-26-26 16,26 0-16,0 0 0,-27 0 15,1 0-15,0 0 16,0-26-16,0 26 0,-26-25 16,0-1-16,0 26 15,0-26-15,-26 0 0,0 26 16,-26-51-16,27 51 15,-27 0-15,26 26 16,-26-26-16,26 26 0,0 0 16,0 0-16,-26 26 15,26 0-15</inkml:trace>
+  <inkml:trace contextRef="#ctx0" brushRef="#br0" timeOffset="12944">3666 4613 0,'0'-26'15,"0"52"17,0 0-17,-26 0-15,26 0 16,-26 26-16,1-26 15,-1 26-15,26-26 0,-26 25 16,0-25-16,26 26 16,-26-26-16,26 26 0,0-26 15,-26 0-15,26 0 0,0 0 16,0 0 0,26-26-16,-26 25 15,26-25 1,0 0-16,0 0 15,0 0 1,-1 0-16,1 0 16,0 26-16,0-26 0,0 0 15,0 0-15,0 0 16,0 0-16,26-26 0,-26 26 16,0 0-16,-1-25 0,1 25 15,0 0-15,0 0 16,0 0-16,0-26 0,0 26 15,-26-26 17,0 0-17,-26 0 1,26 0 0,0 0-16,-26 26 15,26-52-15,-26 26 0,26 0 16,-26-25-16,26 25 0,-26-26 15,0 26-15,26-26 16,-25 26-16,25 0 0,-26 0 16,26 0-16,0 0 15,0 1-15,-26 25 0,26-26 16,0 52 31</inkml:trace>
+  <inkml:trace contextRef="#ctx0" brushRef="#br0" timeOffset="14131">1774 5728 0,'-26'-26'15,"0"26"1,0 0-16,1 0 16,-1 0-16,0 26 15,-26 0-15,26-26 0,0 26 16,0 26-16,0-27 15,0 1-15,26 26 0,-26 0 16,26 0-16,0 0 16,0 0-16,26-27 0,0 27 15,-26 0-15,26-26 0,0 26 16,0-26-16,0 0 16,0 0-16,0-26 0,26 26 15,-27-26-15,27 0 0,-26 0 16,26-26-16,0 26 15,-26-26-15,26 0 0,-26 0 16,25 0-16,-25-26 16,0 26-16,0 0 0,0-26 15,0 27-15,-26-27 0,0 0 16,0 26-16,0-26 16,0 0-16,-26 26 0,0-25 15,0 25-15,0 0 16,0 0-16,0 26 0,1-26 15,-1 26-15,-26 0 0,26 0 16,0 0-16,0 0 16,0 26-16,0-26 0,0 0 15,26 26-15</inkml:trace>
+  <inkml:trace contextRef="#ctx0" brushRef="#br0" timeOffset="14989">1748 6505 0,'0'26'31,"-26"-26"-15,26 26-16,-26 0 15,26 0-15,-25 26 0,-1-26 16,26 0-16,-26 0 0,0 25 16,26-25-16,-26 0 15,0 0-15,26 0 0,-26 0 16,26 0-16,-26 0 16,26 0-16,0 0 15,26-26 1,-26 26-16,26-26 15,0 0 1,0 0-16,0 0 16,26 0-16,-27 0 15,1 0-15,26 0 0,-26 0 16,26-26-16,-26 26 16,26 0-16,0 0 0,-27 0 15,27 0-15,-26 0 0,0 0 16,0 0-16,0 26 15,0-26-15,0 0 0,0 0 16,0 0 0,-26-26-1,0 0 1,26 26-16,-26-26 16,0 0-16,0 0 15,-26 0-15,26 0 16,-26 0-16,26 0 0,-26 0 15,26-25-15,-26 25 0,26 0 16,-26 0-16,0-26 16,26 26-16,-26 0 0,0 0 15,26 0-15,-26 26 0,26-26 16,-26 26-16,26-25 16,-26 25-1,1 25 1,25 1 15</inkml:trace>
+  <inkml:trace contextRef="#ctx0" brushRef="#br0" timeOffset="15812">3096 5650 0,'-26'0'0,"0"0"15,0 0-15,0 0 16,0 0-16,1 0 15,-1 26-15,0-26 0,0 26 16,-26 0-16,52 0 16,-26 0-16,0 0 0,0 25 15,26 1-15,-26-26 0,26 26 16,0 0-16,0 0 16,26 0-16,0-27 0,0 27 15,0-26-15,0 0 16,0 0-16,26-26 0,-26 26 15,25-26-15,1 0 0,0 0 16,0-26-16,0 0 16,0 26-16,-1-26 0,1 0 15,-26 0-15,26-25 16,-26 25-16,0 0 0,0 0 16,-26-26-16,26 26 0,-26-26 15,0 26-15,0-26 16,-26 27-16,26-27 0,-26 26 15,0-26-15,0 26 16,0 0-16,0 0 0,0 0 16,0 26-16,0-26 0,0 26 15,-25 0-15,25 0 16,-26 0-16,26 0 0,0 0 16,0 26-16,0-26 15,0 26-15,0-26 0,26 26 16</inkml:trace>
+  <inkml:trace contextRef="#ctx0" brushRef="#br0" timeOffset="16621">3148 6350 0,'0'-26'15,"-26"52"16,0-26-31,0 26 16,0 0-16,0 26 0,0-27 16,0 27-16,1-26 15,-1 26-15,0-26 0,0 26 16,0 0-16,0-26 16,0 25-16,26-25 0,-26 0 15,26 26-15,0-26 0,0 0 16,0 0-1,0 0-15,26-26 32,0 0-17,0-26-15,0 26 0,0 0 16,0-26-16,25 26 16,-25 0-16,26-26 0,-26 26 15,26-26-15,-26 26 16,26 0-16,-26 0 0,25 0 15,-25 0-15,0 0 0,26-26 16,-26 26-16,0 0 16,0 0-16,26 0 0,-26 0 15,0 0 1,0 0-16,-26-26 31,0 0-15,0 0-1,0 0 1,-26 1-16,26-1 0,0 0 16,-26-26-16,0 26 15,26-26-15,-26 0 0,0 26 16,26-25-16,-26 25 0,0 0 16,26 0-16,-26 0 15,26 0-15,-26 26 16,0 0-1,0 0 1,26 26 0</inkml:trace>
+  <inkml:trace contextRef="#ctx0" brushRef="#br0" timeOffset="17605">4599 5520 0,'-26'0'16,"0"0"-16,1 0 15,-1 0-15,0 26 16,0-26-16,0 26 0,0 0 16,0 0-16,0-26 15,26 26-15,-26 26 0,0-26 16,26 0-16,0 26 0,0-26 15,0 25-15,0-25 16,26 26-16,0-26 0,0 26 16,0-26-16,26 0 15,-26 0-15,26-26 0,-27 26 16,27-26-16,0 0 0,-26 0 16,26 0-16,-26-26 15,0 26-15,26-26 0,-26 0 16,-1 0-16,1-26 15,0 26-15,-26 0 0,26-26 16,-26 26-16,0 1 0,0-27 16,-26 26-16,0-26 15,0 26-15,1 0 0,-1 0 16,0 0-16,0 0 0,0 0 16,-26 26-16,26 0 15,0 0-15,0 0 0,-26 0 16,26 0-1,1 0-15,25 26 16,-26 0-16</inkml:trace>
+  <inkml:trace contextRef="#ctx0" brushRef="#br0" timeOffset="18398">4573 6220 0,'0'-26'0,"0"52"47,0 0-47,-26 0 0,26 0 15,-25 0-15,-1 26 16,0-26-16,0 26 0,0-1 16,0-25-16,0 26 0,0-26 15,26 26-15,-26-26 16,0 0-16,26 0 0,-26 0 15,26-1-15,0 1 0,-26 0 16,26 0 0,0 0-16,26-26 15,0 0 1,0 0-16,0 0 16,0 0-16,0-26 15,0 26-15,0 0 0,0-26 16,26 26-16,-27 0 0,1-26 15,0 26-15,26 0 16,-26 0-16,0 0 0,0 0 16,26 0-16,-26 0 15,26 0-15,-1 0 0,-25 0 16,26 0-16,-26 0 0,0 0 16,0 0-16,0 0 15,0-26-15,0 26 16,-26-25-1,0-1-15,-26 0 16,26 0-16,-26 0 16,26 0-16,-26 0 15,26-26-15,-26 26 0,0-26 16,0 1-16,26 25 0,-26-26 16,0 26-16,0-26 15,0 26-15,1 0 16,-1 0-1,0 26 1,26-26 31</inkml:trace>
+  <inkml:trace contextRef="#ctx0" brushRef="#br0" timeOffset="19369">4988 3758 0,'0'-26'0,"-26"26"0,0 0 15,0 0-15,0 0 16,1 0-16,-1 0 16,0 26-16,0-26 15,0 26-15,0-26 16,26 26-16,-26 0 0,26 0 16,0 0-16,-26 0 15,26-1-15,0 27 0,0 0 16,0 0-1,0-26-15,0 0 0,26 0 16,-26 0-16,0 0 0,26-1 16,0 1-16,0 0 15,0-26-15,0 0 16,25 0-16,-25 0 16,0-26-16,26 26 0,-26-26 15,26 1-15,-26-1 0,0 0 16,0 0-16,0 0 15,-26 0-15,25 0 0,-25 0 16,0-26-16,0 26 16,-25 0-16,25 1 0,-26-27 15,26 26-15,-26 0 0,26 0 16,-26 0-16,0 0 16,0 0-16,0 26 15,0 0-15,0 0 16,0 0-1,26 26 17</inkml:trace>
+  <inkml:trace contextRef="#ctx0" brushRef="#br0" timeOffset="20186">4833 4250 0,'26'0'15,"-26"26"17,-26-26-32,0 26 0,0 0 15,26 26-15,-26-26 16,0 0-16,26 26 0,-26-26 16,26 0-16,-26 0 15,26-1-15,0 1 0,0 0 16,0 0-16,0 0 0,26 0 15,-26 0 1,26-26 0,-26 26-1,26-26 1,0 0 0,0 0-16,0 0 15,0 0-15,-1 0 0,1 0 16,0 0-16,0 0 15,0 0-15,0 0 0,26 0 16,-26 0-16,0 0 0,0 0 16,25 0-16,-25 0 15,0-26-15,0 26 0,0 0 16,0 0 0,0-26-1,-26 0 16,-26 26-31,26-26 0,-26 0 16,0 0 0,26 0-16,-26 1 0,26-1 15,-26 0-15,26 0 0,-26 0 16,1 0-16,-1 0 16,26 0-16,-26 0 0,26 0 15,-26 0-15,26 0 16,-26 0-16,26 1 0,0-1 15</inkml:trace>
+  <inkml:trace contextRef="#ctx0" brushRef="#br0" timeOffset="21291">5092 1788 0,'-26'0'0,"0"0"0,-26 0 16,26 0-16,-26 26 0,26-26 15,1 26-15,-1 0 16,0 0-16,0 0 0,0 0 15,0 0-15,26 26 16,0-27-16,0 27 0,0-26 16,0 26-16,0-26 15,0 26-15,26-26 0,-26 0 16,26 0-16,0 25 0,0-51 16,0 26-16,-1-26 0,1 0 15,26 0-15,-26 0 16,26 0-16,0-26 0,-26 26 15,26-26-15,-1 1 16,-25-1-16,0 0 0,26 0 16,-26 0-16,0-26 15,0 26-15,-26 0 0,26-26 16,-26 26-16,0-25 0,0-1 16,-26 26-16,26-26 15,-26 26-15,0-26 0,0 26 16,0 0-16,0 26 15,0-26-15,-26 26 0,27 0 16,-27 0-16,26 26 0,0-26 16,-26 26-16,26 0 15,0-26-15,0 26 0,0 0 16,26 0 0</inkml:trace>
+  <inkml:trace contextRef="#ctx0" brushRef="#br0" timeOffset="22065">4936 2410 0,'0'26'47,"0"0"-32,-26 0-15,26 0 16,-26 26-16,26-26 0,-25 26 15,-1-1-15,0-25 0,26 26 16,-26-26-16,0 26 16,26-26-16,-26 26 0,26-26 15,0-1-15,-26 27 16,26-26-16,0 0 16,0 0-16,0 0 15,26 0 16,0-26-15,0 0-16,-26-26 16,26 26-16,0 0 0,0-26 15,25 26-15,-25 0 16,0-26-16,26 26 0,-26 0 16,0 0-16,26-26 15,-26 26-15,0 0 0,-1 0 16,1 0-16,0 0 0,0 0 15,-26-26 1,26 26-16,-26-26 16,0 0-1,0 1 1,0-1-16,0 0 0,0 0 16,0-26-16,-26 26 15,26-26-15,-26 26 0,0-26 16,26 1-16,-26-1 0,26 26 15,-25-26-15,-1 26 16,26 0-16,0 0 0,0 0 16,-26 0-16,26 1 15,0 50 32,0 1-31</inkml:trace>
+  <inkml:trace contextRef="#ctx0" brushRef="#br0" timeOffset="23364">4573 104 0,'0'-26'16,"-26"0"-16,1 26 0,-1-26 16,0 26-16,0-26 15,0 26-15,0 0 0,-26 0 16,26 26-16,0-26 15,0 26-15,0 26 0,1-27 16,-1 1-16,26 26 0,-26 0 16,26-26-16,0 26 15,0 0-15,26-1 0,0 1 16,-1 0-16,1 0 16,0-26-16,26 0 0,-26 26 15,26-52-15,0 26 0,0-26 16,-1 0-16,-25 0 15,26 0-15,0-26 0,-26 0 16,0 0-16,0 0 16,0 0-16,0-26 0,-26 26 15,26 0-15,-26-26 0,0 27 16,-26-27-16,26 26 16,-26-26-16,0 26 0,0-26 15,0 26-15,0 0 16,0 0-16,0 1 0,0 25 15,-26-26-15,26 26 16,1 26-16,-1-26 16,26 25-16</inkml:trace>
+  <inkml:trace contextRef="#ctx0" brushRef="#br0" timeOffset="24054">4418 700 0,'0'26'16,"-26"-26"-16,26 26 15,0-1-15,-26 1 16,26 0-16,0 0 16,-26 26-16,26-26 0,0 0 15,-26 26-15,26 0 16,-26-27-16,26 27 0,-26 0 16,26-26-16,0 26 15,0-26-15,-26 0 0,26 0 16,0 0-16,0-1 15,26-25-15,-26 26 16,26-26 0,0-26-1,0 26 1,0 0-16,0-25 0,0 25 16,0 0-16,0-26 15,0 26-15,0 0 0,25 0 16,-25-26-16,26 26 15,-26 0-15,0 0 0,0 0 16,0 0-16,0 0 0,0 0 16,0 0-1,0-26-15,-1 26 16,-25-26 0,0 0-1,0 0-15,0 0 0,0 0 16,0 0-16,0 0 15,0-25-15,-25 25 0,25-26 16,-26 0-16,26 26 16,-26-26-16,26 0 0,-26 26 15,0 1-15,26-1 0,-26 0 16,26 0-16,-26 26 16,0 0-16,0 0 15</inkml:trace>
+  <inkml:trace contextRef="#ctx0" brushRef="#br0" timeOffset="24810">3277 129 0,'0'-25'0,"-25"25"15,-1-26-15,0 26 0,0 0 16,-26 0-16,26 0 16,0 0-16,-26 0 0,26 26 15,0-1-15,-25 1 0,25 0 16,0 26-16,26-26 15,-26 26-15,26-26 0,0 26 16,0-26-16,0 25 0,26-25 16,-26 26-16,52-26 15,-26 0-15,-1 0 0,27 0 16,0 0-16,0-26 16,0 0-16,0 0 0,25 0 15,-25-26-15,0 0 0,0 0 16,0 0-16,-26 0 15,0-26-15,0 26 0,-1 0 16,-25-25-16,0 25 16,0 0-16,-25-26 0,-1 26 15,0-26-15,-26 26 0,26 0 16,0 0-16,-26 1 16,26-1-16,-26 26 0,26 0 15,1 0-15,-1 0 16</inkml:trace>
+  <inkml:trace contextRef="#ctx0" brushRef="#br0" timeOffset="25489">3174 726 0,'-26'0'15,"0"0"1,26 26-16,-26-26 16,26 25-16,-26 1 15,26 0-15,-26 0 0,0 0 16,0 26-16,26-26 0,-26 26 15,1 0-15,25-27 16,-26 27-16,26-26 0,-26 0 16,26 26-16,0-26 15,0 0-15,0 0 0,0 0 16,0 0 0,26-26-1,-26 25-15,26-25 16,-1 0-1,1 0-15,0 0 16,0 0-16,0 0 0,0 0 16,26-25-16,-26 25 15,26 0-15,-26-26 0,25 26 16,-25 0-16,26-26 0,-26 26 16,0 0-16,0-26 15,0 26-15,0 0 0,0-26 31,0 0-31,-26 0 0,26 0 16,-26 0-16,0 0 0,0 0 16,-26 0-16,26 1 15,-26-27-15,26 26 0,-26-26 16,26 0-16,0 0 16,-26 0-16,26 27 0,0-27 15,0 26-15,-26-26 0,26 26 16,0 0-1,-26 52 17</inkml:trace>
+  <inkml:trace contextRef="#ctx0" brushRef="#br0" timeOffset="26214">1619 52 0,'-26'26'0,"-26"0"15,26-1-15,0 27 0,0-26 16,0 0-16,0 26 0,26-26 15,0 26-15,0 0 16,0-27-16,0 27 0,26 0 16,0 0-16,0-26 15,0 26-15,0-26 0,0 0 16,26 0-16,0-26 0,-27 0 16,27 0-16,0 0 15,0-26-15,0 0 0,0-26 16,-26 26-16,25 0 15,-25-26-15,0 26 0,0-26 16,-26 26-16,0-25 0,0 25 16,0 0-16,-26-26 15,0 26-15,0-26 0,-25 26 16,25 0-16,-26 0 16,26 1-16,0 25 0,-26-26 15,26 26-15,0 0 0,26 26 16,-26-1-16,26 1 15,0 0-15,0 26 0</inkml:trace>
+  <inkml:trace contextRef="#ctx0" brushRef="#br0" timeOffset="26880">1774 855 0,'-26'0'31,"0"26"-15,26 0-16,-26-26 0,1 52 15,-1-26-15,0 0 16,0 0-16,0 25 0,0-25 16,0 26-16,0-26 0,26 26 15,-26-26-15,26 0 16,0 26-16,0-26 0,0-1 16,0 1-16,26 0 15,0 0-15,0 0 16,0-26-16,0 26 0,0-26 15,0 0 1,0 0-16,-1 0 0,1 0 16,26-26-16,-26 26 0,0 0 15,0 0-15,26 0 16,-26-26-16,0 26 0,0 0 16,-1 0-16,1 0 15,0 0-15,0-26 0,0 26 16,-26-26-1,26 26-15,-26-26 0,0 1 16,26-1-16,-26 0 16,0 0-16,0 0 15,-26 0-15,0-26 0,26 26 16,-26-26-16,0 1 0,26 25 16,-26-26-16,0 0 15,1 0-15,-1 26 0,26-26 16,-26 26-16,26 1 15,-26-1-15,26 0 0,0 0 16,-26 26 0,26 26-1</inkml:trace>
+  <inkml:trace contextRef="#ctx0" brushRef="#br0" timeOffset="27612">401 104 0,'-26'0'15,"0"25"-15,0-25 0,-26 26 16,26 0-16,0 0 0,0 0 15,-26 26-15,26-26 16,26 0-16,-25 26 0,-1-26 16,26 25-16,0 1 15,0-26-15,0 26 0,26 0 16,-1-26-16,1 26 0,0-26 16,26 25-16,-26-25 15,26 0-15,0 0 0,0 0 16,-1 0-1,-25-26-15,26 0 0,0 0 0,26-26 16,-26 26-16,-27-26 0,27-26 16,0 26-16,0-25 15,-26 25-15,0-26 0,0 0 16,-26 0-16,0 0 16,-26 26-16,0-26 0,0 1 15,0 25-15,-26 0 0,0 0 16,26 0-16,-25 0 15,-1 26-15,26 0 0,-26 26 16,26-26-16,-26 26 0,26 0 16</inkml:trace>
+  <inkml:trace contextRef="#ctx0" brushRef="#br0" timeOffset="28373">452 1088 0,'26'0'0,"-26"-25"16,0-1 0,-26 26 15,0 0-31,26 26 16,-25-1-16,25 1 0,-26 26 15,0-26-15,26 26 16,-26-26-16,0 26 0,26-26 15,-26 25-15,26-25 16,-26 0-16,26 0 0,-26 0 16,26 0-16,0 0 0,0 0 15,0 0 1,0 0 0,26-26-16,-26 26 15,26-26-15,0 26 16,0-26-1,0 0 1,0 0-16,0-26 0,-1 26 16,1 0-16,0 0 0,0 0 15,0-26-15,26 26 16,-26 0-16,0 0 0,26 0 16,-26 0-16,-1 0 15,1 0-15,0 0 0,0 0 16,0 0-16,0-26 15,-26 0 1,0 0-16,0 0 16,0 0-1,0 0-15,0 0 0,-26 0 16,26-25-16,-26 25 0,0 0 16,0-26-16,0 26 15,1-26-15,-1 26 0,0 0 16,0 0-16,0 0 15,0 26-15,26-25 0,-26-1 16</inkml:trace>
+</inkml:ink>
+</file>
+
+<file path=ppt/ink/ink10.xml><?xml version="1.0" encoding="utf-8"?>
+<inkml:ink xmlns:inkml="http://www.w3.org/2003/InkML">
+  <inkml:definitions>
+    <inkml:context xml:id="ctx0">
+      <inkml:inkSource xml:id="inkSrc0">
+        <inkml:traceFormat>
+          <inkml:channel name="X" type="integer" max="1920" units="cm"/>
+          <inkml:channel name="Y" type="integer" max="1080" units="cm"/>
+          <inkml:channel name="T" type="integer" max="2.14748E9" units="dev"/>
+        </inkml:traceFormat>
+        <inkml:channelProperties>
+          <inkml:channelProperty channel="X" name="resolution" value="55.81395" units="1/cm"/>
+          <inkml:channelProperty channel="Y" name="resolution" value="55.6701" units="1/cm"/>
+          <inkml:channelProperty channel="T" name="resolution" value="1" units="1/dev"/>
+        </inkml:channelProperties>
+      </inkml:inkSource>
+      <inkml:timestamp xml:id="ts0" timeString="2020-11-20T18:37:08.351"/>
+    </inkml:context>
+    <inkml:brush xml:id="br0">
+      <inkml:brushProperty name="width" value="0.05" units="cm"/>
+      <inkml:brushProperty name="height" value="0.05" units="cm"/>
+      <inkml:brushProperty name="fitToCurve" value="1"/>
+    </inkml:brush>
+  </inkml:definitions>
+  <inkml:trace contextRef="#ctx0" brushRef="#br0">414 1037 0,'26'0'16,"0"-26"-16,0 0 15,0 0-15,0 26 0,-26-26 16,26 0-16,-26 1 16,0-1-16,0 0 15,-26 0 1,0 26-1,0 0-15,0 0 0,-26 26 16,26-26-16,-26 26 16,1 0-16,-1-1 0,0 1 15,0 26-15,26-26 16,-26 26-16,26-26 0,26 0 16,-25 26-16,25-26 0,0 0 15,0-1-15,0 1 16,25 0-16,1-26 15,0 26-15,0-26 16,26 0-16,0 0 0,0 26 16,0-26-16,-1 0 0,1 0 15,0 0-15,0 26 16,0-26-16,-26 0 0,0 26 16,-1 0-16,1-26 15,-26 26-15,0 0 0,0 0 16,0 0-16,-26-1 0,1 1 15,-27 0-15,26 0 16,-26 0-16,0-26 0,0 26 16,0 0-16,27-26 15,-27 0-15,26 26 0,0-26 16,-26 0-16,26-26 16,0 26-16,0-26 15,26 0 1</inkml:trace>
+  <inkml:trace contextRef="#ctx0" brushRef="#br0" timeOffset="389">1010 674 0,'-26'0'32,"26"26"-17,0 0-15,0 26 16,0-26-16,0 26 15,0-1-15,0 1 0,0 0 16,0 26-16,26-26 16,-26 26-16,0-27 0,0 1 15,0 26-15,0-26 0,0 0 16,26-26-16,-26 25 16,0-25-16,0 0 0,0 0 15,0 0-15,0 0 16</inkml:trace>
+  <inkml:trace contextRef="#ctx0" brushRef="#br0" timeOffset="1147">1218 959 0,'26'0'31,"-26"26"16,0 0-47,26-26 15,-26 26-15,0 0 16,0 26-16,0-26 0,0 0 16,0 0-16,0 0 15,0 25-15,0-25 0,0 0 16,0 0-16,0 0 16,0 0-16,25-26 15,-25 26-15,26-26 16,0 0-1,0-26-15,0 26 16,0-26-16,0 0 16,0 26-16,0-26 15,0 26-15,-26-26 0,26 26 16,0 0-16,-26-26 16,25 26-16,-25-26 15,0 1 1,0-1-1,0 0-15,-25 0 16,-1 0-16,26 0 16,0 0-16,-26 0 15,26 0-15,0 0 16,0 0-16,0 0 16,-26 26-16,26-26 0,0 52 46,26-26-30,-26 26-16,0 0 16,26 0-16,-26 26 0,26-26 15,-1 26-15,-25 0 0,26-26 16,-26 25-16,26 1 16,-26-26-16,26 26 0,-26-26 15,26 0-15,-26 26 16,26-26-16,-26-1 15,26 1-15</inkml:trace>
+  <inkml:trace contextRef="#ctx0" brushRef="#br0" timeOffset="1756">2021 700 0,'0'-26'0,"0"0"16,0 0-16,0 0 15,0 1 1,0 50-1,26 1-15,-26 0 16,26 26-16,0-26 16,0 26-16,-26 0 15,26 0-15,0-1 0,25 1 16,-25 0-16,0 0 16,-26 0-16,26-26 0,0 26 15,-26-27-15,26 1 0</inkml:trace>
+  <inkml:trace contextRef="#ctx0" brushRef="#br0" timeOffset="2178">2280 985 0,'-26'0'0,"0"0"16,26-26-1,26 26 1,0-26-16,0 0 16,0 26-16,0-25 0,0-1 15,26 26-15,-26-26 16,26 0-16,-26 26 0,-1-26 16,1 26-16,-26-26 15,0 0 1,0 0-16,-26 26 0,1-26 15,25 0-15,-26 0 16,0 0-16,0 1 0,0 25 16,26-26-16,0 52 15,0-1 1,26 1-16,0 0 0,0 26 16,0-26-16,-1 26 15,27 0-15,-26 0 0,0-1 16,0 1-16,0 0 0,0-26 15,-26 26-15,26-26 16,0 0-16,0 0 16</inkml:trace>
+  <inkml:trace contextRef="#ctx0" brushRef="#br0" timeOffset="2670">2980 596 0,'0'26'47,"0"0"-47,0 0 16,0 0-16,26 26 15,-26-26-15,26 0 0,-26 0 16,26 26-16,-26-27 15,26 1-15,-26 0 0,0 0 16,0 0-16,0 0 0,0 0 16,0-52-1,0 0 1,0 0 0,0 0-16,0-26 0,-26 27 15,26-27-15,0 0 0,0-26 16,-26 26-16,26 0 15,0 1-15,0-1 0,0 0 16,0 26-16,26 0 16,0 26-16,0 0 15,0 0-15,0 26 0,-1 0 16,1 0-16,26 26 16,-26-26-16,0 25 0,26 1 15,-26 0-15,0 0 16,0-26-16,0 26 0,-1 0 15,-25-27-15,26 27 0,-26-26 16,0 0-16</inkml:trace>
+  <inkml:trace contextRef="#ctx0" brushRef="#br0" timeOffset="2850">3162 804 0,'-26'0'0,"0"0"15,0 0 1,52 0 0,0 0-16,0-26 15,-1 26-15,1-26 16,26 26-16,0-26 0,-26 0 16,26 26-16</inkml:trace>
+  <inkml:trace contextRef="#ctx0" brushRef="#br0" timeOffset="3114">3628 363 0,'0'-26'0,"0"0"16,0 52 15,26 0-16,-26 0-15,26 0 0,-26 26 16,26-26-16,0 26 0,0-1 16,-26 1-16,26-26 15,0 26-15,-26-26 0,25 26 16,-25-26-16,0 0 16,26-26-16,-26 26 0</inkml:trace>
+  <inkml:trace contextRef="#ctx0" brushRef="#br0" timeOffset="3558">3706 389 0,'0'-26'16,"-26"26"-16,26-26 0,0 52 31,26-26-31,-26 26 15,26 0-15,26 0 0,-26 0 16,25 0-16,1 0 16,0 26-16,0-27 0,0 1 15,0 26-15,-1-26 0,1-26 16,-26 26-16,0 0 16,0-26-16,0 0 0,0 0 15,0 0-15,-26-26 16,0 0-16,0 0 0,-26 0 15,26 0-15,-26-25 0,0 25 16,0-26-16,0 0 16,0 0-16,0 0 0,26 0 15,-26 27-15,0-27 16,26 26-16,-25 0 0,25 52 31,0 0-31,0 0 16,0 0-16,25-1 0,1 1 15,-26 0-15,26 0 0,-26 26 16,26-26-16,0 0 16,-26 0-16,0 0 0</inkml:trace>
+  <inkml:trace contextRef="#ctx0" brushRef="#br0" timeOffset="4116">4587 234 0,'-26'0'0,"0"0"16,26 26 15,0-1-31,26 1 15,0 0-15,-26 0 16,26 26-16,0 0 0,0-26 16,0 26-16,0-1 15,-26-25-15,26 26 0,-1-26 16,-25 0-16,0 0 16,26-26-16,-26-26 31,-26 0-31,26 0 15,-25 0-15,25-26 0,-26 1 16,26-1-16,-26 0 0,26 0 16,-26-26-16,26 27 15,-26-27-15,26 26 0,0 0 16,0 26-16,0 0 16,0 0-16,26 26 0,0 0 15,0 26 1,25 0-16,-25 0 0,0 0 15,26 26-15,-26 0 0,26-26 16,0 25-16,-26 1 16,0-26-16,25 26 0,-25-26 15,0 26-15,0-26 0,-26 0 16,26 0-16,-26-1 16,26-25-16,-26 26 0</inkml:trace>
+  <inkml:trace contextRef="#ctx0" brushRef="#br0" timeOffset="4332">4846 493 0,'-26'0'16,"0"-26"-16,26 0 31,26 26-31,0-26 0,0 26 15,0-26-15,0 26 0,26-26 16,-26 0-16,26 26 16,-26-26-16,-1 26 0,27-26 15,-26 26-15,0 0 16</inkml:trace>
+</inkml:ink>
+</file>
+
+<file path=ppt/ink/ink11.xml><?xml version="1.0" encoding="utf-8"?>
+<inkml:ink xmlns:inkml="http://www.w3.org/2003/InkML">
+  <inkml:definitions>
+    <inkml:context xml:id="ctx0">
+      <inkml:inkSource xml:id="inkSrc0">
+        <inkml:traceFormat>
+          <inkml:channel name="X" type="integer" max="1920" units="cm"/>
+          <inkml:channel name="Y" type="integer" max="1080" units="cm"/>
+          <inkml:channel name="T" type="integer" max="2.14748E9" units="dev"/>
+        </inkml:traceFormat>
+        <inkml:channelProperties>
+          <inkml:channelProperty channel="X" name="resolution" value="55.81395" units="1/cm"/>
+          <inkml:channelProperty channel="Y" name="resolution" value="55.6701" units="1/cm"/>
+          <inkml:channelProperty channel="T" name="resolution" value="1" units="1/dev"/>
+        </inkml:channelProperties>
+      </inkml:inkSource>
+      <inkml:timestamp xml:id="ts0" timeString="2020-11-20T18:37:16.591"/>
+    </inkml:context>
+    <inkml:brush xml:id="br0">
+      <inkml:brushProperty name="width" value="0.05" units="cm"/>
+      <inkml:brushProperty name="height" value="0.05" units="cm"/>
+      <inkml:brushProperty name="fitToCurve" value="1"/>
+    </inkml:brush>
+  </inkml:definitions>
+  <inkml:trace contextRef="#ctx0" brushRef="#br0">0 1140 0,'0'26'16,"0"0"15,26-26 1,0-26-17,0 26-15,0 0 16,26-26-16,-26 26 15,26-25-15,-1 25 0,-25-26 16,26 26-16,-26-26 0,0 26 16,0 0-16,0 0 15,-26-26-15,26 26 0,-52 0 32</inkml:trace>
+  <inkml:trace contextRef="#ctx0" brushRef="#br0" timeOffset="660">959 700 0,'-26'0'15,"0"0"1,26 26 15,26 0-31,-26 0 16,26 0-16,-26-1 0,26 27 15,0 0-15,-26 0 16,26 0-16,0 0 0,-26-1 16,26 1-16,0 0 0,-26 0 15,26-26-15,-26 26 16,0-26-16,26 0 0,-26-1 16,0-50 15,-26-1-31,26 0 15,-26-26-15,0 26 16,0-26-16,0 0 0,0 0 16,0 1-16,0-1 15,0 0-15,0-26 0,1 26 16,-1 26-16,26-25 0,0-1 16,0 26-16,0-26 15,26 26-15,-26 0 0,51 0 16,-25 26-16,0-26 0,26 26 15,-26-26-15,26 26 16,0 0-16,-26 0 0,0 26 16,25-26-16,-51 26 15,26 0-15,0 26 0,-26-26 16,0 26-16,-26-26 0,26 26 16,-26-27-16,0 27 15,1-26-15,-27 0 0,26 0 16,0 0-16,0-26 15,0 26-15,0-26 0</inkml:trace>
+  <inkml:trace contextRef="#ctx0" brushRef="#br0" timeOffset="1068">1400 596 0,'0'-26'0,"0"0"15,26 26 1,0 0 0,0 0-16,0 0 15,25 26-15,-25 0 16,0 0-16,26-26 0,-26 26 15,0 26-15,0-26 0,0 0 16,-26 0-16,26 0 16,-26-1-16,0 1 15,-26-26 1,0 0-16,0 0 16,26-26-16,-26 26 0,26-25 15,-26-27-15,26 26 16,0-26-16,0 26 0,0-26 15,0 26-15,0-26 16,26 27-16,0-1 0,0 0 16,0 26-16,0 0 0</inkml:trace>
+  <inkml:trace contextRef="#ctx0" brushRef="#br0" timeOffset="1494">2100 389 0,'-26'0'31,"26"26"0,0 0-31,0 0 16,-26 0-1,26 25-15,0-25 0,-26 0 16,26 0-16,0 0 0,26 0 16,-26 0-16,26 0 15,0-26-15,0 0 0,25 0 16,-25 0-16,26 0 16,-26-26-16,26 0 0,-26 26 15,0-26-15,0-26 0,0 52 16,-26-52-16,0 26 15,0 1-15,-26-1 0,26 0 16,-52 0-16,26 0 0,0 26 16,0-26-16,-26 26 15,26-26-15,0 26 0,1 0 16,-1 26-16,0-26 16,26 26-16</inkml:trace>
+  <inkml:trace contextRef="#ctx0" brushRef="#br0" timeOffset="1764">2670 259 0,'0'26'0,"-26"-26"0,0 0 15,52 26 17,0-26-32,0 26 0,0-26 15,0 26-15,26 0 16,-27 0-16,27 0 0,0 0 16,-26 0-16,0-26 0,26 25 15,-52 1-15,26-26 16</inkml:trace>
+  <inkml:trace contextRef="#ctx0" brushRef="#br0" timeOffset="1998">2851 207 0,'0'-26'0,"0"52"16,-26-26-16,26 26 15,0 0-15,0 0 16,0 0-16,-25 0 0,25 0 16,0 26-16,0-26 15,0 0-15,0 25 0,0-25 16,0 0-16,0 0 16,0 0-1</inkml:trace>
+  <inkml:trace contextRef="#ctx0" brushRef="#br0" timeOffset="2581">3188 181 0,'0'-25'0,"0"-1"15,0 52 16,0-1-15,26 1 0,0 0-16,0 0 15,0-26-15,0 0 16,0 0-16,0 0 16,0 0-16,25 0 0,-25 0 15,0-26-15,0 26 0,0-26 16,0 26-16,0-26 15,-26 1-15,0-1 0,0 0 16,0 0-16,-26 0 16,26 0-16,-26 26 0,0-26 15,0 26-15,26 26 16,0 0 0,0 0-16,26 0 0,-26 26 15,26-1-15,0 27 16,26-26-16,-26 26 0,26 0 15,0-1-15,-1-25 0,1 26 16,-26 0-16,0-27 16,0 1-16,-26 0 0,0-26 15,-26 0-15,-26 0 16,0-26-16,1 0 0,-27 0 16,26-26-16,-26-26 0,26 26 15,26-52-15,0 27 16,1-1-16,25 0 0,0-26 15,25 26-15,1 26 16,0 1-16,26-1 0,-26 0 16,26 26-16,0-26 0,-26 26 15,0 0-15</inkml:trace>
+  <inkml:trace contextRef="#ctx0" brushRef="#br0" timeOffset="3300">493 2540 0,'26'0'47,"0"-26"-31,0 26-1,-1-26-15,1 26 16,26-26-16,0 0 0,0 0 15,0 1-15,0 25 16,-27-26-16,27 26 0</inkml:trace>
+  <inkml:trace contextRef="#ctx0" brushRef="#br0" timeOffset="3846">1789 1970 0,'-26'-26'15,"0"26"1,0 0-1,0 0 1,0 26-16,0-26 0,0 26 16,0 0-16,0 0 15,1 25-15,-1-25 0,0 26 16,26 0-16,-26 0 16,26-26-16,0 26 0,26-1 15,0-25-15,0 26 0,25-26 16,-25 0-16,26-26 15,26 26-15,-26-26 0,0 0 16,-1-26-16,1 26 16,0-26-16,0 0 0,-26 0 15,0 0-15,0 0 0,-26 1 16</inkml:trace>
+  <inkml:trace contextRef="#ctx0" brushRef="#br0" timeOffset="4176">2359 1944 0,'-26'-26'16,"26"52"15,26-26-15,-26 26-16,26 0 0,0 0 16,0 0-16,0 0 15,-26 25-15,26-25 0,-1 0 16,-25 0-16,26 26 0,-26-26 15,26 0-15,-26 0 16,0 0-16</inkml:trace>
+  <inkml:trace contextRef="#ctx0" brushRef="#br0" timeOffset="4506">2307 2022 0,'0'-26'16,"-26"0"-16,26 0 0,-26 0 16,26 0-16,0 0 15,0 0-15,26 26 16,0 0-16,0-26 16,26 26-16,-26 0 0,26 0 15,25 0-15,-25 0 0,26 0 16,-26 26-16,0-26 15,25 26-15,-25 0 0,0 0 16,-26 0-16,0 0 16,0 0-16,-26 26 0,0-26 15,-26-1-15,0 27 0,-26-26 16,26 0-16,-26 26 16,-25-26-16,25 0 0,0 0 15,0-26-15,0 26 0</inkml:trace>
+  <inkml:trace contextRef="#ctx0" brushRef="#br0" timeOffset="5011">3473 1711 0,'0'-26'16,"0"0"-16,-26 26 16,1 0-1,-1 0-15,0 0 16,0 0-16,0 26 0,0-26 15,-26 26-15,26-26 16,26 26-16,-26 0 0,26-1 16,0 1-1,26 0-15,0 0 16,26 0-16,-26-26 16,0 26-16,26-26 15,-1 26-15,-25-26 0,26 26 16,-26-26-16,0 26 0,26-26 15,-26 26-15,0 0 16,-26 0 0,0-1-1,-26 1-15,0-26 0,0 26 16,0-26-16,-26 26 0,26-26 16,0 0-16,0 0 15,1 0-15,-1 0 0,0-26 16</inkml:trace>
+  <inkml:trace contextRef="#ctx0" brushRef="#br0" timeOffset="5346">4277 1503 0,'-26'-26'0,"0"26"15,0-26-15,0 1 16,52 25 15,0 25-15,0-25-16,26 26 0,-26 0 15,26 0-15,-27 0 0,27 0 16,0 0-16,-26 0 16,26 0-16,-26 0 0,26 0 15,-26 0-15,-1-26 0,1 26 16,0-26-16</inkml:trace>
+  <inkml:trace contextRef="#ctx0" brushRef="#br0" timeOffset="5598">4899 1218 0,'-26'-26'0,"0"26"16,26 26 0,-26-26-16,26 26 0,0 0 15,-26 0-15,26 26 16,0-26-16,-26 26 0,26-1 15,-26 1-15,26-26 16,0 26-16,0 0 0,0-26 16,0 0-16,0 0 0,0 0 15,0-1-15,26-25 16</inkml:trace>
+  <inkml:trace contextRef="#ctx0" brushRef="#br0" timeOffset="5843">5054 1322 0,'0'26'47,"26"-26"-31,-26 26-16,26 0 0,-26 0 15,26-1-15,-26 27 16,26-26-16,0 0 0,-26 0 16,26 0-16,-26 0 15,0 0-15</inkml:trace>
+  <inkml:trace contextRef="#ctx0" brushRef="#br0" timeOffset="6012">5158 933 0,'-26'0'0,"0"26"32,26 0-17,0 0-15,0 0 16</inkml:trace>
+  <inkml:trace contextRef="#ctx0" brushRef="#br0" timeOffset="6931">5495 1348 0,'0'26'31,"26"-26"-15,0 0 0,0 0-1,0 0-15,0-26 16,0 26-16,-1 0 0,-25-26 16,26 0-16,0 0 0,0 0 15,-26 0 1,0-26-16,0 26 0,-26 1 15,26-1-15,-26 0 16,0 0-16,1 0 0,-27 0 16,26 26-16,0 0 0,-26 0 15,26 26-15,0 0 16,0 0-16,0 0 0,26 25 16,0 1-16,0 0 15,0 0-15,26-26 0,0 26 16,0 0-16,26-27 0,-26 1 15,26 0-15,0 0 16,-27 0-16,27-26 0,0 0 16,-26 0-16,26-26 15,-26 0-15,0 0 0,0 0 16,0 1-16,-26-27 0,0 26 16,0-26-16,0 0 15,0 0-15,0 0 0,-26 1 16,26-1-16,0 26 15,0 0-15,0 0 0,26 52 32,-1 0-32,1 0 15,-26 26-15,26-1 0,0-25 16,0 26-16,0-26 16,0 26-16,-26-26 0,26 0 15,-26 0-15,26-26 0,0 0 16,0 0-1,-26-26-15,26 26 16,-26-26-16,0-26 0,26 26 16,-26 0-16,0 0 15,0-26-15,25 27 0,-25-1 16,26 26 0,0 0-16,-26 26 0,26-26 15,26 25-15,-26 1 0,0 0 16,26 0-16,-26-26 15,25 26-15,1-26 0,-26 0 16,26 0-16,-26-26 16,26 26-16,-26-26 0,0 0 15,0-25-15,-1 25 0,-25-26 16,0 0-16,0 0 16,-25 0-16,-1 0 0,-26 1 15,0-1-15,0 0 16,0 26-16,-25 0 0,-1 26 15,0 0-15,0 26 0,26 0 16,-25 0-16,51 26 16</inkml:trace>
+  <inkml:trace contextRef="#ctx0" brushRef="#br0" timeOffset="7704">882 4095 0,'0'-26'31,"25"26"1,-25-26-32,26 26 15,0 0-15,26-26 16,-26 26-16,26-26 0,0 26 15,26-25-15,-27 25 0,1-26 16,0 26-16,-26-26 16,0 26-16,0 0 0</inkml:trace>
+  <inkml:trace contextRef="#ctx0" brushRef="#br0" timeOffset="8238">1892 3732 0,'-26'0'15,"1"0"-15,25 26 31,25 0-31,-25 0 16,26 0-16,-26 0 0,26 26 16,0-26-16,-26 25 15,26 1-15,-26-26 0,26 26 16,-26-26-16,0 0 0,0 0 16,0 0-16,0-52 31,0 0-16,0 0-15,0 0 0,0-26 16,0 26-16,0-26 0,-26-25 16,26 25-16,-26 0 15,26-26-15,-26 26 0,26 1 16,0-27-16,0 52 16,26-26-16,-26 26 0,26 0 15,0 26-15,0 0 0,0 26 16,0-26-16,0 52 15,26-26-15,-27 0 0,27 26 16,0 0-16,-26-1 0,26 1 16,-26 0-16,0 0 15,26 0-15,-26-26 0,-26 25 16,25-25-16,-25 0 16,0 0-16,0 0 0</inkml:trace>
+  <inkml:trace contextRef="#ctx0" brushRef="#br0" timeOffset="8413">2048 3966 0,'-26'0'15,"26"-26"-15,0 0 32,26 26-32,0-26 0,0 26 15,0-26-15,25 0 16,-25 0-16,26 26 0,0-26 15,0 0-15,-26 0 0</inkml:trace>
+  <inkml:trace contextRef="#ctx0" brushRef="#br0" timeOffset="9108">2592 3499 0,'0'-26'0,"26"26"16,0 26 15,0 0-15,-26 0-16,26 0 15,-26 26-15,26-26 16,0 25-16,0-25 0,0 26 16,-26-26-16,25 0 15,1 26-15,-26-26 0,26-26 16,-26 26-16,0 0 15,0-52 1,0 0 0,0 0-16,0 0 0,-26 0 15,26-26-15,0 0 16,-26 0-16,1 1 0,25-1 16,0 26-16,-26-26 15,26 0-15,0 26 0,0-26 16,26 27-16,-1 25 15,1 0-15,0 0 16,0 0-16,0 25 0,0 1 16,0 0-16,0 0 15,0 0-15,0 26 0,-26-26 16,26 0-16,0 0 16,-1 0-16,-25 0 0,26-1 15,-26 1-15,0-52 47,0 1-47,0-1 16,0 0-16,0 0 0,0-26 15,0 0-15,0 0 0,0 0 16,0 27-16,0-27 16,26 26-16,-26 0 0,26 26 15,0 0-15,0 0 0,0 0 16,0 26-16,26 0 15,-26 0-15,0 25 0,25-25 16,-25 26-16,0-26 16,26 0-16,-26 26 0,-26-26 15,26 0-15,0 0 0,-26 0 16,0-1-16,0 1 16</inkml:trace>
+  <inkml:trace contextRef="#ctx0" brushRef="#br0" timeOffset="9719">3914 3162 0,'0'-26'15,"-26"26"-15,26 26 31,26-26-15,-26 26-16,26 0 0,0 26 16,0-26-16,0 0 0,0 25 15,0 1-15,-1-26 16,1 26-16,-26-26 0,26 0 16,0 0-16,-26 0 15,26 0-15,-26 0 16,-26-26-1,0-26 1,0 26-16,26-26 0,-26-26 16,1 26-16,-1-26 15,0 0-15,0 0 0,0 1 16,26-1-16,-26 0 0,26-26 16,0 26-16,0 1 15,0 25-15,26-26 0,0 26 16,0 0-16,0 26 0,0 0 15,-1 0-15,27 0 16,-26 26-16,26-26 0,0 26 16,-26 26-16,26-26 15,-1-1-15,-25 27 0,26-26 16,-26 26-16,0 0 16,-26-26-16,26 26 0,-26-1 15,0-25-15,0 0 0,0 26 16,-26-26-1,26 0-15,-52 0 0,26-26 0,0 26 16,-25 0-16,25-26 0,-26 0 16,26 26-16,-26-26 15,26 0-15,0 0 0,0 0 16,0 0-16</inkml:trace>
+  <inkml:trace contextRef="#ctx0" brushRef="#br0" timeOffset="10435">4795 2903 0,'0'-26'16,"26"26"15,-26 26-15,26 0-16,-26 0 16,26 0-16,0 0 0,0 0 15,0-1-15,-26 27 16,52-26-16,-52 0 0,26 26 15,-1-26-15,1 0 0,0 0 16,-26 0-16,26 0 16,-26-1-16,-26-25 31,26-25-31,-26 25 16,26-26-16,-26 0 15,1 0-15,25-26 0,-26 26 16,0-26-16,26 0 0,-26 1 15,0-1-15,0 0 16,26-26-16,-26 26 0,26 0 16,0 1-16,26 25 0,-26-26 15,26 26-15,26 0 16,-26 0-16,25 0 0,-25 26 16,26 0-16,0 0 15,-26 0-15,26 0 0,-26 26 16,0 0-16,0 26 15,-26-26-15,25 0 0,-25 25 16,0 1-16,0-26 0,0 26 16,0-26-16,-25 0 15,25 0-15,-26 0 0,26 0 16,-26-26-16,0 26 16,0-26-16,0 0 0,0 0 15,0 0-15,0 0 0,0 0 16,0 0-16,0 0 15,1 0-15,-1 0 0,26-26 16,-26 26 0</inkml:trace>
+</inkml:ink>
+</file>
+
+<file path=ppt/ink/ink12.xml><?xml version="1.0" encoding="utf-8"?>
+<inkml:ink xmlns:inkml="http://www.w3.org/2003/InkML">
+  <inkml:definitions>
+    <inkml:context xml:id="ctx0">
+      <inkml:inkSource xml:id="inkSrc0">
+        <inkml:traceFormat>
+          <inkml:channel name="X" type="integer" max="1920" units="cm"/>
+          <inkml:channel name="Y" type="integer" max="1080" units="cm"/>
+          <inkml:channel name="T" type="integer" max="2.14748E9" units="dev"/>
+        </inkml:traceFormat>
+        <inkml:channelProperties>
+          <inkml:channelProperty channel="X" name="resolution" value="55.81395" units="1/cm"/>
+          <inkml:channelProperty channel="Y" name="resolution" value="55.6701" units="1/cm"/>
+          <inkml:channelProperty channel="T" name="resolution" value="1" units="1/dev"/>
+        </inkml:channelProperties>
+      </inkml:inkSource>
+      <inkml:timestamp xml:id="ts0" timeString="2020-11-20T18:37:29.996"/>
+    </inkml:context>
+    <inkml:brush xml:id="br0">
+      <inkml:brushProperty name="width" value="0.05" units="cm"/>
+      <inkml:brushProperty name="height" value="0.05" units="cm"/>
+      <inkml:brushProperty name="fitToCurve" value="1"/>
+    </inkml:brush>
+  </inkml:definitions>
+  <inkml:trace contextRef="#ctx0" brushRef="#br0">53 467 0,'-26'0'31,"26"26"-15,0 0-16,0 0 0,-26-1 15,26 27-15,0 26 16,0-26-16,0 26 0,26-1 16,-26 1-16,26 0 15,-1 0-15,1-1 0,0-25 16,26 0-16,-26 26 16,0-52-16,26 26 0,-26-26 15,26-1-15,-26 1 0,25 0 16,-25-26-16,0 0 15,0 0-15</inkml:trace>
+  <inkml:trace contextRef="#ctx0" brushRef="#br0" timeOffset="623">467 778 0,'0'-26'16,"0"52"15,0 0-31,26 26 16,-26-26-16,26-1 15,-26 1-15,0 26 0,26 0 16,-26-26-16,26 26 16,-26-26-16,0 26 0,26-27 15,-26 1-15,0 0 16,0 0-16,26-26 16,0-26-1,-26 0 1,0 0-16,0 1 0,0-27 15,0 0-15,-26 26 16,26-26-16,-26-26 0,26 27 16,-26-27-16,0 26 0,26-26 15,-26 26-15,26-25 16,-26 25-16,26 0 0,0 26 16,26-26-16,0 26 15,0 26-15,0 0 16,26 26-16,-26 0 0,25 0 15,-25 26-15,26 0 16,0-1-16,0 1 0,0 0 16,0 0-16,-27 26 15,27-26-15,-26-1 0,0 1 16,0 0-16,0 0 0,0-26 16,0 26-16,-26-26 15,26 0-15,-26-1 0,26-25 16,-26 26-16</inkml:trace>
+  <inkml:trace contextRef="#ctx0" brushRef="#br0" timeOffset="839">804 1011 0,'-26'0'0,"0"0"0,0-26 16,26 0-1,26 0 1,-26 0-16,26 26 16,0-25-16,0-1 15,0 26-15,0-26 0,0 0 16,0 26-16,26-26 16,-26 26-16,-1-26 0,1 26 15</inkml:trace>
+  <inkml:trace contextRef="#ctx0" brushRef="#br0" timeOffset="1325">1374 622 0,'0'26'16,"0"0"-1,-26-26-15,26 26 16,-25-26-16,25 26 16,0 0-16,0 0 0,0 26 15,25-26-15,-25 25 16,26-25-16,0 26 0,0-26 16,0 26-16,0-26 0,26 0 15,-26 0-15,0 0 16,26-26-16,-26 26 0,-1-26 15,1 0-15,0 0 16,0 0-16,0-26 0,0 0 16,-26 0-16,0 0 15,0 0-15,0 0 16,-26-26-16,0 26 0,0-26 16,0 27-16,0-27 15,1 26-15,-27-26 0,26 26 16,0 0-16,0 0 0,0 26 15,0-26-15,0 26 16,26 26 0,0 0-1,26-26-15,-26 26 16,0 0-16,26-26 16</inkml:trace>
+  <inkml:trace contextRef="#ctx0" brushRef="#br0" timeOffset="1667">1660 311 0,'0'-26'0,"0"0"16,25 26-16,1 0 16,-26 26-16,26 0 15,-26 0-15,26 0 0,0 26 16,0 0-16,0 0 16,0-1-16,0 1 0,0 0 15,0 0-15,0 0 0,25 0 16,-25 0-16,0-1 15,0-25-15,-26 0 0,26 0 16,-26 0-16,26-26 16</inkml:trace>
+  <inkml:trace contextRef="#ctx0" brushRef="#br0" timeOffset="2128">1945 804 0,'26'0'32,"-1"0"-32,-25-26 15,26 26-15,0 0 16,0-26-16,26 26 0,-26-26 16,0 0-16,0 26 0,26-26 15,-26 26-15,-26-26 16,25 0-16,-25 0 15,0 0-15,0 1 16,0-1-16,0 0 0,0 0 16,-25 0-16,25 0 0,-26-26 15,0 26-15,26 0 16,-26 26-16,26-26 0,0 0 16,-26 26-16,26-25 0,0 50 31,0 1-16,26 0 1,-26 0-16,26 26 0,0 0 16,0 0-16,-1 0 15,1-1-15,0 1 0,0 26 16,26-26-16,-26 0 0,26-26 16,-26 25-16,0 1 15,0-26-15,-1 0 0,1 0 16</inkml:trace>
+  <inkml:trace contextRef="#ctx0" brushRef="#br0" timeOffset="2574">2385 26 0,'0'-26'0,"26"26"31,0 26-15,0 0-16,26 0 16,-26 0-16,26 26 0,-1 0 15,27-1-15,-26 1 0,0 0 16,26 0-16,-27 0 15,1 26-15,-26-27 0,26 1 16,-26 0-16,0 0 16,0-26-16,-26 26 0,0-26 15,26 25-15,-26-25 0,0 0 16,0 0 0,-26-26-16,26 26 0,-26-26 15,26 26 1,-26-26-16,0 26 15,26 0 48</inkml:trace>
+</inkml:ink>
+</file>
+
+<file path=ppt/ink/ink13.xml><?xml version="1.0" encoding="utf-8"?>
+<inkml:ink xmlns:inkml="http://www.w3.org/2003/InkML">
+  <inkml:definitions>
+    <inkml:context xml:id="ctx0">
+      <inkml:inkSource xml:id="inkSrc0">
+        <inkml:traceFormat>
+          <inkml:channel name="X" type="integer" max="1920" units="cm"/>
+          <inkml:channel name="Y" type="integer" max="1080" units="cm"/>
+          <inkml:channel name="T" type="integer" max="2.14748E9" units="dev"/>
+        </inkml:traceFormat>
+        <inkml:channelProperties>
+          <inkml:channelProperty channel="X" name="resolution" value="55.81395" units="1/cm"/>
+          <inkml:channelProperty channel="Y" name="resolution" value="55.6701" units="1/cm"/>
+          <inkml:channelProperty channel="T" name="resolution" value="1" units="1/dev"/>
+        </inkml:channelProperties>
+      </inkml:inkSource>
+      <inkml:timestamp xml:id="ts0" timeString="2020-11-20T18:37:38.547"/>
+    </inkml:context>
+    <inkml:brush xml:id="br0">
+      <inkml:brushProperty name="width" value="0.05" units="cm"/>
+      <inkml:brushProperty name="height" value="0.05" units="cm"/>
+      <inkml:brushProperty name="fitToCurve" value="1"/>
+    </inkml:brush>
+  </inkml:definitions>
+  <inkml:trace contextRef="#ctx0" brushRef="#br0">471 106 0,'26'0'0,"-26"-26"0,26 26 15,0 0-15,-26-26 0,25 26 16,-25-26-16,26 26 16,-26-26-1,-26 26 1,1 0-16,-1 0 0,-26 0 15,26 0-15,-26 0 0,0 26 16,0-26-16,1 26 16,-1 0-16,26-26 0,-26 26 15,52 0-15,-26 0 16,26 0-16,0 0 16,26 0-16,0 0 0,0 0 15,26-1-15,-1 1 16,1 0-16,0 0 0,26 0 15,-26 0-15,0 0 16,-1 0-16,1 0 0,-26 0 16,26 0-16,-52 0 0,0 25 15,0-25-15,0 0 16,-26 0-16,-26 0 0,0 0 16,1 0-16,-1 0 15,-26-26-15,26 26 0,-26-26 16,27 0-16,-1 0 0,0 0 15,26-26-15,-26 26 16,26-26-16,0 0 16,26 0-16,26 0 15,-26 0-15</inkml:trace>
+  <inkml:trace contextRef="#ctx0" brushRef="#br0" timeOffset="703">860 106 0,'0'-26'15,"26"26"-15,-26-26 16,0 52 15,0 0-15,0 0-16,0 0 15,0 0-15,0 26 0,0-26 16,0 25-16,0 1 16,25-26-16,-25 26 0,26-26 15,-26 0-15,26 0 0,-26 0 16,26-26-16,0 26 15,0-26-15,0 0 0,0 0 16,0-26-16,0 26 16,0-26-16,0 26 0,-1-26 15,1 0-15,0 0 0,0 0 16,-26-26-16,26 26 16,-26 0-16,0 1 0,0-27 15,0 26-15,0 0 16,0 0-16,0 0 0,-26 0 15,26 0-15,0 52 47,0 0-31,0 0-16,0 0 0,26 0 16,-26 0-16,0 26 0,0-27 15,0 27-15,0 0 16,0-26-16,0 26 0,0-26 15,0 26-15,0-1 16,26-25-16,-26 26 0,0-26 16,0 0-16,26 0 0,-26 26 15,0-26-15,26 0 16,-26 0-16,0 0 16,0-52 15,0 0-16,0 0-15</inkml:trace>
+  <inkml:trace contextRef="#ctx0" brushRef="#br0" timeOffset="1080">1767 158 0,'0'-26'15,"0"0"-15,0 52 31,0 0-15,0 26 0,0-26-16,0 26 0,0-1 15,26 1-15,-26 0 0,0 0 16,26 0-16,-26 0 16,25-27-16,-25 27 0,0-26 15,26 0-15,-26 0 16,0 0-16,0 0 0,26-26 15</inkml:trace>
+  <inkml:trace contextRef="#ctx0" brushRef="#br0" timeOffset="1565">1844 469 0,'26'0'63,"0"-26"-63,0 26 15,0 0-15,0 0 16,26-26-16,0 26 0,-26 0 16,0-26-16,0 26 0,-1-26 15,1 26-15,-26-26 16,26 26-16,-26-26 0,0 1 15,0-1 1,-26 0-16,26 0 0,0 0 16,-26 26-16,26-26 0,0 0 15,0 0 1,-25 26-16,25 26 16,0 0-1,0 0-15,25 26 16,-25-26-16,0 25 0,0-25 15,26 26-15,-26 0 16,0-26-16,0 26 0,26-26 16,-26 0-16,0 25 15,0-25-15,0 0 0,26 0 16,-26 0-16,0 0 0,0 0 16,26 0-16,-26 0 15,0 0-15,0 0 16</inkml:trace>
+  <inkml:trace contextRef="#ctx0" brushRef="#br0" timeOffset="2682">1948 132 0,'0'26'31,"0"0"0,0 0-15,0 0-16,0 0 0,0 25 15,0 1-15,0-26 0,0 26 16,0 0-16,0 26 16,26-27-16,-26 1 0,0 0 15,26 0-15,-26 0 0,0 0 16,0-26-16,26 25 16,-26-25-16,0 0 0,0 0 15</inkml:trace>
+  <inkml:trace contextRef="#ctx0" brushRef="#br0" timeOffset="3066">1870 443 0,'-26'-52'0,"26"0"15,-25 26-15,25-25 16,-26 25-16,26 0 0,0 0 15,0 0 1,26 26-16,-1 0 0,1 0 16,0 0-16,26 0 0,0 26 15,0-26-15,0 26 16,0 0-16,-1 0 0,1 0 16,0 25-16,0-25 15,-26 26-15,0 0 0,0 0 16,-26-26-16,26 26 0,-26-1 15,-26-25-15,0 26 16,0-26-16,0 26 0,0-26 16,-26 0-16,26 0 15,-26 0-15,1 0 0,25-26 16,0 25-16,-26-25 0,26 0 16,0 26-16,0-26 15,0 0-15,26-26 16,0 1-1</inkml:trace>
+  <inkml:trace contextRef="#ctx0" brushRef="#br0" timeOffset="3571">2570 80 0,'0'26'47,"26"-26"-47,-26 26 0,26 0 16,0 0-16,-26 26 16,52-26-16,-26 25 0,0-25 15,0 26-15,-1-26 0,1 0 16,0 0-16,-26 0 15,26 0-15,0 0 0,0-26 16,-26 26-16,26-26 16,0-26-1,-26 0-15,26 26 0,-26-26 16,26 0-16,-26-26 16,0 26-16,0 0 0,26-26 15,-26 27-15,0-1 16,0 0-16,0 0 0,0 52 31,0 26-15,0-27-16,0 1 0,0 26 15,26 0-15,-26 0 16,25 0-16,-25 0 0,26-1 16,-26 1-16,0 0 0,26 0 15,-26-26-15,0 26 16,0-26-16,0 0 0,26-26 15</inkml:trace>
+  <inkml:trace contextRef="#ctx0" brushRef="#br0" timeOffset="4009">3737 236 0,'0'-26'0,"-26"0"15,0 26-15,0 0 16,0 0-16,-26 26 16,26 0-16,26 0 15,-26 25-15,0-25 0,26 26 16,0 0-16,0 0 0,0 0 16,0 0-16,26-1 15,0-25-15,-26 26 0,26 0 16,0-26-16,0 0 15,0 0-15,0 0 0,0-26 16,0 0-16,-1 0 0,1 0 16,0-26-16,0 0 15,0 0-15,0-26 0,0 26 16,-26-26-16,0-25 16,0 25-16,0 0 0,0 0 15,-26 0-15,0 0 0,0 1 16,0 25-16,0 26 15,-25 0-15,25 0 0,0 0 16,0 26-16,0-26 0,0 25 16,26 1-16,-26 0 15,26 0-15,26 0 16</inkml:trace>
+  <inkml:trace contextRef="#ctx0" brushRef="#br0" timeOffset="4416">4410 313 0,'26'0'0,"-52"-25"32,0 25-32,1 0 15,-1 25 1,26 1-16,-26 0 0,0 0 15,26 26-15,0 0 0,-26 0 16,26-26-16,0 25 16,0 1-16,26 0 0,0 0 15,0-26-15,0 0 0,-1 0 16,27 0-16,0-26 16,-26 0-16,26 0 0,0-26 15,0 0-15,-1 0 16,-25-26-16,0 0 0,0 0 15,0 1-15,-26-27 16,0 0-16,-26 26 0,-26 0 16,26-25-16,-25 51 0,-1-26 15,0 26-15,-26 26 16,0 0-16,1 26 0,-1 0 16,26 0-16,-26 0 0,26 25 15</inkml:trace>
+</inkml:ink>
+</file>
+
+<file path=ppt/ink/ink14.xml><?xml version="1.0" encoding="utf-8"?>
+<inkml:ink xmlns:inkml="http://www.w3.org/2003/InkML">
+  <inkml:definitions>
+    <inkml:context xml:id="ctx0">
+      <inkml:inkSource xml:id="inkSrc0">
+        <inkml:traceFormat>
+          <inkml:channel name="X" type="integer" max="1920" units="cm"/>
+          <inkml:channel name="Y" type="integer" max="1080" units="cm"/>
+          <inkml:channel name="T" type="integer" max="2.14748E9" units="dev"/>
+        </inkml:traceFormat>
+        <inkml:channelProperties>
+          <inkml:channelProperty channel="X" name="resolution" value="55.81395" units="1/cm"/>
+          <inkml:channelProperty channel="Y" name="resolution" value="55.6701" units="1/cm"/>
+          <inkml:channelProperty channel="T" name="resolution" value="1" units="1/dev"/>
+        </inkml:channelProperties>
+      </inkml:inkSource>
+      <inkml:timestamp xml:id="ts0" timeString="2020-11-20T18:37:44.421"/>
+    </inkml:context>
+    <inkml:brush xml:id="br0">
+      <inkml:brushProperty name="width" value="0.05" units="cm"/>
+      <inkml:brushProperty name="height" value="0.05" units="cm"/>
+      <inkml:brushProperty name="fitToCurve" value="1"/>
+    </inkml:brush>
+  </inkml:definitions>
+  <inkml:trace contextRef="#ctx0" brushRef="#br0">0 53 0,'0'26'15,"0"0"32,26-26-31,0 0-1,-1 0-15,1 26 0,0-26 16,26 0-16,26 0 16,0 0-16,25 0 0,1 0 15,26 0-15,-1 0 0,27 0 16,25-26-16,1 26 16,-1 0-16,-26 0 0,27 0 15,-1 0-15,1 0 16,-1 0-16,1 0 0,25 0 15,-26-26-15,27 26 0,-1 0 16,0 0-16,-25 0 16,25 0-16,-25 0 0,-1-26 15,-25 26-15,-1 0 16,-25 0-16,-1-26 0,1 26 16,-26 0-16,-1 0 0,-25 0 15,26 0-15,-53-26 16,27 26-16,-26 0 0,0 0 15,0 0-15,-26 0 16,0 0-16,-1 0 16,1 0 296,0 0-265,-26 26 47,26-26 0,0 0-1,0 0-30</inkml:trace>
+</inkml:ink>
+</file>
+
+<file path=ppt/ink/ink15.xml><?xml version="1.0" encoding="utf-8"?>
+<inkml:ink xmlns:inkml="http://www.w3.org/2003/InkML">
+  <inkml:definitions>
+    <inkml:context xml:id="ctx0">
+      <inkml:inkSource xml:id="inkSrc0">
+        <inkml:traceFormat>
+          <inkml:channel name="X" type="integer" max="1920" units="cm"/>
+          <inkml:channel name="Y" type="integer" max="1080" units="cm"/>
+          <inkml:channel name="T" type="integer" max="2.14748E9" units="dev"/>
+        </inkml:traceFormat>
+        <inkml:channelProperties>
+          <inkml:channelProperty channel="X" name="resolution" value="55.81395" units="1/cm"/>
+          <inkml:channelProperty channel="Y" name="resolution" value="55.6701" units="1/cm"/>
+          <inkml:channelProperty channel="T" name="resolution" value="1" units="1/dev"/>
+        </inkml:channelProperties>
+      </inkml:inkSource>
+      <inkml:timestamp xml:id="ts0" timeString="2020-11-20T18:38:02.281"/>
+    </inkml:context>
+    <inkml:brush xml:id="br0">
+      <inkml:brushProperty name="width" value="0.05" units="cm"/>
+      <inkml:brushProperty name="height" value="0.05" units="cm"/>
+      <inkml:brushProperty name="fitToCurve" value="1"/>
+    </inkml:brush>
+  </inkml:definitions>
+  <inkml:trace contextRef="#ctx0" brushRef="#br0">0 242 0,'0'-26'15,"26"0"-15,-26 0 0,26 0 16,0 1-16,25 25 15,1-26-15,0 0 0,0 0 16,26 26-16,-1-26 16,1 26-16,0 0 0,0 0 15,25 0-15,-25 0 16,0 26-16,-26 0 0,25 26 16,-25-1-16,0 1 0,-26 26 15,0 0-15,-26 0 16,0-1-16,0 1 0,-26 0 15,-26 0-15,26-1 0,-26 1 16,27 0-16,-1 0 16,0-27-16,0 27 0,0 0 15,26 0-15,-26-1 16,26 1-16,0 0 0,26 0 16,-26-1-16,26 1 0,0 0 15,0 0-15,0-1 16,-1-25-16,27 0 0,0 0 15,-26 0-15,26-26 16,26 0-16,-26-26 0,-1 0 16,27 0-16,0 0 0,-26-26 15,25 0-15,1 0 16,0 0-16,-26-26 0,0 26 16,-1 0-16,1-26 15,-26 27-15,0 25 0,0-26 16,-52 26-1,0 26-15,0-26 16,-26 25-16,1 27 0,-1-26 16,0 26-16,0-26 15,-26 26-15,52 0 0,-25-26 16,25 25-16,0 1 0,0 0 16,26 0-16,0 0 15,26 0-15,0-1 0,0 1 16,25 0-16,-25 0 15,26 0-15,-26 0 0,26-1 16,-26 1-16,26 0 0,-26 0 16,0 0-16,-1 0 15,-25-1-15,0 1 0,0-26 16,0 26-16,0 0 16,-25-26-16,-27 0 0,26 26 15,-26-27-15,26 1 0,-26 0 16,26 0-16,-26 0 15,27-26-15,-1 26 0,0-26 16,0 0-16,26-26 0,-26 0 16,26 0-16</inkml:trace>
+</inkml:ink>
+</file>
+
+<file path=ppt/ink/ink16.xml><?xml version="1.0" encoding="utf-8"?>
+<inkml:ink xmlns:inkml="http://www.w3.org/2003/InkML">
+  <inkml:definitions>
+    <inkml:context xml:id="ctx0">
+      <inkml:inkSource xml:id="inkSrc0">
+        <inkml:traceFormat>
+          <inkml:channel name="X" type="integer" max="1920" units="cm"/>
+          <inkml:channel name="Y" type="integer" max="1080" units="cm"/>
+          <inkml:channel name="T" type="integer" max="2.14748E9" units="dev"/>
+        </inkml:traceFormat>
+        <inkml:channelProperties>
+          <inkml:channelProperty channel="X" name="resolution" value="55.81395" units="1/cm"/>
+          <inkml:channelProperty channel="Y" name="resolution" value="55.6701" units="1/cm"/>
+          <inkml:channelProperty channel="T" name="resolution" value="1" units="1/dev"/>
+        </inkml:channelProperties>
+      </inkml:inkSource>
+      <inkml:timestamp xml:id="ts0" timeString="2020-11-20T18:38:09.675"/>
+    </inkml:context>
+    <inkml:brush xml:id="br0">
+      <inkml:brushProperty name="width" value="0.05" units="cm"/>
+      <inkml:brushProperty name="height" value="0.05" units="cm"/>
+      <inkml:brushProperty name="fitToCurve" value="1"/>
+    </inkml:brush>
+  </inkml:definitions>
+  <inkml:trace contextRef="#ctx0" brushRef="#br0">0 5656 0,'0'-26'16,"0"0"15,0 0-16,26 26-15,0-26 16,0 26 0,-1-25-16,1 25 0,0-26 15,0 26-15,0-26 0,26 26 16,-26-26-16,26 26 16,0 0-16,-27-26 0,27 26 15,26-26-15,-26 26 0,26 0 16,-26-26-16,25 26 15,1 0-15,0-26 0,25 26 16,-25 0-16,26-26 16,0 26-16,25 0 0,-25 0 15,-1 0-15,27 0 0,0 0 16,-1 0-16,1 0 16,-1 0-16,1 0 0,26 26 15,-27-26-15,27 0 16,-27 0-16,27 26 0,-1-26 15,-25 0-15,25 0 0,-25 0 16,0 0-16,-1 26 16,1-26-16,-1 0 0,1 0 15,-26 0-15,25 0 16,-25 26-16,25-26 0,-25 0 16,26 0-16,-1 0 0,1 0 15,25 0-15,-25 0 16,0 0-16,25 0 0,-25-26 15,-1 0-15,1 26 16,-26-26-16,25 0 0,1 0 16,-27 0-16,27 0 0,-26 1 15,25-1-15,-25 0 16,0-26-16,25 26 0,-25-26 16,25 26-16,-25-26 15,26 0-15,-27-25 0,27 25 16,-26-26-16,25 0 0,-25 1 15,0-1-15,-1-26 16,1 1-16,0-1 0,-27 0 16,27 1-16,-26-1 0,0-26 15,-27 27-15,27-1 16,-26 0-16,26 1 0,-26-1 16,-1 0-16,-25 26 15,26-25-15,-26-1 0,0 0 16,0 1-16,0-1 15,0 0-15,0 1 0,0-27 16,0 26-16,-1 1 0,1-27 16,0 27-16,26-1 15,-26 26-15,52 0 0,-26 1 16,-1-1-16,27 0 16,26 26-16,-26 0 0,25 1 15,1-1-15,0 26 0,-27 0 16,27-26-16,0 26 15,-1 0-15,-25 0 0,0 0 16,0 0-16,-1 26 0,1-25 16,-26-1-16,26 0 15,-52 0-15,26 0 0,-27 0 16,27 0-16,-26 0 16,-26 0-16,26 0 0,-26 0 15,26 26 1,-26-26-16,0 1 47</inkml:trace>
+  <inkml:trace contextRef="#ctx0" brushRef="#br0" timeOffset="599">12233 317 0,'78'0'16,"-26"26"-16,0-26 0,0 26 15,-27-26-15,1 26 16,0-26-16,-26 26 0,0 0 16,-26-1-16,0 1 15,1 0-15,-1 0 0,-26 26 16,26-26-16,0 26 15,-26-26-15,26 0 0,0 0 16,26-1-16,-26 1 0,26 0 16,-26-26-16,26 26 15,0 0-15,0 0 16,0 0 0</inkml:trace>
+  <inkml:trace contextRef="#ctx0" brushRef="#br0" timeOffset="1453">11767 84 0,'0'-26'0,"0"0"16,26 26-1,-26-26-15,26 26 16,-1 0 0,1 0-16,0 26 15,26-26-15,-26 26 0,26-26 16,0 0-16,0 26 15,25-26-15,-25 26 0,0-26 16,0 26-16,-26-26 16,26 25-16,-26-25 0,-1 0 15,1 26-15,-52-26 32,26 26-17,-25-26-15,25 26 0,-26-26 16,26 26-16,-26 0 15,0 0-15,26 0 0</inkml:trace>
+</inkml:ink>
+</file>
+
+<file path=ppt/ink/ink17.xml><?xml version="1.0" encoding="utf-8"?>
+<inkml:ink xmlns:inkml="http://www.w3.org/2003/InkML">
+  <inkml:definitions>
+    <inkml:context xml:id="ctx0">
+      <inkml:inkSource xml:id="inkSrc0">
+        <inkml:traceFormat>
+          <inkml:channel name="X" type="integer" max="1920" units="cm"/>
+          <inkml:channel name="Y" type="integer" max="1080" units="cm"/>
+          <inkml:channel name="T" type="integer" max="2.14748E9" units="dev"/>
+        </inkml:traceFormat>
+        <inkml:channelProperties>
+          <inkml:channelProperty channel="X" name="resolution" value="55.81395" units="1/cm"/>
+          <inkml:channelProperty channel="Y" name="resolution" value="55.6701" units="1/cm"/>
+          <inkml:channelProperty channel="T" name="resolution" value="1" units="1/dev"/>
+        </inkml:channelProperties>
+      </inkml:inkSource>
+      <inkml:timestamp xml:id="ts0" timeString="2020-11-20T18:35:21.518"/>
+    </inkml:context>
+    <inkml:brush xml:id="br0">
+      <inkml:brushProperty name="width" value="0.05" units="cm"/>
+      <inkml:brushProperty name="height" value="0.05" units="cm"/>
+      <inkml:brushProperty name="fitToCurve" value="1"/>
+    </inkml:brush>
+  </inkml:definitions>
+  <inkml:trace contextRef="#ctx0" brushRef="#br0">2329 3424 0,'0'-25'16,"0"-1"-1,0 0 1,26 26 0,-26 26-16,0 0 15,0-1-15,0 1 0,0 26 16,0 0-16,0-26 15,0 52-15,0-26 0,0-1 16,-26 27-16,26 0 0,-26-26 16,26 26-16,-26-1 15,26-25-15,0 26 0,-26-26 16,26 25-16,0-25 16,0 0-16,0 26 0,0-26 15,0 0-15,0-1 0,0 27 16,0-26-16,-26 0 15,26 26-15,-26-27 0,26 1 16,-26 0-16,26 0 16,-26 0-16,26-26 0,-25 0 15,25 0-15,0-1 0,-26-25 16,26 26-16,26-26 47,-26-26-47,25 26 0,1-25 15,0 25 1,0-26-16,0 26 16,0-26-16,26 26 0,-26 0 15,26-26-15,-26 26 16,25-26-16,1 26 0,26 0 16,-26 0-16,26 0 0,-1 0 15,27 0-15,-26 0 16,25 0-16,27 0 0,-26 0 15,25 0-15,1 0 16,0 0-16,-1 0 0,27 0 16,-1 0-16,1 0 0,25 0 15,-25 0-15,25 26 16,-25-26-16,25 0 0,-26 0 16,27 26-16,-1-26 15,-25 26-15,25-26 0,1 0 16,-27 26-16,27-1 0,-27-25 15,1 26-15,-27-26 16,1 0-16,-27 26 0,1-26 16,0 0-16,-26 0 0,-1 0 15,-25-26-15,0 26 16,0 0-16,0-26 0,-26 26 16,25 0-16,-25 0 15,26 0-15,-26 0 0,0 0 16,26 0-16,-26 0 15,0 0-15,26 0 0,-27 0 16,1 0-16,0 0 16,-26-25 93,0-1-93,0 0-16,0 0 15,0 0-15,0 0 16,0 0-16,0 0 16,0-26-16,0 0 0,26 26 15,-26-25-15,0-1 0,26 0 16,-26 0-16,26-26 15,-26 27-15,0-1 0,26-26 16,-26 26-16,26-26 16,-26 27-16,0-27 0,26 26 15,-26-26-15,0 26 0,26 1 16,-26-27-16,0 26 16,0 0-16,0 0 0,0 0 15,0 1-15,0-1 16,0 26-16,0-26 0,0 26 15,0 0-15,-26 0 0,26-26 16,0 26-16,0 1 16,-26-1-16,26 0 15,0 0 1,0 0 0,-26 26-16,0 0 93,0 0-77,0 0 0,0-26-1,0 26-15,0 0 0,-25 0 16,25 0-16,-26 0 0,-26 0 15,26 0-15,-25 0 16,-27 0-16,26 0 0,-26 0 16,-25-26-16,-1 26 15,1-26-15,-27 26 0,27-26 16,-27 26-16,1-26 0,-27 26 16,27 0-16,-1 0 15,-25-26-15,-1 26 0,27 0 16,-27 0-16,27 0 15,-27 0-15,27 0 0,25 0 16,1 0-16,-1 0 0,26 26 16,27-26-16,-1 26 15,0-26-15,26 26 0,0-26 16,1 0-16,25 26 0,0-26 16,-26 0-16,26 26 15,-26-26-15,26 0 0,0 26 16,-25-26-16,25 0 15,-26 26-15,26-26 0,-26 0 16,26 0-16,0 26 0,-26-26 16,26 0-16,0 0 15,1 0-15,-27 26 0,26-26 16,0 0-16,0 0 16,0 0-16,0 0 0,0 0 15,0 0-15,0 0 0,0 0 16,1 0-16,-1 0 15,0 0-15,0 0 16,0 0 0,0 0-1,0 0-15,0 0 16,0 0 0,0 0-16,0 0 15,0 0-15,1 0 16,-1 0-1,0 0-15,0 0 32,0 0-32,0 0 15,0 0-15,0 0 16,0 0 0,0 0-16,0 0 15,0 0 32,26 26-31,-25-26-16,-1 0 15,0 0-15,0 25 16,0-25-16,0 0 16,0 0-16,26 26 15,-26-26-15,0 0 16,26 26-1,0 0 1</inkml:trace>
+  <inkml:trace contextRef="#ctx0" brushRef="#br0" timeOffset="520">3625 3813 0,'0'-26'15,"-26"26"-15,26-26 16,-26 26-1,0 0-15,0 0 16,0 0-16,0 0 16,0 26-16,-25-26 0,25 26 15,-26 26-15,26-26 0,0 26 16,-26-26-16,26 26 16,0-1-16,26 1 0,0-26 15,0 26-15,0 0 16,0-26-16,26 0 0,0 26 15,0-27-15,26 1 0,-26-26 16,26 26-16,-1-26 16,1 0-16,0 0 0,0 0 15</inkml:trace>
+  <inkml:trace contextRef="#ctx0" brushRef="#br0" timeOffset="731">3288 4176 0,'-26'0'15,"26"26"-15,26-26 16,0 0 0,0 0-16,0 0 15,0 0-15,-1-26 0,1 26 16,26 0-16,-26 0 0,0-26 15,0 26-15</inkml:trace>
+  <inkml:trace contextRef="#ctx0" brushRef="#br0" timeOffset="1121">4117 4072 0,'-26'0'47,"0"0"-47,1-25 16,-1 25-16,0 0 15,0 0-15,0 0 0,0 0 16,-26 25-16,26-25 0,0 26 16,0 0-16,0 0 15,1 0-15,-1 0 0,26 0 16,0 0-16,0 0 16,0 0-16,0 0 0,26 0 15,-1-26-15,1 25 0,26-25 16,0 26-16,0-26 15,0 0-15,0 0 0,25-26 16,-25 26-16</inkml:trace>
+  <inkml:trace contextRef="#ctx0" brushRef="#br0" timeOffset="1379">4299 3839 0,'0'-26'0,"0"0"0,26 26 16,-26 26 0,0 0-1,0 0-15,26 0 16,-26 26-16,0-26 0,0 26 16,0-1-16,25-25 0,-25 26 15,0-26-15,26 26 16,-26 0-16,26-26 0,-26 0 15,0 0-15,26-1 16,-26 1-16</inkml:trace>
+  <inkml:trace contextRef="#ctx0" brushRef="#br0" timeOffset="1612">4687 4098 0,'26'26'47,"-26"0"-31,0 0-16,0 0 0,0 0 16,0 0-16,0 0 15,0 0-15,0 0 0,0 0 16,0-1-16,0 1 15,-26-26-15</inkml:trace>
+  <inkml:trace contextRef="#ctx0" brushRef="#br0" timeOffset="1805">4713 3839 0,'-26'0'0,"1"0"15,25 26-15,25 0 32</inkml:trace>
+  <inkml:trace contextRef="#ctx0" brushRef="#br0" timeOffset="3473">5206 4072 0,'0'26'16,"-26"-52"15,26 1 907,-26 25-938,26-26 15,-26 26 1,26-26-16,0 0 31,0 0-31,0 0 16,0 0-16,0 0 15,26 0-15,-26 0 16,0 0 0,26 26-16,-26 26 15,0 0-15,0 0 16,0 0-16,0 26 0,26 0 15,-26 0-15,26-1 16,-26 27-16,0 0 0,26-26 16,0 25-16,-26-25 15,0 0-15,26 0 0,-26 0 16,0-26-16,25 0 0,-25 0 16,0-1-16,0 1 15,0-52 1,0 1-1,0-1-15,0 0 16,0-26-16,0 0 16,0 26-16,-25-26 0,25 0 15,0 1-15,-26-1 0,26 0 16,0 0-16,0 0 16,0 26-16,0-25 0,0 25 15,0 0-15,26 26 16,-1 0-16,1-26 0,0 26 15,0 26-15,26-26 16,-52 26-16,26 0 16,0-1-16,0 1 0,-26 0 15,0 0-15,0 0 0,-26 0 16,0 0 0,0-26-16,-26 26 0,26-26 15,-26 0-15,27 26 16,-1-26-16,-26 0 0</inkml:trace>
+  <inkml:trace contextRef="#ctx0" brushRef="#br0" timeOffset="3894">5854 4098 0,'0'-26'0,"26"26"15,-26-25-15,0-1 16,26 26-16,-26-26 0,26 0 16,-26 0-16,25 0 15,-25 0-15,-25 26 16,25-26-16,-26 26 16,0 0-16,0 26 15,-26 0-15,26-26 0,0 26 16,-26 0-16,26 0 0,26 0 15,-26 0-15,26-1 16,0 1-16,0 0 0,26-26 16,0 26-16,0 0 0,0 0 15,0 0-15,26 0 16,-26-26-16,0 26 0,0 0 16,25-26-16,-51 26 15,26-26-15,-26 26 16,-26-26-16,1 0 0,-1 25 15,-26-25-15,26 0 16,0 0-16,0 0 0,0 0 16,0 0-16,0 0 15</inkml:trace>
+  <inkml:trace contextRef="#ctx0" brushRef="#br0" timeOffset="4363">6320 4098 0,'-26'-26'15,"26"1"17,26 25-32,0 0 15,0 0 1,0 0-16,0 0 15,0 0-15,0 0 0,0 0 16,0 0 0,-26-26-1,26 26-15,-26-26 16,-26 0 0,0 0-1,0 26-15,0-26 16,0 26-16,0 0 0,0 0 15,-26 26-15,26-26 0,1 26 16,-1 0-16,0 0 16,0 25-16,26-25 0,0 26 15,0 0-15,0-26 16,26 26-16,0-26 0,25 26 16,-25-27-16,26 1 0,0-26 15,0 26-15,0-26 16,0 0-16,-1 0 0,-25 0 15,26-26-15,-26 0 16</inkml:trace>
+  <inkml:trace contextRef="#ctx0" brushRef="#br0" timeOffset="18812">2847 1325 0,'0'-26'31,"0"52"47,0 0-78,0 0 16,0 0-16,0 0 16,26 0-1,-26 26-15,0-27 0,0 1 16,0 26-16,26-26 16,-26 26-16,0-26 0,0 0 15,26 26-15,-26-26 0,0-1 16,0 27-16,0-26 15,0 0-15,0 26 0,0-26 16,0 0-16,0 0 0,0 0 16,0 0-16,0-1 15,0 1-15,0 0 0,0 0 16,0 0-16,0 0 16,0 0-16,0 0 15,0 0-15,0 0 16,0 0-1,0 0-15,0-1 16,-26-25 0,26 26-16,0 0 15,0 0 17,0 0-17,0 0 16,0 0 1,26-26-32,-26 26 15,0 0 17,0 0 46,26-26-16,-26 26-62,26-26 47,0 0-31,0 0-16,0 0 15,25 0-15,-25 0 16,0 0-16,26 0 0,-26 0 16,26 0-16,0 0 15,-26-26-15,25 26 16,1 0-16,0 0 0,0 0 15,0 0-15,0 0 0,0 0 16,-1 0-16,27 0 0,-26 0 16,26 0-16,-26 0 15,25 0-15,1 0 0,0 0 16,-26 0-16,25 0 0,1 0 16,-26 0-16,26 0 15,-26 0-15,25 0 0,-25 0 16,26 0-16,-26 0 15,0 0-15,-1 0 0,1 0 16,0 0-16,0 0 0,0 0 16,0 0-16,-1 0 15,1 0-15,0 0 0,0 0 16,0 0-16,0 0 16,-1 0-16,1 26 0,0-26 15,0 0-15,-26 0 0,26 0 16,0 0-16,-27 0 15,27 0-15,-26 0 0,0 0 16,0 0-16,0 0 16,0 0-16,0 0 0,0 0 15,0 0-15,0 0 0,0 0 16,-1 0-16,1 0 16,0 0-16,26 0 0,-26 0 15,26 0-15,-26 0 16,0 0-16,0 0 0,25 0 15,-25 0-15,0 0 0,0 0 16,0 0-16,0 0 16,0 0-16,0 0 15,0 0-15,0 0 16,0 0-16,0 0 16,-1 0-16,1 0 15,0 0-15,0 0 0,0 0 16,0-26-16,0 26 0,0 0 15,0 0-15,0 0 0,0 0 16,0 0 0,-1 0-16,1 0 15,0 0 1,0 0-16,0 0 16,0 0-1,0 0-15,0 0 16,0 0-1,0 0 32,0 0-15,-26-26 14,-26 26-30,26-26 15,0 0-15,-26 0 0,26 0-1,0 0-15,0 0 16,0 0-1,0 0-15,0 1 16,0-1-16,0 0 16,0 0-16,26 0 15,-26 0-15,0 0 0,0 0 16,0 0-16,0 0 16,0 0-16,0 0 0,0 1 15,-26-1-15,26 0 16,0 0-16,0 0 15,0 0-15,0 0 0,0 0 16,0 0-16,0-26 16,0 26-16,0 1 0,0-1 15,0 0-15,0 0 0,0 0 16,0 0-16,0 0 16,0 0-16,0 0 0,0 0 15,0 0-15,0 0 16,0 1-16,0-1 15,0 0-15,0 0 16,0 0 0,0 0-1,-26 26 1,26-26-16,-26 0 16,26 0 15,0 0 0,-26 26-31,26-26 16,-26 0 15,26 0 16,0 1 15,-26 25 63,26-26-109,-26 26-16,0 0 16,0 0-16,1 0 15,-1 0-15,0 0 0,0 0 16,-26 0-16,26 0 15,-26 0-15,26 0 0,-26 0 16,1 0-16,25 0 0,-26 0 16,26 0-16,-26 0 15,0 0-15,0 0 0,1 0 16,25 0-16,-26 0 16,0 0-16,-26 0 0,26 0 15,1 0-15,-27 0 0,26 0 16,0 0-16,-26 0 15,27 0-15,-1 0 0,0 0 16,0 0-16,0 0 16,26 0-16,-26 0 0,27 0 15,-1 0-15,0 0 0,0 0 16,0 26-16,0-26 16,-26 0-16,26 0 0,0 0 15,-26 0-15,1 25 16,-1-25-16,0 0 0,0 0 15,0 0-15,0 0 0,1 0 16,-1 0-16,0 0 16,0 0-16,0 0 0,26 0 15,-26 0-15,1 0 16,25 0-16,-26 0 0,0 0 16,26 0-16,-26 0 0,0 0 15,1 0-15,25 0 16,-26 0-16,0 0 0,0 0 15,0 0-15,1 26 16,25-26-16,-26 0 0,0 0 16,26 0-16,-26 0 0,26 0 15,0 0-15,0 0 16,1 0-16,-1 0 0,0 0 16,0 0-1,0 0-15,0 0 16,0 0-16,0 0 15,0 0 1,0 0-16,0 0 16,0 0-1,0 0 1,1 0-16,-1 26 16,0-26-1,0 0-15,0 0 16,0 26-16,0-26 15,0 0-15,0 0 16,0 0-16,0 0 16,0 0 15,1 0-15,-1 26-1,0-26 1,0 0-1,0 0 32,0 0 31,0 0-62,0 26 0,0-26-1,0 0-15,26 26 125,26-26-93,-26 26-32</inkml:trace>
+  <inkml:trace contextRef="#ctx0" brushRef="#br0" timeOffset="19725">3806 1714 0,'0'-26'16,"0"0"15,-26 52 32,0 0-48,26 0-15,0 0 16,-25 26-16,25-27 0,-26 27 16,26 0-16,0-26 0,0 26 15,0 0-15,0-26 16,-26 25-16,26-25 0,0 0 15,0 0-15,0 0 16,0 0-16,0 0 0,0 0 16,0 0-16,0 0 15,26-52 32,-26 0-31,0 0-16,0 0 15</inkml:trace>
+  <inkml:trace contextRef="#ctx0" brushRef="#br0" timeOffset="20198">3806 1636 0,'0'-26'15,"0"0"1,26 26-16,0 0 31,-26-26-31,26 26 16,0 0-16,0 26 15,0-26-15,0 26 0,26-26 16,-27 26-16,1 0 16,0 0-16,0 26 0,0-26 15,0 0-15,0 25 0,0 1 16,0-26-16,-26 26 15,26-26-15,-26 26 0,26-26 16,-26 0-16,0 0 16,0-1-16,0 1 0,0 0 15,0 0-15,0 0 0,0 0 16,0 0 0,0 0-1</inkml:trace>
+  <inkml:trace contextRef="#ctx0" brushRef="#br0" timeOffset="20577">3806 2025 0,'26'0'62,"0"-26"-46,0 26-16,0 0 0,0 0 15,0 0-15,0 0 16,0 0-16,0 0 0,-1-26 16,1 26-16,0 0 15,0 0-15,0 0 0,0 0 16,-26-26 0,26 26-1</inkml:trace>
+  <inkml:trace contextRef="#ctx0" brushRef="#br0" timeOffset="21098">4687 1662 0,'-25'0'0,"25"26"63,0 0-48,0 0-15,25 0 0,-25 0 16,26 25-16,-26-25 16,0 26-16,26-26 0,-26 26 15,0 0-15,26-26 16,-26 0-16,0 25 0,0-25 16,0 0-16,26-26 0,-26 26 15,0 0-15,26 0 16,-26 0-16</inkml:trace>
+  <inkml:trace contextRef="#ctx0" brushRef="#br0" timeOffset="21855">4402 1740 0,'0'-26'16,"0"0"0,26 0-1,0 0-15,0 0 16,0 26 0,26-26-16,-26 26 0,26-26 15,-26 26-15,25 0 0,1 0 16,-26 0-16,26 0 15,0 0-15,-26 26 0,26-26 16,-26 26-16,25 0 0,-25 0 16,26 0-16,-26 0 15,0 0-15,0 0 0,0 26 16,0-27-16,-26 27 16,26-26-16,-26 26 0,0-26 15,0 26-15,0-26 0,-26 0 16,26 0-16,-26 25 15,0-25-15,0 0 0,0 0 16,0 0-16,0 0 16,0 0-16,0 0 0,0-26 15,1 26-15,-1 0 0,0-26 16,0 0-16,0 26 16,0-26-16,0 0 0,0 0 15,0 0-15,0 0 16,0 0-16,0 0 0,0 0 15,1 0-15,-1-26 0,0 26 16,0 0-16,0 0 16,26-26-1,-26 26 1,52 0 31,0 0-32</inkml:trace>
+  <inkml:trace contextRef="#ctx0" brushRef="#br0" timeOffset="22581">5387 1688 0,'0'-26'16,"-26"26"-1,26-26 1,26 26 0,0 0-1,0-26 1,0 26-16,0 0 16,0 0-16,0 0 0,26 0 15,-26 0-15,25 0 16,-25 0-16,26 0 0,0 0 15,0 0-15,-26 0 0,26 0 16,-1 0-16,-25 0 16,26 0-16,-26 0 0,0 0 15,0 0 1,-52 0 0,0 0-1,26-26-15,-26 26 16</inkml:trace>
+  <inkml:trace contextRef="#ctx0" brushRef="#br0" timeOffset="22940">5802 1610 0,'0'26'16,"0"0"15,-26 0-31,26 0 16,0 26-16,0-26 15,0 0-15,0 25 0,0-25 16,26 26-16,-26-26 0,0 26 16,0-26-16,0 26 15,0-26-15,26-1 0,-26 1 16,0 0-16,0 0 15,0 0-15,0 0 16,26-26-16,-26 26 0,0 0 31,26-26-15,-26-26 0</inkml:trace>
+  <inkml:trace contextRef="#ctx0" brushRef="#br0" timeOffset="24434">4869 444 0,'0'-26'16,"0"52"46,26 0-46,-26 0-1,0 0-15,0 25 0,0-25 16,26 0-16,-26 26 0,0-26 16,0 0-16,0 26 15,0-26-15,0 0 0,0 0 16,26-1-16,-26 1 0,0 0 15,0 0 1,0 0-16,0 0 16,0 0-1,0 0 1</inkml:trace>
+  <inkml:trace contextRef="#ctx0" brushRef="#br0" timeOffset="25281">4817 81 0,'0'-26'0,"-26"26"15,26-26-15,-26 26 16,26-26-16,-26 26 0,0 26 15,26 0 1,-26-26-16,26 26 0,-25 0 16,25 26-16,0-26 0,0 0 15,0 25-15,0-25 16,0 0-16,25 26 0,1-26 16,0 0-16,0 0 15,0-26-15,0 26 0,0-26 16,0 0-16,0 0 0,0 0 15,0 0-15,0 0 16,0 0-16,-26-26 0,25 0 16,1 0-1,-26 0-15,0 0 0,26 0 16,-26-26-16,0 27 0,-26-27 16,26 26-16,-26 0 15,26-26-15,-25 26 0,-1 0 16,0 0-1,0 26-15,0 0 0,0 0 16,0 26-16,26 0 16,-26-26-16,26 26 15,0 0-15,0 0 0</inkml:trace>
+  <inkml:trace contextRef="#ctx0" brushRef="#br0" timeOffset="26253">4895 936 0,'-26'0'0,"52"0"63,0 0-17,-26 26-46,0 0 32,0 0-17,0 0 1,0 0 0,0 0 15,26-26-16,-26 26-15,-26-26 157</inkml:trace>
+  <inkml:trace contextRef="#ctx0" brushRef="#br0" timeOffset="29047">3703 2699 0,'26'0'16,"-26"26"15,0 0-15,0 0-16,25-26 15,-25 25-15,0 1 16,0 0-16,26 0 16,-26 0-16,0 0 15,0 0-15,26 0 0,-26 0 16,0 0-16,0 0 0,0 0 15,0-1-15,0 1 16,0 0-16,0 0 0,0 0 16,0 0-1</inkml:trace>
+  <inkml:trace contextRef="#ctx0" brushRef="#br0" timeOffset="29604">3780 2673 0,'-26'26'16,"1"0"-1,-1 0 1,0 0-1,26-1 1,-26-25 0,26-25 31,26 25-47,-26-26 15,26 0 1,-26 0-16,26 26 15,-26-26-15,25 0 16,-25 0 0,26 26-1,-26 26 1,26 0-16,0 0 16,0 0-16,0 0 15,0 0-15,26-1 16,-26 1-16,0 0 0,0 0 15,-1-26-15</inkml:trace>
+  <inkml:trace contextRef="#ctx0" brushRef="#br0" timeOffset="29976">3599 3113 0,'26'0'15,"0"0"17,0 0-17,0 0 1,0 0-16,-1 0 0,1 0 16,0 0-16,-26 26 15,26-26-15,0 0 0,0 26 16,0-26-16</inkml:trace>
+  <inkml:trace contextRef="#ctx0" brushRef="#br0" timeOffset="30241">3988 3036 0,'0'26'15,"-26"-26"-15,0 26 16,0-26-16,26 25 16,-26-25-16,0 26 0,0-26 15,0 26 1,26 0-16,-26-26 15,26 26-15</inkml:trace>
+  <inkml:trace contextRef="#ctx0" brushRef="#br0" timeOffset="30834">5102 2777 0,'-26'0'16,"0"0"15,26 25-31,-26 1 16,1-26-16,25 26 15,-26 0-15,0 0 0,26 0 16,-26-26-16,26 26 16,-26-26-16,26 26 0</inkml:trace>
+  <inkml:trace contextRef="#ctx0" brushRef="#br0" timeOffset="31086">5076 2751 0,'0'-26'16,"26"26"15,0 26-16,0 0 1,0-26-16,-26 25 16,26 1-16,0 0 0,0 0 15,0 0 1,0 0-16,-1 0 16,1 0-1</inkml:trace>
+  <inkml:trace contextRef="#ctx0" brushRef="#br0" timeOffset="31350">5206 2802 0,'0'26'15,"0"0"1,0 0 0,0 0-16,0 0 15,0 0-15,26 0 0,-26 0 16,0 0-16,0 0 16,26-26-16,-26 26 0,0-1 15,26 1-15,-26 0 16</inkml:trace>
+  <inkml:trace contextRef="#ctx0" brushRef="#br0" timeOffset="31579">5102 3113 0,'26'0'62,"0"0"-62,0 26 16,0-26 0,0 0-16,0 0 0,0 26 15,0-26-15,-1 0 0</inkml:trace>
+  <inkml:trace contextRef="#ctx0" brushRef="#br0" timeOffset="31801">5517 3088 0,'-26'0'31,"0"0"-16,26 25 1,-26-25-16,0 0 16,0 0-16,0 26 15,0-26 1,1 26-16</inkml:trace>
+  <inkml:trace contextRef="#ctx0" brushRef="#br0" timeOffset="32755">6320 2751 0,'-26'0'15,"26"26"32,-25-26-47,-1 25 16,0 1-1,26 0-15,-26 0 0,0-26 16,26 26-16,-26 0 0,0 0 31,52-26 1,-26-26-32,26 26 15,0-26 1,-26 0-16,26 26 0,0-26 15,-26 0-15,26 26 16,-26-26-16,25 1 16,-25-1-1,26 26 1,-26 26 0,26-26-16,0 25 15,0 1 1,0 0-1,0 0-15,0 0 16,0 0 0,-52-52 15,0 0-15,0 26-1,0-26 1,0 26-16,0-26 31,0 26-15,26 26-1,26 0 1,-26 0-16,0 0 16,0 0-16,26 0 15,-26 0-15,0 0 16,26 0-16,-26 0 0,0-1 15,0 1 17</inkml:trace>
+  <inkml:trace contextRef="#ctx0" brushRef="#br0" timeOffset="32989">6372 3088 0,'0'25'63,"26"-25"-48,0 0 1,0 0-1,-26 26-15,26-26 16</inkml:trace>
+  <inkml:trace contextRef="#ctx0" brushRef="#br0" timeOffset="33200">6554 3088 0,'-26'0'47,"26"25"-47,-26 1 15,0-26-15,0 26 16,0 0 0,0-26-16,0 26 0,0-26 15,26 26-15</inkml:trace>
+  <inkml:trace contextRef="#ctx0" brushRef="#br0" timeOffset="34932">7487 2103 0,'0'-26'15,"26"26"48,0 0-47,25 0-16,1 0 0,0 0 15,52 26-15,-27-26 0,27 0 16,26 0-16,-27 26 15,27-26-15,-26 0 0,25 0 16,-25 0-16,0 0 16,-1 0-16,1 0 0,-26 0 15,25 0-15,-51 0 0,26 0 16,0 0-16,-26 0 16,-1 0-16,-25 0 0,0 0 15,0 0-15,0 0 16,-52 0 31,26 25-47,-26-25 31,26 26-31,0 0 16,0 0-1,0 0 1,0 0-16,0 0 0,0 26 15,0-26-15,0 0 16,0 25-16,0 1 0,0-26 16,26 26-16,-26 0 0,0 0 15,26-26-15,-26 26 16,0-1-16,26-25 0,-26 26 16,26 0-16,-26-26 15,0 26-15,0-26 0,0 25 16,26-25-16,-26 26 0,0 0 15,0-26-15,0 26 16,0 0-16,0-26 0,0 25 16,0-25-16,0 26 15,0-26-15,0 0 0,0 26 16,0-26-16,0 0 0,0 0 16,0-1-16,0 1 15,0 0-15,0 0 0,0 0 16,0 0-16,0 0 15,0 0-15,26 0 16,-26 0-16,0 0 16,0 0-1,0 0 1,0-1 15,0 1-15,0 0-1,0 0 1,0 0 15,0 0 16,26-26 47,0 0-94,-1 0 16,1 26-16,0-26 0,0 0 15,0 0-15,0 0 16,26 0-16,-26 0 15,26 0-15,-26 0 0,25 0 0,-25 0 16,0 0-16,26 0 16,-26 0-16,0 0 0,0 0 15,-26-26-15,26 26 16,0 0-16,0 0 16,0 0-16,-1 0 15,1 0 1,0 0-1,0 0 17</inkml:trace>
+  <inkml:trace contextRef="#ctx0" brushRef="#br0" timeOffset="35509">10441 3969 0,'-26'0'16,"26"26"31,26-26-16,-26 26-31,26-26 0,0 26 16,0-26-1,-26 25-15,26-25 0,0 0 16,0 26-16,0-26 16,-26 26-1,26-26-15,-26 26 32,-26-26-17,26 26-15,-26 0 31,0-26 1,26 26-32,-26 0 15,26 0 17,-26-26-17,26 26-15,-26-26 16,26 26-1,-26-26 1,0 0 0</inkml:trace>
+  <inkml:trace contextRef="#ctx0" brushRef="#br0" timeOffset="36631">7772 1843 0,'26'0'16,"0"0"15,-26 26 1,-26 0-17,0 0 1,0-26-16,0 26 15,0 0-15,0-26 16,0 26-16,0 0 0,0-26 16,0 26-16,1-26 0,-1 0 15,26 26-15,-26-26 16,26 26-16,-26 0 16,26-1-1,-26-25-15,26 26 16,26-26-16,0 26 15,0 0 1,0-26-16,-1 0 0,1 26 16,0-26-16,0 0 0,0 26 15,0-26-15,0 0 16,0 26-16,0-26 0,0 26 16,-26 0 15,26-26-31,0 0 31</inkml:trace>
+  <inkml:trace contextRef="#ctx0" brushRef="#br0" timeOffset="66065">2795 5342 0,'26'0'16,"-26"-25"-1,26 25 1,-52 0 31,0 25-32,26 1 1,-25-26 0,25 26-16,-26 0 0,0 0 15,0 0 1,0 0-16,26 0 0,-26-26 16,26 26-16,-26-26 0,26 26 15,-26-26 1,52-26 15,0 0-15,0 0-16,-26 0 15,26 0-15,0 0 16,-26 0-16,26 0 0,0 0 16,-26 1-16,25 25 15,1 0-15,0 0 16,-26 25-1,26 1-15,0 0 16,-26 0-16,26 0 16,-26 0-16,26 0 15,-26 0-15,26 0 0,0 0 16,-26 0 0,26-26-1</inkml:trace>
+  <inkml:trace contextRef="#ctx0" brushRef="#br0" timeOffset="66449">2770 5291 0,'0'26'16,"0"-1"-16,0 1 16,25 0-16,-25 0 15,0 0-15,0 26 0,0-26 16,0 0-16,26 26 16,-26-1-16,0-25 0,0 26 15,26-26-15,-26 0 16,0 26-16,0-26 0,26 0 15,-26 26-15,0-27 0,0 1 16,0 0-16,0 0 16,0 0-16,0 0 15,0 0-15,0 0 32</inkml:trace>
+  <inkml:trace contextRef="#ctx0" brushRef="#br0" timeOffset="67001">2640 6068 0,'0'-26'31,"0"52"0,26-26-15,-26 26 0,26-26-16,-26 26 0,26-26 15,0 26-15,0-26 0,-26 26 16,25-26-16,27 26 15,-26-26-15,0 0 0,0 26 16,0-26-16,26 0 0</inkml:trace>
+  <inkml:trace contextRef="#ctx0" brushRef="#br0" timeOffset="67308">3106 5964 0,'0'26'47,"-25"-26"-15,25 26-32,-26-26 15,0 26 1,0 0-16,0-26 15,0 26-15,26 0 0,-26-26 16,0 26-16,0 0 16,0 0-16,26 0 15,-26 0 1,26-1 0,26-25-16</inkml:trace>
+  <inkml:trace contextRef="#ctx0" brushRef="#br0" timeOffset="68555">3003 6457 0,'0'-26'15,"26"26"1,-26-26-16,-26 26 16,0 0-1,0-26-15,0 26 0,0 0 16,-26 0-16,0 0 16,-25 0-16,-1 0 0,0 0 15,0 0-15,-25 26 0,25-26 16,-26 0-16,1 0 15,25 26-15,-26-26 0,26 0 16,27 26-16,-27-26 16,26 0-16,26 26 0,-26 0 15,26-26-15,26 26 0,-26 0 16,1-26-16,25 26 16,-26-1-16,26 1 15,-26 0-15,26 0 16,-26 0-16,26 0 0,0 26 15,-26-26-15,26 26 0,0-26 16,-26 25-16,26 1 16,-26 78-16,26-78 15,0-1-15,0 1 16,0 0-16,0 0 0,0 0 16,0-26-16,26 26 0,-26-1 15,26-25-15,0 26 16,0-26-16,0 0 0,0 0 15,-1 26-15,27-52 0,-26 26 16,26 0-16,26 0 16,-26-26-16,25 25 0,1-25 15,0 0-15,26 26 16,-27-26-16,27 0 0,26 0 16,-27 0-16,1 0 15,26 0-15,-27 0 0,27-26 16,-1 26-16,-25-25 0,0 25 15,-1-26-15,1 0 16,0 0-16,-26 0 0,-1 0 16,1-26-16,0 26 15,-26 0-15,-1 0 0,1-26 16,-26 27-16,26-27 0,-26 26 16,-26-26-16,26 26 15,0-26-15,-26 0 0,26 1 16,-26 25-16,0-26 0,0 0 15,0 0-15,0 26 16,0-26-16,0 1 0,-26-1 16,0 0-16,0 0 15,0 0-15,0 26 0,-26-26 16,0 27-16,1-27 0,-27 26 16,0 0-16,0 0 15,1 0-15,-1 0 0,-26 26 16,26 0-16,1 0 15,-1 0-15,0 0 0,0 0 16,1 26-16,25-26 0,0 0 16,-26 26-16,26-26 15,1 26-15,-1-26 0,26 0 16,-26 26-16,26-26 16,0 0-16</inkml:trace>
+  <inkml:trace contextRef="#ctx0" brushRef="#br0" timeOffset="69317">2070 6923 0,'-26'0'31,"0"0"-16,26 26 1,-26-26-16,26 26 0,-26 0 16,26 0-16,0 0 0,-26 0 15,26 0-15,0 26 16,0-26-16,0 0 0,0-1 16,0 1-16,0 0 15,26 0-15,0 0 16,0-26-16,0 0 0,0 0 15,0 0-15,0 0 16,-1-26-16,1 26 0,0-26 16,0 0-16,0 0 15,0 1-15,-26-1 16,26 0-16,-26 0 0,0 0 16,0 52 15,0 0-31,0 0 15,0 0 1,26-1-16,0-25 0,-26 26 16,26-26-16,0 26 15,0-26-15,0 0 16,25 0-16,-25 0 0,0 0 16,0-26-16,0 26 0,0-26 15,0 1-15,0-1 0,0 0 16,-26 0-16,0 0 15,0-26-15,0 26 0,0-26 16,0 26-16,-26 0 0,0 1 16,26-1-16,-26 26 15,0 0-15,0 0 0,0 0 16,0 0-16,26 26 16,0-1-16</inkml:trace>
+  <inkml:trace contextRef="#ctx0" brushRef="#br0" timeOffset="69731">2925 7079 0,'0'26'31,"0"0"-16,26-26 1,0 26 0,0-26-16,0 0 15,0-26-15,0 0 16,-1 26-16,1-26 16,-26 0-16,0 0 15,0 0-15,0 0 16,-26 0-16,1 26 15,-1-26-15,0 26 16,0 0-16,0 0 16,0 0-16,0 26 0,0 0 15,26 0-15,0 0 16,0 0-16,0 0 0,0 0 16,0 0-16,0 0 15,0 0-15,26 0 0,0-1 16,0-25-16,0 26 0,0-26 15,0 0-15</inkml:trace>
+  <inkml:trace contextRef="#ctx0" brushRef="#br0" timeOffset="70169">3340 6846 0,'0'-26'16,"-26"0"-16,26 0 15,26 52 1,-26 0 0,26 0-16,-26 26 15,0-27-15,26 1 0,-26 0 16,25 26-16,-25-26 16,0 0-16,0 0 0,0 0 15,0 0-15,0 0 0,26-26 16,-26 26-16,0-52 31,0 0-15,26 0-16,0 0 15,0 0-15,0 0 16,0 0-16,0 0 16,0 26-16,0-26 0,26 26 15,-26 0-15,25 0 0,-25 0 16,0 26-16,0-26 15,0 26-15,-26 0 0,-26 0 16,0 0 0,0-26-16,0 26 0,-25-26 15,-1 0-15,0 0 0,0 0 16,26 0-16</inkml:trace>
+  <inkml:trace contextRef="#ctx0" brushRef="#br0" timeOffset="70920">5102 5576 0,'0'-26'0,"0"0"16,26 26-16,-52 0 31,26 26-31,-26-26 0,26 26 16,0 0-16,-26-26 15,26 26-15,-26-1 0,26 1 16,-25 0 0,25 0-1,25-26 1,1-26-1,0 26-15,26-26 16,-26 0-16,0 26 0,0-25 16,0-1-16,0 0 15,0 0-15,0 0 0,-1 26 16,-25-26-16,26 26 16,-26-26-16,26 26 0,0 0 15,-26 26-15,26 0 16,-26 0-16,26 0 15,0 0-15,0 0 0,-26-1 16,26 1-16,0 0 16,0-26-16,-26 26 0,26 0 15,-52-26 1</inkml:trace>
+  <inkml:trace contextRef="#ctx0" brushRef="#br0" timeOffset="71177">5439 5653 0,'-26'0'15,"0"-25"-15,26-1 0,-26 0 16,26 0 0,0 52-1,26 0 1,-26 0-16,26-1 16,-26 27-16,26-26 0,0 26 15,-26 0-15,26-26 16,0 26-16,-26-1 0,26-25 15,0 26-15,-26-26 16,26 26-16,-26-26 0,26 0 16,-26 0-16,0 0 0,25-26 15,-25 26-15,0-1 16</inkml:trace>
+  <inkml:trace contextRef="#ctx0" brushRef="#br0" timeOffset="71436">5361 6275 0,'0'-25'31,"0"50"0,26 1-15,0-26-16,-26 26 16,26-26-16,0 26 0,0 0 15,0-26-15,0 0 16,0 26-16,0-26 16,0-26-16</inkml:trace>
+  <inkml:trace contextRef="#ctx0" brushRef="#br0" timeOffset="71603">5750 6250 0,'26'-26'16,"-26"0"-16,0 0 16,26 26-16,-26-26 15,-26 26 1,26 26 0,-26 0-16,0 0 15,26 0-15,-26-1 0,0 1 16,0 0-16,26 0 15,-25 0-15</inkml:trace>
+  <inkml:trace contextRef="#ctx0" brushRef="#br0" timeOffset="72359">5854 6638 0,'0'-26'0,"0"1"0,0-1 15,-26 0-15,26 0 16,-26 0-16,-26 0 0,0 26 16,0 0-16,1 0 0,-27 0 15,0 0-15,0 26 16,1 0-16,-27 0 0,26 26 16,26-1-16,-25-25 15,25 26-15,0 26 0,0-26 16,26 0-16,0 25 0,0-25 15,0 26-15,26-26 16,0 25-16,0-25 0,26 0 16,-26 0-16,26 0 15,26 0-15,0-1 0,0 1 16,26-26-16,-1 26 0,1-26 16,0 26-16,25-26 15,-25 0-15,26-26 0,-26 26 16,-1-26-16,27 0 15,-26-26-15,25 0 0,-25 0 16,26 0-16,0 0 0,-27-26 16,27 0-16,-26 0 15,25 1-15,-25-1 0,0 0 16,-26-26-16,26 26 16,-53 1-16,27 25 0,-26-26 15,0 0-15,-26 0 0,0 26 16,-26-26-16,0 1 15,0-1-15,-25 0 0,-1 26 16,0-26-16,0 0 0,-26 0 16,26 27-16,-25-1 15,25 0-15,-26 0 0,0 0 16,27 0-16,-27 26 16,0 0-16,0-26 0,26 26 15,-25 0-15,25 0 0,0 0 16,0 0-16,26 26 15,0-26-15,0 0 0</inkml:trace>
+  <inkml:trace contextRef="#ctx0" brushRef="#br0" timeOffset="72816">5258 6898 0,'0'-26'31,"0"0"-15,0 0 0,26 26-16,-26-26 0,26 0 15,-1 26 1,1-26-16,0 26 16,0-26-16,0 26 15,0 0-15,-26-26 0,26 26 16,0 0-16,0 0 15,-52 26 17,0 0-17,0 0 1,26 0-16,-26-26 16,26 26-16,-26-26 15</inkml:trace>
+  <inkml:trace contextRef="#ctx0" brushRef="#br0" timeOffset="73234">5335 6898 0,'0'-26'0,"26"26"0,-26-26 16,26 26 0,-26 26 15,0 0-16,0-1-15,0 1 16,0 26-16,0-26 0,0 26 16,0 0-16,0-26 15,0 26-15,0-27 0,0 27 16,0-26-16,0 0 16,0 0-16,0 0 0,0 0 15,0 0 1,-26-26 15,0 0-15,1-26-16,-1 26 0,-26 0 15,26-26-15,-26 26 16,26 0-16,-26-26 0,26 26 16,0 0-16,1 0 0,-1-26 15,0 26-15</inkml:trace>
+  <inkml:trace contextRef="#ctx0" brushRef="#br0" timeOffset="74844">5595 7001 0,'0'26'62,"26"0"-46,-26 0-1,0 0-15,0 0 16,25 0-16,-25 26 0,0-27 16,26 27-16,-26-26 15,0 0-15,26 0 0,-26 26 16,0-26-16,26 0 0,-26 0 16,0 0-1,0-52 32,0 0-47,0 0 16,0 0-1,0 0-15,0 0 0,-26-26 16,26 26-16,0 0 16,-26-25-16,26 25 0,0 0 15,0 0-15,0 0 0,0 0 16,0 0-1,26 0-15,0 0 32,-26 0 15,0 0-32,0 0 1,0 1-1,0-1 1,0 0 0,26 26-16,-26-26 15,0 0-15,26 26 16,0 0 0,0 26-16,0-26 15,0 26-15,0 0 16,0 0-16,-1 25 15,-25-25-15,0 0 0,0 0 16,0 0-16,0 0 16,-25-26-16,-1 26 0,0 0 15,0-26-15,0 26 0,0-26 16,0 0-16,0 0 16,0 0-16,0 0 15,26-26 1,0 0-16</inkml:trace>
+  <inkml:trace contextRef="#ctx0" brushRef="#br0" timeOffset="75388">6191 6975 0,'-26'0'47,"0"0"-47,26 26 16,-26 0-1,26 0-15,0 0 0,0 0 16,0 0-16,0 0 15,0 26-15,0-27 0,0 1 16,0 0-16,0 0 0,0 0 16,0 0-1,26-52 1,-26 0 0,0 0-1,26-26-15,-26 27 0,0-1 16,26-26-16,-26 0 15,0 0-15,26 26 0,-26-26 16,26 1-16,-26-1 0,26 26 16,-26 0-16,25 0 15,1 26-15,-26 26 16,26-26-16,-26 52 16,26-26-16,-26 25 0,26-25 15,0 26-15,-26 0 16,26 0-16,-26 0 0,26 0 15,-26-27-15,26 27 0,-26-26 16,0 0-16,0 0 16</inkml:trace>
+  <inkml:trace contextRef="#ctx0" brushRef="#br0" timeOffset="75575">6139 7105 0,'-26'0'0,"0"0"16,52 0 0,0 0-1,26 0-15,-26 0 16,26 0-16,-1 0 0,1-26 16,26 26-16,-26-26 0,-26 26 15,26 0-15</inkml:trace>
+  <inkml:trace contextRef="#ctx0" brushRef="#br0" timeOffset="76799">7694 5498 0,'-26'0'16,"0"0"-16,0 0 15,0 0-15,0 0 16,1 0-16,-27 0 0,26 0 15,0 0-15,0-26 16,0 26-16,0 0 0,0 0 31,52 0 16,-26 26-47,26 0 16,0 0-1,-26 0-15,26 0 0,-26 25 16,26-25-16,-26 0 0,26 26 16,0-26-16,-26 0 15,0 0-15,26 0 0,-26 0 16,0 0-16</inkml:trace>
+  <inkml:trace contextRef="#ctx0" brushRef="#br0" timeOffset="77206">7487 5576 0,'0'26'16,"0"0"15,26-1-31,0 1 16,-26 0 0,25 26-16,1-26 0,26 26 15,-26-26-15,0 26 16,26-1-16,-26 1 0,0-26 15,26 26-15,-27 0 16,1-26-16,0 26 0,26-26 16,-26 25-16,0-25 0,0 0 15,0 26-15,-26-26 16,26 0-16,-26 0 16,26 0-16</inkml:trace>
+  <inkml:trace contextRef="#ctx0" brushRef="#br0" timeOffset="78089">8627 6301 0,'-52'0'0,"0"0"0,1 0 16,-27 0-16,26 26 15,-26-26-15,-25 26 0,51 0 16,-26 0-16,0 26 16,26-26-16,-25 26 0,25 0 15,0-1-15,26 1 0,0 26 16,-26 0-16,52-26 16,-26 25-16,26 1 0,0 0 15,0 0-15,26-27 16,0 27-16,26-26 0,-26 0 15,26 0-15,0-1 0,25 1 16,-25 0-16,104 26 16,-79-52-1,27 0-15,-26 0 0,0-26 16,25 26-16,1-26 0,-26 0 16,25 0-16,-25-26 0,26 26 15,-26-26-15,25 0 16,1 0-16,-26 0 0,25 0 15,-25 0-15,26 0 16,-26 0-16,-1-26 0,-25 1 16,26-1-16,-26 0 0,0 0 15,-26 0-15,-1-25 16,1-1-16,-26 26 0,0-26 16,0 26-16,-26-25 15,1 25-15,-1 0 0,0-26 16,-26 26-16,26 26 0,-26-25 15,0-1-15,0 0 16,1 26-16,-1-26 0,0 26 16,0 0-16,0 0 15,-26 0-15,27 1 0,-1-1 16,0 26-16,0 0 0,26 0 16,-26 0-16,26 0 15,1 0-15,-27 0 0,26 26 16,0-1-16</inkml:trace>
+  <inkml:trace contextRef="#ctx0" brushRef="#br0" timeOffset="78929">8186 6975 0,'0'-26'15,"0"0"1,0 1-16,-25 25 16,-1 25-1,26 1 1,0 0-16,0 0 0,-26 0 15,26 0-15,0 0 0,0 26 16,0-26-16,0 0 16,0 0-16,0-1 0,0 1 15,0 0-15,0 0 16,26-26 0,-26-26-1,26 0 1,-1-25-16,-25 25 15,0 0-15,26-26 16,-26 0-16,0 26 0,26-26 16,-26 0-16,26 1 0,-26 25 15,26-26-15,-26 26 16,26 26-16,0 26 16,0 0-1,-26 26-15,26-26 16,-26-1-16,26 27 0,0-26 15,-26 0-15,26 26 16,-1-26-16,-25 0 0,26-26 16,0 26-16,0 0 15,0-26 1,-26-26-16,26 0 16,0 0-1,-26-26-15,0 26 0,26-26 16,-26 26-16,0-25 0,0-1 15,0 26-15,0 0 16,0 0-16,0 0 0,-26 52 47,26 0-31</inkml:trace>
+  <inkml:trace contextRef="#ctx0" brushRef="#br0" timeOffset="79355">9016 6923 0,'-26'0'15,"0"0"1,0 0-1,0 26-15,0-26 0,0 26 16,26 0-16,-26 0 16,1-26-16,25 26 0,0 0 15,-26 0-15,26 0 0,26 0 16,-1 0 0,1-26-16,0 26 15,0-26-15,0 0 16,0 0-16,-26-26 15,26 26-15,-26-26 0,26 0 16,-26 0-16,26 0 16,-26 0-16,0 0 0,0 0 15,0 0-15,0 0 16,0 0-16,-26 26 16,0 0-1,0 26 1,26 0-1,26-26-15</inkml:trace>
+  <inkml:trace contextRef="#ctx0" brushRef="#br0" timeOffset="79854">9301 7027 0,'26'0'15,"0"0"-15,-26-26 16,0 0-1,-26 26 1,0 0-16,0 0 16,0 0-16,0 0 15,0 26-15,0-26 0,0 26 16,1 0-16,-1 0 0,0 0 16,26 0-16,-26 0 15,26 0-15,0 0 0,26-26 16,0 25-16,0-25 15,-1 0-15,1 0 0,0 0 16,0 0-16,0 0 0,0-25 16,0-1-16,0 0 15,0 0-15,-26 0 0,0 0 16,26 0-16,-26-26 0,0 26 16,0-26-16,0 27 15,26-27-15,-26 26 0,0 0 16,0 0-16,0 52 31,0 0-31,0 26 16,0-26-16,-26-1 15,26 27-15,0 0 0,0-26 16,0 26-16,0-26 16,0 26-16,0-26 0,0-1 15,26 1-15,0 0 0,-1 0 16,1-26-1,0 0-15</inkml:trace>
+  <inkml:trace contextRef="#ctx0" brushRef="#br0" timeOffset="80213">9664 7183 0,'0'-26'16,"0"0"-16,-26 26 0,26-26 15,26 26 32,0 0-31,0 0-16,0 0 15,-1-26-15,1 26 32,-26-26-32,0 0 15,-26 26 1,26-26-16,-25 26 0,25-26 15,-26 26-15,0 0 16,0 0 0,0 26-16,26 0 0,-26 0 15,26 0-15,0 0 16,0 26-16,26-26 0,-26 25 16,26-25-16,0 0 15,0 0-15,25 0 0,-25-26 16,26 0-16</inkml:trace>
+  <inkml:trace contextRef="#ctx0" brushRef="#br0" timeOffset="192038">929 4539 0,'0'-26'16,"0"0"0,0 0-1,26 26-15,-26-26 0,26 0 16,-26 0 0,0 1-1,-26-1 16,0 26-31,0 0 0,0 0 16,1 26-16,-27-26 0,26 25 16,0 1-16,-26 0 15,52 0-15,-26 0 0,0 26 16,26-26-16,0 26 16,0 0-16,0-1 0,0 1 15,26 0-15,-26 26 0,26-26 16,0 25-16,-26-25 15,26 0-15,-26 26 0,26-26 16,-26-26-16,26 25 16,-26-25-16,0 0 0,0 0 15,0 0-15,-26 0 16</inkml:trace>
+  <inkml:trace contextRef="#ctx0" brushRef="#br0" timeOffset="192799">541 5109 0,'0'-26'15,"25"0"1,1 0-16,0 0 15,0 1 1,26-1-16,-26 26 0,0-26 16,26 26-16,-26-26 0,25 26 15,-25 0-15,26 0 16,-26 0-16,0 0 0,0 0 16,26 0-16,-26 0 0,0 26 15,0-26-15,0 26 16,-26 0-16,25-1 0,-25 1 15,26 0-15,-26 0 16,0 0-16,0 0 0,-26 0 16,26 0-16,0 0 0,-25-26 15,25 26 1,-26-26-16,26-26 16,0 0-1,26 26-15,-26-26 0,0 0 16,25 0-16,-25 0 0,26 0 15,-26-26-15,26 27 16,0-1-16,-26 0 0,26 0 16,0 0-16,0 0 15,0 26-15,0-26 16,0 26-16,0-26 16,0 26-1,-1 0 141,-25 26-140,0 0 0,26-26-1,-26 26 1</inkml:trace>
+  <inkml:trace contextRef="#ctx0" brushRef="#br0" timeOffset="193243">1655 4902 0,'0'26'0,"26"-26"15,0 0 1,0 0 0,-26-26-16,26 26 0,0 0 15,-26-26 1,26 26-16,-26-26 0,25 26 16,1-26-16,-26 0 15,0 0 1,-26 26-16,1 0 15,-1 0 1,0 0-16,0 26 0,0-26 16,0 26-16,0 0 0,26 0 15,-26 0-15,26 0 16,-26 0-16,26 0 0,0 25 16,0-25-16,26 0 15,0 0-15,0 0 0,0 0 16,0 0-16,0-26 0,26 0 15,-27 0-15,27 0 16,0 0-16</inkml:trace>
+  <inkml:trace contextRef="#ctx0" brushRef="#br0" timeOffset="193639">2147 5005 0,'0'-25'0,"-25"25"0,25-26 16,-26 26-16,0 0 47,52 0-32,0-26 1,-1 26 0,1-26-16,0 0 15,0 26-15,0-26 16,0 0-1,-26 0 1,0 0-16,-26 0 16,0 0-1,0 26-15,0 0 0,0 0 16,1 0-16,-1 26 16,0 0-16,0 0 0,0 0 15,26 26-15,0-26 0,0 26 16,0-26-16,26 25 15,0 1-15,0-26 0,25 0 16,1 0-16,0-26 16,0 0-16,0 0 0</inkml:trace>
+  <inkml:trace contextRef="#ctx0" brushRef="#br0" timeOffset="194492">359 807 0,'26'-26'0,"-26"0"16,26 0-16,-26-26 0,0 26 15,0-26-15,0 1 0,0 25 16,0-26-16,-26 26 16,26 0-16,-26 0 0,0 0 15,-26 26-15,26 0 0,1 26 16,-27 26-16,0 0 15,26 0-15,-26 25 0,26 1 16,26 0-16,-26 25 16,26 1-16,0-26 0,26 26 15,0-1-15,0 1 0,0 26 16,0-53-16,0 27 16,26 0-16,-26-27 0,-1 1 15,-25-26-15,26 26 16,-26-26-16,0-27 0,0 1 15,-26 0-15,26 0 0,-25-26 16</inkml:trace>
+  <inkml:trace contextRef="#ctx0" brushRef="#br0" timeOffset="195163">48 1507 0,'0'-26'0,"0"0"15,0 0-15,0 0 16,26 26-16,0-26 16,0 26-16,0 0 15,26 0-15,-26 0 16,25 0-16,-25 0 0,26 0 16,0 0-16,0 0 15,0 0-15,-26 0 0,-1 26 16,27 0-16,-26 0 15,-26 0-15,0 0 16,0-1-16,0 1 0,0 0 16,-26-26-16,26 26 15,-26-26-15,0 0 16,26-26 0,-25 0-1,25 0-15,0 1 16,0-1-16,25 0 15,-25 0-15,26 0 16,0 0-16,-26 0 0,26 0 16,-26 0-16,26 26 15,0 0-15,-26-26 0,26 26 16,0 26-16,0-26 16,0 26-1,-26 0-15,26-26 16,0 0-1,-26 26-15,25-26 16,-25-26 15,0 0-31,26 0 16,-26 0 0,0 0-16,0 0 15,0 0-15,0 1 16,0-1-1,0 0 1,0 52 0,0 0 15</inkml:trace>
+  <inkml:trace contextRef="#ctx0" brushRef="#br0" timeOffset="196075">1085 1221 0,'26'0'16,"0"26"0,0-26-1,0 0 1,-1 0-16,1 0 15,0 0 1,0 0-16,0 0 16,0-26-16,0 26 15,-26-26-15,26 26 16,-26-25-16,0-1 16,0 0-16,0 0 15,-26 26-15,26-26 16,-26 26-16,0-26 0,0 26 15,0 0-15,0 0 16,26 26-16,-26-26 0,1 26 16,25 0-16,-26 0 15,26 0-15,0-1 0,26 27 16,-26-26-16,25 26 0,1-26 16,-26 0-16,26 0 15,0 26-15,0-52 0,0 26 16,0 0-16,26-26 15,-26 0-15,0 0 0,0 0 16,-1-26-16,1 26 0,0-26 16,0 0-16,0 0 15,0 0-15,-26 0 16,26 0 0,-26 0-1,26 26 79,0-26-78,0 26-16,0-26 15,0 26-15,-1-26 16,1 26-16,-26-26 0,26 1 15,0 25-15,-26-26 0,26 0 16,-26 0-16,0 0 16,0 0-16,0 0 0,0 0 15,-26 0-15,0 26 16,0 0 0,0 0-16,1 26 0,-1 0 15,0 0-15,0 0 16,0 0-16,26 26 0,-26-26 15,26 25-15,0-25 0,26 0 16,0 0-16,0 0 16,0 0-16,0 0 0,25 0 15,1-26-15,0 0 16,0 0-16,26 0 0,-27 0 16,1-26-16,0 26 0,0-26 15,-26 26-15</inkml:trace>
+</inkml:ink>
+</file>
+
+<file path=ppt/ink/ink18.xml><?xml version="1.0" encoding="utf-8"?>
+<inkml:ink xmlns:inkml="http://www.w3.org/2003/InkML">
+  <inkml:definitions>
+    <inkml:context xml:id="ctx0">
+      <inkml:inkSource xml:id="inkSrc0">
+        <inkml:traceFormat>
+          <inkml:channel name="X" type="integer" max="1920" units="cm"/>
+          <inkml:channel name="Y" type="integer" max="1080" units="cm"/>
+          <inkml:channel name="T" type="integer" max="2.14748E9" units="dev"/>
+        </inkml:traceFormat>
+        <inkml:channelProperties>
+          <inkml:channelProperty channel="X" name="resolution" value="55.81395" units="1/cm"/>
+          <inkml:channelProperty channel="Y" name="resolution" value="55.6701" units="1/cm"/>
+          <inkml:channelProperty channel="T" name="resolution" value="1" units="1/dev"/>
+        </inkml:channelProperties>
+      </inkml:inkSource>
+      <inkml:timestamp xml:id="ts0" timeString="2020-11-20T18:53:39.243"/>
+    </inkml:context>
+    <inkml:brush xml:id="br0">
+      <inkml:brushProperty name="width" value="0.05" units="cm"/>
+      <inkml:brushProperty name="height" value="0.05" units="cm"/>
+      <inkml:brushProperty name="fitToCurve" value="1"/>
+    </inkml:brush>
+  </inkml:definitions>
+  <inkml:trace contextRef="#ctx0" brushRef="#br0">129 105 0,'0'26'16,"0"0"-16,0 26 16,0-1-16,0-25 0,0 52 15,0-26-15,0 26 16,0-1-16,0 1 0,0 0 16,0 26-16,-26-1 15,26-25-15,0 26 0,0-1 16,0 1-16,-25 0 0,25-1 15,0 1-15,0 0 16,-26-27-16,26 1 0,0 26 16,0-26-16,0-1 15,0 1-15,0 0 0,0 0 16,0-27-16,26 27 0,-26-26 16,25 0-16,-25 26 15,26-26-15,-26-1 0,0 1 16,26 26-16,-26-52 15,0 26-15,0 0 0,0-27 16,26 1-16,-26 0 0,0 0 16,0 0-16,0 0 15,26-26 1,0 0 15,0 0-31,0 0 16,0-26-1,0 26-15,26 0 0,-26 0 16,25 0-16,1-26 0,0 26 16,0 0-16,26 0 15,-27-26-15,53 26 0,-26 0 16,26 0-16,-1-26 16,27 26-16,-1 0 0,27 0 15,-1-26-15,1 26 0,25 0 16,1 0-16,-1 0 15,27-25-15,-27 25 0,26 0 16,-25 0-16,25 0 16,-25 0-16,-1 0 0,0 0 15,1 0-15,-27 0 0,27 0 16,-53 0-16,27 0 16,-1 0-16,-25 0 0,0 0 15,-1 0-15,1 0 16,-1 0-16,-25-26 0,0 26 15,-1 0-15,1 0 0,-26-26 16,-26 26-16,-1 0 16,1 0-16,0 0 0,-26-26 15,0 26-15,0 0 16,-26-26-16,26 26 16,-26-26-16,0 0 15,26 0 1,-26 0-16,0 0 0,0 0 15,0 0-15,0 1 16,0-1-16,0 0 0,26 0 16,-26-26-16,0 26 0,0-26 15,0 0-15,0 0 16,0 1-16,0-1 0,0-26 16,0 26-16,0-26 15,0 27-15,-26-27 0,26 0 16,0 0-16,0 1 0,0-1 15,0 0-15,0-26 16,0 27-16,0-27 0,0 26 16,0-25-16,0 25 15,-26 0-15,26 0 0,0 1 16,0 25-16,0-26 0,0 52 16,-26-26-16,26 0 15,0 26-15,0 1 0,-26-27 16,26 26-16,0 0 15,-26 0-15,26 0 16,-26 0-16,26 0 16,-26 26-16,26-26 15,-26 26-15,26-26 16,0 0-16,-26 1 16,26-1-1,-26 26-15,26-26 16,-25 0-1,-1 26-15,26-26 16,-26 26-16,0 0 16,0-26-16,0 26 15,0 0-15,0 0 0,0-26 16,0 26-16,0 0 16,0 0-16,-25 0 0,25-26 15,-26 26-15,0 0 0,0 0 16,0 0-16,-25 0 15,25 0-15,-26 0 0,0 0 16,-25 0-16,25 0 16,-26 0-16,0 0 0,1 0 15,-1 0-15,-25 0 0,25 0 16,-26 0-16,1 0 16,-1 0-16,0 26 0,1-26 15,-1 0-15,-25 26 16,25-26-16,1 26 0,-1-26 15,0 0-15,1 26 0,-1-26 16,1 0-16,25 26 16,-26-26-16,27 26 0,-1-26 15,0 0-15,1 26 16,-1-26-16,0 25 0,1-25 16,25 26-16,-26-26 0,26 26 15,-25-26-15,25 26 16,26-26-16,-26 26 0,27-26 15,-27 26-15,52-26 16,-26 26-16,0-26 0,0 26 16,1-26-16,25 0 0,-26 26 15,0-26-15,0 0 16,26 26-16,-26-26 0,27 0 16,-1 0-16,-26 0 15,26 0-15,26 26 0,-26-26 16,0 0-16,0 0 0,0 0 15,0 0 1,0 0-16,0 0 16,0 26-16,1-26 15,-1 0-15,0 0 16,0 0-16,26 25 16,26-25 30</inkml:trace>
+</inkml:ink>
+</file>
+
+<file path=ppt/ink/ink19.xml><?xml version="1.0" encoding="utf-8"?>
+<inkml:ink xmlns:inkml="http://www.w3.org/2003/InkML">
+  <inkml:definitions>
+    <inkml:context xml:id="ctx0">
+      <inkml:inkSource xml:id="inkSrc0">
+        <inkml:traceFormat>
+          <inkml:channel name="X" type="integer" max="1920" units="cm"/>
+          <inkml:channel name="Y" type="integer" max="1080" units="cm"/>
+          <inkml:channel name="T" type="integer" max="2.14748E9" units="dev"/>
+        </inkml:traceFormat>
+        <inkml:channelProperties>
+          <inkml:channelProperty channel="X" name="resolution" value="55.81395" units="1/cm"/>
+          <inkml:channelProperty channel="Y" name="resolution" value="55.6701" units="1/cm"/>
+          <inkml:channelProperty channel="T" name="resolution" value="1" units="1/dev"/>
+        </inkml:channelProperties>
+      </inkml:inkSource>
+      <inkml:timestamp xml:id="ts0" timeString="2020-11-20T18:53:41.117"/>
+    </inkml:context>
+    <inkml:brush xml:id="br0">
+      <inkml:brushProperty name="width" value="0.05" units="cm"/>
+      <inkml:brushProperty name="height" value="0.05" units="cm"/>
+      <inkml:brushProperty name="fitToCurve" value="1"/>
+    </inkml:brush>
+  </inkml:definitions>
+  <inkml:trace contextRef="#ctx0" brushRef="#br0">1919 5066 0,'-78'0'0,"0"26"0,-26-26 15,1 26-15,-1-26 16,-25 26-16,-1 0 0,26 0 15,-25-1-15,-1 1 16,26 26-16,1-26 0,-1 0 16,26 0-16,1 26 0,-1-26 15,26 0-15,26 0 16,0-1-16,0 1 0,0 0 16,26 0-16,0 0 15,26-26-15,0 26 0,0 0 16,26 0-16,0 0 0,25 0 15,1-26-15,26 26 16,25-26-16,1 0 0,51 0 16,1 0-16,-1-26 15,27 26-15,25-26 0,0 26 16,0-26-16,27 0 0,-27 0 16,26 26-16,0-26 15,0 0-15,1 26 0,-1-26 16,26 0-16,0 26 15,-26-26-15,26 26 0,0 0 16,-25-25-16,-1 25 0,-26 0 16,0-26-16,-51 26 15,-1-26-15,-25 26 0,-27-26 16,-25 26-16,0-26 16,-53 26-16,1-26 0,-26 0 15,-26 0-15,0 0 0,-52 0 16,1 0-16,-27 0 15,-26 1-15,-25-1 0,-27-26 16,1 26-16,-1 0 0,-25 0 16,-27 0-16,27 0 15,-27 0-15,27 0 0,-26 0 16,25 1-16,1 25 16,-27-26-16,27 26 0,0 0 15,-27 0-15,27 0 16,-26 26-16,25-26 0,-25 25 15,25 1-15,1 0 0,-1-26 16,27 26-16,-1 0 16,1 0-16,25 0 0,27-26 15,-27 26-15,26 0 0,1-26 16,-1 26-16,0 0 16,1-26-16,25 0 0,0 26 15,0-26-15,1 0 16,25 25-16,0-25 0,0 0 15</inkml:trace>
+  <inkml:trace contextRef="#ctx0" brushRef="#br0" timeOffset="918">234 5869 0,'0'78'0,"0"0"0,0 0 16,-26 25-16,26-25 15,-26 26-15,0-1 0,26 1 16,-26 0-16,26-26 0,-26 25 16,0 1-16,26 0 15,-25-27-15,25 27 0,-26 0 16,26-1-16,0-25 0,0 26 15,0-1-15,-26-25 16,26 26-16,0-26 0,0 25 16,26-25-16,-26 0 15,0-26-15,26 25 0,-26-25 16,25 0-16,-25 0 16,26 0-16,0-26 0,-26 0 15,26 0-15,0-1 16,0-25-1,-26 26-15,26-26 0,0 0 16,0 0 0,0 0-16,0 0 15,0 0-15,25 0 0,-25 0 16,26-26-16,0 26 16,26 0-16,-1 0 0,1 0 15,26-25-15,25 25 16,1 0-16,0 0 0,51-26 15,-25 26-15,25 0 0,26-26 16,-25 26-16,-1 0 16,27-26-16,-27 26 0,26 0 15,1 0-15,-27 0 0,26 0 16,1-26-16,-27 26 16,27 0-16,-27 0 0,0 0 15,27 0-15,-27 26 16,1-26-16,-1 0 0,1 0 15,-27 0-15,26 0 0,-25 0 16,-1 0-16,-25-26 16,0 26-16,-1-26 0,1 26 15,-26-26-15,-27 0 16,1 26-16,0-26 0,0 0 16,-27 0-16,1 26 0,-26-26 15,0 0-15,0 1 16,0-1-16,0 0 0,-26 0 15,0 0-15,0 0 16,0 0-16,0 0 16,0 0-16,-26-26 0</inkml:trace>
+  <inkml:trace contextRef="#ctx0" brushRef="#br0" timeOffset="1577">6921 5118 0,'0'26'0,"0"26"16,0-1-16,0 1 15,0 26-15,0 26 0,0-1 16,0 1-16,0 26 16,0-1-16,26 1 0,-26-1 15,26 1-15,-26-26 0,26 25 16,-26 1-16,0-27 15,26 1-15,-26 0 0,0-1 16,0 1-16,-26 0 16,26-26-16,-26 25 0,26-25 15,-26 26-15,26-27 0,-26 1 16,26 78 0,0-79-16,0-25 0,0 26 15,0-26-15,0 0 16,0 0-16,0-1 0,0-25 15,0 26-15,0-26 0,0 0 16,0 0-16,0 0 16,0-52 15,-26 0-15</inkml:trace>
+  <inkml:trace contextRef="#ctx0" brushRef="#br0" timeOffset="2953">2074 375 0,'0'-26'16,"0"0"-16,0 0 15,-26 26 17,0 26-17,0-26 1,0 26-16,1 0 0,-1-26 15,0 26-15,0 0 0,26-1 16,-26 1-16,26 0 16,0 0-16,0 0 15,26-26 1,-26 26-16,26-26 0,0 26 16,0-26-16,-1 0 15,1 26-15,0-26 0,0 0 16,-26 26-16,0 0 15,0 0 1,-26 0-16,0-26 16,0 25-16,1 1 0,-1-26 15,0 26-15,0-26 16,0 0-16,0 0 0</inkml:trace>
+  <inkml:trace contextRef="#ctx0" brushRef="#br0" timeOffset="3380">2281 556 0,'26'0'16,"-26"-26"-16,26 26 15,0 0-15,0 0 16,0-26-16,0 26 16,0-26-1,0 26-15,-26-26 16,0 1 15,-26 25-31,26-26 16,-26 26-16,0 0 15,0 0-15,0 0 0,0 0 16,0 26-16,0-26 16,1 25-16,25 1 15,-26 0-15,26 0 16,0 0-16,26 0 16,-1 0-16,-25 0 15,26-26-15,0 0 0,0 26 16,0-26-1,0 0-15</inkml:trace>
+  <inkml:trace contextRef="#ctx0" brushRef="#br0" timeOffset="3667">2567 141 0,'0'26'31,"26"0"-15,-26 0-16,0 0 0,25 26 15,-25-26-15,26 26 16,-26-26-16,0 25 0,26-25 15,-26 26-15,0-26 16,0 26-16,0-26 0,26 0 16,-26 0-16</inkml:trace>
+  <inkml:trace contextRef="#ctx0" brushRef="#br0" timeOffset="4069">2904 452 0,'25'0'47,"1"-25"-31,0 25-16,0-26 15,0 0 1,-26 0-16,0 0 16,-26 0-1,0 26 1,0 0-16,0 26 16,1-26-16,-1 26 15,0-26-15,0 26 0,26 0 16,0 0-16,0-1 15,0 1-15,0 0 16,26 0-16,-26 0 0,26 0 16,0-26-16,-1 26 15,1-26-15,0 0 0,0 0 16,0-26-16</inkml:trace>
+  <inkml:trace contextRef="#ctx0" brushRef="#br0" timeOffset="4357">3370 297 0,'0'-26'15,"-26"26"1,0 0 0,0 26-1,0-26-15,26 26 16,-26 0-16,26 0 0,-25-26 15,25 26-15,0 0 0,0-1 16,25-25 0,1 0-16,0 0 15,0 0-15,0 0 16,0 0-16,0 0 16,0 0-16,0 0 0,0 0 15,0 0-15,-26-25 16</inkml:trace>
+  <inkml:trace contextRef="#ctx0" brushRef="#br0" timeOffset="4573">3577 141 0,'0'-25'0,"0"-27"16,0 26-16,0 0 0,0 0 16,0 52-1,0 0 1,0 26-16,0-26 15,26-1-15,-26 27 16,0-26-16,26 26 0,-26-26 16,0 0-16,26 0 15,-26 0-15,0 0 0,0 0 16,26-26-16,-26 25 0</inkml:trace>
+  <inkml:trace contextRef="#ctx0" brushRef="#br0" timeOffset="4711">3629 349 0,'0'-26'0,"0"0"0,0 0 16,0 0-16,26 0 15,-26 0-15,26 26 16,0 0-16,-26-26 16,26 26-16,0 0 0</inkml:trace>
+  <inkml:trace contextRef="#ctx0" brushRef="#br0" timeOffset="5343">2800 893 0,'-26'0'16,"26"-26"-16,0 0 15,0 52 32,0 0-47,26 26 16,-26-26-16,0 26 15,26-26-15,-26 25 0,0 1 16,26-26-16,-26 26 0,0-26 16,0 0-16,0 0 15</inkml:trace>
+  <inkml:trace contextRef="#ctx0" brushRef="#br0" timeOffset="5707">2644 1256 0,'0'-26'15,"0"52"16,26-26-31,0 26 16,0-26-16,-26 26 16,26-26-16,0 26 0,0-26 15,0 0-15,0 0 16,0 0-16,0 0 16,-1-26-16,1 0 15,-26 0-15,26 26 16,-26-26-16,0 0 15,26 26-15,-26-26 0,0 0 16,-26 26 0,26 26-1,-26-26-15,26 26 0,-26 0 16,1 0-16,-1 0 16,0 26-16</inkml:trace>
+  <inkml:trace contextRef="#ctx0" brushRef="#br0" timeOffset="7009">2359 1567 0,'0'-26'16,"-26"26"-16,26-26 16,-26 52 30,26 0-46,0 0 0,0 0 16,0 0-16,-26 26 16,26-27-16,0 27 0,0 0 15,0-26-15,0 26 0,0-26 16,-25 26-16,25-26 16,0-1-16,0 1 0,0 0 15,0 0-15,0 0 16,25 0 15,1-26-31,26 0 16,0 0-1,-26 0-15,26 0 0,0 0 16,0 0-16,-1 0 16,27 0-16,0 0 0,0 0 15,-1 26-15,27-26 16,-26 0-16,25 0 0,1 0 15,0 0-15,-1-26 0,1 26 16,-26 0-16,0-26 16,-1 26-16,-25 0 0,0-26 15,-26 26-15,0 0 0,-26-26 16,0 0 0,-26 26-1,0 0 1,26-26-16,-26 26 0,0-25 15,26-1 1,-26 26-16,26-26 16,0 0-16,0 0 0,0 0 15,0 0-15,0-26 16,0 26-16,0-26 0,0 1 16,0 25-16,-26-26 15,26 0-15,0 26 0,-25 0 16,25 0-16,0 0 0,0 0 15,-26 26 1,26-25-16,-26 25 16,0 0 15,0 0-15,0 0-1,0 25-15,-26-25 16,0 0-16,0 0 15,1 26-15,-53-26 0,26 0 16,-25 26-16,-1-26 0,0 0 16,-25 26-16,-1-26 15,26 0-15,1 0 0,-1 26 16,26-26-16,0 0 16,27 0-16,-1 0 0,26 0 15,0 0-15,0 0 0,26 26 31</inkml:trace>
+  <inkml:trace contextRef="#ctx0" brushRef="#br0" timeOffset="7705">2722 1774 0,'-26'0'16,"0"0"-16,0 26 15,0-26-15,26 26 16,-25-26-16,25 26 0,0 0 16,-26 0-16,26 0 15,0 0-15,26 0 16,-26 0-16,25-26 15,1 0 1,0-26-16,0 0 16,-26 0-1,26 0-15,-26 0 0,26 0 16,-26 0-16,0 0 0,0 0 16,0 0-16,0 0 15,0 1-15,0-1 0,26 26 31,-26 26-15,26-1-16,-26 1 0,0 0 16,26 0-16,-26 0 15,26 0-15,-26 0 0,0 0 16,26 0-16,-26 0 0,26-26 16</inkml:trace>
+  <inkml:trace contextRef="#ctx0" brushRef="#br0" timeOffset="8286">3033 1800 0,'0'-26'0,"0"52"47,0 0-47,0 0 15,0 0-15,0 0 16,0 0 0,0 0-16,0-52 47,0 0-32,0 0-15,0 0 16,0 0-16,0 0 15,0-26-15,0 26 0,26 1 16,-26-1 0,26 0-16,0 26 0,0 0 15,0 0 1,0 0-16,-26 26 16,0 0-16,0-1 15,0 1 1,0 0-16,-26 0 15,26 0 1,26-26 0,0 0-16,-26 26 15,25-26-15,1 0 16,0 0-16,0 0 0,0 0 16,0 0-16,-26 26 15,26-26-15,-26 26 0,0 0 16,-26-26-16,0 26 15,0-26-15,-26 26 16,1 0-16,-1-26 0,0 25 16,0 1-16</inkml:trace>
+  <inkml:trace contextRef="#ctx0" brushRef="#br0" timeOffset="9180">2878 2163 0,'-26'0'0,"26"26"62,-26 0-46,26 0-16,0 26 15,0-26-15,0 25 0,0 1 16,0 0-16,0 0 16,26 0-16,-26 26 0,26-27 15,-26 1-15,0 0 16,26 0-16,-26 26 0,0-27 16,0 1-16,0 26 0,0-26 15,0 26-15,0-27 16,0 27-16,0 0 0,0-26 15,0 26-15,0-27 16,0 27-16,0 0 0,0-26 16,0 26-16,0-1 0,0-25 15,0 26-15,0 0 16,0 25-16,-26-25 0,26 0 16,0 0-16,-26 25 15,26-25-15,0 0 0,0-26 16,0 25-16,0-25 0,0 26 15,0-26-15,0 0 16,0-1-16,0 1 0,0-26 16,0 26-16,0 0 15,0-26-15,26 0 0,-26 26 16,0-27-16,0 1 0,0 0 16,0 0-16,0 0 15,0 0-15,0 0 16,26-26-1,-26 26 1</inkml:trace>
+  <inkml:trace contextRef="#ctx0" brushRef="#br0" timeOffset="9439">2593 5507 0,'25'0'15,"-25"25"1,26-25-16,0 26 16,0-26-1,0 0-15,0 26 16</inkml:trace>
+  <inkml:trace contextRef="#ctx0" brushRef="#br0" timeOffset="9649">3085 5403 0,'26'0'0,"-52"0"32,0 26-17,0 0-15,0 0 16,0 0-16,0 25 0,0-25 15,1 0-15,-1 0 16,26 0-16,-26 0 0</inkml:trace>
+  <inkml:trace contextRef="#ctx0" brushRef="#br0" timeOffset="11586">2644 6673 0,'0'78'0,"0"-27"0,-26 27 15,26 0-15,-25 0 16,25-1-16,0 1 0,-26-26 15,26 26-15,0-26 0,-26 0 16,26-1-16,0 1 16,-26-26-16,26 0 0,0 0 15,0 0 1,26 0-16,0-26 16,0 0-1,25-26-15,-25 26 16,26-26-16,-26 26 0,26-26 15,26 26-15,-27-26 16,27 26-16,-26-26 0,26 26 16,0-26-16,-1 26 0,1-26 15,0 26-15,0-26 16,-1 26-16,-25 0 0,26 0 16,-26-25-16,0 25 15,-26 0-15,-1-26 0,1 26 16,0 0-16,-26-26 0,26 26 15,-26-26-15,0 0 16,-26 0-16,26 0 16,-26 0-16,26-26 15,0 26-15,0-26 0,0-25 16,-26 25-16,26-26 0,0 0 16,0 1-16,0-27 15,0 26-15,0 0 0,0 1 16,0-1-16,0 0 0,0 26 15,0 26-15,0-25 16,0 25-16,0 0 16,-25 52 15,-1-26-31,26 26 16,-26-26-16,0 26 15,-26-1-15,26-25 0,-26 26 16,0 0-16,0 0 15,1 0-15,-27 0 0,0 0 16,0-26-16,1 26 0,-1 0 16,0 0-16,0-26 15,1 26-15,25-26 0,0 26 16,0-1-16,26-25 16,0 26-16,0-26 0</inkml:trace>
+  <inkml:trace contextRef="#ctx0" brushRef="#br0" timeOffset="11936">2981 6336 0,'-26'26'16,"26"0"-16,0 0 0,0 0 16,-26 0-16,26 25 0,0 1 15,0 0-15,0 0 16,0 0-16,0 25 0,-25 1 15,25-26-15,0 0 16,0 26-16,0-27 0,0 1 16,0 0-16,0-26 0,0 0 15,0 0-15</inkml:trace>
+  <inkml:trace contextRef="#ctx0" brushRef="#br0" timeOffset="12205">3163 6232 0,'26'26'0,"-26"0"15,0 26-15,0-26 0,0 52 16,0-27-16,0 1 15,0 26-15,0 0 0,0 0 16,0-1-16,0-25 0,0 26 16,0-26-16,0 0 15,26-1-15,-26 1 0,25-26 16,-25 0-16,26 0 16</inkml:trace>
+  <inkml:trace contextRef="#ctx0" brushRef="#br0" timeOffset="12444">3500 6310 0,'0'26'16,"0"0"-16,0 0 15,0 0-15,0 26 0,0-1 16,26 27-16,-26-26 15,0 0-15,25 26 0,-25-27 16,26 1-16,-26 0 16,26 0-16,-26-26 0,0 26 15,26-26-15,-26-1 0,0 1 16</inkml:trace>
+  <inkml:trace contextRef="#ctx0" brushRef="#br0" timeOffset="12769">2489 6828 0,'26'0'0,"26"-26"0,-1 1 15,1 25-15,26-26 16,0 0-16,25 0 0,1 0 16,0 0-16,-1 0 0,1 0 15,0 0-15,-26 0 16,-1 0-16,1 26 0,-26-26 15,-26 26-15,0 0 16,0 0-16</inkml:trace>
+  <inkml:trace contextRef="#ctx0" brushRef="#br0" timeOffset="12998">2593 7088 0,'25'0'0,"1"0"16,0 0-16,26 0 16,0-26-16,0 0 0,26 0 15,-1 0-15,1 0 0,26 0 16,-27 26-16,1-26 15</inkml:trace>
+  <inkml:trace contextRef="#ctx0" brushRef="#br0" timeOffset="13189">2618 7347 0,'0'26'0,"26"-26"0,0-26 16,0 26-16,26-26 16,26 0-16,0 0 0,-1 0 15,27-26-15,0 26 0,-1 0 16</inkml:trace>
+  <inkml:trace contextRef="#ctx0" brushRef="#br0" timeOffset="14484">3474 6336 0,'26'0'0,"0"0"31,-26-26-31,25 26 0,-25-26 15,26 26-15,-26-26 0,26 0 16,-26 0-16,0 0 16,26 1-16,-26-27 0,0 0 15,26 0-15,-26 0 16,26 0-16,-26-25 0,0-1 16,26 0-16,-26-26 0,0 27 15,0-27-15,0 26 16,0-25-16,0-27 0,0 26 15,0 1-15,0-27 16,26 26-16,-26-25 0,0 25 16,0 0-16,0 1 0,0-1 15,0 0-15,0 27 16,0-27-16,26 26 0,-26-25 16,0 25-16,0-26 0,0 26 15,0-25-15,0 25 16,0 0-16,-26-26 0,26 27 15,0-1-15,0 26 16,0-26-16,-26 27 0,26 25 16,0 0-16,0 0 15,0 0-15,-26 0 0,26 0 16,0 0 0,0 0-1,0 0 1,-26 26-16,26-26 15,0 0 1,-26 26-16,0 0 47,0 0-16</inkml:trace>
+  <inkml:trace contextRef="#ctx0" brushRef="#br0" timeOffset="15019">3500 2345 0,'-26'0'0,"26"25"15,0 1-15,-26 0 16,26 0-16,-26 26 0,26-26 16,-26 0-16,26 0 0,-26 0 15,26 0-15,0 0 16,0-1-16,0-50 15,26 25 1,-26-26-16,26 0 16,-26-26-16,26 26 0,-26-26 15,26 0-15,-26 0 16,26 27-16,-26-27 0,26 26 16,-26 0-16,25 0 15,1 26-15,0 0 16,-26 26-16,26 26 0,26 0 15,-26-1-15,0 1 16,26 26-16</inkml:trace>
+  <inkml:trace contextRef="#ctx0" brushRef="#br0" timeOffset="16383">4355 789 0,'0'-26'0,"-26"26"15,26-25 1,0 50 0,0 1-1,26 0-15,-26 0 16,0 0-16,26 0 0,-26 0 16,26 0-16,-26 26 15,0-26-15,26 0 0,-26 0 16,26-26-1</inkml:trace>
+  <inkml:trace contextRef="#ctx0" brushRef="#br0" timeOffset="16563">4251 452 0,'26'26'47,"0"-26"-31</inkml:trace>
+  <inkml:trace contextRef="#ctx0" brushRef="#br0" timeOffset="16810">4536 478 0,'0'26'32,"0"0"-32,0 0 15,0 0-15,26 0 16,-26 0-16,26 26 0,-26 0 15,26-27-15,-26 27 0,26 0 16,-26-26-16,26 26 16,-26-26-16,0 0 0,0 0 15,26-26-15,-26 26 16</inkml:trace>
+  <inkml:trace contextRef="#ctx0" brushRef="#br0" timeOffset="17372">4562 841 0,'0'-26'15,"26"26"1,0 0-16,-26-26 16,26 26-16,26-26 15,-26 26-15,26-25 0,-26 25 16,25-26-16,-25 26 0,26-26 15,-26 26-15,0-26 16,0 26-16,-26-26 0,0 0 16,0 0-1,-26 26 1,0 0-16,0-26 0,0 26 16,0 0-1,0 26-15,0-26 0,26 26 16,-25 0-16,25 0 15,0 0-15,0 0 0,0 0 16,25-1-16,1 1 16,-26 0-16,26-26 15,0 0-15,0 0 16,0 0-16,0 0 16,-26-26-1,0 0-15,26 1 16,-26-1-1,0 0-15,0 0 32,0 52-17,26-26-15,-26 26 16,0 0 0,0-1-16,0 1 0,26-26 15,-26 26-15,0 0 16,26-26-16</inkml:trace>
+  <inkml:trace contextRef="#ctx0" brushRef="#br0" timeOffset="17794">5210 530 0,'-26'-52'0,"26"26"15,-26 1-15,26-1 16,-25 26-16,25-26 0,-26 26 15,26 26 1,0 0 0,0-1-16,0 1 0,26 0 15,-26 0-15,0 0 16,25 26-16,-25-26 0,26 0 16,-26 0-16,26 0 15,-26 0 1,26-26-16,-26-26 15,26 0 1,0 0 0,0 0-16,0 0 0,0 0 15,0 26-15,0-26 16,0 26-16,-1 0 0,1 0 16,0 26-1,-26 0-15,0 0 16,0 0-16,-26 0 0,0 0 15,1 0-15,-1-26 16,0 25-16,-26-25 0,26 0 16,0 0-16,0 0 15</inkml:trace>
+  <inkml:trace contextRef="#ctx0" brushRef="#br0" timeOffset="18411">4718 1463 0,'-26'-26'16,"26"0"-1,0 1-15,-26 25 16,52 25 15,-26 1-15,0 0 0,26 26-16,-26-26 0,0 26 0,26 0 15,-26-26-15,0 25 16,26 1-16,-26-26 0,0 0 15,26 0-15,-26 0 16,0 0-16,0 0 0</inkml:trace>
+  <inkml:trace contextRef="#ctx0" brushRef="#br0" timeOffset="19148">4744 1463 0,'-26'-26'0,"0"0"15,26 1 1,0-1-16,26 26 16,0-26-16,0 26 15,0-26-15,25 26 0,27-26 16,-26 0-16,26 26 15,25-26-15,-25 0 0,26 0 16,0 0-16,-27 0 0,27 0 16,-26 1-16,-26 25 15,-1-26-15,1 26 0,-26 0 16,0 0-16,-26 26 31,0-1-15,0 1-1,0 0-15,0 0 0,0 0 16,0 0-16,26 26 0,-26-26 16,26 26-16,-26-26 15,26 25-15,0-25 0,0 26 16,-26-26-16,26 0 16,-26 26-16,25-26 0,-25 0 15,26 0-15,-26-1 0,0 1 16,0 0-16,26-26 15,-26 26-15,0 0 16,-26-26-16,26 26 16,-26-26-16,1 0 0,-27 26 15,26-26-15,-26 0 0,-26 26 16,0-26-16,1 26 16,-1-26-16,-26 26 0,1 0 15,25-26-15,-26 26 16,26-26-16,1 25 0,-1-25 15,26 0-15,26 0 0,-26 26 16,26-26 0,52 0-16,-26-26 15,26 26-15,0 0 16,0 0-16,0-25 0,0 25 16,0 0-16,0-26 0,0 26 15,-26-26 1,-26 26-1,0 0 1</inkml:trace>
+  <inkml:trace contextRef="#ctx0" brushRef="#br0" timeOffset="19875">5133 1437 0,'0'-26'16,"-26"26"-1,26 26 1,-26-26-1,0 26-15,26 0 16,-26 0-16,0 0 0,0-26 16,0 26-16,0 0 0,0 0 15,0 0-15,0 0 16,0-26-16,1 26 0,25-1 16,-26-25-16,26 26 0,-26-26 15,26 26-15,26-26 31</inkml:trace>
+  <inkml:trace contextRef="#ctx0" brushRef="#br0" timeOffset="20218">5392 1282 0,'26'0'16,"-26"-26"-16,26 26 0,-26 26 31,0 0-31,-26-26 16,0 26-16,-26 0 0,26 0 16,0 25-16,-26-25 15,26 0-15,-26 0 0,27 26 16,-27-26-16,26 0 15,0 26-15,0-26 0,0-1 16,26 1-16,-26 0 0,0 0 16,52-26 15,-26-26-15,26 26-1</inkml:trace>
+  <inkml:trace contextRef="#ctx0" brushRef="#br0" timeOffset="20541">5651 1334 0,'26'-26'0,"0"26"15,-52 26 16,26 0-15,-26 0-16,0-1 16,-26 1-16,26 26 0,-26-26 15,26 26-15,-25-26 0,-1 26 16,26-26-16,-26 25 16,0-25-16,26 0 0,0 0 15,-25 0-15,51 0 16,-26-26-16,26 26 0,-26-26 15,26 26-15,26-26 16,0-26 0,-1 26-16</inkml:trace>
+  <inkml:trace contextRef="#ctx0" brushRef="#br0" timeOffset="20853">5858 1463 0,'26'0'0,"-52"26"47,0 0-32,0 0-15,0-26 0,1 26 16,-1 0-16,0 0 0,0 0 15,0 0-15,0 0 16,26-1-16,-26-25 0,0 26 16,0 0-16,0 0 15,26 0-15,-26-26 0,26 26 16,-26-26-16,52 0 31,0-26-31</inkml:trace>
+  <inkml:trace contextRef="#ctx0" brushRef="#br0" timeOffset="21514">6377 1152 0,'-26'0'31,"26"-26"-15,-26 26 0,26-26-16,0 1 15,0-1 1,0 0-16,0 0 15,0 0-15,0 0 0,0 0 16,26-26-16,-26 26 16,26 0-16,-26 0 0,26 0 15,-1 1-15,1-1 16,0 0-16,0 0 16,0 26-16,0 0 0,0 0 15,0 0-15,0 0 16,-26 26-16,26-26 0,0 26 15,-26 0-15,26-1 16,-26 1-16,25 0 0,-25 0 16,26 0-16,0 0 0,-26 0 15,26 26-15,-26-26 16,0 0-16,26 0 16,-26 0-16,0-1 0,0 1 15,0 0 1,0 0-16</inkml:trace>
+  <inkml:trace contextRef="#ctx0" brushRef="#br0" timeOffset="21939">6662 1178 0,'26'0'31,"0"-26"-15,-1 26-16,1 0 15,0 0 1,0 0-1,-26 26-15,26-26 0,0 0 16,-26 26-16,26-26 16,0 26-1,-26-52 17,0 0-32,26 26 15,-26-26-15,0 0 16,0 0-16,0 1 15,26 25-15,-26-26 0,0 0 16,0 52 15</inkml:trace>
+  <inkml:trace contextRef="#ctx0" brushRef="#br0" timeOffset="22816">6480 1411 0,'-26'0'140,"26"-25"-140,-26 25 31,26-26-31,-25 26 16,25-26-16,-26 26 16,0 0-1,0 26 17,26 0 14,0-1-14,26 1-32,-26 0 15,26 0 1,-26 0-16,0 0 16,26 0-16,-26 0 15,0 0 1,25 0-16,-25 0 15,0 0 17,26-26-32,-26-26 31</inkml:trace>
+  <inkml:trace contextRef="#ctx0" brushRef="#br0" timeOffset="23355">6428 1437 0,'0'26'78,"26"-26"-78,-26 26 16,26-26-16,-26 26 15,0 0-15,26 0 0,0 0 16,-26 0-1,0 0-15,26 0 0,0 0 16,0-26-16,-26 25 16,26-25-16,0 0 15,0 0-15,0 0 0,-1 0 16,1 0-16,0 0 0,0-25 16,0-1-1,0 26-15,0-26 16,0 26-1,-26-26-15,0 0 16,-26 0 0,26 0-1,-26 0-15,26 0 16,-26 26 0,26 26-1</inkml:trace>
+</inkml:ink>
+</file>
+
+<file path=ppt/ink/ink2.xml><?xml version="1.0" encoding="utf-8"?>
+<inkml:ink xmlns:inkml="http://www.w3.org/2003/InkML">
+  <inkml:definitions>
+    <inkml:context xml:id="ctx0">
+      <inkml:inkSource xml:id="inkSrc0">
+        <inkml:traceFormat>
+          <inkml:channel name="X" type="integer" max="1920" units="cm"/>
+          <inkml:channel name="Y" type="integer" max="1080" units="cm"/>
+          <inkml:channel name="T" type="integer" max="2.14748E9" units="dev"/>
+        </inkml:traceFormat>
+        <inkml:channelProperties>
+          <inkml:channelProperty channel="X" name="resolution" value="55.81395" units="1/cm"/>
+          <inkml:channelProperty channel="Y" name="resolution" value="55.6701" units="1/cm"/>
+          <inkml:channelProperty channel="T" name="resolution" value="1" units="1/dev"/>
+        </inkml:channelProperties>
+      </inkml:inkSource>
+      <inkml:timestamp xml:id="ts0" timeString="2020-11-20T18:34:15.681"/>
+    </inkml:context>
+    <inkml:brush xml:id="br0">
+      <inkml:brushProperty name="width" value="0.05" units="cm"/>
+      <inkml:brushProperty name="height" value="0.05" units="cm"/>
+      <inkml:brushProperty name="fitToCurve" value="1"/>
+    </inkml:brush>
+  </inkml:definitions>
+  <inkml:trace contextRef="#ctx0" brushRef="#br0">0 110 0,'25'-26'16,"27"0"-16,-26 26 0,0-26 15,0 26-15,0-26 0,0 26 16,0 0 0,0-26-16,0 26 0,0 0 15,25 26-15,-25-26 16,26 26-16,0-26 0,0 26 15,0 0-15,0 0 16,-1 0-16,1 0 0,0 0 16,-26-26-16,26 26 0,-26 0 15,0-1-15,0 1 16,-1 0-16,1-26 0,-26 26 16,26 26-16,-26-26 15,26 0-15,-26 26 0,0-26 16,26 26-16,-26-1 0,0-25 15,0 26-15,0-26 16,0 26-16,-26 0 0,26-26 16,-26 25-16,0-25 15,26 0-15,-26 26 0,1-26 16,-1 26-16,0-26 0,-26 26 16,26-1-16,0-25 15,-26 26-15,26 0 0,-26 0 16,1 0-16,25-26 0,0 25 15,-26 1-15,26 0 16,0-26-16,0 26 0,0 0 16,26-26-16,-26 26 15,26-1-15,-26-25 0,26 26 16,-25 0-16,25-26 16,0 26-16,0 0 0,-26-1 15,26 1-15,0 0 0,0 0 16,0 0-16,26 0 15,-26-1-15,0 1 0,25 0 16,1 0-16,-26 0 16,26 0-16,0-27 0,0 27 15,-26-26-15,52 0 0,-26 0 16,0 0-16,0 0 16,26 0-16,-27 0 0,1-26 15,26 26-15,0-26 0,-26 0 16,26 26-16,-26-26 15,26 0-15,-27 0 0,1 0 16,0 0-16,0 0 16,0 0-16,0 0 0,0 0 15,-52 0 63,0 0-78,0 26 16,0-26 0,0 25-16,0 1 0,1-26 15,-27 26-15,26 0 0,0-26 16,0 26-16,-26 0 16,26 0-16,0 0 0,0 0 15,26 0-15,-26 0 16,1 0-16,25-1 0,0 1 15,-26 0-15,26 0 0,0 0 16,0 0-16,26 26 16,-26-26-16,25 0 0,1 0 15,-26 25-15,26-25 16,0 26-16,0 0 0,0 0 16,26 0-16,-26-26 15,0 25-15,0 1 0,25 0 16,-25 0-16,0 0 0,-26 0 15,26-26-15,-26 25 16,0 1-16,26 0 0,-26 0 16,0 0-16,0 0 0,0-1 15,0 1-15,0 0 16,0 0-16,0 0 0,0-26 16,0 26-16,0-27 15,0 27-15,0-26 0,0 26 16,0-26-16,0 26 15,0-26-15,0 26 0,0-27 16,0 1-16,0 26 0,0-26 16,0 26-16,0 0 15,0-26-15,-26 0 0,26 26 16,-26-27-16,26 27 16,-26-26-16,26 0 0,-26 0 15,26 0-15,-25 0 0,25 0 16,-26 0-16,0 26 15,0-27-15,0 1 0,0 0 16,0 0-16,0 0 0,-26 0 16,26-26-16,-25 26 15,25 0-15,-26 0 0,26-26 16,-26 26-16,26-26 16,-26 26-16,26-26 0,0 26 15,-25-26-15,25 0 0,0 25 16,0-25-1,0 0-15,0 26 16,26-52 15,26 26-31,-26-25 16</inkml:trace>
+</inkml:ink>
+</file>
+
+<file path=ppt/ink/ink20.xml><?xml version="1.0" encoding="utf-8"?>
+<inkml:ink xmlns:inkml="http://www.w3.org/2003/InkML">
+  <inkml:definitions>
+    <inkml:context xml:id="ctx0">
+      <inkml:inkSource xml:id="inkSrc0">
+        <inkml:traceFormat>
+          <inkml:channel name="X" type="integer" max="1920" units="cm"/>
+          <inkml:channel name="Y" type="integer" max="1080" units="cm"/>
+          <inkml:channel name="T" type="integer" max="2.14748E9" units="dev"/>
+        </inkml:traceFormat>
+        <inkml:channelProperties>
+          <inkml:channelProperty channel="X" name="resolution" value="55.81395" units="1/cm"/>
+          <inkml:channelProperty channel="Y" name="resolution" value="55.6701" units="1/cm"/>
+          <inkml:channelProperty channel="T" name="resolution" value="1" units="1/dev"/>
+        </inkml:channelProperties>
+      </inkml:inkSource>
+      <inkml:timestamp xml:id="ts0" timeString="2020-11-20T18:54:17.865"/>
+    </inkml:context>
+    <inkml:brush xml:id="br0">
+      <inkml:brushProperty name="width" value="0.05" units="cm"/>
+      <inkml:brushProperty name="height" value="0.05" units="cm"/>
+      <inkml:brushProperty name="fitToCurve" value="1"/>
+    </inkml:brush>
+  </inkml:definitions>
+  <inkml:trace contextRef="#ctx0" brushRef="#br0">0 78 0,'0'-26'16,"26"0"15,-26 52 16,26-26-31,-26 26-16,0 0 15,0 26-15,0-26 0,0 26 16,0-1-16,0 1 16,26 0-16,-26 0 0,0-26 15,0 26-15,0-1 0,0-25 16,0 0-16,0 0 15</inkml:trace>
+  <inkml:trace contextRef="#ctx0" brushRef="#br0" timeOffset="439">52 467 0,'26'0'16,"0"-26"0,0 26-16,0-26 0,0 26 15,0-26-15,0 26 16,25-26-16,-25 0 0,0 26 16,0-26-16,0 0 15,-26 0 1,0 1-1,-26 25-15,26-26 0,-26 0 16,26 0 0,-26 26-16,26-26 15,0 52 32,0 0-47,0 0 16,0 0-16,0-1 0,26 27 15,-26-26-15,0 0 16,0 0-16,0 26 0,0-26 16,0 0-16,0 0 0,0 0 15,0-1 1</inkml:trace>
+  <inkml:trace contextRef="#ctx0" brushRef="#br0" timeOffset="984">622 208 0,'0'26'16,"0"-1"-1,0 1 1,0 0-16,0 0 16,0 0-16,0 0 15,0 0-15,0 0 0,0 0 16,0 0-16,0 0 0,0 0 16,0-1-1,0 1 1,0-52-1,0 1 1,0-1-16,0 0 16,0-26-16,0 0 15,0 26-15,0-26 0,0 0 16,0 1-16,26-1 16,-26 0-16,0 26 0,26 0 15,-26 0-15,0 0 0,26 26 16,0 26-1,0 0-15,-26 0 16,26 26-16,0-26 16,-26 26-16,26-26 0,0-1 15,-26 27-15,26-26 0,-1 52 16,-25-52 0,0 0-16,0 0 15,0 0 1</inkml:trace>
+  <inkml:trace contextRef="#ctx0" brushRef="#br0" timeOffset="1169">726 467 0,'0'-26'0,"26"26"15,-26-26-15,26 0 16,0 0-1,0 0 1,0 26-16,-26-26 16,26 26-16,-1-26 0</inkml:trace>
+  <inkml:trace contextRef="#ctx0" brushRef="#br0" timeOffset="1452">985 156 0,'0'-26'31,"26"26"-31,-26 26 32,0 0-17,0 0-15,0 0 16,0-1-16,0 1 0,0 0 15,0 0-15,0 0 16,0 26-16,0-26 0,0 0 16,0 0-16,0 0 15,0 0-15</inkml:trace>
+  <inkml:trace contextRef="#ctx0" brushRef="#br0" timeOffset="1714">1011 234 0,'0'-26'15,"0"0"1,26 52 15,0 0-15,0-26-16,0 25 15,26 1-15,-26-26 0,-1 26 16,1 0-16,0-26 16,0 0-16,0 26 0,0-26 15,-26-26 17</inkml:trace>
+  <inkml:trace contextRef="#ctx0" brushRef="#br0" timeOffset="1919">1296 104 0,'0'-26'16,"0"0"-16,0 0 16,0 0-16,0 52 31,0 0-15,0 0-16,26 0 0,-26 0 15,0 0-15,0 0 16,0 26-16,0-27 0,0 1 15,0 26-15,0-26 16,0 0-16,0 0 0,0 0 16,-26-26-16</inkml:trace>
+  <inkml:trace contextRef="#ctx0" brushRef="#br0" timeOffset="2428">1581 130 0,'-26'0'15,"1"0"-15,-1 0 16,0 0-16,0 0 16,26 26-1,0 0 1,0 0-16,26 0 15,-26-1-15,26 1 0,-26 0 16,26 0-16,-26 26 16,0-26-16,0 0 0,0 0 15,25-26-15,-25 26 0,0 0 16,0-52 0,0 0-1,0 0-15,0 0 16,0-26-16,26 0 15,-26 0-15,0 27 0,0-27 16,0 0-16,26 0 0,-26 26 16,26 0-16,0 0 15,0 26-15,0 0 16,0 26 0,-26 0-16,26 0 0,0 0 15,-26 0-15,26 26 0,0-26 16,-26 0-16,25-1 15,-25 1-15,0 0 0,26 0 16,-26 0-16,0 0 16</inkml:trace>
+  <inkml:trace contextRef="#ctx0" brushRef="#br0" timeOffset="2614">1659 311 0,'-26'-26'15,"0"26"1,26-26-16,0 1 16,26 25-16,0-26 15,0 26 1,0-26-16,0 26 0,26-26 16,-26 26-16,0 0 0,-1-26 15,1 26 1</inkml:trace>
+</inkml:ink>
+</file>
+
+<file path=ppt/ink/ink21.xml><?xml version="1.0" encoding="utf-8"?>
+<inkml:ink xmlns:inkml="http://www.w3.org/2003/InkML">
+  <inkml:definitions>
+    <inkml:context xml:id="ctx0">
+      <inkml:inkSource xml:id="inkSrc0">
+        <inkml:traceFormat>
+          <inkml:channel name="X" type="integer" max="1920" units="cm"/>
+          <inkml:channel name="Y" type="integer" max="1080" units="cm"/>
+          <inkml:channel name="T" type="integer" max="2.14748E9" units="dev"/>
+        </inkml:traceFormat>
+        <inkml:channelProperties>
+          <inkml:channelProperty channel="X" name="resolution" value="55.81395" units="1/cm"/>
+          <inkml:channelProperty channel="Y" name="resolution" value="55.6701" units="1/cm"/>
+          <inkml:channelProperty channel="T" name="resolution" value="1" units="1/dev"/>
+        </inkml:channelProperties>
+      </inkml:inkSource>
+      <inkml:timestamp xml:id="ts0" timeString="2020-11-20T18:54:39.740"/>
+    </inkml:context>
+    <inkml:brush xml:id="br0">
+      <inkml:brushProperty name="width" value="0.05" units="cm"/>
+      <inkml:brushProperty name="height" value="0.05" units="cm"/>
+      <inkml:brushProperty name="fitToCurve" value="1"/>
+    </inkml:brush>
+  </inkml:definitions>
+  <inkml:trace contextRef="#ctx0" brushRef="#br0">104 734 0,'26'26'47,"-26"0"-32,0 0 1,0 0-16,0 0 0,0 0 15,0 0-15,0 0 16,0 25-16,0-25 0,0 0 16,0 26-16,26-26 15,-26 26-15,0-26 0,0 0 16,0 25-16,0-25 0,0 26 16,0-26-16,0 0 15,0 26-15,0-26 0,0 26 16,0-26-16,0 0 15,0-1-15,0 1 0,0 0 16,0 0 0,26-26 31,0-26-47,0 26 15,0 0-15,0-26 0,-1 26 16,1 0-16,0-26 15,26 26-15,-26 0 0,0-25 16,26 25-16,-26 0 16,26-26-16,-1 26 0,-25 0 15,26 0-15,-26-26 0,26 26 16,-26 0-16,0 0 16,26-26-16,-27 26 0,1 0 15,26 0-15,-26-26 0,0 26 16,0 0-16,0 0 15,0 0-15,0-26 0,0 26 16,0 0-16,-1 0 16,1 0-16,0 0 15,0-26-15,0 26 16,0 0 0,0 0 15,-26-26-16,26 26-15,0 0 0,0 0 16,0 0-16,0-26 16,0 26-16,-1 0 0,1 0 15,26 0-15,-26-26 16,0 26-16,0 0 0,0 0 16,26-26-16,-26 26 0,0 0 15,-1 0-15,27-26 16,-26 26-16,0 0 0,26 0 15,-26 0-15,26 0 16,0 0-16,-1-26 0,-25 26 16,26 0-16,0 0 0,0 0 15,0-25-15,-1 25 16,27 0-16,-26-26 0,0 26 16,0-26-16,26 26 15,-27 0-15,1-26 0,26 26 16,-26 0-16,0 0 0,-1-26 15,1 26-15,0 0 16,-26-26-16,26 26 0,0 0 16,-26-26-16,25 26 15,1 0-15,-26 0 0,26-26 16,-26 26-16,0 0 0,26-26 16,-26 26-16,0 0 15,-1 0-15,1 0 0,-26-26 16,26 26-16,0-26 15,0 26 17,-26-26-17,0 1 17,0-1-32,0 0 15,0 0-15,0 0 16,0 0-16,0 0 15,0 0-15,0-26 0,-26 26 16,26-25-16,0-1 0,0 26 16,0-26-16,0 0 15,0 26-15,0 0 0,0-26 16,0 27-16,0-1 16,0 0-16,0 0 0,0 0 15,0 0-15,-26 26 16,26-26-1,0 0 1,0 0 0,-26 0-1,26 0 17,0 0-17,0 0 32,-26 26-47,1 0 16,-1 0-1,0 0-15,0 0 16,0 0-16,-26 26 0,26-26 16,-26 26-16,0-26 0,1 26 15,-1-26-15,-26 26 16,0-26-16,26 26 0,-25 0 15,-1-26-15,0 26 16,0-26-16,-25 26 0,25 0 16,0-26-16,-25 26 0,25 0 15,-26-26-15,0 26 16,27-26-16,-27 25 0,26 1 16,1-26-16,-27 26 15,26-26-15,26 26 0,-25 0 16,-1-26-16,26 26 0,0-26 15,-26 0-15,26 26 16,1-26-16,-1 26 0,0-26 16,26 0-16,-26 26 15,0-26-15,26 0 0,-25 26 16,25-26-16,-26 0 0,26 0 16,-26 0-16,26 0 15,0 0-15,-26 0 0,27 0 16,-1 26-16,-26-26 15,26 0-15,0 0 0,0 0 16,0 0-16,0 26 0,0-26 16,0 0-1,0 25-15,1-25 16,-1 26-16,0-26 31,0 26 0,0-26-15,0 0-16,0 0 16,0 26-16,0-26 15,0 0-15,0 0 16,0 0 0,26 26 15</inkml:trace>
+  <inkml:trace contextRef="#ctx0" brushRef="#br0" timeOffset="486">674 1253 0,'0'-26'15,"0"52"32,0-1-31,0 1-1,0 0-15,-26-26 0,26 26 16,0 0-16,0 0 16,0 0-1,26-26 1</inkml:trace>
+  <inkml:trace contextRef="#ctx0" brushRef="#br0" timeOffset="725">908 1227 0,'0'26'47,"0"-1"-31,0 1-1,0 0 1,0 0 0</inkml:trace>
+  <inkml:trace contextRef="#ctx0" brushRef="#br0" timeOffset="935">1115 1175 0,'26'-26'0,"-26"52"31,0 0-15,26-26-1,-26 26-15,0 0 16,0-1 0,0 1-1</inkml:trace>
+  <inkml:trace contextRef="#ctx0" brushRef="#br0" timeOffset="1152">1374 1149 0,'26'0'16,"-26"-26"-16,0 52 47,26-26-47,-26 26 15,0 0-15,0 0 16,0 0-16,0-1 15</inkml:trace>
+  <inkml:trace contextRef="#ctx0" brushRef="#br0" timeOffset="1368">1737 1097 0,'0'26'62,"0"0"-46,0 0 0,0 0-16,0 0 15</inkml:trace>
+  <inkml:trace contextRef="#ctx0" brushRef="#br0" timeOffset="1596">2152 1045 0,'-26'0'15,"26"26"1,-26-26-1,0 26-15,26 0 32,0 0-32,0 0 15,26-26 1,-26 26 0,26-26-16,0-26 15</inkml:trace>
+  <inkml:trace contextRef="#ctx0" brushRef="#br0" timeOffset="1788">2359 1045 0,'26'-26'16,"0"26"-16,-26 26 47,0 0-47,0 0 31,0 0-31,0 0 31,26-26-15</inkml:trace>
+  <inkml:trace contextRef="#ctx0" brushRef="#br0" timeOffset="1950">2644 1045 0,'26'0'16,"0"0"-16,0 0 31,-26 26-31,0 0 16,0 0-1,0 0 1</inkml:trace>
+  <inkml:trace contextRef="#ctx0" brushRef="#br0" timeOffset="2159">2981 993 0,'26'0'0,"-26"26"16,26 0 15,-26 0-15,26-26-1,-26 26-15,0 0 16</inkml:trace>
+</inkml:ink>
+</file>
+
+<file path=ppt/ink/ink22.xml><?xml version="1.0" encoding="utf-8"?>
+<inkml:ink xmlns:inkml="http://www.w3.org/2003/InkML">
+  <inkml:definitions>
+    <inkml:context xml:id="ctx0">
+      <inkml:inkSource xml:id="inkSrc0">
+        <inkml:traceFormat>
+          <inkml:channel name="X" type="integer" max="1920" units="cm"/>
+          <inkml:channel name="Y" type="integer" max="1080" units="cm"/>
+          <inkml:channel name="T" type="integer" max="2.14748E9" units="dev"/>
+        </inkml:traceFormat>
+        <inkml:channelProperties>
+          <inkml:channelProperty channel="X" name="resolution" value="55.81395" units="1/cm"/>
+          <inkml:channelProperty channel="Y" name="resolution" value="55.6701" units="1/cm"/>
+          <inkml:channelProperty channel="T" name="resolution" value="1" units="1/dev"/>
+        </inkml:channelProperties>
+      </inkml:inkSource>
+      <inkml:timestamp xml:id="ts0" timeString="2020-11-20T18:54:24.835"/>
+    </inkml:context>
+    <inkml:brush xml:id="br0">
+      <inkml:brushProperty name="width" value="0.05" units="cm"/>
+      <inkml:brushProperty name="height" value="0.05" units="cm"/>
+      <inkml:brushProperty name="fitToCurve" value="1"/>
+    </inkml:brush>
+  </inkml:definitions>
+  <inkml:trace contextRef="#ctx0" brushRef="#br0">648 1303 0,'26'0'16,"-26"26"-1,26 0-15,-26 26 16,0-26-16,25 26 0,-25-26 16,26 52-16,-26-27 15,26 1-15,-26 0 0,0 26 16,26-26-16,-26 25 15,0 1-15,0-26 0,0 26 16,26-26-16,-26 25 0,0-25 16,0 0-16,0 0 15,26 0-15,-26 0 0,0-27 16,26 1-16,-26 0 16,0 0-16,0 0 0,26-26 15,-26 26-15,26-26 16,0 0 15,0 0-15,0 0-1,-1 0-15,1 0 16,0-26-16,0 26 16,26 0-16,0-26 0,0 26 15,25-26-15,1 26 16,0-26-16,0 0 0,0 1 15,25-1-15,-25 26 0,0-26 16,-1 0-16,27 0 16,-26 26-16,0-26 0,-1 0 15,-25 26-15,26-26 16,-26 26-16,26-26 0,-27 26 16,1 0-16,-26-26 0,26 26 15,-26 0-15,0 0 16,0 0-16,0 0 15,-26-26 17,0 0 46,26 26-78,-26-25 47,0-1 0,0 0-32,0 0 1,-26 0-16,26 0 15,0 0-15,-26 0 0,26 0 16,0-26-16,-26 26 0,26-25 16,-26-1-16,26 0 15,-26 0-15,26 0 0,-26 0 16,26 1-16,-26-27 16,26 26-16,-26 0 0,26 0 15,-26 0-15,0 1 0,26 25 16,-26-26-16,26 26 15,0 0-15,-25 0 0,25 0 16,-26 0-16,26 0 0,0 0 16,-26 1-1,26-1-15,0 0 16,0 0 0,0 0-16,-26 0 15,26 0 1,-26 26-1,26-26-15,-26 26 32,26-26-32,0 0 15,-26 26 1,26-26 15,-26 26 110,0 0-126,0 0 1,0 26-16,0-26 0,-25 26 16,-1-26-16,0 26 0,0-26 15,0 26-15,0-26 16,-25 26-16,25 0 0,-26-26 16,0 26-16,27 0 15,-27-26-15,0 26 0,0 0 16,26-26-16,-25 25 0,25-25 15,-26 26-15,26-26 16,0 26-16,1-26 0,25 0 16,-26 0-16,26 26 15,-26-26-15,26 0 0,0 0 16,0 0-16,0 0 0,0 0 16,1 0-1,25 26 16,-26-26-15,26 26 0,-26-26 15,26 26 16,-26-26-47,26 26 31,0 0 0,0 0-31,0 0 16,26 0 0,-26-1-1,26 1-15,-26 0 16,26-26-16,-26 26 0,25 0 15,-25 0-15,26-26 16,-26 26-16,0 0 16,26 0-1,-26 0 1,0 0 0</inkml:trace>
+  <inkml:trace contextRef="#ctx0" brushRef="#br0" timeOffset="1135">959 1407 0,'0'26'47,"0"0"-31,0 0-1,0 0-15,0 0 0,0 0 16,0 0-16,0-1 16,0 1-16,0 0 0,26 0 15,-26 0-15,0 0 16,26 0-1,-26 0 1,25-26 15,-25 26-31,26-26 16,0 0 0,-26-26-16,26 26 0,0 0 15,0-26-15,0 26 16,0 0-16,0 0 0,0 0 15,0-26-15,0 26 16,-1 0 0,-25-26-1,0 0 17,0 0-17,0 0 1,-25 0-16,25 1 15,0-1-15,-26 0 16,26 0-16,0 0 16,0 0-16,0 0 0,0 0 15,0 0 1,0 0 0,26 26 46,-52 0-31,0 0-15,0 0 0,0 0-16,0 0 15,0 26-15,0-26 16,0 0-16,0 0 0,0 0 15,0 0 1,1 26-16,-1-26 16,0 26-1,0-26 1,26 26 0,-26-26-16</inkml:trace>
+  <inkml:trace contextRef="#ctx0" brushRef="#br0" timeOffset="2095">1503 1303 0,'0'26'63,"0"0"-48,26 0-15,-26 0 16,0 26-16,0-26 16,26 0-16,-26 0 0,0 0 15,0 0-15,0-1 0,0 1 16,0 0-16,26 0 16,-26 0-1,0 0 1,26-52 31,0 0-32,0 0 1,-1 26-16,1 0 0,0-26 16,0 26-16,0-26 0,0 26 15,0 0-15,0 0 16,0-25-16,0 25 0,0 0 15,0 0 1,-1 0-16,-25-26 63,0 0-32,26 26-31,-26-26 15,0 0 1,0 0-16,0 0 16,0 0-16,0 0 0,-26 0 15,26 0-15,0 0 16,-25 1-16,25-1 0,0 0 16,-26 0-1,26 0-15,-26 26 16,0 0-1,0 0 1,0 0 15,26 26-15,-26-26-16,0 26 16,0-26-1,26 26-15,-26-26 0,0 0 16,26 26-16,-26-26 15,1 0-15,-1 0 16,26 25 31</inkml:trace>
+  <inkml:trace contextRef="#ctx0" brushRef="#br0" timeOffset="3121">1192 2159 0,'0'26'32,"26"0"-17,-26 0-15,0-1 16,0 1-16,0 0 0,0 0 15,26 0-15,-26 0 16,0 0-16,0 0 0,0 0 16,26-26-16,-26 26 15,26-26 1,0 0 15,-26-26-31,25 26 16,1 0-16,0-26 15,0 26 1,0-26-16,0 26 0,0 0 16,0 0-16,0-26 15,0 26-15,0 0 0,0 0 16,0-26-16,-1 26 16,1 0-1,-26-26 1,-26 26 15,1-26-15,-1 0-1,26 0 1,-26 26-16,26-25 16,0-1-16,-26 0 0,26 0 15,0 0-15,-26 0 16,26 0-16,0 0 15,0 0-15,0 0 32,-26 26 30,0 0-46,26 26-16,-26-26 15,0 0-15,0 26 0,0-26 16,0 26-16,0-26 16,1 0-16,-1 26 0,0-26 15,0 0 1,26 26-16</inkml:trace>
+  <inkml:trace contextRef="#ctx0" brushRef="#br0" timeOffset="4057">2410 1900 0,'-26'0'31,"0"0"-15,0 0 0,0 0-16,1 0 15,-27 0-15,26 26 0,-26-26 16,26 0-16,-26 0 16,26 25-16,-26-25 0,27 0 15,-1 0-15,0 0 16,26 26 31,26-26-32,-26 26-15,0 0 16,0 0 0,26 0-16,-26 0 15,0 0-15,0 0 16,25 0-1,-25 0-15,0 0 16,0-1 0,0 1-1,26-26-15,0 0 32,-26 26-32,26-26 15,0 0 1,0 0-1,0 0-15,0 0 16,0 0 0,0 26-16,0-26 15,0 0-15,-1-26 16,1 26-16,0-26 16,0 26-16,0 0 0,0-26 15,0 1 1,0 25-16,-26-26 0,26 26 15,-26-26-15,0 0 16,26 0-16,-26 0 16,0 0-16,0 0 0,-26 0 15,0 0 1,26 0-16,-26 26 0,0-26 16,0 26-1,0 0-15,0 0 16,0 0-16,0 0 0,1 0 15,-1 0-15,-26 0 16,26 0-16,0 0 0</inkml:trace>
+  <inkml:trace contextRef="#ctx0" brushRef="#br0" timeOffset="6433">518 3299 0,'-26'0'31,"0"0"-15,0 26 0,0-26-16,1 0 15,-1 26-15,0-26 0,0 26 16,-26-26-16,26 0 16,0 26-16,-26-26 0,26 26 15,0 0-15,0-26 16,1 26-16,-1-26 0,26 26 15,-26-1 1,26 1-16,0 0 16,26-26-16,-26 26 0,26 0 15,-1 0 1,1-26-16,0 0 0,26 0 16,-26 0-16,26 0 0,0 0 15,26 0-15,-1 0 16,1-26-16,0 0 0,-26 26 15,51-26-15,-25 0 16,0 0-16,0 26 0,-1-25 16,1-1-16,-26 0 0,26 26 15,-27-26-15,1 0 16,0 26-16,-26-26 0,0 26 16,0-26-16,0 26 0,-26-26 31,-26 26-31,0 0 15,0 0-15,0-26 16,-26 26-16,26 0 0,-25 0 16,-1 0-16,0 0 0,0 0 15,-26-26-15,26 26 16,-25 0-16,25 0 0,-26 0 16,26 0-16,-25 26 15,25-26-15,0 26 0,0-26 16,26 0-16,-26 26 15,26-26-15,0 26 16,1 0-16</inkml:trace>
+  <inkml:trace contextRef="#ctx0" brushRef="#br0" timeOffset="7140">129 3507 0,'0'25'0,"0"1"15,0 0-15,0 0 16,0 0-16,0 0 16,0 0-16,0 26 0,0-26 15,0 26-15,0-1 0,0-25 16,0 26-16,0 0 16,-26-26-16,26 26 0,0-26 15,0 0-15,0-1 16,0 1-16,0 0 0,0 0 15,0 0-15,0 0 0,0 0 16,0 0 0,0 0-16,0 0 31,26-26-15,0 0-1,0 0-15,-26-26 16,26 26-16,26 0 0,-26 0 15,0-26-15,26 26 16,-1 0-16,1-26 0,26 26 16,-26-26-16,52 0 0,-27 26 15,1-26-15,26 0 16,-1 0-16,-25 26 0,26-26 16,-26 1-16,-1 25 15,-25-26-15,26 26 0,-52-26 16,26 26-16,-26 0 0,0-26 15,-1 26-15,1 0 16,-26-26 0,26 26-16,-26-26 31,0 0 0,0 0-31</inkml:trace>
+  <inkml:trace contextRef="#ctx0" brushRef="#br0" timeOffset="7518">1710 3403 0,'0'-26'31,"0"0"-15,0 52 31,-26 0-31,26 0-16,0 26 0,-25-26 15,25-1-15,0 27 0,0-26 16,-26 26-16,26-26 15,0 26-15,0-26 0,0 26 16,0-27-16,0 1 16,0 0-16,0 26 0,0-26 15,0 0-15,0 0 16,0 0 0</inkml:trace>
+  <inkml:trace contextRef="#ctx0" brushRef="#br0" timeOffset="8377">2436 3429 0,'-26'0'16,"0"0"0,0 0-16,0 0 15,0 26-15,1-26 16,-1 0-16,0 26 16,-26-26-16,26 0 0,0 26 15,0-26-15,0 25 0,0-25 16,26 26-16,-26-26 15,26 26-15,-26 0 0,26 0 16,0 0 0,26-26-16,0 0 0,0 26 15,0-26-15,0 0 0,26 0 16,0 0-16,0-26 16,-1 26-16,1-26 0,0 0 15,0 26-15,0-26 16,-26 0-16,0 26 0,-1-26 15,1 26-15,-26-25 0,0-1 16,-26 26 0,1-26-16,-27 26 15,26 0 1,0 0-16,0 0 0,-26 0 16,26 26-16,-26-26 0,1 0 15</inkml:trace>
+  <inkml:trace contextRef="#ctx0" brushRef="#br0" timeOffset="9055">1970 3636 0,'0'26'15,"-26"-26"1,26 26-16,0 0 15,0 0 1,0 0 0,0 0-16,0 0 0,0 25 15,0-25-15,0 0 16,-26 26-16,26-26 0,-26 0 16,26 26-16,-26-26 15,26 0-15,0-1 0,0 1 16,26-26 15,0 0-31,0 0 0,0-26 16,-1 26-16,1 0 15,0-25-15,0 25 0,-26-26 16,26 26-16,0 0 0,0 0 16,0 0-16,0-26 15,0 26-15,26 0 0,-27 0 16,1-26-16,26 26 15,-26 0-15,26 0 0,-26-26 16,26 26-16,-26-26 0,0 26 16,-1 0-16,1 0 15,-26-26-15,26 26 0,0 0 16,-26-26 0,0 0-1,26 26-15,-26-26 0,0 0 16,0 0-1,0 1-15,0-1 0,0 0 16,0 0-16,0 0 16,0-26-16,-26 26 15,26 0-15,-26 0 16,26 0-16,-26 26 16,26-26-16,-26 26 0,1 0 15,-1 0 1,0 0-1,0 26-15,0-26 16</inkml:trace>
+  <inkml:trace contextRef="#ctx0" brushRef="#br0" timeOffset="10447">3602 3014 0,'0'-26'0,"-26"0"16,1 26 0,-1 0-1,0 0-15,-26 0 0,26 0 16,-26 26-16,0-26 15,0 26-15,1-26 0,-1 26 16,0-26-16,0 26 0,26 0 16,0-26-16,0 26 15,0-26-15,26 26 0,0 0 16,26 0 0,0-1-1,0 1-15,0-26 16,-26 26-16,26-26 15,-26 26-15,26 0 0,0-26 16,0 26-16,0-26 16,0 0-16,0 0 15,-1 0-15,1 0 0,0 0 16,26 0-16,-26-26 16,0 26-16,0-26 0,26 0 15,-26 26-15,0-26 0,-1 0 16,1 1-1,0-1-15,-26 0 0,0 0 16,-26 26 0,26-26-16,-26 26 0,1 0 15,-1-26-15,-26 26 0,26 0 16,-26 0-16,26 0 16,-26 26-16,0-26 0,1 26 15,-1-26-15,0 26 16,26-26-16,-26 0 0,26 26 15,0-26-15,0 0 16,52 0 31,-26 26-31,0-1-1,26-25 1,-26 26-16,0 0 0,0 26 15,0-26 1,0 0-16,0 0 0,-26 0 16,26 26-16,0-26 0,0 25 15,0-25-15,0 0 16,26 0-16,-26 0 0,26 78 31,-26-78-31,0 0 16,0-1-16,26-25 0,-26 26 15,0 0 1,26-26 15,0 0-15,-26-26-16,26 26 0,0 0 16,0-26-1,0 26-15,0 0 0,-1 0 16,1 0-16,0 0 15,0-25-15,26 25 0,-26 0 16,26-26-16,-26 26 0,26-26 16,-1 26-16,1-26 15,-26 26-15,26-26 0,-26 26 16,26 0-16,-26-26 16,0 26-16,-26-26 0,25 26 15,-25-26-15,0 0 31,0 0-31,0 0 16,0 0-16,0 1 16,-25-1-16,25 0 0,0 0 15,0 0-15,-26-26 0,26 26 16,0 0-16,0 0 16,-26 0-16,26 0 0,0 1 15,0-1-15,-26 26 16,26-26-16,-26 26 15,0 0 1,0 0 0,0 0-16,0 0 0</inkml:trace>
+  <inkml:trace contextRef="#ctx0" brushRef="#br0" timeOffset="19003">3887 707 0,'26'0'31,"-26"26"-31,0 0 16,0 0-16,0 0 16,26 0-16,-26 26 0,26 0 15,-26-1-15,26 27 16,-26-26-16,26 0 0,0 0 16,-26 0-16,26-1 0,-26 1 15,26 0-15,-26-26 16,0 26-16,26 0 0,-26-26 15,0 25-15,0-25 16,0 0-16,26 26 0,-26-26 16,0 0-16,0 0 0,26 0 15,-26 0-15,0 0 16,0 0-16,26-26 16,-26 25-16,25-25 31,1-25-16,0 25-15,0 0 16,0-26-16,0 26 16,0 0-16,0-26 15,0 26-15,0 0 16,0 0-16,0 0 0,-1-26 16,1 26-16,0 0 15,0 0-15,0 0 0,0 0 16,-26-26 46,0 0-30,0 0-17,0 0-15,0 0 16,0 0-1,0 0-15,0 0 16,-26 0-16,26 1 16,0-1-16,0 0 15,0 0-15,0 0 0,-26 0 16,26 0 0,0 0-16,0 0 0,0 0 15,0 0-15,-26 0 0,26 1 16,0-1-16,-26 26 15,26-26-15,0 0 0,-26 0 16,26 0-16,0 0 16,-25 0-16,25 0 0,0 0 15,-26 0-15,26 0 0,0 1 16,-26-1-16,26 0 16,0 0-16,-26 0 0,26 0 15,0 0-15,-26 26 16,26-26-16,0 0 0,0 0 15,0 0 1,0 0 0,0 1-1,0-1 1,0 0 0,0 0-1,0 0 1,0 0 62,0 52-47</inkml:trace>
+  <inkml:trace contextRef="#ctx0" brushRef="#br0" timeOffset="20328">4769 526 0,'26'26'31,"-26"0"-31,0 0 16,26 26-16,-26-27 15,0 1-15,25 26 0,-25 0 16,0 0-16,26 0 15,-26 0-15,26-1 0,-26 1 16,26 0-16,-26 0 0,26 0 16,-26 0-16,26-27 15,-26 27-15,0 0 0,26-26 16,-26 26-16,0-26 16,0 0-16,26 26 0,-26-27 15,0 1-15,0 0 16,26 0-16,-26 0 15,0 0-15,0 0 16,26-26-16,-26 26 16,0 0-1,26-26 1,0 0 15,-1 0-15,1 0-1,0 0-15,0 0 16,0 0-16,0-26 16,0 26-16,0 0 0,0 0 15,0-26-15,0 26 16,0 0-16,0-26 16,-1 26-16,1 0 0,0 0 15,0-26-15,0 26 16,-26-26-16,26 26 0,0-26 15,0 26-15,0-26 16,-26 0 0,0 1-16,-26-1 15,26 0 1,-26 0-16,26 0 0,-26 0 16,26 0-16,0 0 0,-26 0 15,26-26-15,0 1 16,0 25-16,-26-26 0,26 0 15,0 0-15,0 0 16,0 0-16,0 1 0,-26-1 16,26 26-16,0 0 15,0-26-15,0 26 16,0 0-16,-26 26 0,26-26 16,0 0-1,0 1 1,-26 25-16,26-26 15,0 0-15,0 0 16,-25 26-16,25-26 0,0 0 16,0 0-1,-26 0-15,26 0 16,0 0-16,0 0 16,-26 26-16,26-26 15,0 0-15,0 1 16,0-1-1,0 0 17,0 0-1,-26 26 0,26-26-31</inkml:trace>
+  <inkml:trace contextRef="#ctx0" brushRef="#br0" timeOffset="21734">5780 215 0,'25'0'16,"-25"26"0,0 0-1,0 0-15,26 0 16,-26 25-16,0 1 0,0-26 16,0 26-16,26 0 15,-26 0-15,0 0 0,26-1 16,-26 1-16,26-26 15,-26 26-15,0-26 0,26 0 16,-26 0-16,0 0 0,26 0 16,-26-1-1,0 1 17,26-26-17,0-26 16,0 26-31,0 0 16,0-25-16,-1 25 0,1 0 16,0-26-16,26 26 15,-26 0-15,0 0 0,0-26 16,0 26-16,0-26 16,0 26-16,0-26 15,-1 26-15,-25-26 0,26 0 16,-26 0-1,0 0-15,0 0 16,0 0-16,0 0 16,0 1-16,0-1 0,0 0 15,0 0-15,0 0 16,-26 0-16,26 0 16,0 0-16,0 0 0,-25 0 15,25 0-15,0 0 16,0 0-16,-26 1 0,26-1 15,0 0-15,0 0 0,0 0 16,-26 0-16,26 0 16,0 0-16,0 0 0,-26 0 15,26 0 1,0 0-16,-26 26 16,26-25-16,-26 25 31,0 0 31,0 0-46,0 0-16,0 0 0,0 0 16,0 25-16,1-25 15,-1 0-15,-26 26 0,26-26 16,-26 0-16,0 26 0,0 0 15,-25-26-15,-1 26 16,0-26-16,0 26 0,1 0 16,-1-26-16,26 26 15,-26-26-15,26 26 0,-25 0 16,51-26-16,-26 26 0,0-26 16,26 26-16,-26-1 15,26-25-15,-25 26 0,25-26 16,-26 26-16,0-26 15,0 26-15,26-26 0,-26 0 16,1 26-16,-27-26 0,26 0 16,0 0-16,0 26 15,-25-26-15,25 0 0,0 0 16,0 0-16,0 0 0,0 0 16,26 0-16,-25 0 15,25 0-15,0 0 0,0 0 16,0 26-16,0-26 15,0 0 1,26 26-16,-26-26 0,26 26 31,0 0-15,-26-26 0,26 26-16,-26 0 31,52-26 16,0 0-32,0 0-15,0 0 16,0 0 0</inkml:trace>
+  <inkml:trace contextRef="#ctx0" brushRef="#br0" timeOffset="23353">4561 2496 0,'-26'-26'16,"52"0"31,0 26-32,0 0 1,26 0-16,-26-26 0,26 26 15,26-26-15,-27 26 0,27-26 16,26 0-16,-26 0 16,-1 0-16,27 26 0,-26-26 15,25 1-15,1 25 16,-26-26-16,26 0 0,-27 26 16,27-26-16,-26 0 0,25 26 15,-25-26-15,-26 0 16,26 26-16,-26-26 0,-27 26 15,1 0-15,0 0 16,-52 0 0,0 0-16,1 26 15,-1-26-15,0 26 16,26 0 0,0 0-1,26 0-15,-26 0 16,26 0-16,-26-1 15,25-25-15,-25 26 16,0 0-16,0 0 0,26-26 16,-26 26-16,0 0 15,26 0 1,-26 0-16,0 0 31,-26-26-15,0 0-16,1 0 15,-1 26-15,-26-26 16,26 0-16,-26 0 0,26 26 16,-26-26-16,0 0 15,1 0-15,-1 26 0,-26-26 16,26 0-16,0 0 0,1 0 16,-1 25-16,0-25 15,0 0-15,0 0 0,0 0 16,26 0-16,-25 0 15,-1 0-15,0 26 0,26-26 16,-26 0-16,0 0 16,26 26-16,-25-26 0,25 0 15,0 0-15,0 0 0,0 26 16,0-26-16,0 0 16,0 0-16,0 0 0,0 0 31,26 26-31,-26-26 15,0 26 17,1-26-17,25 26 1,-26-26 0,26 26 77</inkml:trace>
+  <inkml:trace contextRef="#ctx0" brushRef="#br0" timeOffset="26065">4821 2781 0,'0'26'15,"0"0"1,25-26-16,-25 26 15,0-1 1,26 1-16,-26 0 0,0 0 16,0 0-1,26 0-15,-26 0 16,26 0-16,-26 0 16,0 0-1,0 0 1,0 0 15,0-52 16,26 0-47,0 0 16,0 0-1,0 0 1,0 26-16,0-26 15,0 26-15,0 0 0,25-26 16,-25 26-16,0 0 16,26 0-16,-26-26 0,0 26 15,0 0-15,0 0 0,0 0 16,0 0-16,0 0 16,-26-26-16,25 26 0,-25 26 78,0 0-63,26-26-15,-26 26 16,0 0 0,0 0-16,26 0 15,-26 0 1,0 0-16,0 0 15,0 0 1,26-26 0,-52 0 31,0 0-16,26 25-31,-26-25 0,1 0 15,-1 0-15,0 26 16,0-26-16,0 0 0,0 0 16,-26 26-16,26-26 0,0 0 15,-26 0-15,26 0 16,1 26-16,-1-26 0,0 0 16,0 0-16,26 26 15,-26-26-15,26 26 31,-26-26-15,52 26 62,0-26-62,0 0 15,-26 26-31,26-26 63,-26 26-48,26-26 16,-1 0 1,1 0-32,0 0 15,0 0 1,-26-26 0,26 26-16,0 0 31,0 0-31,0 0 15,0 0-15,0 0 0,0-26 16,0 26-16,0 0 16,-1-26-16,27 26 0,-26 0 15,0-26-15,0 26 0,0 0 16,0 0-16,0 0 16,0-26-16,0 26 0,0 0 15,25 0-15,-25 0 16,0 0-16,0-26 0,0 26 15,0 0-15,0 0 16,0 0 78,0 0-63,-26 26-15,0 0-1,26-26-15,-26 26 16,26 0-16,-26 0 16,25-26-1,-25 26-15,0 0 16,26-26-16,-26 26 15,0 0 1,26-26-16,-26 25 31,0 1-15,0 0-16,0 0 31,-26-26-31,26 26 16,-26-26-1,26 26-15,-25-26 16,-1 0-16,0 0 16,0 26-16,0-26 15,0 0-15,0 0 0,-26 0 16,26 26-16,-26-26 0,1 0 16,-1 0-16,0 0 15,0 0-15,0 26 0,0-26 16,27 0-16,-27 0 15,26 26-15,0-26 0,0 0 16,0 0-16,0 0 0,0 0 16,0 0-1,0 0 1,26 26 0,-26-26-1,0 0 1,1 26-1,-1-26 1,26-26 78,0 0-79,0 0-15,0 0 16,0 0-16,-26 0 16,26-26-16,0 26 0,-26-26 15,26 1-15,-26 25 0,26-26 16,-26 0-16,0 0 16,26 0-16,-26 1 0,26-1 15,-26 26-15,26-26 16,0 26-16,-26-26 0,26 26 15,0 0-15,-26 0 16,26 0-16,0 1 0,0-1 16,-26 26-16,26-26 0,0 0 15,-25 0-15,-1 0 16,26 0-16,-26 0 16,26 0-1,-26 26-15,26-26 16,0 0-1,0 0 1,0 1 15,-26 25-15,26-26 0,0 0-1,0 0 63,0 0-46,0 0-17,0 52 16,0 0-15,0 0 0</inkml:trace>
+</inkml:ink>
+</file>
+
+<file path=ppt/ink/ink23.xml><?xml version="1.0" encoding="utf-8"?>
+<inkml:ink xmlns:inkml="http://www.w3.org/2003/InkML">
+  <inkml:definitions>
+    <inkml:context xml:id="ctx0">
+      <inkml:inkSource xml:id="inkSrc0">
+        <inkml:traceFormat>
+          <inkml:channel name="X" type="integer" max="1920" units="cm"/>
+          <inkml:channel name="Y" type="integer" max="1080" units="cm"/>
+          <inkml:channel name="T" type="integer" max="2.14748E9" units="dev"/>
+        </inkml:traceFormat>
+        <inkml:channelProperties>
+          <inkml:channelProperty channel="X" name="resolution" value="55.81395" units="1/cm"/>
+          <inkml:channelProperty channel="Y" name="resolution" value="55.6701" units="1/cm"/>
+          <inkml:channelProperty channel="T" name="resolution" value="1" units="1/dev"/>
+        </inkml:channelProperties>
+      </inkml:inkSource>
+      <inkml:timestamp xml:id="ts0" timeString="2020-11-20T18:56:45.245"/>
+    </inkml:context>
+    <inkml:brush xml:id="br0">
+      <inkml:brushProperty name="width" value="0.05" units="cm"/>
+      <inkml:brushProperty name="height" value="0.05" units="cm"/>
+      <inkml:brushProperty name="fitToCurve" value="1"/>
+    </inkml:brush>
+  </inkml:definitions>
+  <inkml:trace contextRef="#ctx0" brushRef="#br0">0 2493 0,'0'25'156,"26"-25"-93,-26-25-48,26 25 17,-26-26-32,26 26 15,-26-26 1,26 26-1,-26-26-15,26 26 0,0-26 16,0 26 0,-26-26-1,26 26-15,0 0 16,-26-26 0,26 26-16,-26-26 15,26 26-15,-1 0 31,-25-26-31,26 26 32,-26-26-32,26 0 15,-26 0 1,26 26 0,-26-26-16,26 26 0,-26-25 15,26-1-15,0 0 16,-26 0-16,0 0 15,26 0-15,0 0 16,-26 0-16,0 0 16,26-26-16,-26 26 0,26 1 15,-26-1-15,0 0 16,0-26-16,26 26 0,-26 0 16,0 0-16,0 0 0,0 0 15,0-26-15,0 27 16,0-1-16,0 0 0,26 0 15,-26 0-15,0 0 16,0 0-16,0 0 0,0 0 16,0 0-16,0 0 15,0 0-15,0 1 16,0-1-16,0 0 0,0 0 16,-26 0-1,26 0-15,0 0 16,-26 0-16,26 0 0,0 0 15,-26 0 1,26 0-16,0 0 0,0 1 16,0-1-16,0 0 15,-26 0-15,26 0 0,0 0 16,0 0-16,0 0 0,-26 0 16,26 0-16,0 0 15,0 0-15,-26 26 0,26-25 16,0-1-16,0 0 15,-26 0-15,26 0 16,-26 0-16,26 0 0,0 0 16,-26 0-1,0 0-15,0 0 16,26 0 0,-26 26-16,26-25 15,-25 25-15,25-26 0,-26 26 16,26-26-1,-26 26-15,26-26 16,-26 26-16,26-26 16,-26 26-1,26-26-15</inkml:trace>
+  <inkml:trace contextRef="#ctx0" brushRef="#br0" timeOffset="600">597 30 0,'-26'0'47,"0"0"-16,0 0-31,0 0 16,0 0-16,0 0 0,0 0 15,0 0-15,0 0 16,0 0-16,0-26 16,1 26-16,-1 0 15,0 0 1,0 0 15,26 26 0,0 0 1,0 0-17,0 0 1,0 0-16,0 0 15,0 0-15,26 0 16,-26 0-16,0 0 0,0-1 16,0 1-16,0 0 15,0 0-15,0 0 0,0 0 16,0 0 0,26 0-16,-26 0 15</inkml:trace>
+  <inkml:trace contextRef="#ctx0" brushRef="#br0" timeOffset="1171">1270 808 0,'0'-26'16,"0"0"0,0 0-1,0 0 1,-25 0-16,-1 0 16,0 26-1,0 0-15,0 0 16,0 0-16,0 0 15,0 26-15,0-26 16,0 26-16,26 0 0,-26-26 16,26 26-16,-26 0 0,26 0 15,0 26-15,0-26 16,0-1-16,26 27 0,-26-26 16,0 26-16,26-26 15,-26 0-15,0 26 0,0-26 16,26 0-16,-26 0 0,0-1 15,0 1-15,0 0 16,-26 0-16,26 0 16,-26-26-1</inkml:trace>
+  <inkml:trace contextRef="#ctx0" brushRef="#br0" timeOffset="1638">908 1145 0,'26'0'32,"-26"-26"-32,25 26 15,1 0-15,0 0 16,0 0-16,0 0 15,0-26-15,0 26 0,0 0 16,0 0-16,0 0 16,0 0-16,0-26 0,-1 26 15,1 0-15,0 0 16,0-26-16,-26 0 47,-26 26-32,26 26 17,-26-26-32,26 26 15,0 0 1,0 0-16,0 0 16,0 0-16,0 0 15,0 0 1,0-1-16,0 1 15</inkml:trace>
+  <inkml:trace contextRef="#ctx0" brushRef="#br0" timeOffset="2283">1478 1041 0,'0'26'47,"26"-26"-47,0 26 16,0 0-1,-26 0-15,25 0 16,-25 0 0,0 0-1,0-1-15,-25-25 16,25-25 31,0-1-32,0 0-15,0 0 16,25 0-16,1 0 16,-26 0-16,26 0 15,0 26-15,-26-26 0,26 26 16,0 0 0,0 26-16,-26 0 15,26 0-15,-26 0 16,0 0-1,0 0-15,0 0 0,0 0 16,0-1-16,0 1 16</inkml:trace>
+  <inkml:trace contextRef="#ctx0" brushRef="#br0" timeOffset="3078">2152 1119 0,'0'-26'16,"0"0"0,0 0-16,-26 0 15,0 0 1,0 26-1,0-26-15,0 26 16,0 26-16,0-26 16,26 26-16,-26-26 0,0 26 15,26 0-15,-25 0 16,-1 0-16,26 0 16,0 0-16,0 0 15,26 0-15,-26-1 16,25-25-16,1 0 15,0 0 1,0 0-16,0 0 0,0 0 16,0 0-1,0-25-15,0-1 16,0 0-16,-26 0 16,0 0-1,0 0 1,0 52-1,0 0 1,0 0 0,0 0-1,26-26-15,0 26 16,-1-26 0,1 0-16,0 0 15,0-26-15,0 0 16,0 0-1,0 0-15,-26 0 0,26 0 16,0 0-16,-26-26 0,0 26 16,0-26-16,0 1 15,0-1-15,0 0 0,0 0 16,-26 0 0,26 26-16,0-25 0,-26 25 0,0 26 15,26 26 1,-26 25-1,26-25-15,0 26 0,0 0 16,0 0-16,0 0 16,0-1-16,26 1 0,-26 0 15,26 0-15,0 0 0,-26-26 16,26 0-16,-26 0 16,26 0-16</inkml:trace>
+  <inkml:trace contextRef="#ctx0" brushRef="#br0" timeOffset="5821">1581 1767 0,'0'-26'16,"26"26"15,-26 26 0,0 0-15,0 0-16,0 0 15,0-1-15,-26 1 16,26 0-16,0 0 0,0 0 16,0 0-1,0 0-15,0 0 31,0-52-15,0 0-16,0 0 16,0-26-1,0 26-15,0-25 0,0 25 16,0-26-16,0 0 16,0 0-16,0 0 0,0 0 15,26 1-15,-26 25 0,26-26 16,-26 26-16,26 26 15,0-26-15,0 26 0,0 0 16,0 0-16,0 0 16,-26 26-16,26 0 0,0 0 15,0 0-15,-26 0 0,26 0 16,-26-1-16,0 1 16,0 26-16,-26-26 0,26 0 15,-26 0-15,0 0 0,0-26 16,0 26-16,0-26 15,0 26-15,0-26 0,0 0 16,0 0-16,0 0 16,52-26 15,0 26-15,0 0-16,0 0 15,-26 26-15,26-26 16,0 26-16,-26 0 0,26-26 15,0 25-15,-26 1 0,26-26 16,0 26-16,-26 0 16,26-26-16,-26 26 0,25-26 15,1 26-15,0-26 16,0 0-16,0 0 16,0 0-16,0 0 15,0 0-15,0 0 16,0-26-1,0 0 1,-26 0-16,26 0 16,-26 0-16,25 1 0,-25-1 15,0-26-15,0 26 16,0 0-16,0 0 0,0 0 16,0 0-16,-25 26 0,-1-26 15,0 26 1,0 26-16,0-26 0,26 26 15,-26 0-15,0 0 16,26 0-16,0 0 0,0 0 16,0 0-16,0 0 15,0-1-15,26 1 16,-26 0-16,26-26 0,0 0 16,0 26-16,0-26 15,0 0-15,-1-26 16,1 26-16,0-26 15,0 26-15,0-26 0,0 1 16,0-1-16,0 0 16,-26 0-16,26 0 15,-26 0-15,26 0 0,-26 0 16,0 0-16,26 0 16,-52 26 30,26 26-46,-26-26 16,26 26-16,0 0 16,-26 0-1,26 0-15,0 0 16,0 0-16,26 0 16,0 0-1,0-1 1,0 1-16,-1-26 15,1 26-15,0 0 32,-52 0-17,0-26 1,1 0-16,25 26 0,-26-26 16,0 0-16,0 0 15,0-26 1,26 0-1,0 0-15,0 0 16,26 26 0,-26-26-16,0 52 62,0 0-46,26-26-1,-26 26 1,26-26-16,0 0 16,-1 0-16,1 0 15,0 0 1,0 0-16,0 0 0,0-26 16,0 26-1,0-26-15,-26 0 16,26 1-16,-26-1 15,0 0 1,26 0-16,-26 0 0,0 0 16,0 0-16,0 0 15,0 52 17,0 0-17,-26-26-15,26 26 0,0 0 16,0 0-16,0 0 15,0 0-15,0-1 16,0 1-16,0 0 16,26-26-16,0 26 15,0-26 1,-1 0 0,1-26-1,0 26-15,-26-26 0,26 26 16,-26-26-16,0 1 15,26 25-15,-26-26 0,0 0 16,0 0-16,0 0 0,0 0 16,0 0-1,0 52 17,0 0-32,0 0 15,0 0-15,0 0 16,0 0-1,0-1-15,0 1 16,26-26 0,-26 26-16,26-26 15,0 0-15,0-26 16,0 26-16,0-26 16,-26 1-16,26 25 0,-26-26 15,26 0-15,-26 0 16,25-26-16,-25 26 0,0 0 15,0 0-15,0 0 0,0 0 16,0 0-16,-25 1 16,25-1-16,0 0 15,-26 26 1,26 26 0,0 0-16,0-1 15,0 1-15,0 0 16,0 0-16,0 26 0,0-26 15,0 26-15,0-26 16,26 0-16,-26 25 0,0-25 16,25 0-16,1 0 15,0-26-15,-26 26 16,26-26-16,0 0 0,0 0 16,0-26-1,0 26-15,0-26 0,-26 0 16,26 0-16,0 1 0,-26-1 15,26 0-15,-26-26 16,0 26-16,0 0 0,0-26 16,0 26-16,0 0 15,-26 0-15,0 26 32,26 26-17,0 0-15,0 0 16,-26 0-16,26 0 15,0 26-15,0-26 0,0 26 16,0-26-16,26-1 0,-26 1 16,26 0-16,-26 0 15,0 0-15,26-26 0,-1 0 16</inkml:trace>
+  <inkml:trace contextRef="#ctx0" brushRef="#br0" timeOffset="6018">3370 1767 0,'-26'-26'0,"52"26"31,-26-26-15,26 26-16,0 0 0,0 0 15,25-26-15,-25 26 16,0 0-16,26 0 0,-26 0 15,0 0-15,0 0 0,0 0 16</inkml:trace>
+</inkml:ink>
+</file>
+
+<file path=ppt/ink/ink24.xml><?xml version="1.0" encoding="utf-8"?>
+<inkml:ink xmlns:inkml="http://www.w3.org/2003/InkML">
+  <inkml:definitions>
+    <inkml:context xml:id="ctx0">
+      <inkml:inkSource xml:id="inkSrc0">
+        <inkml:traceFormat>
+          <inkml:channel name="X" type="integer" max="1920" units="cm"/>
+          <inkml:channel name="Y" type="integer" max="1080" units="cm"/>
+          <inkml:channel name="T" type="integer" max="2.14748E9" units="dev"/>
+        </inkml:traceFormat>
+        <inkml:channelProperties>
+          <inkml:channelProperty channel="X" name="resolution" value="55.81395" units="1/cm"/>
+          <inkml:channelProperty channel="Y" name="resolution" value="55.6701" units="1/cm"/>
+          <inkml:channelProperty channel="T" name="resolution" value="1" units="1/dev"/>
+        </inkml:channelProperties>
+      </inkml:inkSource>
+      <inkml:timestamp xml:id="ts0" timeString="2020-11-20T18:57:03.494"/>
+    </inkml:context>
+    <inkml:brush xml:id="br0">
+      <inkml:brushProperty name="width" value="0.05" units="cm"/>
+      <inkml:brushProperty name="height" value="0.05" units="cm"/>
+      <inkml:brushProperty name="fitToCurve" value="1"/>
+    </inkml:brush>
+  </inkml:definitions>
+  <inkml:trace contextRef="#ctx0" brushRef="#br0">366 181 0,'0'-26'16,"-25"0"-1,-1 26 1,0 0 0,0 0-16,0 0 15,0 0-15,0 26 16,0-26-16,0 26 0,0 0 15,0 0-15,0 0 0,1 0 16,25 26-16,-26-26 16,26 25-16,0 1 0,26-26 15,-26 26-15,25 0 16,1-26-16,26 26 0,-26-27 16,26 1-16,0 0 0,0 0 15,-26 0-15,25-26 16,1 0-16,-26 0 0,0-26 15</inkml:trace>
+  <inkml:trace contextRef="#ctx0" brushRef="#br0" timeOffset="519">781 440 0,'0'-26'16,"-26"26"-1,26-26 1,-26 26-16,0 0 15,1 0 1,-1 26 15,26 0-31,-26 0 16,26 0-16,0 0 16,0 0-16,0 0 0,26 0 15,-26 0-15,26 0 0,-1-26 16,-25 26-16,26-26 15,0 0-15,0 0 0,0 0 16,0 0-16,0-26 0,0 26 16,-26-26-16,26 0 15,-26 0-15,0 0 0,0 0 16,0 0-16,0 0 16,-26 0-16,0 0 0,0 26 15,0-26-15,0 26 16,0 0-1,0 0-15,26 26 16</inkml:trace>
+  <inkml:trace contextRef="#ctx0" brushRef="#br0" timeOffset="1161">1300 518 0,'25'0'15,"-25"-26"1,26 26 0,-26-26-16,0 0 15,-26 26-15,26-26 16,-25 26-16,-1 0 0,26-26 15,-26 26-15,0 0 16,0 0 0,26 26-16,-26 0 15,26 0 1,0 0-16,0 0 0,-26 0 16,26 0-16,0 0 15,0 0-15,0 0 0,26 0 16,-26-1-16,26-25 15,0 0-15,0 0 16,0 0-16,0-25 16,-1-1-16,1 0 15,0-26-15,-26 26 16,26 0-16,-26-26 0,26 26 16,-26-26-16,0 1 15,0-1-15,0 0 0,0 26 16,0-26-16,-26 0 15,26 26-15,0 1 0,-26 25 32,26 25-17,0 1-15,0 0 0,0 26 16,0 0-16,26-26 16,-26 26-16,0 0 0,0-1 15,26 1-15,-26-26 0,26 26 16,-26-26-16,0 26 15,26-26-15,-26 0 0,26-1 16,-26 1-16,0 0 16</inkml:trace>
+  <inkml:trace contextRef="#ctx0" brushRef="#br0" timeOffset="1684">1740 518 0,'26'0'63,"0"-26"-48,0 26 1,0 0-16,0-26 16,0 26-16,0 0 0,-26-26 15,26 26-15,-26-26 16,0 0-1,0 1-15,0-1 16,-26 26-16,26-26 16,-26 26-16,0-26 0,0 26 15,0 0-15,0 0 16,26 26-16,-26-26 0,0 26 16,0 0-16,26-1 15,-26 27-15,26-26 0,0 26 16,0-26-16,26 26 0,-26-26 15,0 26-15,26-27 16,0 1-16,0 0 0,0-26 16,0 26-16,0-26 15,0 0-15,26-26 0,-27 26 16</inkml:trace>
+  <inkml:trace contextRef="#ctx0" brushRef="#br0" timeOffset="1983">2181 570 0,'26'0'31,"0"-26"-15,0 26-16,-1 0 15,1-26-15,0 26 16,0 0 0,0 0-16,0-26 0,0 26 15</inkml:trace>
+  <inkml:trace contextRef="#ctx0" brushRef="#br0" timeOffset="2645">2595 129 0,'-25'-26'0,"-1"26"16,26 26 15,-26 0-31,26 26 16,0-26-16,0 26 0,0-26 15,26 51-15,-26-25 16,0 0-16,0 26 0,26-26 15,-26 0-15,0 25 16,0-25-16,25 0 0,-25 0 16,0-26-16,26 26 0,-26-26 15,0-1-15,26 1 16,-26 0-16,26 0 16,0-26-1,0-26 1,-26 0-1,0-25-15,26 25 16,-26 0-16,0-26 0,-26 0 16,26 0-16,-26 0 15,26-25-15,-26 25 0,26 0 16,-26 0-16,26 0 0,0 0 16,0 1-16,0 25 15,0 0-15,0 0 0,26 26 16,-26-26-16,26 26 15,0 0-15,0 0 16,0 26-16,0-26 0,0 26 16,0 0-16,0 0 15,-1-1-15,1 1 0,-26 0 16,0 0-16,26 0 0,-26 0 16,0 0-16,-26 0 15,0 0-15,1-26 0,-1 26 16,0 0-16,0-26 15,0 0-15,0 0 0,0 0 16,0 0-16</inkml:trace>
+  <inkml:trace contextRef="#ctx0" brushRef="#br0" timeOffset="3670">3192 388 0,'26'0'0,"-26"-25"16,25 25-16,-25-26 0,26 0 15,-26 0 1,0 0-16,0 0 15,-26 26 1,1 0 0,25 26-16,0 0 15,0 0 1,-26-26-16,26 26 0,0 0 16,0-1-16,0 1 0,0 0 15,0 0-15,0 0 16,0 0-16,26 0 0,-26 0 15,25 0 1,-25 0-16,26 0 0,-26 0 16,26-26-16,0 0 15,0 0 1,0-26 0,0 0-1,-26 0-15,0 0 0,26 0 16,-26 0-16,0 0 0,26 0 15,-26 0-15,0 0 16,0 0-16,0 1 0,0-1 16,0 0-1,0 52 17,0 0-17,0-1-15,26 1 0,-26 0 16,0 0-16,26 0 15,-26 0-15,0 26 0,0-26 16,26 0-16,-26 0 0,25 0 16,-25-1-1,26-25-15,0 0 16,0-25 0,0 25-16,0-26 0,0 0 15,0 0-15,0 0 0,0 0 16,-26 0-16,26 0 15,0 0-15,-26-26 0,0 26 16,0 1-16,0-1 0,0 0 16,0 0-16,0 0 15,0 0-15,-26 26 16,26 26 0,-26-26-16,26 26 0,-26-26 15,26 26-15,0 0 16,-26 0-16,26-1 0,26 1 15,-26 0-15,26 0 16,-26 0-16,26 0 16,0 0-16,-26 0 15,25-26-15,-25 26 16,26 0-16,0 0 16,-26 0-16,0-1 15,0 1 1,-26-26-16,26 26 15,-26-26-15,1 0 16,-1 0-16,0-26 16</inkml:trace>
+  <inkml:trace contextRef="#ctx0" brushRef="#br0" timeOffset="4131">4047 26 0,'0'-26'0,"-26"26"31,26 26-15,-26-26-16,26 26 0,0-1 15,0 1-15,0 26 16,0-26-16,0 0 0,0 26 15,0 0-15,26-26 16,-26 25-16,0 1 0,26-26 16,-26 26-16,0-26 15,0 0-15,26 0 0,-26 0 16,0 0-16,0 0 16,0-52 15,26 26-31,-26-26 15,0 0-15,26-26 16,-26 26-16,26 0 0,-26 0 16,25 0-16,1 0 15,0 0-15,0 26 16,0 0 0,-26 26-16,0 0 0,26 0 15,-26 0-15,0 26 0,0 0 16,0 0-16,0-26 15,0 25-15,0 1 0</inkml:trace>
+  <inkml:trace contextRef="#ctx0" brushRef="#br0" timeOffset="4978">1274 1684 0,'26'-26'15,"-26"1"1,0-1 0,0 0-1,-26 26-15,26-26 16,-26 26-16,0 0 15,0 0-15,0 26 16,0 0-16,0 0 16,0-1-16,26 1 15,-26-26-15,26 26 0,0 0 16,0 0-16,26 0 0,-26 0 16,26-26-16,0 26 15,0-26-15,0 0 16,0-26-16,26 26 15,-26-26-15,-1 26 0,1-26 16,-26-26-16,26 26 0,0 0 16,0-25-16,-26-1 15,0 0-15,26 0 0,-26 0 16,0 26-16,0-25 0,0 25 16,0 0-16,0 0 15,0 52 16,-26 0-31,26 0 0,0-1 16,0 27-16,0-26 16,0 26-16,0-26 0,0 26 15,26-26-15,-26 0 0,0 25 16,0-25-16,26 0 16,-26 0-16,26-26 0,-26 26 15,26-26-15</inkml:trace>
+  <inkml:trace contextRef="#ctx0" brushRef="#br0" timeOffset="6022">1766 1633 0,'0'-26'0,"0"0"16,0 0-1,0 52 48,0 0-48,0 0-15,0-1 16,0 1-16,0 0 16,0 0-16,0 0 15,26 0 1,0-26-1,0-26 1,-26 0 0,26 0-16,-26 0 15,26 0-15,-26 1 16,0-1-16,0 0 0,0 0 16,-26 0-16,0 0 15,52 26 32,0 26-47,0-26 16,0 0-1,25 0-15,-25 26 0,0-26 16,0 0-16,0 0 0,0 0 16,0 0-16,-26-26 15,26 26-15,-26 26 63,0 0-48,0 0 1,0 0-16,0-1 16,0 1-16,0 0 0,0 0 15,26 0-15,0 0 31,0 0-31,-1-26 16,1 0-16,0-26 0,0 26 16,-26-26-16,26 26 15,0-26-15,0 26 0,-26-26 16,26 0-16,-26 0 16,0 1-16,0-1 15,-26 26 1,26 26 15,-26-26-31,26 25 16,0 1-16,0 0 0,0 0 15,26-26-15,-26 26 0,26 0 16,-26 0-16,26-26 16,0 26-16,0-26 15,0 0-15,-1 0 16,1-26-16,0 26 0,0-26 15,0 26-15,0-26 16,0 0-16,-26 0 0,26 0 16,-26 0-16,0 1 0,0-1 15,0 0-15,0 0 16,0 0-16,-26 26 0,0-26 16,0 26-16,0 0 15,26 26 1,-26-26-16,26 26 0,0 0 31,26-26-31</inkml:trace>
+  <inkml:trace contextRef="#ctx0" brushRef="#br0" timeOffset="6615">2906 1555 0,'-25'0'0,"-1"-26"31,52 52 16,-1 0-31,1 0-16,-26 0 15,26-1-15,0 1 0,-26 0 16,26 0-16,-26 0 0,0 0 15,0 0 1,26-26-16,-26-26 31,0 0-15,0 0 0,26 0-16,-26 0 0,26 0 15,-26 1-15,26-1 0,0 0 16,-26 0-16,26 0 15,-26 0-15,26 0 0,0 26 16,-26 26 0,0 0-1,25 0-15,-25 0 0,0 26 16,0-27-16,0 1 16,26 0-16,-26 0 0,0 0 15,26 0 1,-26 0-16,26 0 15,0 0-15,0-26 16,0 0-16,0 0 16,0 0-16,26 0 15,-52-26-15,26 26 0,-1-26 16,1 26-16,0-26 16,-26 0-16,26 0 15,-26 0 1,-26 26-16</inkml:trace>
+</inkml:ink>
+</file>
+
+<file path=ppt/ink/ink25.xml><?xml version="1.0" encoding="utf-8"?>
+<inkml:ink xmlns:inkml="http://www.w3.org/2003/InkML">
+  <inkml:definitions>
+    <inkml:context xml:id="ctx0">
+      <inkml:inkSource xml:id="inkSrc0">
+        <inkml:traceFormat>
+          <inkml:channel name="X" type="integer" max="1920" units="cm"/>
+          <inkml:channel name="Y" type="integer" max="1080" units="cm"/>
+          <inkml:channel name="T" type="integer" max="2.14748E9" units="dev"/>
+        </inkml:traceFormat>
+        <inkml:channelProperties>
+          <inkml:channelProperty channel="X" name="resolution" value="55.81395" units="1/cm"/>
+          <inkml:channelProperty channel="Y" name="resolution" value="55.6701" units="1/cm"/>
+          <inkml:channelProperty channel="T" name="resolution" value="1" units="1/dev"/>
+        </inkml:channelProperties>
+      </inkml:inkSource>
+      <inkml:timestamp xml:id="ts0" timeString="2020-11-20T18:58:42.950"/>
+    </inkml:context>
+    <inkml:brush xml:id="br0">
+      <inkml:brushProperty name="width" value="0.05" units="cm"/>
+      <inkml:brushProperty name="height" value="0.05" units="cm"/>
+      <inkml:brushProperty name="fitToCurve" value="1"/>
+    </inkml:brush>
+  </inkml:definitions>
+  <inkml:trace contextRef="#ctx0" brushRef="#br0">2593 420 0,'-26'0'0,"26"-26"15,-26 26-15,26 26 47,0 0-47,0 0 16,0 26-16,0-26 15,0 26-15,0 25 16,0-25-16,-26 26 0,26-26 16,0 25-16,-26 1 0,26 0 15,0-26-15,-26 26 16,26-1-16,0-25 0,-26 0 16,26 26-16,0-26 15,-26-1-15,26 1 0,0-26 16,0 26-16,-26-26 0,26 0 15,0 0-15,0 0 16,0 0-16,0 0 16,26-52 31,0 26-47,0 0 15,0 0-15,0-26 0,26 26 16,-26 0-16,51 0 15,-25-26-15,26 26 0,0-26 16,25 26-16,1-26 0,26 26 16,-1 0-16,1-26 15,-1 26-15,1 0 0,0-26 16,25 26-16,-25 0 16,-1-26-16,1 26 0,25 0 15,-25-26-15,0 26 0,-1 0 16,1-26-16,-1 26 15,-25 0-15,0 0 0,-26-26 16,-1 26-16,-25 0 16,0 0-16,-26 0 0,0 0 15,-26-25 17,-26 25-32,0 0 15,0 0-15,0-26 16,0 0-1,26 0 17,0 0-32,0 0 15,0 0-15,-26-26 0,26 26 16,0-26-16,0 1 16,0-1-16,-26 0 0,26-26 15,0 0-15,-26 27 16,26-27-16,0-26 0,-25 26 15,25 27-15,0-27 0,0 0 16,0 26-16,0 0 16,0 1-16,0 25 0,0-26 15,0 26-15,0 0 16,0 0-16,0 0 16,0 0-16,0 0 31,0 0-16,-26 26 1,26-26-16,-26 26 16,0 0-1,0 0 1,0 0-16,-26 0 16,26 0-16,-26 0 15,0 0-15,1 26 0,-27-26 16,0 0-16,-26 26 0,27-26 15,-53 26-15,26-26 16,-25 26-16,-1-26 0,1 26 16,-1-26-16,0 26 15,1-26-15,25 26 0,-25-26 16,25 26-16,0-26 0,1 0 16,-1 26-16,26-26 15,26 0-15,-25 26 0,51-26 16,-26 0-16,26 0 15,0 0-15,0 0 16,0 0-16,0 0 16,26 26-1,-26-26-15,0 0 32,26 25-17,0 1 32,-26 0-47,26 0 16,-25-26-1,25 26-15,0 0 16,0 0 0,25-26-16</inkml:trace>
+  <inkml:trace contextRef="#ctx0" brushRef="#br0" timeOffset="605">2930 783 0,'26'0'16,"-26"26"15,0 0-16,0 0 1,0 0-16,0 0 0,0-1 16,0 27-16,0 0 0,0-26 15,0 26-15,0-26 16,0 52-16,0-52 16,0-1-16,0 1 15,0 0-15,0-52 47,0 0-47,0 1 0,0-1 16,0-26-16,0 0 15,0 0-15,0 0 0,0 0 16,0-25-16,-26-1 0,26 0 16,0 0-16,0 27 15,26-27-15,-1 26 0,1 26 16,0-26-16,0 26 15,0 26-15,0 0 0,26 0 16,-26 0-16,0 26 0,0 0 16,-26 0-16,26 26 15,-26-26-15,0 26 0,0-1 16</inkml:trace>
+  <inkml:trace contextRef="#ctx0" brushRef="#br0" timeOffset="803">2904 938 0,'26'0'47,"0"0"-47,-1-25 16,1 25-16,0 0 0,0-26 15,26 26-15,-26-26 0</inkml:trace>
+  <inkml:trace contextRef="#ctx0" brushRef="#br0" timeOffset="999">3318 809 0,'0'26'31,"0"0"-15,0 0-1,0 0-15,0-1 0,26 27 16,-26-26-16,26 0 16,-26 0-16,26 26 0,-26-26 15,26 0 1,-26 0-16</inkml:trace>
+  <inkml:trace contextRef="#ctx0" brushRef="#br0" timeOffset="1151">3448 679 0,'0'-26'0,"0"52"47</inkml:trace>
+  <inkml:trace contextRef="#ctx0" brushRef="#br0" timeOffset="1558">3811 783 0,'-26'0'16,"26"26"-1,-26-26-15,0 0 16,26 26-16,-26 0 16,26 0-16,0 0 15,0-1-15,0 1 16,0 0-16,0 0 0,26 0 16,-26 0-1,26-26-15,0 26 16,0-26-1,0-26-15,0 0 16,-26 0-16,26 0 16,-26 0-16,0 0 15,0 1-15,-26-1 0,26 0 16,-26 0-16,26 0 16,-26 0-16,0 0 15,0 26 1,26 26-1</inkml:trace>
+  <inkml:trace contextRef="#ctx0" brushRef="#br0" timeOffset="1936">4044 757 0,'-26'0'16,"0"0"0,52 26 15,0-26-15,-26 26-16,26 0 0,0-26 15,-26 26-15,26 0 16,-26 0-16,26-1 0,-26 1 15,26-26 1,-26 26-16,-26-26 16,26-26-16,-26 26 15,26-26-15,-26 1 16,26-1-16,0 0 16,0 0-16,0-26 15,26 26-15,-26 0 0,26 0 16,-26 0-16,26 0 0,0 0 15,0 26-15,-1 0 16</inkml:trace>
+  <inkml:trace contextRef="#ctx0" brushRef="#br0" timeOffset="2164">4303 653 0,'26'0'47,"-26"26"-32,0 0-15,0 0 16,26 0-16,-26 26 16,0-26-16,0 0 0,26 0 15,-26 0-15,0-1 0,0 1 16</inkml:trace>
+  <inkml:trace contextRef="#ctx0" brushRef="#br0" timeOffset="2338">4329 420 0,'-26'-26'0,"26"0"15,-26 26-15,26 26 16,0 0 0,0 0-16,26 0 15</inkml:trace>
+  <inkml:trace contextRef="#ctx0" brushRef="#br0" timeOffset="2812">4640 679 0,'0'26'15,"-26"-26"1,26 26-16,-26 0 16,26 0-16,0 0 0,-26 0 15,26 0-15,0 26 16,0-27-16,-25 27 0,25-26 15,0 0-15,0 26 16,-26-26-16,26 0 0,0 0 16,0 0-16,0 0 0,-26-26 15,26-26 17,26 26-32,-26-26 15,26-26-15,-26 26 0,0-26 16,25 0-16,1-25 0,-26 25 15,26-26-15,0 26 16,0 0-16,-26 0 0,26 1 16,0 25-16,-26 0 15,26 26-15,-26 26 0,0 0 16,26 0-16,-26 25 0,26 1 16,-26 0-16,26 26 15,-26-26-15,0-1 0,26 27 16,-26-26-16,0 0 15,25-26-15,-25 0 0,0 0 16,0 0-16</inkml:trace>
+  <inkml:trace contextRef="#ctx0" brushRef="#br0" timeOffset="2981">4640 990 0,'0'-26'0,"0"0"16,0 1-16,26 25 15,0 0 1,0 0-16,0 0 16,0 0-1,0-26-15,0 26 0,0 0 16</inkml:trace>
+  <inkml:trace contextRef="#ctx0" brushRef="#br0" timeOffset="3490">4925 835 0,'26'-26'0,"-26"0"0,0 0 16,0 0-1,0 0 1,0 52 0,0 0-1,0 0-15,0 26 0,26 0 16,-26-1-16,0 1 16,26 0-16,-26 26 0,26-26 15,-26 0-15,0-1 16,0 1-16,26-26 0,-26 26 15,0-26-15,0 0 0,0 0 16,0-52 0,26 0-1,-26-26-15,0 26 16,0-26-16,0-25 0,0 25 16,0 0-16,0-26 0,0 26 15,0 0-15,26 27 16,-26-1-16,0 0 0,0 0 15,26 26 1,-26 26-16,26-26 16,-26 26-16,25 0 0,-25-1 15,26-25-15,-26 26 16,26 0-16,-26 0 0,0 0 16,26 0-16,-26 0 15,0 0-15,0 0 16,-26-26-16,0 0 15,0 0 1,26-26-16,-25 26 16</inkml:trace>
+  <inkml:trace contextRef="#ctx0" brushRef="#br0" timeOffset="4019">5314 731 0,'0'-26'0,"-26"0"16,26 0-1,0 52 1,26-26 0,-26 26-16,0 0 15,0 26-15,26-26 0,-26 26 16,0-26-16,0 25 16,26 1-16,-26-26 0,0 26 15,0 0-15,26-26 16,-26 26-16,0-26 0,0 0 15,0-1-15,0 1 0,0 0 16,0 0 0,0-52 15,0 0-31,0-25 16,0 25-16,-26-26 0,26 0 15,0 0-15,0 0 16,0 0-16,0 1 0,26 25 15,-26-26-15,26 26 0,-26 0 16,26 26-16,0 0 16,0 0-16,-1 26 0,1-26 15,-26 26-15,0 0 16,0 0-16,0 0 0,-26-1 16,1 27-16,-27-52 0,-26 26 15,26 0-15</inkml:trace>
+  <inkml:trace contextRef="#ctx0" brushRef="#br0" timeOffset="5034">182 187 0,'-26'0'15,"0"0"1,0 26 15,26 0-31,-25 0 0,25 0 16,-26 25-16,26-25 15,-26 26-15,26 0 0,0 0 16,0 0-16,0-1 16,26-25-16,0 26 0,-26-26 15,25 0-15,1 0 0,26-26 16,-26 26-16,0-26 16,26 0-16,-26-26 0,26 0 15,-26 0-15,25 0 0,-25 0 16,0-26-16,0 27 15,-26-27-15,0 26 0,0-26 16,0 0-16,-26 26 0,0-26 16,0 1-16,1 25 15,-1 0-15,-26 26 16,26-26-16,0 26 0,0 0 16,0 26-16,26 0 15,0 0-15,0-1 16,0 1-16</inkml:trace>
+  <inkml:trace contextRef="#ctx0" brushRef="#br0" timeOffset="5743">390 861 0,'-26'0'32,"0"0"-17,26 26 17,-26-26-32,26 26 15,-26-1-15,0 1 16,0 0-16,0 0 0,0 26 15,0-26-15,0 26 16,0-26-16,26 0 0,-25 26 16,-1-27-16,0 1 0,26 0 15,-26 0-15,26 0 16,0 0-16,26 0 31,0-26-31,0 0 16,-1 0-1,1 0-15,0 0 16,0 0-16,0 0 16,0 0-16,0 0 15,0 0-15,0 0 0,0 0 16,0 0-16,0 0 0,0 0 16,-1 0-16,1 0 15,0 0 1,0-26-1,0 0-15,-26 0 16,26 0-16,-26 0 16,0 0-16,0 1 15,0-1-15,0 0 0,-26-26 16,26 26-16,-26 0 16,0-26-16,26 26 0,-26 0 15,0 0-15,1 0 0,25 1 16,-26-1-16,0 26 15,26-26-15,-26 26 0,0 0 32,26 26-17,0 0-15,26-26 16,-26 25 0</inkml:trace>
+  <inkml:trace contextRef="#ctx0" brushRef="#br0" timeOffset="6163">1038 990 0,'-26'0'16,"26"26"0,26-26-1,-1 0 1,1 0-16,0 0 0,0 0 16,26 0-16,26 0 0,-26 0 15,25 0-15,27 0 16,-26 0-16,0-26 0,-1 26 15,1 0-15,-26 0 16,0 0-16,0 0 0,-26 0 16,-1 0-16,1 0 0,0 0 15,-26-26 17,-26 26-32,0 0 15,26-26 1</inkml:trace>
+  <inkml:trace contextRef="#ctx0" brushRef="#br0" timeOffset="6534">1919 783 0,'-26'0'16,"26"26"0,26 0 15,0-26-31,0 0 0,0 26 16,-1-26-16,1 26 15,26 0-15,-26-26 0,0 25 16,0 1-16,-26 0 15,26-26-15,-26 26 0,26 0 16,-26 0 0,-26 0-16,0-26 15,0 26-15,-26 0 0,26 0 16,-26-26-16,27 26 16,-27-26-16,26 26 0,0-26 15,52 0 1</inkml:trace>
+</inkml:ink>
+</file>
+
+<file path=ppt/ink/ink26.xml><?xml version="1.0" encoding="utf-8"?>
+<inkml:ink xmlns:inkml="http://www.w3.org/2003/InkML">
+  <inkml:definitions>
+    <inkml:context xml:id="ctx0">
+      <inkml:inkSource xml:id="inkSrc0">
+        <inkml:traceFormat>
+          <inkml:channel name="X" type="integer" max="1920" units="cm"/>
+          <inkml:channel name="Y" type="integer" max="1080" units="cm"/>
+          <inkml:channel name="T" type="integer" max="2.14748E9" units="dev"/>
+        </inkml:traceFormat>
+        <inkml:channelProperties>
+          <inkml:channelProperty channel="X" name="resolution" value="55.81395" units="1/cm"/>
+          <inkml:channelProperty channel="Y" name="resolution" value="55.6701" units="1/cm"/>
+          <inkml:channelProperty channel="T" name="resolution" value="1" units="1/dev"/>
+        </inkml:channelProperties>
+      </inkml:inkSource>
+      <inkml:timestamp xml:id="ts0" timeString="2020-11-20T18:55:34.746"/>
+    </inkml:context>
+    <inkml:brush xml:id="br0">
+      <inkml:brushProperty name="width" value="0.05" units="cm"/>
+      <inkml:brushProperty name="height" value="0.05" units="cm"/>
+      <inkml:brushProperty name="fitToCurve" value="1"/>
+    </inkml:brush>
+  </inkml:definitions>
+  <inkml:trace contextRef="#ctx0" brushRef="#br0">3628 364 0,'26'-26'0,"-26"0"31,0 52 16,0 0-31,0 0-1,0 0-15,0 25 16,0-25-16,0 26 0,0 26 16,0-26-16,0 26 0,0-1 15,0 1-15,0 0 16,0 0-16,0-1 0,0 27 16,0-26-16,0 25 15,0 1-15,-26-26 0,26 25 16,0 1-16,0 0 0,0 0 15,0-27-15,0 27 16,-25-26-16,25-1 0,0 1 16,0-26-16,0 26 15,0-26-15,0-1 0,-26 27 16,26-26-16,0 0 0,0 0 16,0-26-16,0 25 15,0 1-15,0-26 0,0 0 16,0 26-16,26-26 0,-26 0 15,0 0-15,0 0 16,25 0-16,-25 0 16,26-26-1,-26 25 1,26-25-16,0 0 0,0 0 16,0 26-1,26-26-15,-26 0 0,26 0 16,-1 0-16,1 0 15,26 0-15,0 0 0,0 0 16,-1 0-16,27 0 16,26 0-16,-27 0 0,27 0 15,-1 0-15,27 26 0,-26-26 16,25 0-16,1 0 16,25 0-16,-26 26 0,27-26 15,-27 0-15,1 0 0,25 26 16,-25-26-16,-1 26 15,1-26-15,-1 0 0,1 26 16,25-26-16,-25 26 16,-1-26-16,1 26 0,-27-26 15,27 0-15,-26 26 0,-1-26 16,1 0-16,-1 0 16,-25 26-16,26-26 0,-27 0 15,1 0-15,0 0 16,-27 0-16,27 0 0,-26 0 15,25 0-15,-25 0 0,0 0 16,0 0-16,0 0 16,-27 0-16,27 0 0,0 0 15,0 0-15,-27 0 16,27 0-16,-26-26 0,0 26 16,0 0-16,0 0 0,-1 0 15,1 0-15,-26 0 16,26-26-16,-26 26 0,-26-26 15,26 26-15,0-26 16,-26 0-16,0 0 16,0 0-16,26 0 0,-26 0 15,0 0-15,0-25 16,26 25-16,-26-26 0,25 26 16,-25-26-16,26 0 15,-26 0-15,26 1 0,-26-1 16,26 0-16,-26 0 0,26 0 15,-26-26-15,0 1 16,26 25-16,-26-26 0,0-26 16,0 27-16,26-27 15,-26 26-15,0-25 0,0-1 16,26 0-16,-26 1 0,0 25 16,0-26-16,26 26 15,-26 1-15,0-1 0,0 0 16,0 0-16,0 27 0,0-27 15,0 26-15,0 0 16,-26 0-16,26 0 0,-26 1 16,26-1-16,0 26 15,-26-26-15,26 26 0,0 0 16,-26-26-16,26 26 16,0 0-16,0 1 0,-26-27 15,26 26-15,0 0 0,-26 0 16,26 0-16,0 0 15,-26 26-15,26-26 0,0 0 16,-26 26-16,26-26 0,0 0 16,-25 1-1,25-1 17,-26 26-17,0 0-15,0 0 31,0 0-31,0 0 16,0 0-16,0 0 16,-26 0-16,26-26 0,-25 26 15,-1 0-15,0 0 0,-26 0 16,-26 0-16,27 0 16,-27-26-16,-26 26 0,1 0 15,-1 0-15,-25 0 16,25 0-16,-25 0 0,-1 0 15,27 0-15,-27 0 0,1 0 16,-1 0-16,0 0 16,1 0-16,-1 0 0,27 0 15,-27 0-15,27 0 16,-1 0-16,1 0 0,25 0 16,0 0-16,1 0 15,-1 0-15,26 0 0,-26 0 16,27 0-16,-1 0 0,0 26 15,0-26-15,-25 0 16,25 0-16,0 0 0,1 0 16,-1 0-16,0 0 0,0-26 15,0 26-15,1 0 16,-1 0-16,0 0 0,26 0 16,-25 0-16,-1 0 15,26-26-15,-26 26 0,26 0 16,-25 0-16,25 0 0,-26 26 15,26-26-15,-25 0 16,25 26-16,-26-26 0,26 0 16,-26 26-16,1-26 0,25 26 15,-26-26-15,26 25 16,0-25-16,0 0 0,1 26 16,-1-26-16,0 0 15,26 26-15,0-26 0,0 0 16,0 0-16,0 0 31,26-26-15,-26 26-16,1 0 31,-1 0-15,0 26-1,0 0 1,26 0-1,0 0-15,-26 0 16,26 0-16,0 26 0,0-26 16,0 25-16,0-25 15,0 26-15,0-26 0,0 26 16,0-26-16,0 26 16,0-26-16,26 26 0,-26-1 15,0-25-15,0 26 16,0-26-16,26 26 0,-26 0 15,0 0-15</inkml:trace>
+  <inkml:trace contextRef="#ctx0" brushRef="#br0" timeOffset="1572">6143 1971 0,'0'-26'0,"0"52"31,0 0-15,-26 25-16,26-25 16,0 26-16,-26-26 15,26 26-15,-26 0 0,26 0 16,0-1-16,-26 1 0,26 0 16,0 0-16,0 0 15,-26 0-15,26-26 0,0 25 16,0-25-16,0 0 15,0 0-15,26 0 0,-26 0 16,26-26-16,-26 26 16,26-26-16,0 26 0,25-26 15,1 0-15,0 0 0,0 26 16,26-26-16,-1 0 16,1 0-16,0 26 0,26-26 15,-1 0-15,1 26 0,0-26 16,-1 25-16,27-25 15,0 26-15,-1-26 0,27 26 16,-27-26-16,27 26 16,-1 0-16,-25-26 0,-1 26 15,1-26-15,0 26 0,-53-26 16,27 0-16,-26 0 16,-26 0-16,-1 0 0,1 26 15,0-26-15,-26 0 16,26 0-16,-26 0 0,0 0 15,0 0-15,-26-26 0,26 26 16,-1 0-16,-25-26 16,26 26-16,-26-26 15,0 0 1,0 0-16,26 0 16,-26 0-16,0 1 15,0-1-15,0 0 16,0 0-16,0 0 0,0-26 15,0 26-15,0 0 0,0-26 16,26 26-16,-26-25 16,0 25-16,0-26 0,0 26 15,0-26-15,0 26 16,0-26-16,0 26 0,26-25 16,-26 25-16,0-26 15,0 0-15,0 26 0,0-26 16,26 0-16,-26 27 0,0-1 15,0-26-15,0 26 16,26 26-16,-26-26 0,0 0 16,-26 0-1,0 26-15,26-26 16,-26 26-16,0 0 16,0 0-16,0 0 15,-25 0-15,-1 26 0,0-26 16,0 0-16,-26 0 15,27 26-15,-27-26 0,0 0 16,-26 0-16,27 0 0,-27 0 16,0 0-16,-25 0 15,25 0-15,-26-26 0,1 26 16,-1 0-16,1 0 0,-1 0 16,26 0-16,1 0 15,-1 0-15,0 0 0,27 0 16,-1 0-16,0 0 15,0 0-15,1 0 0,25 0 16,0 0-16,0 0 0,26 0 16,-26 0-16,26 0 15,0 0-15,1 0 0,-1 0 16,0 0-16,0 0 16,0 0-1,0 0 16,0 0 1,26-26-32,-26 26 15</inkml:trace>
+  <inkml:trace contextRef="#ctx0" brushRef="#br0" timeOffset="2023">6687 2308 0,'-26'0'16,"26"-26"-16,-26 26 15,0 0 1,0 0-16,-26 0 16,26 0-16,0 26 15,1-26-15,-1 26 0,0-1 16,0 1-16,26 0 0,-26 0 16,26 0-16,-26 26 15,26-26-15,0 0 0,26 0 16,-26 0-16,26 0 15,0-1-15,0-25 0,25 0 16,1 0-16,-26 0 0</inkml:trace>
+  <inkml:trace contextRef="#ctx0" brushRef="#br0" timeOffset="2286">6868 2334 0,'-26'0'0,"0"0"16,26 25-1,0 1 1,0 0 0,26 0-16,-26 0 15,0 0-15,0 0 16,0 0-16,0 0 15,0 0-15,0 0 16,0 0 0</inkml:trace>
+  <inkml:trace contextRef="#ctx0" brushRef="#br0" timeOffset="2561">6790 2385 0,'26'-51'15,"-26"25"-15,26 0 0,0 0 16,0 26 0,0 0-16,0 0 15,0 0-15,-26 26 16,26 0-16,0 0 0,0-1 16,-26 1-16,26 0 0,-26 0 15,0 0-15,0 0 16,0 0-16,0 0 0,-26 0 15,0 0 1,0 0-16,0-26 0,0 0 16,0 0-16,0 0 0,0 0 15,0 0-15,0 0 16</inkml:trace>
+  <inkml:trace contextRef="#ctx0" brushRef="#br0" timeOffset="2982">7438 2308 0,'26'-26'16,"-26"0"-1,-26 26-15,1 0 16,-1 0-16,0 0 16,0 26-16,0-26 15,26 26-15,-26-26 0,0 26 16,0-1 0,26 1-16,0 0 15,26 0-15,0 0 0,0-26 16,-26 26-16,26 0 15,0-26-15,0 26 0,0 0 16,-1 0-16,-25 0 16,0 0-1,-25-1-15,-1-25 16,0 26 0,-26-26-16,26 0 0,0 0 15,0 0-15,0 0 0,0 0 16</inkml:trace>
+  <inkml:trace contextRef="#ctx0" brushRef="#br0" timeOffset="3325">7801 2385 0,'-26'-26'0,"0"26"15,26-25 1,0 50 15,26-25-15,-26 26-16,0 0 0,26 0 15,-26 0-15,26 0 0,-26 0 16,26 26-16,-26-26 16,26 0-16,-26 0 0,0-1 15,26 1-15,0-26 32</inkml:trace>
+  <inkml:trace contextRef="#ctx0" brushRef="#br0" timeOffset="3528">8035 2489 0,'25'-26'0,"-25"0"0,26 0 16,-26 0-16,0 0 15,26 26-15,-52 26 16,26 0 0,-26 0-16,26 0 15,-25 0-15,-1 26 0,0-26 16,0 26-16,0-26 15,26-1-15,-26 1 0,26 0 16,-26 0-16,26 0 16</inkml:trace>
+  <inkml:trace contextRef="#ctx0" brushRef="#br0" timeOffset="3750">8294 2619 0,'0'26'63,"0"-1"-47,-26-25-16,26 26 0,0 0 15,-26 0-15,26 0 16,-26-26-1,26 26-15</inkml:trace>
+  <inkml:trace contextRef="#ctx0" brushRef="#br0" timeOffset="3906">8371 2411 0,'0'-26'0,"-25"26"16,25-26-16,-26 26 15,26 26 1,-26 0 0</inkml:trace>
+  <inkml:trace contextRef="#ctx0" brushRef="#br0" timeOffset="4807">8449 2645 0,'26'0'0,"-26"25"32,0 1 15,26-26-32,0 0 1,-26-26-16,26 26 15,0 0-15,-26-25 16,26 25-16,0-26 0,-26 0 16,26 26-16,-26-26 15,0 0-15,0 0 16,-26 26 0,0 0-1,0 26-15,0 0 16,0 0-16,0 0 0,0 0 15,26-1 1,0 1-16,-26 0 0,26 0 16,0 0-1,26-26-15,0 26 0,0-26 16,0 26-16,0-26 16,0-26-1,0 26-15,0-26 0,0 26 16,-1-26-16,1 0 15,0 0-15,-26 0 16,26 1 0,-26-1-16,26 26 15,-26-26-15,0 52 32,0 0-17,0-1 1,0 1-1,0 0-15,26-26 32,-26 26-17,26-26 1,-26-26-16,26 26 16,-26-26-1,26 26 1,0 0 15,-26 26-15,26-26-16,-26 26 15,26-26 1,-1 26-16,1-26 16,0 0-16,0-26 15,0 26-15,0-26 16,0 0-16,0 0 0,0 1 15,-26-1 1,0-26-16,0 26 0,0 0 16,-26 0-16,-26 26 0,26-26 15,-52 26-15,1 0 16</inkml:trace>
+  <inkml:trace contextRef="#ctx0" brushRef="#br0" timeOffset="6708">6324 1012 0,'0'-26'0,"0"0"15,0 0-15,0 0 16,0 0-16,26 26 16,-26-26-1,0 52 1,0 0 0,-26 0-16,26 0 15,-26 0-15,26 0 0,-26 26 16,26-27-16,-26 1 15,26 0-15,0 0 0,-26-26 16,26 26-16,0-52 16,26 0-1,-26 0-15,26 0 16,-26-25-16,26-1 0,0 0 16,0 0-16,0 0 15,0 0-15,0-25 0,0 25 16,-1 0-16,-25 0 15,26 26-15,0 0 0,0 26 16,0 0-16,26 26 16,-26 0-16,0 0 0,26 26 15,-26 0-15,-1 0 0,27-1 16,-52 1-16,26 0 16,0 0-16,-26-26 0</inkml:trace>
+  <inkml:trace contextRef="#ctx0" brushRef="#br0" timeOffset="7470">6454 934 0,'0'-26'0,"0"0"0,0 0 16,0 0-16,25 0 16,1 0-16,0 26 0,0-25 15,0 25-15,26 0 16,0-26-16,-26 26 0,26 0 15,-1 0-15,-25 0 0,26-26 16,-26 26-16,0 0 16,0-26-16,0 26 0,0 0 15,0 0-15,-26-26 16,26 26-16,-26 26 31,25-26-31,-25 26 16,0 0-16,0 0 0,0 25 15,26-25-15,-26 26 16,0-26-16,0 0 0,0 0 16,0 0-16,0 0 0,0 0 15,-26-26 1,26-26 0,0 0-1,0 0-15,0 0 16,0-26-16,0 0 0,0 0 15,26 1-15,-26-1 16,26-26-16,0 26 0,0 0 16,0 26-16,0-25 0,0 25 15,0 26-15,0 0 16,0 0-16,26 0 0,-27 26 16,1-1-16,-26 1 15,26 0-15,-26 0 0,0 0 16,0 0-16,0 0 0,-26 0 15,0 0-15,1 0 16,-1 0-16,26 0 16,-26-26-16,0 26 0,0-26 15,26 25-15,26-25 32,0 0-32,0 0 0,25 26 15,-25-26-15,26 0 0,0 26 16,0-26-16,0 26 15,-26-26-15,0 26 0,-26 0 16,0 0-16,-52 0 16,26-26-1,-26 26-15,0-26 0,0 0 16,26 0-16,-25 0 16,25 0-16,0 0 0,26-26 15</inkml:trace>
+  <inkml:trace contextRef="#ctx0" brushRef="#br0" timeOffset="7877">7879 623 0,'26'-26'15,"0"26"-15,0-26 0,0 26 16,-26 26 0,-26 0-1,0 0 1,26 0-16,-26 0 0,26 26 15,0-27-15,0 1 0,0 0 16,0 0-16,-26 0 16,26 0-16,0 0 0,0 0 31,0-52-15,0 0-1,0 0-15,26-26 16,-26 26-16,0-25 0,26-1 15,-26 0-15,0 26 16,26-26-16,-26 26 0,0-26 16,26 52-16,-26-26 0,26 26 15,-26 26 1,0 0-16,26 0 0,-26 0 16,25 26-16,-25-26 15,0 26-15,26-26 0,-26 25 16,0-25-16,0 26 0,0-26 15</inkml:trace>
+  <inkml:trace contextRef="#ctx0" brushRef="#br0" timeOffset="8460">7879 908 0,'-26'-26'0,"0"0"15,26 0-15,-26 0 0,26 0 16,0 1-1,0-1-15,26 26 0,0-26 16,0 26-16,26-26 0,-26 26 16,26-26-16,25 26 15,-25-26-15,0 26 0,0-26 16,0 26-16,-26-26 0,25 26 16,-25-26-16,0 26 15,0-26-15,-26 0 16,0 0 15,0 52-15,0 0-1,0 0-15,0 0 0,0 0 16,0 0-16,0 26 16,0-26-16,0 0 0,0 25 15,0-25-15,0 0 0,0 0 16,0 0-16,0 0 15,0 0 1,0-52 0,0 0-1,0 0-15,0 0 0,0 0 16,0-25-16,0 25 16,0-26-16,26 0 0,-26 0 15,26 0-15,0 0 16,0 1-16,0-1 0,0 26 15,0 26-15,0-26 0,0 26 16,-1 26-16,1-26 16,0 26-16,-26 0 0,0 0 15,0-1-15,-26 1 16,0 0-16,-25 0 0,-27 26 16,0-52-16,0 26 0</inkml:trace>
+  <inkml:trace contextRef="#ctx0" brushRef="#br0" timeOffset="10909">6220 1919 0,'-26'26'15,"0"0"-15,-25 0 16,25 0-16,0 25 0,0-25 16,0 0-16</inkml:trace>
+  <inkml:trace contextRef="#ctx0" brushRef="#br0" timeOffset="11911">7594 3059 0,'0'-26'16,"0"52"15,0 0-31,0 0 15,0 26-15,-26 26 16,26-26-16,0 25 0,-26 27 16,26 0-16,0-1 15,-26 1-15,26 26 0,-26-27 16,0 1-16,26 0 0,-26-27 16,1 27-16,25-26 15,-26 0-15,26-1 0,0 1 16,-26 0-16,26-26 15,0 25-15,0-25 0,0 0 16,0 0-16,-26 0 0,26 0 16,0-1-16,0-25 15,0 26-15,0-26 0,0 0 16,0 0-16,0 0 16,0 0-16,0 0 15,0 0 1</inkml:trace>
+  <inkml:trace contextRef="#ctx0" brushRef="#br0" timeOffset="12144">7050 5288 0,'-26'0'15,"26"26"17,26-26-17,-26 26-15,26 0 16,-1-26-16,-25 26 15,26-26-15,0 26 16,0-26-16</inkml:trace>
+  <inkml:trace contextRef="#ctx0" brushRef="#br0" timeOffset="12306">7361 5340 0,'26'-26'15,"0"26"1,-26 26 15,-26 0-31,0 0 16,26 0-16,-26 0 15,0 0-15,0-26 16</inkml:trace>
+  <inkml:trace contextRef="#ctx0" brushRef="#br0" timeOffset="12902">8060 4744 0,'26'-26'0,"-26"0"16,26 0 0,-26 0-16,0 0 15,26 26-15,-26-26 0,0 1 16,-26 25-1,0-26-15,0 26 0,1 0 16,-1 26-16,-26-26 0,0 25 16,26-25-16,0 26 15,-26 0-15,26 0 0,26 0 16,-26-26-16,26 26 16,0 0-16,0 0 15,26-26 1,0 26-16,0-26 15,0 0-15,0-26 0,0 26 16,26-26-16,-26 26 16,0-26-16,0 26 0,-1-26 15,1 0-15,0 0 16,0 26-16,-26-26 16,26 26-16,-26 26 15,0 0 1,0 0-1,0 0-15,-26 0 0,26 0 0,0 0 16</inkml:trace>
+  <inkml:trace contextRef="#ctx0" brushRef="#br0" timeOffset="13171">8527 4718 0,'0'-26'16,"0"0"-16,0 0 16,-26 26-1,26-26-15,-26 26 16,0 0-16,0 0 0,0 26 16,0-26-16,1 0 15,25 26-15,-26 0 0,0-26 16,26 26-16,0 0 0,0 0 15,0 0 1,26 0-16,0-26 16,-1 0-16,1 0 0,26 0 15</inkml:trace>
+  <inkml:trace contextRef="#ctx0" brushRef="#br0" timeOffset="13380">8760 4563 0,'0'-26'0,"0"0"0,0 0 16,0 0-16,0 0 0,0 52 47,-26 0-47,26 0 0,0 0 16,-26 0-16,26 25 15,-25-25-15,25 26 0,0-26 16,0 0-16,0 0 15,0 0-15</inkml:trace>
+  <inkml:trace contextRef="#ctx0" brushRef="#br0" timeOffset="13704">8708 4744 0,'0'-26'0,"0"0"15,0 0 16,26 26-31,0 0 16,0-26-16,0 26 16,0 0-16,0-26 0,0 26 15,0 0-15,0 0 0,0-26 16,0 26-16,-1 0 16,-25 26 46,-25 0-46,25 0-16,0 0 0,-26 0 15,26 0-15,0 0 0,0 0 16,0 0-16,0 0 16,0 0-16</inkml:trace>
+  <inkml:trace contextRef="#ctx0" brushRef="#br0" timeOffset="13890">9097 4459 0,'0'-26'16,"-26"26"-16,26 26 31,0 0 0</inkml:trace>
+  <inkml:trace contextRef="#ctx0" brushRef="#br0" timeOffset="14280">9279 4666 0,'-26'0'0,"0"0"32,26 26-17,0 0 1,0 0 0,0 0-1,-26 0-15,26 0 0,0 0 16,0 0-1,0-1 1,26-25 0,-26-25-16,26 25 15,-26-26-15,26 0 0,-26 0 16,26 0-16,-1 0 16,1 0-16,0 0 0,-26 0 15,26 0-15,-26 0 0,0 0 16</inkml:trace>
+  <inkml:trace contextRef="#ctx0" brushRef="#br0" timeOffset="14999">9745 4718 0,'26'0'16,"-26"-26"-1,0 0 1,0 0 0,-26 26-1,0-26-15,0 26 16,0 0-16,0 0 15,1 0-15,-1 0 0,0 0 16,0 26-16,0 0 16,26 0-1,0 0-15,0 0 16,0 0 0,26-26-16,-26 26 0,26-26 15,0 0-15,0 0 16,-1 0-16,1 0 15,0 0-15,0-26 16,0 26-16,0-26 16,-26 0-1,0 0 1,-26 26 0,26 26-1,-26-26-15,26 26 16,0 0-1,0 0-15,0 0 16,26-26-16,-26 26 0,26-26 16,0 0-16,0 0 15,0 0-15,0 0 0,0-26 16,0 0-16,25 26 16,-25-26-16,0 0 0,-26 0 15,26 0-15,0-26 0,-26 26 16,0-25-1,0 25-15,26-26 0,-26 26 0,0 0 16,0 0-16,0 0 0,0 0 16,-26 52-1,26 0 1,-26 0-16,26 0 16,0 26-16,0 0 0,-26-27 15,26 27-15,0 0 0,0-26 16,0 0-16,0 0 15,0 0-15</inkml:trace>
+  <inkml:trace contextRef="#ctx0" brushRef="#br0" timeOffset="15360">10082 4692 0,'0'-26'0,"0"0"15,26 26 16,0 0-31,0 0 16,0 0 0,0 0-16,0 0 0,0 0 15,25 0-15,-25 0 16,0-26-16,0 26 0,26 0 16,-26-26-16,0 1 15,0 25-15,-26-26 16,-26 0-1,0 26 1,0 0-16,0 26 0,-26-26 16,26 26-16,-26-1 0,27 1 15,25 0-15,-26 0 16,26 26-16,0-26 0,0 0 16,0 26-16,26-52 15,25 26-15,-25 0 0,26-26 16,-26 0-16</inkml:trace>
+  <inkml:trace contextRef="#ctx0" brushRef="#br0" timeOffset="18324">3473 5962 0,'26'-26'0,"-26"0"0,0 0 16,26 0-16,-26 1 15,0 50 17,0 1-32,0 26 0,0 0 15,0 26-15,0 0 0,-26-1 16,26 27-16,0 0 15,0-1-15,0 1 0,-26 0 16,26 25-16,0-25 0,0 26 16,0-27-16,0 1 15,0 0-15,-26-1 0,26 1 16,0-26-16,-26 25 16,26-25-16,-26 26 0,0-27 15,0 27-15,0-26 0,0 26 16,1-27-16,-1 1 15,0 0-15,26-26 0,0 0 16,-26-1-16,26 1 16,0-26-16,0 26 0,0-26 15,0 0-15,0 0 16,26-26 15,0 0-15,0 0-16,-1 0 15,27-26-15,0 26 0,0-26 16,26 26-16,25-26 16,1 26-16,26 0 0,25-26 15,-25 26-15,51 0 16,-25-26-16,25 26 0,1 0 16,25 0-16,0 0 0,1 0 15,25 0-15,0 0 16,0 26-16,1-26 0,25 0 15,-26 0-15,26 26 16,-25-26-16,25 26 0,-26-26 16,26 26-16,-26-26 0,1 26 15,-27-26-15,26 26 16,-25-26-16,-1 0 0,0 0 16,-25 0-16,25 0 15,-25 0-15,-1 0 0,-25 0 16,-1-26-16,-25 26 0,-27 0 15,1-26-15,-26 26 16,-26 0-16,-1 0 0,-25-26 16,0 26-16,0 0 0,0-26 15,0 26 1,-26-26-16,26 0 31,-26 0-15,0 0-1,-26 26 1,26-26-16,-26 26 16,26-26-16,-26 1 15,26-1-15,0 0 16,-26 0 0,26 0-16,0-26 0,0 26 15,0-26-15,26 0 0,-26 1 16,0-27-16,26 0 15,-26 0-15,26 1 0,-26-27 16,26 26-16,-26-26 0,26 27 16,-26-27-16,26 0 15,0 1-15,-26-1 0,0 0 16,0 1-16,0-1 16,26 0-16,-26 27 0,0-27 15,0 0-15,26 26 0,-26 1 16,0-1-16,25 0 15,-25 0-15,0 27 0,0-1 16,26 0-16,-26 26 16,0-26-16,0 26 0,0 0 15,0 0-15,0 1 16,-26 25-16,26-26 16,-25 26-16,25-26 31,-26 26-31,0 0 31,0 0-15,0 0-16,0 0 0,0 26 15,-26-26-15,-26 0 16,27 0-16,-27 26 0,-26-26 16,26 0-16,-51 0 0,25 0 15,-25 0-15,-27-26 16,1 26-16,-1 0 0,1 0 15,-27-26-15,1 26 16,25 0-16,-51 0 0,25 0 16,1 0-16,-26-26 0,-1 26 15,1 0-15,0 0 16,25 0-16,1 0 0,-1 0 16,1 0-16,25 0 15,27 0-15,-1 26 16,1-26-16,25 0 0,0 0 0,1 26 15,25-26-15,-26 0 16,26 0-16,-25 0 0,25 26 16,-26-26-16,26 0 0,-25 0 15,-1 25-15,26-25 16,-25 0-16,25 0 0,0 0 16,0 0-16,27 0 15,-27 0-15,26 0 0,26 0 16,-26 0-16,26 0 0,0 0 15,1 0 1,-1 0 0,0 0-1,0 0-15,0 0 16,0 0 0,0 0-16,0 0 15,0 0-15,0-25 16,0 25-1,0-26 1,0 26 0,1 0-16,-1 0 15,-26 0-15,26 0 0,0 0 16,0 0-16,-26 0 16,26 0-16,0 0 0,-25-26 15,25 26-15,0 0 0,0 0 16,0 0-16,0 0 15,0 0-15,26 26 32,-26-26-32,0 26 15,0-26 1,0 25 0,0-25-16,1 0 15,-1 0 1,0 0-1,26 26 17,-26-26-32,0 0 15,0 26-15,0-26 16,0 26-16,0-26 16,0 0-16,0 26 15,0-26-15,1 0 16,-1 0-1,0 0-15,0 0 16,0 0-16,0-26 16,52 26 15</inkml:trace>
+  <inkml:trace contextRef="#ctx0" brushRef="#br0" timeOffset="18719">3939 6118 0,'-25'0'0,"-1"-26"16,0 26-1,26 26 1,0 0-1,0-1-15,0 1 0,0 0 16,0 0-16,0 0 0,0 26 16,0-26-16,0 26 15,0-26-15,0 0 0,-26-1 16,26 1-16,0 0 16</inkml:trace>
+  <inkml:trace contextRef="#ctx0" brushRef="#br0" timeOffset="19062">3914 6325 0,'0'-26'15,"0"0"1,25 26 0,1 0-1,0 0-15,0-26 16,0 26-16,0 0 0,0-26 15,0 26-15,0-26 16,0 26-16,0-26 16,-26 1-16,0-1 15,0 0 1,-26 26-16,0 0 16,26 26-1,0 0 1,-26-1-16,26 27 0,0-26 15,0 26-15,0-26 16,0 0-16,0 26 0,0-26 16,0 0-16,0-1 0,26-25 15,-26 26-15,26-26 16</inkml:trace>
+  <inkml:trace contextRef="#ctx0" brushRef="#br0" timeOffset="19470">4432 6273 0,'26'-26'0,"-26"0"16,0 0-16,0 52 31,0 0-15,-26 0-16,26 0 15,0 0-15,-26 0 16,26 0-16,0 0 15,0 0-15,0-52 47,26 0-47,-26 0 16,26 26-16,0-26 0,0-26 16,0 26-16,-1 0 15,1 0-15,0 0 0,-26 1 16,26-1-16,0 0 15,0 26-15,-26 26 16,26-26-16,-26 26 0,0 25 16,0-25-16,0 26 15,0-26-15,0 26 0,0-26 16,0 0-16,0 26 16,0-27-16,26 1 15</inkml:trace>
+  <inkml:trace contextRef="#ctx0" brushRef="#br0" timeOffset="20160">4587 6403 0,'0'-26'0,"-26"0"15,26 0 1,26 0 0,0 26-1,0 0-15,0 0 16,0 0-16,0 0 0,26-26 15,-26 26-15,0 0 0,0 0 16,0-26-16,25 26 16,-25 0-16,-26-26 15,26 26-15,-26-26 16,0 0 0,-26 26-16,0-25 15,26 50 1,-26 1-1,26 0 1,0 0-16,0 26 0,-25-26 16,25 0-16,0 0 0,0 0 15,0 0-15,0 0 16,0-1 0,0-50-1,0-1 1,25 0-1,-25 0-15,26 0 16,-26 0-16,26 0 16,0 0-16,-26 0 15,26 26-15,-26-26 0,26 26 16,0 26-16,-26 0 16,26-26-16,-26 26 15,26 0-15,-26 0 0,26 0 16,-26 0-16,26-26 15,-26 26-15,26-26 0,-1 0 16,1 0 0,0-26-16,0 0 15,0 0-15,-26 0 16,26 0-16,-26 0 0,26 0 16,-26-26-16,0 26 15,0 1-15,0-1 16,-26 26-1,26 26 1,-26-26-16,26 25 0,0 1 16</inkml:trace>
+  <inkml:trace contextRef="#ctx0" brushRef="#br0" timeOffset="20568">5546 6195 0,'26'0'0,"0"0"15,0 0 1,-26 26 0,0 0-1,0 0-15,0 0 16,0 0-16,0 0 16,0 0-16,-26-26 0,26 26 15,0 0-15,0 0 16,0-52-1,26 0 1,-26 0-16,26 0 16,-26 0-16,26 0 0,-26-26 15,26 26-15,0-26 16,-26 27-16,0-27 0,26 26 16,-26 0-16,26 26 0,0 0 31,-26 26-31,0 0 0,25 0 15,-25 0-15,0 25 16,26-25-16,-26 26 0,26-26 16,-26 0-16,26 0 0,-26 0 15,0 0-15,26-26 16,-26 26-16</inkml:trace>
+  <inkml:trace contextRef="#ctx0" brushRef="#br0" timeOffset="20730">5728 6377 0,'-26'-26'15,"0"0"1,26 0-16,-26 26 0,26-26 16,26 26-1,0-26-15,0 26 16,0 0-16,0 0 0,25 0 16,1 0-16,0 0 15,0 0-15,0 0 0,0 26 16</inkml:trace>
+  <inkml:trace contextRef="#ctx0" brushRef="#br0" timeOffset="22721">5702 7388 0,'0'-26'0,"26"0"0,0 0 15,-26 0 1,0 0-16,26 26 16,-26-26-16,0 0 15,0 52 1,0 0 0,0 26-1,0-26-15,0 26 0,-26 25 16,26-25-16,-26 26 15,26 0-15,-26-26 0,26 25 16,0-25-16,-26 26 0,26-26 16,-26-26-16,26 25 15,-26 1-15,26-26 0,0 0 16,-26 0-16,26 0 0,0 0 16,0 0-16,-26-26 15,26 26-15,26-26 31,0 0-31,0-26 16,0 26-16,26 0 0,0-26 16,25 26-16,1 0 15,26-26-15,-26 26 0,51 0 16,-25 0-16,25 0 16,1-26-16,26 26 0,25 0 15,-26 0-15,27 0 0,-1 0 16,27 0-16,-27 0 15,1-26-15,-1 26 0,-26 0 16,27 0-16,-52 0 16,-1 0-16,1 0 0,-27 0 15,1 0-15,-26-26 0,0 26 16,-27 0-16,1 0 16,0 0-16,-26 0 0,26 0 15,-26 0-15,0 0 16,0 0-1,-52 0 32,0 0-31,26-26 0,-26 26-16,26-26 15,-26 26 1,26-26-16,0 1 15,0-1-15,0 0 16,0 0-16,0 0 0,0-26 16,0 26-16,26-26 0,-26 0 15,0 1-15,26-1 16,-26-26-16,0 26 0,26-26 16,-26 27-16,0-27 15,0 26-15,26 0 0,-26 0 16,0 26-16,25-25 0,-25 25 15,0 0-15,0 0 16,0 0-16,0 0 16,-25 26-1,25-26 1,-26 26-16,0 0 31,26-26-31,-26 26 0,0 0 16,0 0-16,0 0 15,-26 26-15,0-26 0,-25 26 16,-1-26-16,0 0 0,-26 26 16,-25-26-16,-1 26 15,-25-26-15,-1 26 0,1-26 16,-27 0-16,1 26 0,-1-26 16,27 26-16,-26-26 15,25 0-15,26 26 0,1-1 16,-1-25-16,27 26 15,25-26-15,0 0 0,26 26 16,0-26-16,1 26 0,25-26 16,0 0-16,-26 26 15,26-26-15,0 0 0,0 0 16,0 0-16,-26 0 16,26 0-16,-25 0 0,25 0 15,0 0-15,0 0 0,0 0 16,26-26-16,-26 26 15,0 0-15,0-26 32,0 26-32,0 0 15,0 0-15,0 0 16,1 0-16,-1 0 16,0 0-16,26 26 46,0 0-14,-26-26-32,26 26 31,-26-26 0</inkml:trace>
+  <inkml:trace contextRef="#ctx0" brushRef="#br0" timeOffset="23105">6194 7439 0,'26'0'0,"-26"-25"16,0 50 30,0 1-30,0 0-16,0 0 0,0 0 16,0 26-16,0 0 15,-26-26-15,26 26 0,0-27 16,0 1-16,-26 0 16,26 0-16,0 0 0,0 0 15</inkml:trace>
+  <inkml:trace contextRef="#ctx0" brushRef="#br0" timeOffset="23491">6246 7673 0,'0'-26'0,"0"0"16,0 52 30,26-26-30,0 0-16,0 0 16,0 0-16,0 0 0,0-26 15,0 26-15,0 0 0,-26-26 16,25 26-16,1-26 16,-26 0-16,26 26 15,-26-26-15,0 0 16,-26 0-1,26 52 17,-26 0-32,26 0 15,0 0-15,-25 0 16,25 0-16,0 26 0,-26-26 16,26 0-16,-26-1 0,26 1 15,0 0-15,0 0 16,0 0-16</inkml:trace>
+  <inkml:trace contextRef="#ctx0" brushRef="#br0" timeOffset="23916">6713 7621 0,'0'-26'0,"26"0"15,-26 0-15,0 0 16,0 52-1,-26 0 1,26 0-16,-26 0 16,0 0-16,26 0 0,-26 0 15,26 0-15,-26-1 16,26 1-16,-26-26 0,26 26 16,0 0-1,-26-26-15,52-26 31,0 0-15,-26 0-16,26 1 0,0-1 16,-26 0-16,26 0 15,0-26-15,0 26 0,0 0 16,-1 0 0,1 26-16,0 0 0,0 0 15,-26 26-15,0 0 16,26 0-16,-26 0 15,0 26-15,0-26 0,0 25 16,0-25-16,0 0 16,0 0-16,0 0 0,0 0 15</inkml:trace>
+  <inkml:trace contextRef="#ctx0" brushRef="#br0" timeOffset="24084">6661 7802 0,'0'-26'16,"0"0"0,0 1-16,26 25 0,0-26 15,0 26-15,0-26 0,-1 26 16,1 0-16,26 0 16,-26-26-16,0 26 0</inkml:trace>
+  <inkml:trace contextRef="#ctx0" brushRef="#br0" timeOffset="24300">7179 7569 0,'0'-26'16,"0"0"0,0 52-1,0 0 1,0 0-16,0 0 15,0 0-15,-26 0 16,26 0-16,-26 0 0,26-1 16,-26 1-16,26 0 0,-25 0 15</inkml:trace>
+  <inkml:trace contextRef="#ctx0" brushRef="#br0" timeOffset="24660">7179 7647 0,'26'-26'0,"-26"0"0,26 0 16,0 0-1,-26 52 1,26 0 0,-26 0-16,0 0 15,26 0-15,-26 0 0,26 0 16,-26-1-16,26 1 15,0 0-15,0-26 0,-1 26 16,1-26-16,0 0 16,0-26-16,0 26 15,-26-26-15,0 0 0,26 1 16,-26-1-16,0 0 16,0 0-16,0 0 0,-26 0 15,26 0-15,0 0 0,-26 0 16,26 0-16,0 52 47</inkml:trace>
+  <inkml:trace contextRef="#ctx0" brushRef="#br0" timeOffset="25091">7801 7569 0,'0'26'31,"0"0"-15,0 0-16,0 0 16,-26 0-16,26 0 15,0-1-15,0 1 0,-26 0 16,26 0-16,0 0 0,-25-26 15,25 26-15,0-52 32,25 0-32,1 0 15,-26 0-15,26 0 16,0 1-16,-26-27 0,26 0 16,0 26-16,0-26 15,0 0-15,-26 26 0,26 0 16,-26 1-16,26-1 0,-26 52 31,0-1-31,26 27 0,-26-26 16,0 26-16,0 0 0,0 0 15,0 0-15,26-1 16,-26-25-16,0 26 0,0-26 16,0 0-1</inkml:trace>
+  <inkml:trace contextRef="#ctx0" brushRef="#br0" timeOffset="25243">7827 7750 0,'0'-25'0,"0"-1"16,26 0-16,0 26 16,0-26-16,0 26 15,0 0-15,0 0 0,26 0 16,-27 0-16,27 0 15</inkml:trace>
+  <inkml:trace contextRef="#ctx0" brushRef="#br0" timeOffset="25493">8346 7491 0,'-26'-26'15,"26"0"1,26 26 15,-26 26-15,25 0-16,-25 0 15,26 0-15,-26 0 0,26 0 16,-26 26-16,0-26 16,26 0-16,-26 25 0,0-25 15,0 0-15,0 0 0,0 0 16</inkml:trace>
+  <inkml:trace contextRef="#ctx0" brushRef="#br0" timeOffset="25722">8657 7491 0,'0'-52'0,"0"27"0,26-1 15,-26 0-15,0 52 31,0 0-31,-26 25 0,0-25 16,26 26-16,-26 0 16,0 0-16,0 0 0,0-1 15,0-25-15,26 26 16,-26-26-16,26 0 0,-26 0 16,26 0-16,26-26 15</inkml:trace>
+  <inkml:trace contextRef="#ctx0" brushRef="#br0" timeOffset="25931">8760 7673 0,'26'26'47,"-26"0"-31,0-1-16,0 1 15,0 0-15,-26-26 16,26 26-16,0 0 0,0 0 16,-26-26-16,26 26 15,0 0-15</inkml:trace>
+  <inkml:trace contextRef="#ctx0" brushRef="#br0" timeOffset="26082">8838 7569 0</inkml:trace>
+  <inkml:trace contextRef="#ctx0" brushRef="#br0" timeOffset="26958">8916 7750 0,'0'26'0,"0"0"63,26-26-16,0-26-32,0 0 1,-1 26-16,-25-25 16,26 25-16,-26-26 0,0 0 15,26 0 1,-26 0-16,0 0 15,-26 26-15,26-26 0,-26 26 16,1 0 0,-1 0-16,26 26 0,-26-26 15,0 26-15,26 0 16,-26 0-16,26 0 0,0 25 16,-26-25-16,26 0 0,0 0 15,0 0-15,26 0 16,0 0-16,0-26 15,0 0 1,0 0-16,-1 0 0,1 0 16,0-26-16,0 26 0,0-26 15,-26 0-15,26 26 16,0-26-16,-26 0 0,26 0 16,-26 1-16,0-1 0,26 0 15,-26 0 1,26 0-16,-26 52 31,0 0-31,0 0 16,0 0-1,0-1-15,0 1 0,0 0 16,0 0 0,26-26 30,-26-26-46,26 0 16,-1 0-16,1 1 31,0 25-15,-26 25-16,26 1 16,-26 0-16,0 0 15,26 0 1,0 0-16,0-26 15,0 0-15,0 0 0,26-26 16,-26 0-16,-1 0 0,27 0 16,-26-25-16,-26 25 15,0-26-15,-26 0 0,-26 0 16,-51 0-16,-27 26 16,-51 0-16,-78 26 0</inkml:trace>
+  <inkml:trace contextRef="#ctx0" brushRef="#br0" timeOffset="33432">7153 5262 0,'0'26'47,"0"0"-15,26-26-17,-26 26 1,0 0-1,26-26 17,-26 26-32,0 0 15,26-26 1,-26 26-16,26-26 16,-26 26-16,26 0 15,0-26 16,0 0 79,-26 25-79,26-25-15</inkml:trace>
+  <inkml:trace contextRef="#ctx0" brushRef="#br0" timeOffset="36227">10238 7491 0,'0'-26'78,"0"0"-47,0 1-15,0-1-16,0 0 16,26 0-1,-26 0-15,25 0 0,-25 0 16,0 0-16,26-26 15,-26 26-15,26 0 0,-26-25 16,26 25-16,0 0 0,0 0 16,0 0-16,0 0 15,0 0-15,0 0 0,0 26 16,0-26-16,-1 26 16,1 0-16,0 0 0,0 0 15,0 0-15,0 0 0,0 26 16,0-26-16,-26 26 15,26 0-15,0 0 16,-26 0-16,26-26 16,-26 26-16,0 0 0,26 0 15,-26 0-15,0 25 0,0-25 16,0 0-16,0 0 16,0 0-16,0 0 0,0 0 15,0 0-15,0 0 16,0 0-16,0 0 0,0-1 15,0 1-15,0 0 16,0 0 15,0-52 16</inkml:trace>
+  <inkml:trace contextRef="#ctx0" brushRef="#br0" timeOffset="36577">10704 7362 0,'0'26'0,"0"0"94,26-26-79,-26 25-15,0 1 16,26-26-16,-26 26 0,0 0 16,26-26-16,-26 26 15,26 0-15,-26 0 16,26-26 0</inkml:trace>
+  <inkml:trace contextRef="#ctx0" brushRef="#br0" timeOffset="36978">11067 7414 0,'-26'0'62,"26"25"-46,-26 1-1,26 0 1,-26-26-16,26 26 16,-26-26-16,0 26 0,0 0 15,1-26 1,25 26-16,-26-26 0,26 26 15,-26-26-15,52-26 63,0 26-47,-26-26-1</inkml:trace>
+  <inkml:trace contextRef="#ctx0" brushRef="#br0" timeOffset="38160">10289 7828 0,'-25'0'62,"-1"0"-46,26-26 0,-26 26-16,26-26 31,0 0-15,-26 26-16,26-25 0,0-1 31,-26 26-16,26-26-15,0 52 63,-26-26-32,26 26-31,0-1 31,-26 1 1,26 0-1,0 0-15,-26 0-1,26 0-15,0 0 16,0 0-16,-26-26 15,26 26-15,0 0 0,0 0 16,0 0 0,-26-1-1,26 1-15,0 0 32,26-26 14,-26-26-30</inkml:trace>
+  <inkml:trace contextRef="#ctx0" brushRef="#br0" timeOffset="38988">10160 7828 0,'0'26'94,"0"0"-79,0 0 1,0 0-16,0 0 16,26 0-16,-26 0 15,0 0-15,26-1 16,-26 1-16,0 0 0,26 0 15,-26 0 1,0 0-16,26 0 16,-26 0-1,25 0-15,1 0 16,0-26-16,-26 26 16,26-26-16,0 0 15,0 0-15,0 0 16,0 0-16,26 0 15,-26 0-15,0 0 0,-26-26 16,25 26-16,1-26 0,0 26 16,-26-26-16,26 26 15,-26-26-15,0 0 0,0 0 16,0 0 0,0 0-16,0 0 0,0 0 15,0 1-15,0-1 16,0 52 109</inkml:trace>
+  <inkml:trace contextRef="#ctx0" brushRef="#br0" timeOffset="197876">0 312 0,'26'0'0,"0"0"16,0 0 0,0 0-16,-1 0 0,27 0 15,-26 0-15,26 0 16,0 0-16,0 0 0,-26 0 15,25 0-15,1 0 0,0 0 16,-26 0-16,26 0 16,-26 0-16,0 0 0,0 0 15,0 0-15,-26-26 78</inkml:trace>
+  <inkml:trace contextRef="#ctx0" brushRef="#br0" timeOffset="198441">1088 156 0,'-25'-26'0,"-1"26"15,0 26 1,0-26-16,0 26 16,0 0-1,0 0-15,0 0 16,26 0-16,0 26 0,0-26 16,0 0-16,0 0 15,0-1-15,26-25 0,-26 26 16,26 0-16,0-26 15,-26 26-15,26-26 0,0 0 16,0 0-16,0 0 0,-1 0 16,1-26-16,0 26 15,0-26-15,-26 0 0,26 26 16,-26-25-16,26-1 0,-26 0 16,0 0-16,-26 0 15,26-26-15,-26 26 0,26 0 16,-26 26-16,0-26 15,0 0-15,1 26 16,-1 0-16,0 0 16,0 26-1,26 0-15,26-26 16</inkml:trace>
+  <inkml:trace contextRef="#ctx0" brushRef="#br0" timeOffset="198986">1374 338 0,'25'0'94,"1"0"-94,26 26 15,-26-26-15,26 0 16,26 0-16,-1 0 0,1 0 16,26 0-16,0 0 0,-1 0 15,1 0-15,26 0 16,-1 0-16,1 0 0,-1 0 16,1 0-16,-26 0 15,25-26-15,-25 26 0,25 0 16,-51 0-16,26 0 15,-26-26-15,-1 26 0,-25 0 16,0 0-16,0 0 0,-26 0 16,0 0-16,-26-26 15,-26 26 32,0 26-47,0-26 16</inkml:trace>
+  <inkml:trace contextRef="#ctx0" brushRef="#br0" timeOffset="199930">933 908 0,'-26'0'16,"26"26"-16,-26-26 0,0 0 16,0 26-16,0-26 15,0 26-15,26 0 0,-26 0 16,1 0-16,25-1 0,0 1 16,0 26-16,0-26 15,0 0-15,0 26 0,25-26 16,1 0-16,0 0 15,0 0-15,0-26 0,0 0 16,0 0-16,26 0 0,-26 0 16,0 0-16,0-26 15,0 0-15,-1 0 0,1 0 16,-26-26-16,26 26 16,-26-26-16,0 0 0,-26 27 15,26-27-15,-26 26 0,1 0 16,-1 0-16,-26 0 15,26 0-15,0 26 0,0 0 16,0 0-16,0 26 16,0 0-16,26 0 15,26-26-15</inkml:trace>
+  <inkml:trace contextRef="#ctx0" brushRef="#br0" timeOffset="200534">1555 1115 0,'26'0'16,"0"-26"-1,-26 1 1,0-1 0,-26 0-1,0 26 1,0 0-16,0 0 0,0 0 16,0 0-16,0 26 0,0-26 15,1 26-15,-1-1 16,0-25-16,26 26 0,-26 0 15,26 0-15,0 0 16,0 0-16,0 0 16,26-26-16,0 26 0,0-26 15,-1 26-15,1-26 16,0 0-16,0 0 0,0 0 16,0 0-16,-26-26 15,26 0-15,0 26 0,-26-26 16,26 0-16,-26 0 0,0-26 15,0 26-15,0 1 16,0-27-16,0 26 0,-26-26 16,26 26-16,-26 0 15,26 0-15,0 0 0,0 0 16,0 52 0,26 0-1,-26 0-15,26 26 16,-26-26-16,26 26 15,0-26-15,-26 25 0,26 1 16,-26-26-16,25 26 0,-25-26 16,0 0-16</inkml:trace>
+  <inkml:trace contextRef="#ctx0" brushRef="#br0" timeOffset="201080">2125 1038 0,'-26'0'16,"26"-26"-16,-26 26 0,0-26 15,0 0 1,1 26-1,-1 0-15,0 0 0,0 0 16,0 0 0,0 0-16,0 0 0,26 26 15,-26-26-15,26 26 0,0 0 16,0 0-16,0-1 16,0 1-16,0 0 0,26 0 15,-26 26-15,26-52 16,-26 26-16,26 0 0,0-26 15,0 0-15,0 0 0,0 0 16,-1 0 0,1-26-16,-26 0 0,26 0 15,-26 0-15,26 0 16,-26 0-16,0 0 0,0 1 16,0-1-16,0 0 0,0 0 15,0 52 16,0 0-15,0 0-16,0-1 0,26 1 16,-26 0-16,26 0 0,0-26 15,-26 26-15,26 0 16,0-26-16,0 0 16,0 0-16</inkml:trace>
+  <inkml:trace contextRef="#ctx0" brushRef="#br0" timeOffset="201308">2307 882 0,'-26'-26'0,"26"0"0,0 0 16,-26 26-16,26-26 0,0 52 31,26 0-15,-26 0-16,26 0 15,0 26-15,-26-26 0,25 26 16,-25-26-16,26 0 0,-26 25 16,26-25-16,-26 0 15,0 0-15,26 0 16</inkml:trace>
+  <inkml:trace contextRef="#ctx0" brushRef="#br0" timeOffset="201831">2281 1089 0,'-26'-25'0,"26"-1"0,0 0 31,26 26-15,0 0 0,0 0-16,-1 0 0,1 0 15,26-26-15,-26 26 16,26 0-16,0-26 0,-26 26 15,0 0-15,25-26 0,-25 26 16,0-26 0,-26 0-1,0 0-15,-26 26 16,0 0 0,1 0-16,-1 0 15,0 0-15,0 0 16,0 26-16,0 0 15,26 0-15,0 0 16,0 0-16,0 0 0,0 0 16,26-26-16,-26 26 0,26-1 15,0-25 1,0 0-16,0 0 0,-1 0 16,1 0-16,-26-25 15,26 25-15,-26-26 16,26 0-16,-26 0 15,0 0 1,0 52 15,0 0-15,26 0-16,-26 0 16,0-1-16</inkml:trace>
+  <inkml:trace contextRef="#ctx0" brushRef="#br0" timeOffset="202455">726 1634 0,'0'-26'16,"0"0"-1,0 0-15,0 0 0,-26 0 16,26 0 0,-26 26-16,0 0 0,0 0 15,0 0-15,0 0 16,0 0-16,26 26 0,-26 0 15,0-26-15,26 26 0,-26 0 16,26 0 0,26 0-16,-26 0 0,26-26 15,0 26-15,0-1 0,26-25 16,-26 26-16,26 0 16,-26-26-16,-1 26 0,1 0 15,0 0-15,-26 0 16,0 0-16,-26 0 15,26 0-15,-26 0 0,-25 0 16,-209-26 47</inkml:trace>
+  <inkml:trace contextRef="#ctx0" brushRef="#br0" timeOffset="202900">881 1841 0,'0'26'62,"26"-26"-62,0 0 16,0 0-16,0 0 15,0 0-15,0 0 16,0-26-16,-1 26 16,-25-26-16,26 0 15,-26 0-15,0 0 16,0 0-1,-26 1-15,1 25 16,-1 0-16,0 0 16,0 0-16,0 0 15,0 25-15,0 1 16,26 0 0,0 0-16,0 0 0,26 0 15,0 0-15,0 0 16,0 0-1,0-26-15,0 0 0,-26 26 16,25-26-16,1 0 16</inkml:trace>
+  <inkml:trace contextRef="#ctx0" brushRef="#br0" timeOffset="203234">1166 1711 0,'0'-25'0,"0"-1"16,26 52 0,0-26-1,-26 25-15,26 1 0,0 0 16,0-26-16,0 26 16,-26 0-16,26-26 0,0 26 15,-26 0 1,-26-26 15,0-26-15,26 0-1,0 0-15,0 0 16,0 0-16,0 0 0,26 26 16,0-25-16,-26-1 0,25 0 15,1 26-15,0-26 16</inkml:trace>
+  <inkml:trace contextRef="#ctx0" brushRef="#br0" timeOffset="203606">1581 1634 0,'-26'0'0,"26"26"16,-26-26-1,26 26 1,26-1 0,-26 1-16,0 0 15,26 0-15,-26 0 0,26 0 16,-26 0-16,26 0 0,-26 0 16,26-26-16,-26 26 15,26-26-15,-1 0 16,-25-26-1,26 0-15,-26 0 0,26-26 16,-26 26-16,0 0 16,0 0-16,0-25 15,26 25-15,-26 0 0,0 0 16,0 0-16</inkml:trace>
+  <inkml:trace contextRef="#ctx0" brushRef="#br0" timeOffset="203867">1944 1582 0,'0'26'31,"0"0"-15,0 0-16,0 0 16,0 25-16,0-25 15,26 0-15,-26 0 16,0 0-16,0 0 0,0 0 16,26 0-16,-26 0 15,0-52 1</inkml:trace>
+  <inkml:trace contextRef="#ctx0" brushRef="#br0" timeOffset="204003">1970 1452 0,'0'-26'15,"0"52"1</inkml:trace>
+  <inkml:trace contextRef="#ctx0" brushRef="#br0" timeOffset="204340">2281 1608 0,'26'0'16,"-52"0"46,0 0-62,26 26 16,-26-26-16,0 26 0,0 0 15,26-1 1,-26 1-16,26 0 0,-26 0 16,26 0-16,0 0 15,26 0-15,0-26 16,-26 26-16,26-26 16,0 26-16,0-26 0,0 0 15</inkml:trace>
+  <inkml:trace contextRef="#ctx0" brushRef="#br0" timeOffset="204734">2566 1711 0,'0'-25'32,"-26"25"-32,52 0 62,0 0-46,0 0-16,0-26 15,-1 26-15,-25-26 16,26 26-16,0-26 16,-26 0-1,-26 0 1,0 26-16,1-26 15,-1 26-15,0 0 0,0 0 16,0 26-16,-26-26 16,26 26-16,26 0 0,-26 0 15,26 0-15,0 0 16,0 25-16,26-25 0,-26 0 16,52 0-16,-26 0 0,26 0 15,0-26-15,-1 0 16,1 0-16</inkml:trace>
+</inkml:ink>
+</file>
+
+<file path=ppt/ink/ink27.xml><?xml version="1.0" encoding="utf-8"?>
+<inkml:ink xmlns:inkml="http://www.w3.org/2003/InkML">
+  <inkml:definitions>
+    <inkml:context xml:id="ctx0">
+      <inkml:inkSource xml:id="inkSrc0">
+        <inkml:traceFormat>
+          <inkml:channel name="X" type="integer" max="1920" units="cm"/>
+          <inkml:channel name="Y" type="integer" max="1080" units="cm"/>
+          <inkml:channel name="T" type="integer" max="2.14748E9" units="dev"/>
+        </inkml:traceFormat>
+        <inkml:channelProperties>
+          <inkml:channelProperty channel="X" name="resolution" value="55.81395" units="1/cm"/>
+          <inkml:channelProperty channel="Y" name="resolution" value="55.6701" units="1/cm"/>
+          <inkml:channelProperty channel="T" name="resolution" value="1" units="1/dev"/>
+        </inkml:channelProperties>
+      </inkml:inkSource>
+      <inkml:timestamp xml:id="ts0" timeString="2020-11-20T18:59:06.428"/>
+    </inkml:context>
+    <inkml:brush xml:id="br0">
+      <inkml:brushProperty name="width" value="0.05" units="cm"/>
+      <inkml:brushProperty name="height" value="0.05" units="cm"/>
+      <inkml:brushProperty name="fitToCurve" value="1"/>
+    </inkml:brush>
+  </inkml:definitions>
+  <inkml:trace contextRef="#ctx0" brushRef="#br0">80 182 0,'-26'26'0,"26"0"16,-26-26-16,26 26 0,-26 25 15,26-25-15,0 0 16,0 26-16,0-26 15,0 26-15,26 0 0,-26-26 16,26 25-16,0-25 0,0 26 16,0-26-16,0 0 15,-1 0-15,1-26 16</inkml:trace>
+  <inkml:trace contextRef="#ctx0" brushRef="#br0" timeOffset="860">520 311 0,'-26'-26'47,"52"26"109,-26 26-156,0-52 94,0 52 47,0 0-126,26 0 1,-26 0-16,0 0 15,0 0-15,0 26 0,0-26 16,0 0-16,0 0 0,0-1 16,0 1-16,0 0 15</inkml:trace>
+  <inkml:trace contextRef="#ctx0" brushRef="#br0" timeOffset="1344">546 493 0,'26'0'46,"0"0"-46,0 0 0,-26-26 16,26 26-16,0 0 16,0 0-16,0-26 0,0 26 15,0 0-15,-26-26 0,25 26 16,-25-26 0,26 26-16,-26-26 0,-26 0 31,26 0-31,-25 26 0,25-26 15,-26 26-15,26-25 16,0 50 0,0 1-1,0 0 1,0 0-16,26 0 16,-26 0-16,0 26 0,0-26 15,0 0-15,0 0 16,0 0-16,0-1 15,0 1-15,25-26 16,-25 26-16</inkml:trace>
+  <inkml:trace contextRef="#ctx0" brushRef="#br0" timeOffset="1620">1065 285 0,'-26'0'16,"0"0"0,52 0 15,0 0-16,0-25-15,25 25 16,-25 0-16,0-26 0,0 26 16,0 0-16,0 0 15,-26-26-15</inkml:trace>
+  <inkml:trace contextRef="#ctx0" brushRef="#br0" timeOffset="1812">1116 260 0,'-25'0'15,"25"25"1,0 1 0,0 0-16,0 0 15,25 0-15,-25 0 16,26 0-16,-26 0 16,0 26-16,0-26 0,0 0 15,0-1-15,0 1 16</inkml:trace>
+  <inkml:trace contextRef="#ctx0" brushRef="#br0" timeOffset="2269">1505 285 0,'-26'0'16,"0"0"-1,52 0 17,0 0-32,-26-25 15,26 25-15,0 0 16,26 0-16,-26-26 0,0 26 15,0-26-15,26 26 16,-27 0-16,-25-26 16,-25 26-1,-1 0-15,0 0 16,0 0-16,0 0 0,0 0 16,0 0-16,0 0 15,0 26-15,26 0 16,0 0-1,0-1-15,26 1 16,-26 0-16,26 0 0,-26 26 16,0-26-16,26 0 15,-26 0-15,0 0 0,0 0 16,26 0-16,-26-1 16</inkml:trace>
+  <inkml:trace contextRef="#ctx0" brushRef="#br0" timeOffset="2778">1946 234 0,'-26'0'31,"26"26"-31,0-1 16,0 1-16,0 0 16,0 0-1,0 0-15,26 0 0,-26 0 16,0 0-16,0 0 16,0 0-16,26-26 0,-26 26 15,0 0 1,0-52-1,0 0 1,0 0 0,0 0-16,0 0 0,0 0 15,0 0-15,0 0 0,0-26 16,0 26-16,0 1 16,0-1-16,0 0 0,26 0 15,0 0-15,0 26 16,-1 0-16,1 0 15,0 0-15,-26 26 0,26-26 16,-26 26-16,0 0 16,0 0-16,-26-1 15,0 1 1,0-26-16,1 26 0,-1-26 16,0 0-16,0 26 0</inkml:trace>
+  <inkml:trace contextRef="#ctx0" brushRef="#br0" timeOffset="3144">2516 26 0,'-26'0'15,"26"-26"-15,0 52 31,26-26-31,0 26 0,-26 0 16,52 26-16,-26-26 0,0 26 16,0 0-16,0-1 15,-26 1-15,0 0 0,-52 0 16,0 0-16,-26 0 16,0 25-16</inkml:trace>
+</inkml:ink>
+</file>
+
+<file path=ppt/ink/ink28.xml><?xml version="1.0" encoding="utf-8"?>
+<inkml:ink xmlns:inkml="http://www.w3.org/2003/InkML">
+  <inkml:definitions>
+    <inkml:context xml:id="ctx0">
+      <inkml:inkSource xml:id="inkSrc0">
+        <inkml:traceFormat>
+          <inkml:channel name="X" type="integer" max="1920" units="cm"/>
+          <inkml:channel name="Y" type="integer" max="1080" units="cm"/>
+          <inkml:channel name="T" type="integer" max="2.14748E9" units="dev"/>
+        </inkml:traceFormat>
+        <inkml:channelProperties>
+          <inkml:channelProperty channel="X" name="resolution" value="55.81395" units="1/cm"/>
+          <inkml:channelProperty channel="Y" name="resolution" value="55.6701" units="1/cm"/>
+          <inkml:channelProperty channel="T" name="resolution" value="1" units="1/dev"/>
+        </inkml:channelProperties>
+      </inkml:inkSource>
+      <inkml:timestamp xml:id="ts0" timeString="2020-11-20T18:59:20.415"/>
+    </inkml:context>
+    <inkml:brush xml:id="br0">
+      <inkml:brushProperty name="width" value="0.05" units="cm"/>
+      <inkml:brushProperty name="height" value="0.05" units="cm"/>
+      <inkml:brushProperty name="fitToCurve" value="1"/>
+    </inkml:brush>
+  </inkml:definitions>
+  <inkml:trace contextRef="#ctx0" brushRef="#br0">337 418 0,'0'-26'15,"0"0"1,0 0-16,0 0 16,0 0-1,-26 26 1,0-26 0,0 26-16,0 26 15,0-26 1,26 26-16,-26-26 15,26 26-15,-25 0 16,-1 0-16,26 0 16,0 0-16,0-1 15,0 1-15,0 0 16,0 0-16,26 0 31,-1-26-15,1 0-16,-26-26 15,26 26-15,0-26 16,-26 0 0,26 26-16,-26-26 0,26 1 15,-26-1 1,26 26-16,-26-26 0,0 0 16,0 0-1,-26 26 1,0 26 31,26 0-32,0 0-15,0 0 16,0-1 0,0 1-16,0 0 0,26-26 15,-26 26-15,26 0 16,0-26-1,0 0 1,-26-26 0,26 26-16,-26-26 15,26 26-15,-26-26 16,0 0-16,26 26 16,-26-25-16,0-1 0,0 0 15,0 0-15,0 0 0,0 0 16,0 0-16,0 0 15,0 0-15,-26 0 0,26 0 16,-26 0-16,0 1 16,26-27-16,-26 52 0,0-26 15,0 0-15,0 26 16,0-26-16,0 26 16,0 0-16,0 26 0,1-26 15,-1 26-15,0-26 16,26 26-16,-26 0 0,0-26 15,26 26-15,-26-1 0,26 27 16,-26-26-16,26 0 16,0 0-16,0 26 0,0-26 15,0 0-15,0 26 16,0-27-16,0 1 0,0 26 16,26-26-16,-26 0 0,26 0 15,-26 0-15,26 0 16,0 0-16,0 0 0,0-26 15,-26 26-15,25-1 16,1-25-16,0 26 0,0-26 16,0 0-16,0 0 0,0 0 15,0 0-15,0 0 16,0 0-16,0-26 0,0 26 16,-1 0-16,1-25 15,0-1-15,0 0 16,-26 0 15,-26 26-15</inkml:trace>
+</inkml:ink>
+</file>
+
+<file path=ppt/ink/ink29.xml><?xml version="1.0" encoding="utf-8"?>
+<inkml:ink xmlns:inkml="http://www.w3.org/2003/InkML">
+  <inkml:definitions>
+    <inkml:context xml:id="ctx0">
+      <inkml:inkSource xml:id="inkSrc0">
+        <inkml:traceFormat>
+          <inkml:channel name="X" type="integer" max="1920" units="cm"/>
+          <inkml:channel name="Y" type="integer" max="1080" units="cm"/>
+          <inkml:channel name="T" type="integer" max="2.14748E9" units="dev"/>
+        </inkml:traceFormat>
+        <inkml:channelProperties>
+          <inkml:channelProperty channel="X" name="resolution" value="55.81395" units="1/cm"/>
+          <inkml:channelProperty channel="Y" name="resolution" value="55.6701" units="1/cm"/>
+          <inkml:channelProperty channel="T" name="resolution" value="1" units="1/dev"/>
+        </inkml:channelProperties>
+      </inkml:inkSource>
+      <inkml:timestamp xml:id="ts0" timeString="2020-11-20T19:08:04.925"/>
+    </inkml:context>
+    <inkml:brush xml:id="br0">
+      <inkml:brushProperty name="width" value="0.05" units="cm"/>
+      <inkml:brushProperty name="height" value="0.05" units="cm"/>
+      <inkml:brushProperty name="fitToCurve" value="1"/>
+    </inkml:brush>
+  </inkml:definitions>
+  <inkml:trace contextRef="#ctx0" brushRef="#br0">0 129 0,'0'-26'15,"0"1"-15,0-1 16,25 26-16,-25-26 16,26 26-1,0-26 1,0 26-1,0 0-15,0 0 0,0 0 16,0 0-16,0 0 0,0 26 16,0-26-16,0 0 15,0 26-15,-1 0 16,-25-1-16,26 1 0,-26 0 16,0 0-16,0 0 15,0 26-15,-26-26 0,26 0 16,-25 26-16,25-26 15,-26-1-15,26 1 0,0 0 16,-26 0-16,26 26 0,-26-26 16,26 0-16,-26 0 15,0 0-15,0 0 16,26 0-16,-26-1 16,26 1-16,-26-26 0,26 26 15,0 0-15,0 0 16,0 0-1,0 0-15,0 0 16,26-26 0,-26 26-16,26-26 15,-26 26-15</inkml:trace>
+  <inkml:trace contextRef="#ctx0" brushRef="#br0" timeOffset="905">103 1270 0,'26'0'15,"-26"-26"1,26 26 0,0 0-1,0 0 1,0 26 15,0 0 0,-52-26 1,26 26-17,-26-26-15,0 0 16,0 0 0,0 0-1,26-26 16,26 0-15,0 0 0,0 26-1,0 0 17,-26 26-32,26 0 15,-26 0 1,0 0-16,26-26 15,-52 0 32,26-26-31,-26 26-16,26-26 16,-26 26-16</inkml:trace>
+</inkml:ink>
+</file>
+
+<file path=ppt/ink/ink3.xml><?xml version="1.0" encoding="utf-8"?>
+<inkml:ink xmlns:inkml="http://www.w3.org/2003/InkML">
+  <inkml:definitions>
+    <inkml:context xml:id="ctx0">
+      <inkml:inkSource xml:id="inkSrc0">
+        <inkml:traceFormat>
+          <inkml:channel name="X" type="integer" max="1920" units="cm"/>
+          <inkml:channel name="Y" type="integer" max="1080" units="cm"/>
+          <inkml:channel name="T" type="integer" max="2.14748E9" units="dev"/>
+        </inkml:traceFormat>
+        <inkml:channelProperties>
+          <inkml:channelProperty channel="X" name="resolution" value="55.81395" units="1/cm"/>
+          <inkml:channelProperty channel="Y" name="resolution" value="55.6701" units="1/cm"/>
+          <inkml:channelProperty channel="T" name="resolution" value="1" units="1/dev"/>
+        </inkml:channelProperties>
+      </inkml:inkSource>
+      <inkml:timestamp xml:id="ts0" timeString="2020-11-20T18:34:16.467"/>
+    </inkml:context>
+    <inkml:brush xml:id="br0">
+      <inkml:brushProperty name="width" value="0.05" units="cm"/>
+      <inkml:brushProperty name="height" value="0.05" units="cm"/>
+      <inkml:brushProperty name="fitToCurve" value="1"/>
+    </inkml:brush>
+  </inkml:definitions>
+  <inkml:trace contextRef="#ctx0" brushRef="#br0">121 181 0,'0'-26'0,"0"0"15,26 26 1,-26 26 0,0 0-16,0 0 15,0 0-15,0 26 0,0-26 16,0 26-16,0 0 16,0-1-16,0 1 0,0 0 15,0 26-15,0-26 0,26 0 16,-26-1-16,0 1 15,25 0-15,-25-26 0,26 26 16,-26-26-16,26 0 16,0 0-16,0-1 0,0-25 15,0 26-15,0-26 0,0 0 16,0 0-16,0 0 16,0-26-16,-1 26 0,1-25 15,-26-1-15</inkml:trace>
+  <inkml:trace contextRef="#ctx0" brushRef="#br0" timeOffset="708">17 700 0,'-26'0'15,"52"0"16,0 0-15,0-26-16,0 26 0,26 0 16,-26 0-16,25 0 0,1-26 15,0 26-15,0 0 16,0 0-16,0 0 0,-1-26 16,-25 26-16,26 0 15,-26-26-15,0 26 0,26 0 16,-26 0-16,0-26 0,0 26 15,0 0 1,-1-26-16,1 26 31,-52 0 1,26 26-17,-25-26-15,25 26 16,-26 0-1,0 0-15,26 0 16,-26 0-16,26 0 0,0 0 16,0-1-16,0 1 15,0 0-15,26 0 0,-26 0 16,26-26-16,0 26 0,-1 0 16,1-26-16,0 0 15,26 26-15,-26-26 0,0 0 16,26 0-16,-26 0 15,0-26-15,0 26 0,-1-26 16,1 0-16,-26 0 16,0 0-16,0 0 15,0 0-15,-26-25 0,26 25 16,-25-26-16,-1 26 16,-26 0-16,26 0 0,0 0 15,0 0-15,-26 0 0,26 26 16,0 0-16,0 0 15,1 26-15,-1 0 16,26 0 0,0 0-1,26-26-15</inkml:trace>
+  <inkml:trace contextRef="#ctx0" brushRef="#br0" timeOffset="1260">1728 492 0,'26'0'15,"-26"-26"1,-26 26-1,0 0 1,0 0-16,0 0 16,0 0-16,0 0 0,0 0 15,0 26-15,0-26 16,0 26-16,0-26 0,26 26 16,-25 0-16,25 0 15,-26 0-15,26 0 0,0 26 16,0-26-16,0 0 0,0-1 15,26 1-15,-26 0 16,25 0-16,-25 0 0,26-26 16,0 26-16,0-26 15,26 0-15,-26 0 0,0 0 16,0 0-16,0-26 0,0 0 16,0 0-16,-1 0 15,-25 0-15,26 1 0,-26-1 16,0 0-16,0-26 0,0 26 15,-26-26-15,1 26 16,25 0-16,-26 0 0,0 0 16,0 0-16,0 26 15,0 0-15,0 0 0,0 0 16,26 26-16,-26-26 16,26 26-16,0 0 15,0 0-15,26-26 16</inkml:trace>
+  <inkml:trace contextRef="#ctx0" brushRef="#br0" timeOffset="1698">2039 155 0,'-26'-26'0,"26"1"16,-26-1-16,26 0 0,0 0 15,0 0 1,26 52 0,-26 0-1,0 26 1,26-27-16,-26 27 0,26-26 15,-26 26-15,26 26 0,-26-26 16,25-1-16,-25 1 16,26 0-16,-26 0 0,26 0 15,-26-26-15,26 26 16,-26-26-16,26 25 0,-26-25 16,26 0-16,-26 0 0,26 0 15,-26 0-15,26 0 16,0 0-16,0-26 15,0 0 1,0 0-16,-1-26 0,1 26 16,0-26-16,0 0 0,-26 0 15</inkml:trace>
+</inkml:ink>
+</file>
+
+<file path=ppt/ink/ink30.xml><?xml version="1.0" encoding="utf-8"?>
+<inkml:ink xmlns:inkml="http://www.w3.org/2003/InkML">
+  <inkml:definitions>
+    <inkml:context xml:id="ctx0">
+      <inkml:inkSource xml:id="inkSrc0">
+        <inkml:traceFormat>
+          <inkml:channel name="X" type="integer" max="1920" units="cm"/>
+          <inkml:channel name="Y" type="integer" max="1080" units="cm"/>
+          <inkml:channel name="T" type="integer" max="2.14748E9" units="dev"/>
+        </inkml:traceFormat>
+        <inkml:channelProperties>
+          <inkml:channelProperty channel="X" name="resolution" value="55.81395" units="1/cm"/>
+          <inkml:channelProperty channel="Y" name="resolution" value="55.6701" units="1/cm"/>
+          <inkml:channelProperty channel="T" name="resolution" value="1" units="1/dev"/>
+        </inkml:channelProperties>
+      </inkml:inkSource>
+      <inkml:timestamp xml:id="ts0" timeString="2020-11-20T19:07:42.622"/>
+    </inkml:context>
+    <inkml:brush xml:id="br0">
+      <inkml:brushProperty name="width" value="0.05" units="cm"/>
+      <inkml:brushProperty name="height" value="0.05" units="cm"/>
+      <inkml:brushProperty name="fitToCurve" value="1"/>
+    </inkml:brush>
+  </inkml:definitions>
+  <inkml:trace contextRef="#ctx0" brushRef="#br0">55 2257 0,'-25'52'16,"-1"-26"-16,26 0 15,0 26-15,0-26 0,0 26 16,0-26-16,0 25 0,0-25 16,0 0-16,0 26 15,26-26-15,-26 26 0,0-26 16,0 26-16,0-1 0,25 1 15,-25 0-15,0 0 16,0 0-16,26 0 0,-26-1 16,0 1-16,0 0 15,26 26-15,-26-26 0,0 0 16,0 25-16,0-25 0,0 26 16,0-26-16,0 26 15,0-1-15,-26 1 0,26 0 16,0 0-16,-26-27 15,26 27-15,0 0 0,-25 0 16,25-27-16,0 1 0,0 26 16,0-26-16,-26 0 15,26 0-15,0-1 0,0-25 16,0 26-16,0-26 16,0 0-16,0 26 0,0-26 15,0 0-15,0 0 16,26-26 78,-26-26-94,25 26 15,1 0 1,0 0-16,0-26 0,26 26 15,-26 0-15,26-26 0,26 26 16,-1 0-16,1-26 16,0 26-16,25 0 0,1-26 15,0 26-15,25-26 0,27 26 16,-26-26-16,25 0 16,1 0-16,-1 26 0,1-26 15,25 26-15,-26-25 16,27-1-16,-1 26 0,27-26 15,-27 26-15,1-26 16,25 26-16,0-26 0,-25 0 16,25 26-16,-26-26 0,27 26 15,-27-26-15,1 26 16,-27 0-16,1 0 0,-1 0 16,-25-26-16,-1 26 0,-25 0 15,26 0-15,-27 0 16,1 0-16,0-26 0,-1 26 15,-25 0-15,26 0 16,-52 0-16,-1 0 0,1 0 16,0 0-16,-26 0 0,0 0 15,0 0 1,0 0 0,0-26-1,0 26-15,0 0 16,-26-26-16,25 26 15,1-26 1,0 26-16,0-25 16,0 25-1,0-26-15,0 26 16,0 0 0,0-26-1,-26 0 16,0 0-15,0 0 0,0 0-1,0 0-15,0 0 16,-26 0-16,26-26 16,0 1-16,0 25 0,-26-52 15,26 26-15,0-26 0,-26 1 16,26-1-16,-26 0 15,26 0-15,0-25 0,-26-1 16,26 26-16,0-25 16,0 25-16,0-26 0,-26 0 15,26 27-15,0-27 0,0 0 16,0 27-16,0-27 16,0 0-16,0 1 0,-26 25 15,26 0-15,0 0 16,0 1-16,0-1 0,0 26 15,0 0-15,-26 0 0,26 0 16,0 27-16,0-27 16,-25 26-16,-1 0 0,0 0 15,0 0 1,0 26 0,0-26 62,26 0-47,-26 26 16,0 26-16,0-26-31,0 0 0,-26 26 16,27-26-16,-27 0 15,0 26-15,-26-26 0,26 26 16,-26 0-16,-25-26 0,-1 26 16,0 0-16,-25 0 15,-27-1-15,1 1 0,-1 0 16,-25 0-16,-1 0 0,1-26 15,0 26-15,-1 0 16,1 0-16,-1 0 0,1 0 16,25-26-16,-25 26 15,25 0-15,1-1 0,25 1 16,1-26-16,-1 26 16,1 0-16,25 0 0,-26-26 15,27 26-15,-1 0 0,26 0 16,-25-26-16,25 26 15,-26 0-15,26-26 0,1 26 16,25-26-16,-26 26 0,0 0 16,26-26-16,1 25 15,-27 1-15,0-26 0,26 26 16,-26 0-16,27 0 16,-27-26-16,26 26 0,-26 0 15,26 0-15,1-26 0,-1 26 16,0-26-16,26 0 15,-26 26-15,26-26 0,0 0 16,0 0-16,1 0 16,-1 0-16,0 0 0,0 0 15,0 0-15,0 0 16,0 0 0,0 0-1,26 26 1,-26-26-16,0 0 15,0 0 17</inkml:trace>
+  <inkml:trace contextRef="#ctx0" brushRef="#br0" timeOffset="660">1377 3139 0,'-26'0'0,"0"0"16,1 26-16,-27-26 15,26 25-15,0-25 0,-26 26 16,26 0-16,-26 26 15,26-26-15,0 0 0,0 26 16,1-26-16,-1 26 16,26-26-16,0 25 0,26-25 15,-1 0-15,-25 26 0,52-26 16,-26 0-16,0 0 16,26 0-16,-26 0 0,26 0 15,0-26-15,-1 0 16,1 0-16,0 0 0,0 0 15,0 0-15,-26-26 0,26 0 16,-27 0-16,1 0 16,0 0-16,0 26 0</inkml:trace>
+  <inkml:trace contextRef="#ctx0" brushRef="#br0" timeOffset="979">1792 3139 0,'0'-26'0,"0"52"47,0 0-47,0-1 16,26 1-16,-26 0 0,26 26 15,0-26-15,-26 26 16,26-26-16,0 26 0,-26-26 16,25 25-16,-25-25 15,0 26-15,26-26 0,-26 0 16</inkml:trace>
+  <inkml:trace contextRef="#ctx0" brushRef="#br0" timeOffset="1441">1688 3113 0,'26'0'0,"-26"-26"0,26 0 16,26 26-16,-26 0 16,26-26-16,0 26 0,-27 0 15,27 0-15,0 0 0,0 0 16,0 0-16,0 26 15,-26 0-15,25 0 0,-25 0 16,0 0-16,0 25 16,0-25-16,0 26 0,-26-26 15,0 26-15,0-26 0,0 26 16,0-26-16,-26 0 16,0-1-16,0 1 0,0 0 15,0 0-15,-25 0 16,25 0-16,-26-26 0,0 26 15,0-26-15,26 26 0,-26-26 16,26 0-16,-25 0 16,25 0-16,0 0 0,0 0 15,0 0-15,26-26 16,-26 26-16</inkml:trace>
+  <inkml:trace contextRef="#ctx0" brushRef="#br0" timeOffset="2154">2932 2828 0,'-26'0'0,"1"-26"16,-1 26-1,0 0-15,26 26 16,-52-26-16,26 0 0,0 26 16,0-1-16,0-25 15,-26 26-15,26 0 0,1 0 16,-1 0-16,26 0 16,0 0-1,0 0-15,0 0 16,26-26-16,-1 0 15,1 26-15,0-26 0,26 0 16,-26 0-16,26 0 0,0 0 16,0 0-16,-1 0 15,1 26-15,0-26 0,-26 0 16,26 26-16,-26-26 16,26 51-16,-52-25 15,25-26-15,-25 26 0,0 0 16,-25 0-16,-1 0 15,26 0-15,-52 0 0,26 0 16,0 0-16,-26-26 16,0 26-16,26 0 0,-25-26 15,-1 0-15,26 25 0,-26-25 16,26 0-16,-26-25 16,26 25-16,0-26 0,0 26 15,1-26-15,25 0 16,-26 0-16,26 0 15,26 0-15,-1 0 16,1 26-16,0 0 16,0 0-16</inkml:trace>
+  <inkml:trace contextRef="#ctx0" brushRef="#br0" timeOffset="2544">3503 2802 0,'-26'0'16,"26"-26"-16,26 52 47,-1 0-47,1 0 0,0-1 16,0 1-16,26 0 15,-26 26-15,26 0 0,-26-26 16,26 26-16,-26 0 0,-1-27 15,1 27-15,0-26 16,-26 0-16,26 26 0,-26-26 16,26-26-16,-26 26 15</inkml:trace>
+  <inkml:trace contextRef="#ctx0" brushRef="#br0" timeOffset="2844">4021 2724 0,'0'-26'16,"0"52"0,0 0-1,0 0-15,0 0 0,0 26 16,0-27-16,0 27 15,0 0-15,0 0 0,0 0 16,0 0-16,0-26 16,0 25-16,0 1 0,0-26 15,0 0-15,0 26 0,0-26 16,0 0-16,0 0 16,0 0-1</inkml:trace>
+  <inkml:trace contextRef="#ctx0" brushRef="#br0" timeOffset="3133">4410 2983 0,'0'26'47,"0"0"-32,26 0-15,-26 0 16,0 0-16,26 0 0,-26 25 16,0-25-16,25 0 15,-25 0-15,0 0 0,0 0 16,0 0-16,0 0 15</inkml:trace>
+  <inkml:trace contextRef="#ctx0" brushRef="#br0" timeOffset="3288">4384 2724 0,'0'26'16</inkml:trace>
+  <inkml:trace contextRef="#ctx0" brushRef="#br0" timeOffset="4430">4902 3061 0,'0'26'63,"0"0"-48,26-26 1,-26 26-16,26-26 16,0 0-1,0 0-15,0-26 16,0 26-16,-26-26 16,26 0-16,-26 0 0,0 0 15,0 0-15,0 0 16,0 0-16,-26 0 0,26 0 15,-26 26-15,0-25 0,0 25 16,0 0-16,0 0 16,-26 0-16,26 25 0,0-25 15,0 26-15,1 26 16,-1-26-16,26 0 0,0 26 16,0-26-16,0 26 0,26-26 15,-26 25-15,25-25 16,1 0-16,0 26 0,0-52 15,26 26-15,-26 0 16,0-26-16,26 0 0,-26 0 16,26-26-16,-27 26 0,27-26 15,-26 0-15,0 0 16,0 0-16,-26 0 0,26 0 16,-26-25-16,0 25 15,0-26-15,0 26 0,0 0 16,0-26-16,0 26 0,-26 0 15,26 0 1,26 26 0,-26 26-16,0 0 15,26 0-15,-26 0 16,26 0-16,-26 0 0,26 0 16,0 26-16,-26-26 15,26-26-15,-1 26 0,-25-1 16,26 1-16,0-26 15,0 0-15,-26 26 0,26-26 16,0 0-16,0 0 0,0-26 16,0 26-16,0 0 15,-26-26-15,26 1 0,0 25 16,-26-26-16,25 0 0,-25 0 16,0 0-1,0 0-15,0-26 0,0 26 16,0 0-16,0 0 15,0 0-15,0 1 16,0 50 0,0 1-1,26 0-15,0 0 16,-26 0 0,26 0-16,0 0 0,0 0 15,0 26-15,0-52 16,26 26-16,-26 0 0,25-1 15,-25-25-15,0 26 0,26-26 16,-26 0-16,0 0 16,0-26-16,0 1 0,0 25 15,-26-26-15,0-26 0,0 26 16,0-26-16,0 0 16,0 26-16,-26-26 0,0 1 15,0-1-15,0 0 16,-26 26-16,26-26 0,0 26 15,0 26-15,1-26 0,-1 26 16,0 0-16,0 26 16,0-26-16,0 26 0,26 0 15,-26 0-15,26 0 16</inkml:trace>
+  <inkml:trace contextRef="#ctx0" brushRef="#br0" timeOffset="5641">6587 3061 0,'26'0'16,"0"0"-16,0 0 16,25 0-16,-25 0 0,26-26 15,26 26-15,-26 0 16,26 0-16,25 0 0,-25-26 15,26 26-15,-1 0 16,1 0-16,0-26 0,25 26 16,-25 0-16,26-26 0,-1 26 15,1 0-15,25-26 16,-25 26-16,25-26 0,1 26 16,-1 0-16,1-26 15,25 26-15,-25-25 0,25 25 16,1 0-16,-27-26 0,27 26 15,-1 0-15,0-26 16,-25 26-16,25-26 0,1 26 16,-1-26-16,1 26 15,-27-26-15,27 26 0,-53-26 16,27 26-16,-27-26 0,1 26 16,-1 0-16,1-26 15,-26 26-15,25-26 0,-25 26 16,0 0-16,-1-26 0,1 26 15,0-26-15,-27 26 16,27-25-16,-26 25 0,-26 0 16,25-26-16,-25 26 15,0 0-15,0-26 0,-26 26 16,26-26-16,-26 26 0,26 0 16,-27-26-16,1 26 15,0 0-15,-26-26 0,26 26 16,-52 0-1,26-26 1,-26 26-16</inkml:trace>
+  <inkml:trace contextRef="#ctx0" brushRef="#br0" timeOffset="6115">13663 2128 0,'-26'0'0,"0"0"16,0 0 15,52 0 0,0 0-31,25 26 16,-25-26-16,0 26 16,0-26-16,26 26 0,0-26 15,0 26-15,0-26 16,-1 0-16,1 25 0,-26-25 16,26 26-16,0-26 0,-26 26 15,0-26-15,0 0 16,0 26-16,-1-26 0,-25 26 15,26-26-15,-26 26 16,0 0-16,26 0 16,-26 0-16,0 0 15,0 0-15,-26 0 16,0-26-16,26 25 0,-25 1 16,-1 0-16,-26 0 0,26 0 15,0 26-15,-26-26 16,0 0-16,26 0 0</inkml:trace>
+  <inkml:trace contextRef="#ctx0" brushRef="#br0" timeOffset="7045">9049 2387 0,'0'-26'16,"26"0"-16,-26 0 15,0 0 1,-26 26-16,26-26 16,-26 1-16,0 25 15,0-26-15,0 0 0,1 26 16,-1 0-16,-26 0 16,26 0-16,0 0 0,0 0 15,-26 26-15,26 0 16,26-1-16,-26 1 0,0 0 15,26 26-15,0-26 16,0 0-16,0 26 0,0-26 16,0 0-16,0 0 0,26-1 15,0 1-15,0-26 16,0 0-16,0 0 16,0 0-16,0 0 15,0-26-15,0 26 0,26-25 16,-52-1-16,25 0 0,1 0 15,0 0-15,-26 0 16,26-26-16,-26 26 0,0 0 16,0 0-16,0 0 15,0 1-15,-26-1 0,26 0 16,0 52 0,0 0-1,0-1-15,26 1 0,-26 26 16,26-26-16,-26 0 0,26 26 15,-26-26-15,26 0 16,0 0-16,-26 0 0,26-1 16,0 1-16,0 0 15</inkml:trace>
+  <inkml:trace contextRef="#ctx0" brushRef="#br0" timeOffset="7375">9567 2232 0,'0'-26'0,"0"0"16,0 0-1,-25 26-15,-1 0 16,0 26-1,0 0-15,26 0 16,-26-1-16,26 1 16,-26 0-16,26 0 0,0 26 15,0-26-15,26 0 0,-26 0 16,26 0-16,0 0 16,0 0-16,0-26 0,-26 25 15,51-25-15,-25 0 0,0 0 16,0 0-16,0-25 15,0-1-15</inkml:trace>
+  <inkml:trace contextRef="#ctx0" brushRef="#br0" timeOffset="7633">9801 1869 0,'-26'-26'0,"26"0"15,-26 26 1,26 26 0,0 0-16,26 0 0,-26 25 15,0-25-15,26 26 16,0 0-16,-26 26 0,26-26 16,-1-1-16,-25 1 15,26 0-15,0 0 0,-26-26 16,26 0-16,-26 0 0,0 0 15,26 0-15</inkml:trace>
+  <inkml:trace contextRef="#ctx0" brushRef="#br0" timeOffset="8005">9853 2361 0,'0'-26'0,"0"0"31,0 0-31,25 26 16,1 0-16,-26-26 0,26 26 16,0 0-16,26-25 15,-26 25-15,0 0 0,26-26 16,-26 26-16,0 0 0,0 0 16,-1-26-1,-50 26 16,25-26-31,-26 26 16,0 0-16,0 0 16,26 26-1,0 0-15,0 0 16,26-1-16,-26 1 16,26 0-16,-26 26 0,26-26 15,-26 0-15,25 26 0,1-26 16,-26 0-16,26 0 15</inkml:trace>
+  <inkml:trace contextRef="#ctx0" brushRef="#br0" timeOffset="8583">10423 2154 0,'0'26'31,"0"0"-15,0 0-1,26-1-15,0 1 16,0 0-16,-26 26 0,25-26 15,1 0-15,0 0 16,0 0-16,-26 0 0,26 0 16,-26 0-16,26-26 15,-26 25-15,26-25 16,-26-25-16,0-1 16,0 0-16,0 0 15,0 0-15,0 0 0,0-26 16,-26 0-16,26 26 15,0-25-15,-26-1 0,26 0 16,0 0-16,0 26 0,26 0 16,0 0-1,0 26-15,-26 26 16,26 0-16,0 26 16</inkml:trace>
+  <inkml:trace contextRef="#ctx0" brushRef="#br0" timeOffset="9378">11148 2232 0,'0'-26'0,"26"26"15,-26-26-15,26 0 16,-26 0-16,0 0 15,0 0-15,0 0 16,-26 0-16,0 0 16,1 0-16,-1 26 15,0 0-15,0 0 0,0 0 16,0 0-16,26 26 16,-26 0-16,0 0 0,26 26 15,0-26-15,0 26 16,0-26-16,0 25 0,0-25 15,0 0-15,26 0 0,0 0 16,-26 0-16,26 0 16,0-26-16,0 0 0,0 0 15,0 0-15,-1 0 0,1-26 16,0 26-16,0-26 16,-26 0-16,26 0 0,-26 0 15,0 0-15,0 1 16,0-1-16,0 0 15,-26 26-15,26-26 16,-26 26-16,26 26 16,0 0-1,0 0-15,0-1 16,0 1-16,0 0 0,26 0 16,-26 0-16,26-26 15,-26 26-15,26-26 0,0 0 16,0 0-16,0 0 0,0 0 15,0-26-15,0 26 16,0-26-16,-1 0 0,27-51 16,-26 51-1,-26-26-15,26 26 0,-26-26 16,0 0-16,0 0 0,-26-25 16,0 25-16,0 0 15,26 0-15,-26 0 0,1 0 16,-1 1-16,0 25 15,26 0-15,-26 26 0,26 26 16,0 0 0,0 25-16,0-25 15,0 26-15,0 26 0,26-26 16,-26 25-16,26-25 0,0 26 16,-1-26-16,1 0 15,0 0-15,0-1 0,0-25 16,0 0-16,0 0 15,-26 0-15,26-26 0</inkml:trace>
+  <inkml:trace contextRef="#ctx0" brushRef="#br0" timeOffset="9769">11563 2128 0,'0'-26'0,"0"0"16,26 26-16,0 0 15,0 0-15,0 0 16,26 0 0,-26 0-16,0 0 0,25 0 15,1-26-15,-26 26 0,26 0 16,0-26-16,-26 26 16,26-26-16,-27 0 0,1 26 15,0-26-15,-26 0 16,0 1-16,-26-1 15,0 0-15,1 26 16,-1-26-16,0 26 16,0 0-16,-26 0 0,26 26 15,-26 0-15,26 0 16,0-1-16,0 27 0,26-26 16,-25 26-16,25 0 0,25 0 15,-25 0-15,26-1 16,26 1-16,-26-26 0,0 0 15,26 0-15,-26-26 16,26 0-16,-26 0 0</inkml:trace>
+  <inkml:trace contextRef="#ctx0" brushRef="#br0" timeOffset="10134">10630 1843 0,'0'-26'16</inkml:trace>
+  <inkml:trace contextRef="#ctx0" brushRef="#br0" timeOffset="12858">14881 1298 0,'-26'0'31,"0"26"-15,0-26-1,0 0-15,0 26 16,0 0-16,0-26 0,0 26 16,26 0-16,-26 26 0,1-26 15,-1 26-15,0-26 16,26 25-16,-26 1 0,26-26 16,0 26-16,0 0 15,0 0-15,0-26 0,0 25 16,0 1-16,0 0 0,0 0 15,0 0-15,0 26 16,26-27-16,-26 1 0,0 0 16,0 0-16,26 0 15,-26 0-15,0-1 0,26 1 16,-26 0-16,25-26 0,-25 26 16,26 0-16,0-26 15,-26 25-15,26 1 0,0-26 16,0 0-16,0 26 0,0-26 15,0 0-15,0 0 16,0 25-16,0-25 0,-1 0 16,1 0-16,26 0 15,0 0-15,0 0 0,0 0 16,0 0-16,-1 0 16,1 0-16,26 0 0,-26-26 15,26 26-15,-1-26 0,1 25 16,26-25-16,-26 26 15,25-26-15,1 0 0,0 26 16,-1-26-16,1 0 0,0 26 16,25-26-16,1 0 15,-27 0-15,27 0 0,0 26 16,25-26-16,-25 0 16,-1 0-16,27 0 0,-1 0 15,1-26-15,-27 26 0,27 0 16,-1-26-16,-25 26 15,26-26-15,-27 26 0,1-26 16,-1 1-16,1 25 16,0-26-16,-27 0 0,1 0 15,0 0-15,-1-26 0,-25 26 16,26 0-16,-27-26 16,1 26-16,0-25 0,-26 25 15,26-26-15,-27 26 0,1-26 16,0 26-16,-26-26 15,26 0-15,-26 27 0,0-27 16,-26 0-16,26 0 16,-1-26-16,-25 26 0,0-25 15,26 25-15,-26-26 16,26-26-16,-26 27 0,0-1 16,26 0-16,-26-26 0,0 27 15,26-1-15,-26 0 16,0 0-16,0 1 0,0-1 15,0 26-15,0-26 16,-26 27-16,0-27 0,26 0 16,-26 26-16,0 0 0,1-25 15,-1 25-15,0 0 16,0 0-16,0 0 0,0 0 16,0 1-16,0-1 15,0 26-15,0-26 0,0 26 16,0-26-16,-25 26 0,25 0 15,-26 0-15,0 1 16,0-27-16,0 26 0,0 0 16,-25 0-16,-1 0 15,0 0-15,-25 0 0,25 0 16,-26 26-16,26-26 0,1 26 16,-27-26-16,26 26 15,0 0-15,1 0 0,-1 0 16,0 0-16,0 0 15,1 0-15,-1-25 0,-26 25 16,26 0-16,-25 0 0,-1 0 16,26 0-16,-25 0 15,-1 25-15,0-25 0,1 0 16,-1 0-16,0 26 16,1-26-16,-1 0 0,26 26 15,0 0-15,1-26 0,-1 26 16,26 0-16,0-26 15,-25 26-15,25-26 0,0 26 16,0 0-16,0 0 0,-26 0 16,27-26-16,-27 26 15,26-1-15,-26 1 0,0 0 16,1-26-16,-1 26 16,0 0-16,0 0 0,27-26 15,-27 26-15,26 0 0,0 0 16,0 0-16,26-26 15,-25 26-15,25 0 0,-26-1 16,26 1-16,0 0 16,-26 0-16,26 0 0,-26 0 15,27 0-15,-1 0 0,-26 0 16,26-26-16,-26 26 16,26 0-16,-26 0 0,26 0 15,0-1-15,0 1 16,-25 0-16,25 0 0,0 0 15,26 0-15,-26 0 0,26 0 16,-26 0-16,26 0 16,0 0-16,0 0 0,0-1 15,0 1-15,0 0 0,0 0 16,0 0-16,0 0 16,-26 0-16,26 0 15,0 0-15,0 0 16,-26 0-16,26 0 15,0-1 1,0 1-16,0 0 16,0 0-16,0 0 15,0 0 1,26-26 15</inkml:trace>
+  <inkml:trace contextRef="#ctx0" brushRef="#br0" timeOffset="13417">15736 1661 0,'-26'-26'0,"26"0"16,0 1-16,-26 25 15,26 25 1,0 1-16,26 0 16,-26 0-16,26 26 0,-26 0 15,26 0-15,0 0 16,0-1-16,0 1 0,-26 26 15,26-26-15,0 0 0,-26 0 16,25-27-16,-25 27 16,26-26-16,-26 0 0,0 0 15</inkml:trace>
+  <inkml:trace contextRef="#ctx0" brushRef="#br0" timeOffset="13861">15840 1998 0,'0'-26'15,"26"26"1,0 0-16,-1 0 16,1-26-16,0 26 0,26 0 15,0-26-15,0 26 16,0-25-16,-26 25 0,25 0 15,-25-26-15,26 26 16,-26-26-16,0 0 16,-26 0-16,-26 26 15,26-26-15,-26 26 16,0-26-16,0 0 0,0 0 16,0 0-16,1 0 15,25 0-15,-26 1 0,52 50 31,-26 1-15,25 0-16,-25 26 0,26-26 16,0 26-16,-26 0 15,26 0-15,-26-1 0,26 1 16,-26-26-16,26 26 0,-26-26 16,0 26-16,0-26 15,0 0-15,0 0 0,0-1 16</inkml:trace>
+  <inkml:trace contextRef="#ctx0" brushRef="#br0" timeOffset="14382">16747 1609 0,'0'-25'0,"0"50"31,0 1-15,0 0-16,0 26 15,0-26-15,0 0 0,26 26 16,-26 0-16,26-26 16,-26 25-16,0 1 0,26-26 15,-26 26-15,0-26 16,0 0-16,0 0 0,0 0 15,0 0-15,0-52 32,0 0-32,-26 26 0,26-52 15,0 26-15,0-26 16,0 0-16,0 0 0,0-25 16,0 25-16,0-26 0,0 0 15,0 27-15,0-1 16,26 0-16,-26 26 0,26 0 15,-1 26-15,1 0 16,0 26-16,0 0 16,0 0-16,0 26 0,0-1 15,0-25-15,0 26 16,0 0-16,0 26 0,0-52 16,-1 26-16,1-1 15,0-25-15,-26 26 0,26-26 16,0 0-16,-26 0 15,26-26-15</inkml:trace>
+  <inkml:trace contextRef="#ctx0" brushRef="#br0" timeOffset="14580">16928 1920 0,'-26'0'0,"0"0"0,26-25 15,0-1 1,0 0 0,26 26-16,0-26 15,0 26-15,26-26 0,-26 26 16,26 0-16,26-26 0,-27 26 16,1 0-16</inkml:trace>
+  <inkml:trace contextRef="#ctx0" brushRef="#br0" timeOffset="14850">17550 1454 0,'-26'0'15,"0"0"1,26 26-1,0 0 1,26 0-16,-26 26 16,26-27-16,0 27 0,-26-26 15,26 26-15,0-26 0,-26 26 16,26-26-16,-26 26 16,26-27-16,-26 1 0,0 0 15,0 0-15</inkml:trace>
+  <inkml:trace contextRef="#ctx0" brushRef="#br0" timeOffset="15114">17447 1532 0,'0'-26'0,"0"0"16,26 0-16,-1 26 15,1 26 1,0 0-16,26 0 0,0 0 16,-26 0-16,26-1 0,26 27 15,-27-26-15,1 0 16,0 0-16,0 26 0,0-26 16,0-26-16,-27 26 0,27 0 15,-26 0 1,0-26-16</inkml:trace>
+  <inkml:trace contextRef="#ctx0" brushRef="#br0" timeOffset="15360">18043 1350 0,'0'-26'0,"-26"0"0,0 26 16,0 0-1,26 26 1,0 0-16,26 0 0,-26 26 16,26-26-16,0 26 15,0 0-15,0-1 0,0-25 16,-1 26-16,1-26 16,-26 0-16,26 26 0,0-26 15,0 0-15,-26 0 16</inkml:trace>
+  <inkml:trace contextRef="#ctx0" brushRef="#br0" timeOffset="15859">18457 1324 0,'-25'0'15,"25"26"1,0 0 0,0 0-16,0 0 0,0 0 15,25 26-15,-25-26 0,26 26 16,-26-27-16,26 27 16,-26-26-16,26 0 0,-26 0 15,26 0-15,-26 0 16,0 0-16,0-52 31,0 0-15,0 0-16,-26 0 0,26-26 15,0 26-15,-26-25 16,26-27-16,0 26 0,0 0 16,0-26-16,0 27 0,0-1 15,0 26-15,0-26 16,26 26-16,0 26 15,0 0-15,0 0 16,-26 26-16,26 0 0,0 0 16,26 26-16,-26-26 0,-1 25 15,1 1-15,0 0 16,0 0-16,0 0 0,0-26 16,0 25-16,0 1 15,0-26-15,0 0 0,-26 0 16,0 0-16</inkml:trace>
+  <inkml:trace contextRef="#ctx0" brushRef="#br0" timeOffset="16081">18535 1532 0,'-26'0'0,"26"-26"15,26 0 1,0 26-16,26-26 16,-26 26-16,26 0 15,0-26-15,-1 26 0,-25 0 16,26-26-16,0 26 0,0 0 16,-26 0-16</inkml:trace>
+  <inkml:trace contextRef="#ctx0" brushRef="#br0" timeOffset="16532">17602 2620 0,'-26'0'0,"52"0"31,0 26-15,0-26-16,0 26 16,0 0-16,0 0 0,26 26 15,-1-26-15,1 0 16,0 25-16,0-25 0,0 0 15,-26 26-15,26-26 16,-27 0-16,1 0 0,0-26 16,-26 26-16</inkml:trace>
+  <inkml:trace contextRef="#ctx0" brushRef="#br0" timeOffset="16817">18069 2517 0,'-26'0'15,"26"26"1,0-1 0,0 1-16,26 0 15,-26 26-15,0-26 0,26 0 16,-26 0-16,26 26 15,-1-26-15,-25 0 0,0-1 16,26 1-16,-26 0 0,0 0 16,0 0-16,0 0 15,0 0-15,0 0 16</inkml:trace>
+  <inkml:trace contextRef="#ctx0" brushRef="#br0" timeOffset="17077">18483 2698 0,'0'26'31,"0"0"-15,26 0-1,-26 0-15,0 0 0,26 0 16,0-1-16,-26 1 16,26 0-16,-26 0 0,26 0 15,-26 0-15,26-26 0,-26 26 16</inkml:trace>
+  <inkml:trace contextRef="#ctx0" brushRef="#br0" timeOffset="17222">18457 2439 0,'0'26'15</inkml:trace>
+  <inkml:trace contextRef="#ctx0" brushRef="#br0" timeOffset="18356">18691 2750 0,'-26'0'16,"52"0"31,0 0-16,0 0-31,-1 0 16,1 0-1,0 0-15,0 0 0,0 0 16,0-26-16,0 26 16,0 0-1,0-26 17,-26 0-17,0 0 1,0 0-1,-26 0-15,0 26 0,26-26 16,-26 1-16,0 25 0,0-26 16,0 26-16,0 0 15,0 26-15,1-1 0,-1 1 16,0 0-16,0 0 0,0 0 16,26 0-16,0 26 15,0-26-15,0 26 0,0-26 16,0-1-16,26 1 15,0 0-15,0 0 0,0 0 16,25 0-16,-25-26 16,26 0-16,-26 0 0,26 0 15,-26 0-15,26 0 0,-26 0 16,25-26-16,-25 0 16,0 26-16,0-26 0,0 0 15,-26 0-15,0 1 16,0-27-16,0 26 0,0-26 15,0-26 1,0 52-16,0 0 0,0 0 16,0 1-16,0-1 0,0 52 31,0-1-31,0 1 0,26 0 16,-26 26-16,26-26 0,-26 0 15,0 26-15,26-26 16,-26 0-16,26 0 0,0-1 15,0-25-15,-26 26 16,26-26-16,-1 0 0,1 0 16,0 0-16,0 0 0,0 0 15,0-26 1,0 26-16,-26-25 0,26 25 16,0-26-16,-26 0 15,26 26-15,-26-26 0,26 26 16,-26-26-16,26 26 15,-1 0 1,1 26 0,-26 0-1,26-26-15,0 0 16,-26 26-16,26-26 0,0 0 16,0 0-1,0-26-15,0 26 0,0-26 16,0 0-16,0 0 15,-1 0-15,1 0 0,0-26 16,-26 26-16,26 0 0,-26-25 16,0-1-16,-26 26 15,0 0-15,-25 0 0,25 0 16,-26 0-16,-26 26 0,26 0 16,0 0-16,-25 0 15,-1 0-15,26 26 0,0-26 16</inkml:trace>
+  <inkml:trace contextRef="#ctx0" brushRef="#br0" timeOffset="36394">2492 5238 0,'0'-26'16,"26"26"-16,-26-26 0,26 26 15,-26-26 1,26 26 0,-26 26 30,0 0-14,25 0-17,-25 0 1,26 0-16,-26 0 16,26 0-16,-26 0 15,0 25-15,26-25 0,-26 0 16,0 0-16,26 0 0,-26 0 15,0 0-15,0 0 16,26-26-16</inkml:trace>
+  <inkml:trace contextRef="#ctx0" brushRef="#br0" timeOffset="36707">2932 5394 0,'26'0'15,"0"0"32,-26-26-47,26 26 16,-26 26 31</inkml:trace>
+  <inkml:trace contextRef="#ctx0" brushRef="#br0" timeOffset="37618">3528 5108 0,'-25'0'16,"25"-25"-16,-26 25 15,26-26-15,-26 26 16,52 26-1,0-1 1,-1 1 0,1-26-16,0 26 0,0 0 15,0 0-15,0 0 0,0 0 16,0 0-16,0 0 16,0 0-16,0 0 0,-26 0 15,26-1-15,-26 1 16,26-26-16</inkml:trace>
+  <inkml:trace contextRef="#ctx0" brushRef="#br0" timeOffset="37894">3891 5083 0,'0'-26'0,"-26"26"47,26 26-47,0-1 15,-25 1 1,25 0-16,0 26 0,0-26 16,-26 0-16,26 0 15,0 0-15,0 0 0,0 0 16,0 0-16,0-1 15,26-25-15,-26 26 0,25-26 16</inkml:trace>
+  <inkml:trace contextRef="#ctx0" brushRef="#br0" timeOffset="38188">4254 5005 0,'-26'26'16,"0"-26"-16,26 26 16,0 0-1,-26-1-15,26 1 16,0 0-16,0 0 15,0 0-15,0 0 0,0 0 16,0 0-16,0 0 0,0 0 16,-25 0-16,25 0 15,0-1-15,0 1 16</inkml:trace>
+  <inkml:trace contextRef="#ctx0" brushRef="#br0" timeOffset="38662">4202 5057 0,'0'26'32,"26"-26"-17,-26 25-15,26-25 16,-26 26-16,26 0 0,0 0 15,0-26-15,-26 26 0,26 0 16,0 0-16,0-26 16,0 26-16,0-26 0,-1 0 15,-25 26-15,26-26 16,-26-26 0,26 0-1,-26 0 1,0 0-1,0 0-15,0 0 16,0 0-16,-26 0 0,26 1 16,0-1-16,0 0 0,0 0 15,0 0-15,0 0 16,0 0-16,0 52 31,0 0-15,26 0-1,-26 0 1,26-26-16,-26 26 16,0 0-1</inkml:trace>
+  <inkml:trace contextRef="#ctx0" brushRef="#br0" timeOffset="39838">2829 6093 0,'-26'-26'15,"0"1"-15,26-1 16,-26 26-16,26-26 16,-26 0-16,26 0 15,-26 26-15,26-26 0,0 0 16,0 0-16,0 0 15,26 0 1,0 26-16,0 0 16,0 0-16,26 0 15,-26 26-15,-1 0 0,27 0 16,-26 0-16,0 0 0,0 26 16,-26-26-16,26 25 15,-26-25-15,0 0 0,0 26 16,-26-26-16,26 0 15,-26 26-15,-26-26 0,26 0 16,0-26-16,1 26 0,-1-1 16,0-25-1,0 0-15,52-25 32,0-1-17,0 26-15,-1 0 0,1 0 16,0-26-16,0 26 15,0 0-15,0 0 0,0 0 16,0 26-16,0-26 16,0 0-16,-26 26 0,26-26 15,0 0-15,-26 25 0,25-25 16,-25 26 0</inkml:trace>
+  <inkml:trace contextRef="#ctx0" brushRef="#br0" timeOffset="40055">3580 6197 0,'-26'0'16,"0"0"-1,1 0 1,50 0 31</inkml:trace>
+  <inkml:trace contextRef="#ctx0" brushRef="#br0" timeOffset="41556">4280 5964 0,'0'-26'15,"26"26"-15,-26-26 16,0 0 0,0 0-1,-26 26 1,26-26-16,-26 26 15,0-26-15,0 26 0,0 0 16,1-26-16,-27 26 16,26 0-16,-26 0 0,26 26 15,-26 0-15,26-26 0,0 26 16,0 0-16,1 0 16,-1 0-16,26 0 0,0 0 15,0 0-15,26 0 16,-26-1-16,25 1 0,27-26 15,-26 26-15,26-26 0,-26 26 16,26-26-16,0 0 16,-1 0-16,-25 26 0,26-26 15,-26 0-15,0 0 16,0 26-16,0 0 16,-26 0-16,-26 0 15,0 0 1,0-26-16,0 26 0,-26 0 15,26-26-15,1 25 16,-27-25-16,26 0 0,0 26 16,0-26-16,0 0 0,0-26 15,26 1 1</inkml:trace>
+  <inkml:trace contextRef="#ctx0" brushRef="#br0" timeOffset="42041">4617 6042 0,'-26'0'0,"0"0"15,26 25-15,-26-25 0,0 0 16,52 0 15,0 0-15,0 0-1,0-25-15,0 25 16,-26-26-16,26 26 16,-26-26-16,26 26 15,-26-26-15,26 0 16,-26 0-1,-26 26-15,0-26 16,0 26-16,0 0 16,0 0-16,0 0 15,0 26-15,0-26 0,0 26 16,1-26-16,-1 26 16,26 0-16,0 0 15,0 0-15,0-1 0,26 1 16,-1 0-16,-25 0 15,26 0-15,0-26 0,0 26 16,26-26-16,-26 0 16,26 0-16,-26 0 0,26 0 15</inkml:trace>
+  <inkml:trace contextRef="#ctx0" brushRef="#br0" timeOffset="43476">5265 5782 0,'-26'0'15,"0"0"1,0-26-16,0 26 16,0 0-16,1 0 15,-1 0 1,26 26-16,-26-26 0,26 26 15,-26-26-15,26 26 16,0 0-16,-26 0 0,26 0 16,0 0-16,0 0 0,0 0 15,26 0-15,-26 0 16,26-1-16,0 1 16,0 0-16,-1-26 15,1 0-15,0 0 16,0 0-16,0-26 0,0 26 15,0-26-15,0 26 16,0-25-16,0-1 0,0 0 16,0 0-16,-26 0 0,25 0 15,-25 0-15,0 0 16,0 0-16,0 0 0,0 0 16,0 0-16,0 0 15,0 1-15,-25 25 16,25 25-1,0 1 1,0 0-16,25 0 16,-25 0-16,0 0 15,26 0-15,-26 0 0,26 0 16,-26 0-16,26 0 0,-26 0 16,26-26-1,0 0-15,-26 26 0,26-26 16,0 0-16,0-26 15,0 26-15,0-26 16,0 0 0,-26 0-16,25 26 15,-25-26-15,0 0 0,0 0 16,0 0-16,0 0 16,0 0-16,0 0 0,0 0 15,0 1 1,0 50-1,0 1 1,0 0 0,0 0-16,0 0 15,26-26-15,-26 26 0,0 0 16,26 0-16,0 0 16,0-26-1,-26 26-15,26-26 16,0 0-16,-26-26 15,26 26-15,-26-26 0,26 26 16,-26-26-16,0 0 16,26-26-16,-26 26 0,0 0 15,26-25-15,-26 25 0,0-26 16,0 26-16,0 0 16,0 0-16,0 0 0,-26 26 15,0 0 1,26 26-1,-26-26-15,26 26 16,0 0-16,0 0 16,26 0 15,0 0-31,0-26 0,0 0 0,-1 26 16,1-26-1,0 0-15,0 25 16,0-25-16,-26 26 15,26-26 1,-26 26-16,0 0 16,26 0-1,-26 0-15,0 0 16,26-26-16,-26 26 0,26-26 16,0 0-1,0 0 1,0-26-16,0 0 15,-1 26-15,1-26 16,-26 0-16,26 0 0,0 26 16,-26-26-16,26 0 15,0 1-15,-26-1 0,0 0 16,0 0-16,0-26 16,0 26-16,0 0 0,-26 0 15,0 0-15,26 0 0,-26 26 16,0 0-16,0 0 15,1 0-15,25 26 0,-26-26 16,26 26-16,-26 26 0,26-26 16,0 26-16,0-26 15,26 26-15,0-27 0,-1 1 16,1 26-16,0-52 16,0 26-16,0 0 0,0-26 15,0 0-15,0 0 0</inkml:trace>
+  <inkml:trace contextRef="#ctx0" brushRef="#br0" timeOffset="44548">6846 5471 0,'-52'26'16,"26"-26"-16,0 0 0,0 26 15,1-26 1,50 0 0,-25-26-16,52 26 0,-26-26 15,0 26-15,0-26 16,78 0-16,-78 26 15,25 0-15,-25-25 0,0 25 16,0 0-16,0 0 16</inkml:trace>
+  <inkml:trace contextRef="#ctx0" brushRef="#br0" timeOffset="44909">7572 5290 0,'-26'-26'16,"52"52"47,0 0-48,-26 0-15,26 26 0,-26-27 16,26 1-16,-26 26 15,25-26-15,-25 26 0,26-26 16,-26 0-16,26 0 0,-26 0 16</inkml:trace>
+  <inkml:trace contextRef="#ctx0" brushRef="#br0" timeOffset="45294">7442 5342 0,'-52'-26'15,"26"0"-15,0 0 0,1 26 16,25-26-16,0 0 16,0 0-16,25 26 15,1 0-15,26-26 16,-26 26-16,26 0 0,0 0 15,0 26-15,0-26 0,-27 26 16,27-26-16,0 26 16,0 0-16,-26 0 0,0 0 15,0 0-15,0 0 16,0 0-16,-26 25 0,0-25 16,0 0-16,-26 26 0,0-26 15,0 0-15,0 0 16,0 0-16,0 0 0,-26 0 15,26-26-15,0 25 16,0-25-16,1 0 0,-1 0 16,0-25-1</inkml:trace>
+  <inkml:trace contextRef="#ctx0" brushRef="#br0" timeOffset="45689">8427 5134 0,'-26'0'15,"0"0"-15,0 0 16,0-26-16,0 26 16,1 0-16,-1 0 15,0 0-15,0 26 16,0-26-16,26 26 0,-26-26 16,26 26-16,0 0 15,0 0-15,0 0 0,0 0 16,0 0-16,26 0 15,-26 26-15,26-27 0,0 1 16,0 0-16,0 0 0,-1 0 16,27-26-1,-26 0-15,0 0 0,0 0 16,0-26-16</inkml:trace>
+  <inkml:trace contextRef="#ctx0" brushRef="#br0" timeOffset="46067">8660 5083 0,'0'-26'16,"0"0"0,0 52 15,0 0-31,0-1 15,26 1-15,-26 26 16,26-26-16,0 0 16,-26 0-16,26 0 0,-26 0 15,26 0-15,-26 26 0,26-27 16,-26 1-16,0 0 16,26 0-16,0-26 31,0 0-31,0 0 0,-1-26 15,1 26-15,0-26 16,26 0-16,0 26 0,-26-25 16,26-1-16,0 26 0,-27 0 15,1-26-15,0 26 16</inkml:trace>
+  <inkml:trace contextRef="#ctx0" brushRef="#br0" timeOffset="49331">3140 7026 0,'-26'0'15,"26"-26"-15,-26 26 16,26-25 0,0-1-1,26 0 1,0 26-1,-26-26-15,26 26 0,0 0 16,-26-26-16,25 26 16,1 0-16,0-26 0,0 26 15,0 0-15,0 0 16,0 0-16,-26 26 16,26-26-16,-26 26 0,0 0 15,0 0 1,0 0-16,-26-1 15,0 1-15,0-26 16,26 26-16,-26 0 0,0 0 16,0-26-16,26 26 0,-26-26 15,26 26-15,-25-26 16,50-26 15,1 26-15,-26-26-16,26 26 15,0 0 1,0 0-16,0 0 0,0 26 16,0 0-16,0 0 15,-26 0-15,26 0 16,-26 0-16,26 0 0,-26 0 16,0-1-16,0 1 15,-26 0-15,26 0 0,-26-26 16,26 26-16,-26 0 15,0-26-15,0 0 0,0 26 16,0-26-16,0 0 0,0 0 16,0 0-16,1-26 15,-1 26-15,0-26 16,26 0-16,0 0 16</inkml:trace>
+  <inkml:trace contextRef="#ctx0" brushRef="#br0" timeOffset="49606">3788 7312 0,'0'-26'31,"0"0"-15,26 26 0,0 0-1</inkml:trace>
+  <inkml:trace contextRef="#ctx0" brushRef="#br0" timeOffset="50699">4410 6897 0,'26'-26'16,"-26"0"-16,0 0 16,26 26-16,-26-26 15,0 0 1,0 0-16,0 0 15,0 0 1,-26 26-16,0 0 16,0 0-1,0 0 1,26 26-16,-26 0 0,26 0 16,0 0-16,0 0 0,0 0 15,26 26-15,0-26 16,0 26-16,-26-27 0,26 27 15,0 0-15,-26-26 16,25 26-16,-25-26 0,26 26 16,-26-26-16,0 0 0,0-1 15,0 1-15,0 0 16,-26 0-16,1-26 16</inkml:trace>
+  <inkml:trace contextRef="#ctx0" brushRef="#br0" timeOffset="51149">4332 7052 0,'26'0'0,"0"-26"16,0 26-1,0 0-15,0-26 0,-1 26 16,1 0-16,0-25 15,26 25-15,-26 0 0,26-26 16,-26 26-16,26 0 0,-26-26 16,-1 26-16,1 0 15,0 0-15,-52 0 47,0 0-31,26-26-16,-25 26 15,-1 0 1,26-26 0,0 52-1,0 0-15,0 0 16,26 0 0,-1-1-16,-25 1 15,26-26-15,-26 26 16,26-26-16,-26 26 0,26-26 15,-26 26-15</inkml:trace>
+  <inkml:trace contextRef="#ctx0" brushRef="#br0" timeOffset="51413">4798 6715 0,'0'-26'0,"-25"26"16,50 0 15,-25 26-15,26-26-1,-26 26-15,26-26 0,0 26 16,0 0-16,0 0 15,-26 0 1,26 0-16,-26 0 0,26 0 16</inkml:trace>
+  <inkml:trace contextRef="#ctx0" brushRef="#br0" timeOffset="51688">5187 6715 0,'0'-26'0,"0"1"0,0-1 16,0 52 15,0-1-15,26 1-1,-26 0-15,26 0 0,0 0 16,0 0-16,-26 0 15,26 0-15,0 26 0,-26-26 16,26-26-16,-26 26 0,0-1 16,26-25-16,-26 26 15,-26 0 1</inkml:trace>
+  <inkml:trace contextRef="#ctx0" brushRef="#br0" timeOffset="52121">5265 6923 0,'0'-26'16,"26"26"-1,0-26 1,0 26 0,0 0-16,0 0 0,0 0 15,25 0-15,-25-26 16,26 26-16,0 0 0,0 0 15,0 0-15,-26-26 0,25 26 16,-25 0-16,0-26 16,0 26-16,-26-26 15,0 0 1,-26 26 0,0-26-16,0 0 15,0 26-15,1 0 16,-1 0-16,26-25 0,-26 25 15,0 0-15,0 25 16,26 1-16,0 0 16,0 0-16,0 0 15,26 0-15,0 0 16,0 0-16,25 0 16,-25 0-16,0-26 0,0 26 15,0-26-15,0 0 16,0 0-16,0-26 0</inkml:trace>
+  <inkml:trace contextRef="#ctx0" brushRef="#br0" timeOffset="52606">6198 6664 0,'-26'0'0,"0"0"16,0 0-16,0-26 15,26 0 17,26 26-1,0 0-16,-26 26 1,26-26-16,0 26 0,0-26 16,0 25-16,0 1 15,0-26-15,0 26 0,0-26 16,-26 26-16,26-26 16,-26 26-16,0 0 15,-26-26 1,0-26-1,0 0 1,26 0-16,0 0 16,0 0-16,0 1 0,0-1 15,26 0-15,0 0 16,0 0-16,-1 26 16,-25-26-16,26 26 0,0 0 15</inkml:trace>
+</inkml:ink>
+</file>
+
+<file path=ppt/ink/ink31.xml><?xml version="1.0" encoding="utf-8"?>
+<inkml:ink xmlns:inkml="http://www.w3.org/2003/InkML">
+  <inkml:definitions>
+    <inkml:context xml:id="ctx0">
+      <inkml:inkSource xml:id="inkSrc0">
+        <inkml:traceFormat>
+          <inkml:channel name="X" type="integer" max="1920" units="cm"/>
+          <inkml:channel name="Y" type="integer" max="1080" units="cm"/>
+          <inkml:channel name="T" type="integer" max="2.14748E9" units="dev"/>
+        </inkml:traceFormat>
+        <inkml:channelProperties>
+          <inkml:channelProperty channel="X" name="resolution" value="55.81395" units="1/cm"/>
+          <inkml:channelProperty channel="Y" name="resolution" value="55.6701" units="1/cm"/>
+          <inkml:channelProperty channel="T" name="resolution" value="1" units="1/dev"/>
+        </inkml:channelProperties>
+      </inkml:inkSource>
+      <inkml:timestamp xml:id="ts0" timeString="2020-11-20T19:08:40.616"/>
+    </inkml:context>
+    <inkml:brush xml:id="br0">
+      <inkml:brushProperty name="width" value="0.05" units="cm"/>
+      <inkml:brushProperty name="height" value="0.05" units="cm"/>
+      <inkml:brushProperty name="fitToCurve" value="1"/>
+    </inkml:brush>
+  </inkml:definitions>
+  <inkml:trace contextRef="#ctx0" brushRef="#br0">0 84 0,'0'-26'0,"0"0"31,26 26-31,-26-25 16,0 50 15,26-25-31,-26 26 0,0 0 16,26 0 0,-26 0-16,26 0 0,-26 0 15,26 0-15,-1 0 0,1 0 16,0 0-1,0-26-15,0 0 16,0 0-16,0 0 16,-26-26-16,26 26 15,-26-26-15,26 0 0,-26 0 16,0 0 0,0 0-16,0 0 0,0 0 15,-26 0 1,0 26-1,26 26-15,0 0 16,0 0-16,0 0 16,26 0-16,-26 26 0,0-26 15,26 26-15,-26-1 16,26-25-16,-26 26 0,0 0 16,0-26-16,26 0 0,-26 26 15,0-26-15,26 0 16</inkml:trace>
+  <inkml:trace contextRef="#ctx0" brushRef="#br0" timeOffset="284">726 369 0,'-26'26'15,"0"-26"-15,52 0 78,0 0-46</inkml:trace>
+  <inkml:trace contextRef="#ctx0" brushRef="#br0" timeOffset="476">1037 318 0,'0'25'16,"-26"-25"15,26-25-15,26 25 0,0 0-1</inkml:trace>
+  <inkml:trace contextRef="#ctx0" brushRef="#br0" timeOffset="660">1348 266 0,'26'0'15,"-26"-26"1,26 26-1,-26-26 17</inkml:trace>
+  <inkml:trace contextRef="#ctx0" brushRef="#br0" timeOffset="907">1892 136 0,'0'26'15,"26"-26"32,0-26-31,0 26-1,0 0 17</inkml:trace>
+</inkml:ink>
+</file>
+
+<file path=ppt/ink/ink32.xml><?xml version="1.0" encoding="utf-8"?>
+<inkml:ink xmlns:inkml="http://www.w3.org/2003/InkML">
+  <inkml:definitions>
+    <inkml:context xml:id="ctx0">
+      <inkml:inkSource xml:id="inkSrc0">
+        <inkml:traceFormat>
+          <inkml:channel name="X" type="integer" max="1920" units="cm"/>
+          <inkml:channel name="Y" type="integer" max="1080" units="cm"/>
+          <inkml:channel name="T" type="integer" max="2.14748E9" units="dev"/>
+        </inkml:traceFormat>
+        <inkml:channelProperties>
+          <inkml:channelProperty channel="X" name="resolution" value="55.81395" units="1/cm"/>
+          <inkml:channelProperty channel="Y" name="resolution" value="55.6701" units="1/cm"/>
+          <inkml:channelProperty channel="T" name="resolution" value="1" units="1/dev"/>
+        </inkml:channelProperties>
+      </inkml:inkSource>
+      <inkml:timestamp xml:id="ts0" timeString="2020-11-20T19:08:44.090"/>
+    </inkml:context>
+    <inkml:brush xml:id="br0">
+      <inkml:brushProperty name="width" value="0.05" units="cm"/>
+      <inkml:brushProperty name="height" value="0.05" units="cm"/>
+      <inkml:brushProperty name="fitToCurve" value="1"/>
+    </inkml:brush>
+  </inkml:definitions>
+  <inkml:trace contextRef="#ctx0" brushRef="#br0">390 519 0,'26'0'0,"-26"-26"16,0 0-1,26 0 1,-26 0-16,0 0 16,26 26-1,-26-26-15,0 1 0,0-1 16,0 0-16,-26 26 16,26-26-16,0 0 15,-26 26-15,26-26 16,-26 26-16,0 0 15,26 26-15,-26 0 0,0-26 16,0 26-16,0 0 0,0 0 16,26-1-16,-26 1 15,26 0-15,-25 0 0,25 0 16,0 0-16,25 0 0,1 0 16,0-26-1,0 26-15,0-26 16,0 0-16,0 0 15,0 0-15,0 0 16,0 0-16,0-26 16,0 0-1,-26 0-15,25 26 16,-25-26-16,0 0 16,0 0-16,0 0 15,0 0-15,-25 26 16,25-25-1,0 50 17,0 1-17,25 0 1,-25 0-16,0 0 16,26-26-16,-26 26 0,0 0 15,0 0-15,26-26 16,-26 26-16,26-26 15,-26 26-15,26-26 32,0-26-1,-26 0-15,0 0-16,0 0 15,0 0-15,0 0 16,0-26-16,0 26 0,0 1 15,-26-27-15,26 26 16,-26-26-16,0 26 0,26-26 16,-26 26-16,0 0 0,1 0 15,-1 1-15,0-1 16,0 26-16,0 0 0,0 0 16,-26 0-16,26 0 15,0 26-15,-26-26 0,27 25 16,-1 1-16,-26 0 0,26 0 15,0 0-15,26 0 16,-26 0-16,0 0 0,26 0 16,0 0-16,0 0 0,0 0 15,0 25-15,0-25 16,0 0-16,0 26 0,26-26 16,-26 0-16,0 0 15,26 26-15,-26-26 0,0-1 16,26 1-16,-26 0 0,0 0 15,26 0-15,-26 0 16,26 0-16,-26 0 0,26-26 16,0 26-16,-1 0 15,1-26-15,-26 26 0,26-26 16,0 26-16,0-26 0,0 0 16,0 0-16,0 0 15,0 0-15,0-26 0,0 26 16,0 0-16,25-26 15,-51 0-15,26 26 0,0-26 16,0 0-16,-26 0 16,0 0-1,0 0 17,-26 26-32</inkml:trace>
+</inkml:ink>
+</file>
+
+<file path=ppt/ink/ink33.xml><?xml version="1.0" encoding="utf-8"?>
+<inkml:ink xmlns:inkml="http://www.w3.org/2003/InkML">
+  <inkml:definitions>
+    <inkml:context xml:id="ctx0">
+      <inkml:inkSource xml:id="inkSrc0">
+        <inkml:traceFormat>
+          <inkml:channel name="X" type="integer" max="1920" units="cm"/>
+          <inkml:channel name="Y" type="integer" max="1080" units="cm"/>
+          <inkml:channel name="T" type="integer" max="2.14748E9" units="dev"/>
+        </inkml:traceFormat>
+        <inkml:channelProperties>
+          <inkml:channelProperty channel="X" name="resolution" value="55.81395" units="1/cm"/>
+          <inkml:channelProperty channel="Y" name="resolution" value="55.6701" units="1/cm"/>
+          <inkml:channelProperty channel="T" name="resolution" value="1" units="1/dev"/>
+        </inkml:channelProperties>
+      </inkml:inkSource>
+      <inkml:timestamp xml:id="ts0" timeString="2020-11-20T20:03:48.381"/>
+    </inkml:context>
+    <inkml:brush xml:id="br0">
+      <inkml:brushProperty name="width" value="0.05" units="cm"/>
+      <inkml:brushProperty name="height" value="0.05" units="cm"/>
+      <inkml:brushProperty name="fitToCurve" value="1"/>
+    </inkml:brush>
+  </inkml:definitions>
+  <inkml:trace contextRef="#ctx0" brushRef="#br0">494 210 0,'0'-26'0,"26"26"15,-26-26-15,26 26 0,-26-26 16,26 26-16,-26-26 16,-26 26 15,0 0-31,0 26 15,-26-26-15,0 26 0,1 26 16,-1-26-16,-26 0 16,26 25-16,0 1 0,26 0 15,-25 0-15,25 0 16,26-26-16,0 25 0,26 1 16,-1-26-16,27 0 0,0 26 15,26-26-15,0-26 16,-1 26-16,27-26 0,0 0 15,-27 0-15,27 0 16,0-26-16,-1 0 0,-25 0 16,0 0-16,-26 0 0,0-26 15,-26 1-15,0-1 16,-26 0-16,0-26 0,-26 26 16,0-25-16,-26 25 15,26-26-15,-26 26 0,0 26 16,0 0-16,1 0 0,-1 26 15,0 26-15,0 0 16</inkml:trace>
+  <inkml:trace contextRef="#ctx0" brushRef="#br0" timeOffset="659">520 728 0,'0'26'0,"26"0"16,-26 0-1,0 0-15,-26 0 0,26 25 16,-26 1-16,0 0 0,-26-26 16,26 26-16,0 0 15,-25 0-15,25-27 0,-26 27 16,26-26-16,0 0 16,0 0-16,0 0 0,0 0 15,26 0-15,0 0 0,0 0 16,26-26-1,0 0-15,0 0 16,26 0-16,-26 0 16,26 0-16,-1 0 0,1 0 15,0 0-15,0 0 0,0 0 16,0 0-16,-1 0 16,1 0-16,0 0 0,0 0 15,0-26-15,-26 26 16,0 0-16,25 0 0,-25 0 15,-26-26-15,26 26 0,-26-26 16,0 0 0,0 0-16,0 0 15,-26-26-15,26 26 16,-26 0-16,1-25 0,25-1 16,-26 26-16,0-26 0,0 0 15,0 0-15,26 26 16,-26-25-16,0 25 0,26 0 15,-26 0 1,0 52 0,26 0-1</inkml:trace>
+  <inkml:trace contextRef="#ctx0" brushRef="#br0" timeOffset="2081">2619 80 0,'26'-26'0,"-26"0"31,26 26-31,-52 26 31,0-26-31,0 26 0,1 0 16,-1 26-16,-26-26 15,26 26-15,-26 25 0,26-25 16,0 0-16,0 26 16,26-26-16,0-1 0,0-25 15,26 26-15,0-26 0,26 0 16,-26 0-16,52 0 16,-27-26-16,27 0 0,-26 0 15,26 0-15,0-26 16,-1 26-16,-25-26 0,26-26 15,-52 26-15,26-26 0,-26-25 16,-1 25-16,-25-26 16,0 26-16,-25-25 0,25 25 15,-26 0-15,-26 0 0,26 26 16,-26 0-16,0 26 16,26 0-16,-26 0 0,1 26 15</inkml:trace>
+  <inkml:trace contextRef="#ctx0" brushRef="#br0" timeOffset="2645">2723 780 0,'0'26'0,"-26"-26"0,0 0 15,0 0 1,26 26-16,-26 0 0,0 0 16,1-1-16,-1 1 15,-26 26-15,26-26 0,-26 26 16,0 0-16,0 0 0,26-1 16,-25-25-16,25 26 15,0-26-15,26 0 0,-26 26 16,26-26-16,26 0 15,-26 0-15,26-26 16,0 0-16,-1 26 0,1-26 16,0 0-16,26 0 15,-26 0-15,26 0 0,0 0 16,0 0-16,-1-26 0,1 26 16,0 0-16,26 0 15,-26 0-15,0 0 0,-1 0 16,1-26-16,0 26 15,0 0-15,-26 0 0,0-26 16,0 26-16,-26-26 0,0 0 16,0 0-16,0 0 15,0 0-15,-26-26 0,0 1 16,0-1-16,0 26 16,0-26-16,0 0 0,0 0 15,0 26-15,0-25 0,-25 25 16,51 0-16,-26 0 15,0 26-15,0 0 0,0 0 16,0 0-16</inkml:trace>
+  <inkml:trace contextRef="#ctx0" brushRef="#br0" timeOffset="3203">4719 132 0,'-26'-26'0,"0"26"16,0 0-16,0 0 15,0 0-15,-26 0 0,26 26 16,-25 0-16,25 0 0,-26 0 15,26 26-15,-26-1 16,26 1-16,0 0 0,26 0 16,0 0-16,26 0 15,-26-1-15,52 1 0,0 0 16,0-26-16,-1 0 0,27 0 16,-26 0-16,26 0 15,0-26-15,-1 0 0,27-26 16,-26 0-16,0 0 0,-27 0 15,27 0-15,-26-26 16,0 0-16,0 1 0,-26-27 16,-26 26-16,0 0 15,0 0-15,-26 0 0,-26 1 16,26 25-16,-26 0 0,0 0 16,0 26-16,1 0 15</inkml:trace>
+  <inkml:trace contextRef="#ctx0" brushRef="#br0" timeOffset="3820">4796 858 0,'0'26'15,"-25"-1"17,25 1-17,-26 0-15,0 0 0,0 0 16,0 26-16,-26 0 16,26-26-16,-26 26 0,26-1 15,0-25-15,-25 26 16,25-26-16,0 26 0,0-26 15,26 26-15,-26-26 0,26 0 16,-26-1-16,26 1 16,0 0-16,26-26 15,-26 26-15,26-26 16,26 0-16,-26 0 0,25 0 16,-25 0-16,26 0 0,26 0 15,-26-26-15,0 26 16,-1 0-16,27 0 0,-26 0 15,0 0-15,0 0 16,0 0-16,-1 0 0,-25-26 16,0 26-16,26 0 0,-52-26 15,26 1-15,0 25 16,-26-26-16,0 0 0,0 0 16,0 0-16,0 0 0,0 0 15,-26 0-15,0 0 16,26-26-16,-26 26 0,0-25 15,0-1-15,0 0 16,1 26-16,-1-26 0,-26 26 16,26-26-16,0 26 15,0 1-15,26-1 16,-26 26-16</inkml:trace>
+</inkml:ink>
+</file>
+
+<file path=ppt/ink/ink34.xml><?xml version="1.0" encoding="utf-8"?>
+<inkml:ink xmlns:inkml="http://www.w3.org/2003/InkML">
+  <inkml:definitions>
+    <inkml:context xml:id="ctx0">
+      <inkml:inkSource xml:id="inkSrc0">
+        <inkml:traceFormat>
+          <inkml:channel name="X" type="integer" max="1920" units="cm"/>
+          <inkml:channel name="Y" type="integer" max="1080" units="cm"/>
+          <inkml:channel name="T" type="integer" max="2.14748E9" units="dev"/>
+        </inkml:traceFormat>
+        <inkml:channelProperties>
+          <inkml:channelProperty channel="X" name="resolution" value="55.81395" units="1/cm"/>
+          <inkml:channelProperty channel="Y" name="resolution" value="55.6701" units="1/cm"/>
+          <inkml:channelProperty channel="T" name="resolution" value="1" units="1/dev"/>
+        </inkml:channelProperties>
+      </inkml:inkSource>
+      <inkml:timestamp xml:id="ts0" timeString="2020-11-20T20:03:53.168"/>
+    </inkml:context>
+    <inkml:brush xml:id="br0">
+      <inkml:brushProperty name="width" value="0.05" units="cm"/>
+      <inkml:brushProperty name="height" value="0.05" units="cm"/>
+      <inkml:brushProperty name="fitToCurve" value="1"/>
+    </inkml:brush>
+  </inkml:definitions>
+  <inkml:trace contextRef="#ctx0" brushRef="#br0">803 52 0,'-26'0'0,"-26"0"0,0 0 16,1 26-16,-1 0 0,0 0 16,0 0-16,-26 0 15,52 26-15,-25 0 0,25-27 16,0 27-16,0 0 0,26 0 15,0 0-15,26 0 16,26 0-16,-1-1 0,1-25 16,0 0-16,26 0 15,0-26-15,25 0 0,-25 0 16,0-26-16,26 0 0,-27-26 16,-25 1-16,26-1 15,-26 0-15,0-26 0,-27 0 16,1 27-16,-26-27 15,0 26-15,0 0 0,0 26 16,-26-26-16,-25 26 0,25 26 16,-26 0-16,0 0 15,0 0-15</inkml:trace>
+  <inkml:trace contextRef="#ctx0" brushRef="#br0" timeOffset="708">622 700 0,'-26'0'16,"26"26"-1,0 0 1,0 0-16,-26 0 16,26 0-16,-26 26 0,0 0 15,0-1-15,0 27 16,-26-26-16,26 0 0,-25 26 16,-1-27-16,0 1 0,0 0 15,26 0-15,-26-26 16,26 26-16,0-26 0,1-1 15,-1 1-15,26 0 16,26-26 0,-1 0-16,27-26 15,-26 26-15,0 0 16,26-26-16,0 26 0,0 0 16,-1 0-16,1 0 15,0-25-15,0 25 0,26 0 16,-26 0-16,-1 0 0,1 25 15,-26-25-15,26 0 16,-26 0-16,26 0 0,-26-25 16,0 25-16,-26-26 15,26 26-15,-26-26 0,0 0 16,0 0-16,0-26 0,0 26 16,0-26-16,0 0 15,-26 1-15,26-1 0,-26 0 16,26 0-16,-26 26 0,0-26 15,26 26-15,-26-25 16,0 25-16,0 0 0,0 0 16,0 0-1,0 26-15,0 0 16,26-26 0,-26 26-16</inkml:trace>
+  <inkml:trace contextRef="#ctx0" brushRef="#br0" timeOffset="1392">2954 78 0,'-26'0'15,"0"-26"-15,-25 26 16,25 0-16,-26 0 0,0 26 16,0-26-16,26 26 0,-26 0 15,1 0-15,-1 0 16,26 26-16,0 0 0,-26-27 15,52 27-15,-26 0 16,26 0-16,0 0 0,26-26 16,0 26-16,26-26 0,-26-1 15,26 1-15,-1-26 16,1 26-16,0-26 0,26-26 16,-26 26-16,0-26 15,25 1-15,-25-27 0,0 26 16,-26-26-16,0 0 0,0 0 15,0 0-15,0 1 16,-26-1-16,0 0 0,0 0 16,-26 26-16,0 0 15,0 26-15,-26 26 16,26-26-16</inkml:trace>
+  <inkml:trace contextRef="#ctx0" brushRef="#br0" timeOffset="2046">2825 778 0,'0'26'0,"-26"-26"0,26 26 15,-26 0-15,0 0 0,-26 26 16,26-1-16,-26 1 16,1 0-16,-1 26 0,0-26 15,26 25-15,-26-25 0,0 0 16,26 0-16,0 0 16,1 0-16,25-1 0,-26-25 15,26 0-15,0 0 16,0 0-16,0 0 0,26-26 15,-26 26-15,25-26 0,1 0 16,0-26-16,26 26 16,0-26-16,-26 26 0,26-26 15,0 26-15,25-26 0,-25 26 16,0-26-16,0 26 16,0 0-16,-1 0 0,1 0 15,0 0-15,0 0 16,0 0-16,-26 0 0,26 0 15,-27 0-15,1 0 0,0 0 16,-26-26-16,26 0 16,-26 1-16,0-1 15,0-26-15,0 26 16,-26-26-16,0 0 0,26 0 16,-26 1-16,1-1 15,-1-26-15,0 26 0,0 0 16,0 0-16,26 27 0,-26-27 15,0 26-15,0 0 16,0 0-16,0 26 16,0 0-1,26-26-15,-26 26 16,1 0 15</inkml:trace>
+  <inkml:trace contextRef="#ctx0" brushRef="#br0" timeOffset="2754">4846 311 0,'-26'0'0,"1"0"0,-1 0 16,-26 0-16,0 26 16,-26-26-16,26 26 0,0 0 15,-25 0-15,25 0 16,26 0-16,-26 0 0,26 0 16,0 0-16,26 26 0,-26-1 15,26-25-15,26 26 16,0 0-16,0 0 0,0 0 15,26 0-15,-26-27 0,26 1 16,-1 0-16,1-26 16,0 0-16,26 0 0,-26-26 15,0 0-15,-1 1 16,1-27-16,0 26 0,0-26 16,0 0-16,-26-26 15,26 27-15,-52-1 0,25-26 16,-25 26-16,0 0 0,-25 26 15,-1-26-15,0 27 16,0 25-16,0-26 0,-26 26 16,0 0-16,26 26 15,-26-1-15,1 1 0</inkml:trace>
+  <inkml:trace contextRef="#ctx0" brushRef="#br0" timeOffset="3311">4587 1089 0,'-26'26'15,"26"0"-15,-26 0 0,0 0 16,26 26-16,-26-27 15,1 27-15,-27 0 0,26 0 16,0 0-16,-26 0 0,26-1 16,0 1-16,-26-26 15,26 26-15,26-26 0,-25 0 16,25 0-16,0 0 16,0 0-16,25-26 15,1 0-15,26 0 16,-26-26-16,26 26 15,0 0-15,26-26 0,-27 26 16,1 0-16,0 0 16,0 0-16,0-26 0,0 26 15,-26 0-15,25 0 0,-25-26 16,26 26-16,-26-26 16,0 0-16,0 0 0,0 0 15,0-26-15,0 27 16,-26-27-16,26 0 0,-26 0 15,0 0-15,0 0 0,-26 26 16,0-25-16,0 25 16,26 0-16,-26 0 0,0 26 15,0-26-15,-26 26 16,26 0-16,0-26 0,0 26 16,1 0-16,-1 0 15</inkml:trace>
+  <inkml:trace contextRef="#ctx0" brushRef="#br0" timeOffset="4206">1943 2333 0,'0'-26'0,"26"26"16,-26-26-16,0 0 15,-26 0 1,1 26-16,-1 0 16,0 0-16,-26 0 15,0 0-15,-26 0 0,26 26 16,-25-26-16,-1 26 16,0-26-16,0 0 0,1 26 15,-1 0-15,0 0 16,26 0-16,-25 26 0,25-26 15,0 26-15,26-1 0,-26 1 16,26 26-16,26-26 16,0 26-16,0-27 0,26 1 15,0 26-15,0-26 16,26 0-16,0-26 0,0 25 16,25-25-16,-25 0 0,26-26 15,0 0-15,-1 0 16,1 0-16,0-26 0,0 0 15,25-25-15,-25 25 16,0-52-16,0 26 0,-27-26 16,1 1-16,0 25 0,-26-26 15,-26 0-15,0 26 16,0 1-16,-26 25 0,0 0 16,-26 0-16,0 0 0,-25 26 15,25 0-15,-26 26 16,26-26-16,-25 26 0,25 0 15,0 0-15</inkml:trace>
+  <inkml:trace contextRef="#ctx0" brushRef="#br0" timeOffset="4836">1114 3137 0,'0'26'16,"-26"25"-16,0-25 0,26 26 16,-26 0-16,0 0 15,-25 0-15,25 25 0,-26-25 16,26 0-16,0 0 15,-26 0-15,26 0 0,0-1 16,0 1-16,0 0 0,26 0 16,-25-26-16,25 0 15,0 26-15,0-27 16,0 1-16,25-26 16,1 0-16,0-26 15,0 26-15,26 0 0,-26-25 16,26 25-16,0-26 15,25 26-15,-25 0 0,0 0 16,26-26-16,-26 26 16,0 0-16,25 0 0,-25 0 15,0 0-15,0-26 16,-26 26-16,0-26 0,0 26 16,-1-26-16,1 0 0,-26 0 15,0 0-15,0 0 16,0 0-16,-26 0 0,26-25 15,-25 25-15,-1-26 0,26 26 16,-26-26-16,0 26 16,0-26-16,0 1 0,0 25 15,0 0-15,0 0 16,0 0-16,26 0 0,-26 0 16,0 26-16,1-26 0,-1 26 15,26-26 1</inkml:trace>
+  <inkml:trace contextRef="#ctx0" brushRef="#br0" timeOffset="5454">3887 2307 0,'-26'0'0,"1"-26"0,-1 26 16,-26 0-16,0 0 15,0 0-15,0 0 0,0 26 16,1-26-16,-1 26 15,0 0-15,0 0 0,26 26 16,-26-26-16,26 26 0,0-1 16,26 27-16,-25-26 15,25 0-15,0 0 0,25-1 16,1 1-16,0 0 16,0-26-16,26 26 0,-26-26 15,26-26-15,0 0 0,25 0 16,-25 0-16,26-26 15,-26 0-15,26 0 0,-1-26 16,1 0-16,-26 1 16,0-1-16,0-26 0,-26 26 15,-1 0-15,1 0 0,-26 1 16,0-1-16,0 26 16,-26 0-16,1 0 0,-1 26 15,0-26-15,-26 26 16,0 0-16,26 26 0,-26-26 15,0 26-15</inkml:trace>
+  <inkml:trace contextRef="#ctx0" brushRef="#br0" timeOffset="6054">3447 3214 0,'-26'26'0,"26"0"0,-26 0 16,0 26-16,0 0 0,0 0 16,-26-1-16,26 1 0,-25 0 15,25 0-15,-26 0 16,0 0-16,26-1 0,-26-25 15,26 26-15,0-26 16,0 26-16,26-26 0,-25 0 16,25 0-16,0 0 15,25 0-15,1-26 16,26 25-16,-26-25 16,0 0-16,26 0 15,-26 0-15,26 0 0,-26-25 16,25 25-16,1 0 15,0 0-15,0 0 0,0 0 16,0 0-16,25 0 0,-25 0 16,0-26-16,0 26 15,0 0-15,-26 0 0,25-26 16,-25 26-16,-26-26 0,26 0 16,0 26-16,-26-26 15,0 0-15,0-26 0,0 26 16,0-26-16,0 27 15,0-27-15,0 0 0,0 0 16,0 0-16,0 0 0,-26 1 16,26 25-16,0-26 15,-26 26-15,0 0 0,1 0 16,-1 0-16,0 0 16,0 0-16,0 26 0,0-26 15,0 26-15</inkml:trace>
+</inkml:ink>
+</file>
+
+<file path=ppt/ink/ink35.xml><?xml version="1.0" encoding="utf-8"?>
+<inkml:ink xmlns:inkml="http://www.w3.org/2003/InkML">
+  <inkml:definitions>
+    <inkml:context xml:id="ctx0">
+      <inkml:inkSource xml:id="inkSrc0">
+        <inkml:traceFormat>
+          <inkml:channel name="X" type="integer" max="1920" units="cm"/>
+          <inkml:channel name="Y" type="integer" max="1080" units="cm"/>
+          <inkml:channel name="T" type="integer" max="2.14748E9" units="dev"/>
+        </inkml:traceFormat>
+        <inkml:channelProperties>
+          <inkml:channelProperty channel="X" name="resolution" value="55.81395" units="1/cm"/>
+          <inkml:channelProperty channel="Y" name="resolution" value="55.6701" units="1/cm"/>
+          <inkml:channelProperty channel="T" name="resolution" value="1" units="1/dev"/>
+        </inkml:channelProperties>
+      </inkml:inkSource>
+      <inkml:timestamp xml:id="ts0" timeString="2020-11-20T20:04:22.158"/>
+    </inkml:context>
+    <inkml:brush xml:id="br0">
+      <inkml:brushProperty name="width" value="0.05" units="cm"/>
+      <inkml:brushProperty name="height" value="0.05" units="cm"/>
+      <inkml:brushProperty name="fitToCurve" value="1"/>
+    </inkml:brush>
+  </inkml:definitions>
+  <inkml:trace contextRef="#ctx0" brushRef="#br0">4077 479 0,'-26'0'15,"1"0"1,-1 0-1,0 0-15,0 0 16,0 0-16,-26 0 0,0 0 16,0 0-16,0 0 15,1 0-15,-27-26 0,0 26 16,-26 0-16,27 0 0,-53 0 16,26 0-16,-25 0 15,-1 0-15,1-26 0,-1 26 16,-25 0-16,25 0 15,0-26-15,-25 26 0,25-26 16,1 26-16,-1-26 0,-25 26 16,25-26-16,26 26 15,-25 0-15,-1-26 0,26 26 16,27 0-16,-27-25 16,26 25-16,26 0 0,1 0 15,-1 0-15,26 0 0,0 0 16,0 0-1,0 0 1,0 25 0,0-25-1,0 0 1,0 0 0,1 0-16,-1 0 0,0 0 15,0 0 1,0 0-16</inkml:trace>
+  <inkml:trace contextRef="#ctx0" brushRef="#br0" timeOffset="618">527 38 0,'0'-26'0,"25"26"0,-50 0 47,-1 0-31,0 26-16,0-26 0,0 26 15,0-26-15,-26 26 16,26 0-16,-26-26 0,26 26 16,-25-26-16,25 26 15,0-26-15,0 26 0,0-26 16,0 0-16,26 26 15,-26-26-15,26 26 32,-26-26-32,26 26 15,0-1-15,0 1 16,26 0-16,-26 0 16,26 0-1,-26 0-15,26-26 16,-26 26-16,26-26 15,-26 26-15,26-26 0,-26 26 16,26 0-16,0-26 0,-26 26 16,26-26-16,-1 26 15,1-26 1,-26 25-16,26-25 16,-26 26-1,26-26 16,-26 26-15,26-26 0</inkml:trace>
+  <inkml:trace contextRef="#ctx0" brushRef="#br0" timeOffset="1523">3689 64 0,'25'0'62,"1"26"-46,0-26-16,26 26 15,-26 0-15,26-26 0,0 26 16,-26 0-16,26 0 0,-1-26 16,-25 26-16,0 0 15,0-1-15,0-25 0,0 26 16,0 0 0,-26 0-16,0 0 15,0 0 1,-26-26-16,0 26 15,0-26-15,0 26 0,0 0 16,0-26-16,-25 26 16,25 0-16,0 0 0,0-1 15,0 1-15,0 0 0,0 0 16,26 0 0,-26-26-16,26 26 0,0 0 31,26-26-31,0 0 47</inkml:trace>
+</inkml:ink>
+</file>
+
+<file path=ppt/ink/ink36.xml><?xml version="1.0" encoding="utf-8"?>
+<inkml:ink xmlns:inkml="http://www.w3.org/2003/InkML">
+  <inkml:definitions>
+    <inkml:context xml:id="ctx0">
+      <inkml:inkSource xml:id="inkSrc0">
+        <inkml:traceFormat>
+          <inkml:channel name="X" type="integer" max="1920" units="cm"/>
+          <inkml:channel name="Y" type="integer" max="1080" units="cm"/>
+          <inkml:channel name="T" type="integer" max="2.14748E9" units="dev"/>
+        </inkml:traceFormat>
+        <inkml:channelProperties>
+          <inkml:channelProperty channel="X" name="resolution" value="55.81395" units="1/cm"/>
+          <inkml:channelProperty channel="Y" name="resolution" value="55.6701" units="1/cm"/>
+          <inkml:channelProperty channel="T" name="resolution" value="1" units="1/dev"/>
+        </inkml:channelProperties>
+      </inkml:inkSource>
+      <inkml:timestamp xml:id="ts0" timeString="2020-11-20T20:04:34.028"/>
+    </inkml:context>
+    <inkml:brush xml:id="br0">
+      <inkml:brushProperty name="width" value="0.05" units="cm"/>
+      <inkml:brushProperty name="height" value="0.05" units="cm"/>
+      <inkml:brushProperty name="fitToCurve" value="1"/>
+    </inkml:brush>
+  </inkml:definitions>
+  <inkml:trace contextRef="#ctx0" brushRef="#br0">4380 0 0,'-26'0'15,"0"0"-15,-26 0 0,0 0 16,1 0-16,-27 26 15,-26-26-15,-25 26 0,-1-26 16,-26 26-16,1 0 16,-27 0-16,1 25 0,0-25 15,-1 0-15,-25 0 16,25 26-16,-25-26 0,26 26 16,-1-26-16,1 0 0,25 0 15,1-1-15,-1 1 16,53 0-16,-1 0 0,0-26 15,26 26-15,27-26 0,-1 26 16,0-26-16,26 0 16,26 26-16,-26-26 0,0 0 15</inkml:trace>
+  <inkml:trace contextRef="#ctx0" brushRef="#br0" timeOffset="606">725 104 0,'-26'0'46,"1"26"-46,25 0 0,-26-1 16,0 1-16,-26 0 0,26 26 16,-26 0-16,0 0 15,26 0-15,-25-1 0,-1 1 16,0-26-16,0 26 0,0 0 16,26-26-16,0 26 15,0-26-15,1-1 0,-1-25 16,26 26-16,0 0 15,-26 0-15,26 0 16,0 0-16,26-26 16,-26 26-16,26-26 15,-1 26-15,1 0 16,26-26 0,-26 26-16,0-26 0,0 26 15,26-26-15,-26 26 0,26-26 16,-27 26-16,27-26 15,-26 25-15,0-25 0,0 26 16,0-26 0,0 0 15,0 0 47,-26 26-78</inkml:trace>
+</inkml:ink>
+</file>
+
+<file path=ppt/ink/ink37.xml><?xml version="1.0" encoding="utf-8"?>
+<inkml:ink xmlns:inkml="http://www.w3.org/2003/InkML">
+  <inkml:definitions>
+    <inkml:context xml:id="ctx0">
+      <inkml:inkSource xml:id="inkSrc0">
+        <inkml:traceFormat>
+          <inkml:channel name="X" type="integer" max="1920" units="cm"/>
+          <inkml:channel name="Y" type="integer" max="1080" units="cm"/>
+          <inkml:channel name="T" type="integer" max="2.14748E9" units="dev"/>
+        </inkml:traceFormat>
+        <inkml:channelProperties>
+          <inkml:channelProperty channel="X" name="resolution" value="55.81395" units="1/cm"/>
+          <inkml:channelProperty channel="Y" name="resolution" value="55.6701" units="1/cm"/>
+          <inkml:channelProperty channel="T" name="resolution" value="1" units="1/dev"/>
+        </inkml:channelProperties>
+      </inkml:inkSource>
+      <inkml:timestamp xml:id="ts0" timeString="2020-11-20T20:03:41.183"/>
+    </inkml:context>
+    <inkml:brush xml:id="br0">
+      <inkml:brushProperty name="width" value="0.05" units="cm"/>
+      <inkml:brushProperty name="height" value="0.05" units="cm"/>
+      <inkml:brushProperty name="fitToCurve" value="1"/>
+    </inkml:brush>
+  </inkml:definitions>
+  <inkml:trace contextRef="#ctx0" brushRef="#br0">286 3191 0,'0'-26'0,"0"52"62,-26 0-46,26 0-16,-26 26 0,26-26 15,0 25-15,-26 1 16,26 0-16,-26 0 0,26 26 16,0-27-16,0 27 0,-25 0 15,25 0-15,0 25 16,-26-25-16,26 26 0,0 0 16,-26-1-16,26-25 15,0 26-15,-26-1 0,26 1 16,0-26-16,-26-1 0,26 1 15,0-26-15,0 26 16,-26-26-16,26 0 0,0-27 16,0 27-16,-26-26 15,26 0-15,0 0 0,0 0 16,0 0 0,26-26 109,0 0-125,0 0 15,0 0-15,0 0 0,25 0 16,1 0-16,0 0 15,26 0-15,26 0 0,-27-26 16,53 26-16,0-26 0,25 26 16,1-26-16,-1 26 15,52-26-15,-25 26 0,25-26 16,1 26-16,-1-26 16,0 26-16,-25-26 0,-1 26 15,0 0-15,-51 0 0,0 0 16,-27 0-16,-25 0 15,0 0-15,-26 0 0,-26 0 16,0 0-16,-1 0 16,-25-25 46,26 25-46,0 0 15,0 0 0,0-26-15,0 26 0,0 0-1,-26-26-15,26 26 16,0-26-16,0 0 15,0 0-15,0 0 16,-1 0-16,27-26 16,0 0-16,0-25 0,26-1 15,-1-26-15,1 1 16,26-1-16,0-26 0,-1 1 16,1-1-16,0 1 15,-1 25-15,-25 0 0,0 0 16,0 27-16,-27 25 0,27-26 15,-52 52-15,26-26 16,-26 26-16,0 1 0,0-1 16,0 0-16,-1 0 0,1 0 15,-26 0 1,0 0-16,26 0 16,-26 0-1,0 0-15,0 0 31,0 0 1,0 1-17,0-1 1,26 26 0,-26-26-1,26 26 1,-26-26-1,0 0 1,26 26-16,-26-26 16,0 0 15,-26 26 0,0 0-15,0 0-16,0 0 15,-25 26-15,25-26 16,-26 0-16,0 26 0,-26-26 16,-25 26-16,-1-26 15,0 0-15,-25 26 0,-27-26 16,-25 0-16,-1 26 16,1-26-16,-27 0 0,27 0 15,-26 0-15,25 0 16,-25 0-16,25 0 0,-25 0 15,26 0-15,-27 0 0,27 0 16,25 26-16,-25-26 16,51 0-16,-25 25 0,25-25 15,27 26-15,-1-26 0,0 26 16,27-26-16,-1 26 16,0 0-16,0-26 0,1 0 15,-1 26-15,26-26 16,-26 26-16,0-26 0,27 0 15,-1 0-15,0 26 0,0-26 16,0 0-16,26 0 16,0 0-16,0 26 0,1-26 15,-1 0-15,0 0 16,0 0 0,52 0 30,0 0-30,0 0 0,-1 0-1</inkml:trace>
+  <inkml:trace contextRef="#ctx0" brushRef="#br0" timeOffset="685">1504 3787 0,'0'-26'0,"-26"0"0,26 0 15,-26 0-15,1 0 0,-1 26 16,0-25-16,0-1 16,0 26-16,-26 0 0,0 0 15,0 0-15,1 26 0,-1-1 16,-26 1-16,26 26 15,0-26-15,-25 26 0,25-26 16,26 26-16,0-26 16,26 26-16,0-27 0,26 27 15,26-26-15,-26 0 16,51 0-16,-25 26 0,26-26 16,0-26-16,-1 26 0,1 0 15,-26 0-15,0-1 16,0 1-16,-1 0 0,-25 0 15,0 26-15,-26-26 16,0 0-16,0 0 0,-26 0 16,0 0-16,-25 25 0,25-25 15,-26 0-15,0 0 16,-26 0-16,26-26 0,1 26 16,-1 0-16,0-26 0,26 0 15,-26 0-15,26 0 16,0 0-16,0-26 0,1 26 15</inkml:trace>
+  <inkml:trace contextRef="#ctx0" brushRef="#br0" timeOffset="1333">2282 3735 0,'-26'-26'15,"0"52"1,26 0-1,0 0-15,0 0 0,-26 0 16,26 26-16,-26 0 0,26-1 16,-26 1-16,26 26 15,0-26-15,-26 0 0,0 0 16,26-1-16,-25 1 16,25-26-16,0 0 0,-26 0 15,26 0-15,-26-26 16,26-26-1,0-26 1,0 26-16,0-26 16,-26 1-16,26-27 0,0 26 15,0-26-15,26 0 0,0 1 16,-26-1-16,26 0 16,-1 0-16,1 27 0,26-1 15,-26 0-15,26 26 0,-26 0 16,26 0-16,-26 0 15,25 26-15,1 0 0,-26 0 16,26 26-16,-26 0 16,26 0-16,-26 0 0,0 26 15,0 0-15,-1-1 16,-25 27-16,26-26 0,-26 26 16,26-26-16,-26 25 0,26-25 15,-26 26-15,26-26 16,-26 0-16,26-1 0,-26 1 15,0-26-15,0 26 0,0-26 16,-26-26-16</inkml:trace>
+  <inkml:trace contextRef="#ctx0" brushRef="#br0" timeOffset="1526">2100 3994 0,'26'-25'16,"0"-1"-16,0 0 15,0 26-15,26-26 16,0 26-16,0-26 0,-1 26 16,1-26-16,26 26 15</inkml:trace>
+  <inkml:trace contextRef="#ctx0" brushRef="#br0" timeOffset="2065">3293 3554 0,'0'-26'0,"0"52"31,0 0-15,0 0-16,0 25 0,0-25 16,0 26-16,0 0 15,0 0-15,26 26 0,-26-26 16,0-1-16,0 27 16,26-26-16,-26 0 0,0 0 15,0-26-15,0 25 0,0-25 16,0 0-16,0 0 15,0 0-15,0-52 16,0-26 0,-26 26-16,26-25 15,0-1-15,-26 0 0,26-26 16,-26 0-16,26 1 16,0-1-16,0 0 0,0 0 15,0 1-15,0 25 16,26 0-16,0 0 0,0 26 15,-1 0-15,27 0 0,-26 26 16,26 0-16,0 0 16,-26 0-16,26 0 0,-26 26 15,25 0-15,-25 0 16,0 26-16,-26-26 0,0 0 16,0 26-16,-26-27 0,0 27 15,-25-26-15,-27 26 16,0-26-16,-26 0 0,27 0 15,-53-26-15</inkml:trace>
+  <inkml:trace contextRef="#ctx0" brushRef="#br0" timeOffset="32088">14723 2362 0,'26'-26'15,"0"0"1,-26 0 0,25 0-1,-50 0 1,-1 26-1,-26 0 1,26 0-16,-52 0 0,0 0 16,1 0-16,-27 26 0,0 0 15,-25-26-15,-1 26 16,-25 0-16,-27 0 0,1-1 16,-1 27-16,-25 0 15,-26-26-15,25 52 0,-25-26 16,0 25-16,25 1 0,-25 0 15,26 0-15,-1 25 16,27-25-16,0 26 0,-1-1 16,27-25-16,-1 26 15,27 0-15,25-1 0,0-25 16,26 26-16,1-1 16,-1 1-16,26 0 0,0-1 15,26 1-15,-25 0 0,51 25 16,-26-25-16,26 0 15,26 25-15,-26-51 0,51 26 16,1-1-16,0-25 0,52 0 16,-27 0-16,53-27 15,0 27-15,25-26 0,27 0 16,-1-26-16,52 0 16,1 0-16,-1 0 0,26-1 15,26 1-15,0 0 0,0 0 16,26 0-16,-26 26 15,26-26-15,0-26 0,0 26 16,0 0-16,1-26 16,-27 0-16,26-26 0,0 0 15,0 0-15,0 0 0,-26-26 16,0-26-16,0 1 16,-26-1-16,0 0 0,-25-25 15,-27-1-15,-26 0 0,1-25 16,-1 25-16,-51-26 15,25 1-15,-51-27 0,0 27 16,-1-27-16,-25 1 16,-26 25-16,-26-25 0,-26 25 15,-26-26-15,0 1 16,-78-1-16,-25 27 0,-27-27 16,-51 1-16,-52 25 0,-26 27 15,-52-1-15,-52 0 16,-26 52-16,-51 26 0,-27 26 15,-25 0-15,-26 52 16,-1 0-16,-25 26 0,0 26 16</inkml:trace>
+  <inkml:trace contextRef="#ctx0" brushRef="#br0" timeOffset="33991">11535 4072 0,'0'52'0,"-26"0"15,0 0-15,26 0 0,0 25 16,0 1-16,0 26 15,0-27-15,26 27 0,-26-26 16,26 0-16,-26-1 0,26-25 16,-26 0-16,0 0 15,0 0-15,0-26 0</inkml:trace>
+  <inkml:trace contextRef="#ctx0" brushRef="#br0" timeOffset="34322">11146 3839 0,'26'-52'0,"0"26"16,0-26-16,26 26 15,25 0-15,-25 1 0,26-1 16,26 26-16,-27 0 16,-25 26-16,26-1 0,-26 1 15,0 26-15,-27 0 16,-25 0-16,0 0 0,0 26 16,-25-27-16,-27 1 0,0 0 15,0 0-15,0 0 16,-26-26-16,27 0 0,-27 25 15,26-25-15,0-26 16</inkml:trace>
+  <inkml:trace contextRef="#ctx0" brushRef="#br0" timeOffset="34879">12494 4513 0,'26'-26'15,"-26"0"-15,0 0 0,0 0 16,0 0-16,0-26 0,0 26 15,-26 1-15,26-27 16,-26 26-16,0 26 0,-26-26 16,26 26-16,-26 0 15,0 26-15,1 0 0,-1 0 16,0 25-16,26 1 0,0 0 16,-26 26-16,52 0 15,-26-1-15,26-25 0,0 26 16,26-26-16,-26 0 15,26-1-15,26-25 0,-26 26 16,26-52-16,-26 26 0,26-26 16,-27 0-16,1-26 15,0 0-15,0 0 0,0-25 16,-26-27-16,26 26 16,-26-26-16,0 0 0,0 27 15,26-27-15,-26 26 0,0 26 16,26 0-16,0 26 15,-26 26-15,26 0 16,0 26-16,0-26 16,-1 26-16,1-1 0,0 1 15,0 0-15,0 0 0,0-26 16,0 0-16</inkml:trace>
+  <inkml:trace contextRef="#ctx0" brushRef="#br0" timeOffset="35240">12753 4150 0,'26'0'0,"0"0"16,-26 26-16,26 0 0,25 0 15,-25 0-15,0 25 16,26 1-16,-26 0 0,0 0 15,26 0-15,-52 0 16,26-1-16,0 1 0,-26-26 16,0 26-16,0-26 0,0 0 15,-26-26 1,0-26-16,26 0 0,-26 0 16,0-26-16,0-25 15,26-1-15,-26 0 0,26 0 16,0 1-16,26-1 0,0 0 15,0 26-15,26 0 16,-26 26-16,0 26 0,25 0 16,-25 0-16,0 0 15,0 0-15,-26 26 0</inkml:trace>
+  <inkml:trace contextRef="#ctx0" brushRef="#br0" timeOffset="35515">13453 3606 0,'0'-26'0,"0"0"16,26 26-1,0 52 1,-26-26-16,25 25 15,1 1-15,0 26 0,0 0 16,-26 25-16,26-25 0,0 26 16,0-26-16,-26 25 15,26-25-15,-26 0 0,0 0 16,26-1-16,-26-25 16,0-26-16</inkml:trace>
+  <inkml:trace contextRef="#ctx0" brushRef="#br0" timeOffset="36049">13505 4254 0,'-26'-26'0,"26"0"0,0 0 32,26 26-32,-1-26 15,1 26-15,0 0 16,0-26-16,0 26 0,26-26 15,-26 26-15,0-26 0,0 26 16,0-26-16,0 26 16,-1 0-16,1-26 0,0 26 15,0 0-15,0 0 16,0 0-16,0 0 0,0 26 16,0-26-16,0 26 0,0 0 15,0 26-15,-1-26 16,1 26-16,0 0 0,-26-1 15,26 1-15,-26 26 16,0-52-16,0 26 0,0-26 16,0 0-16,-26-26 0,0 0 15,0 0 1,1-26-16,25-26 0,-26 26 16,26-52-16,-26 26 15,26-25-15,26-1 0,0 0 16,-1 26-16,1 0 0,26 1 15,0-1-15,-26 26 16,26 26-16,26 0 0,-27 26 16,-25-26-16,26 52 0,0-27 15,-26 1-15,0 26 16,0 0-16,0-26 0,-26 26 16,26 0-16,-26-26 15,0 25-15,0-25 0,0 0 16,0 0-16</inkml:trace>
+  <inkml:trace contextRef="#ctx0" brushRef="#br0" timeOffset="36446">14982 4124 0,'0'-26'15,"0"0"-15,-26 26 16,52 0 15,0 0-31,0 0 16,26 0-16,-27 0 15,1-26-15,26 26 0,-26 0 16,26-26-16,-26 26 16,0-26-16,0 1 0,-26-1 15,0-26-15,0 26 16,0 0-16,-26 0 15,0-26-15,0 26 0,-26 0 16,26 26-16,0 0 16,-26 0-16,27 0 0,-1 52 15,0-26-15,0 26 0,0 0 16,26 26-16,0-27 16,0 1-16,0 26 0,52-26 15,-26 0-15,0-1 16,25-25-16,1 0 0,0 0 15,26-26-15,-26 0 16</inkml:trace>
+  <inkml:trace contextRef="#ctx0" brushRef="#br0" timeOffset="36787">15578 3683 0,'-26'-26'0,"26"1"0,-26 25 16,26-26-16,26 26 15,-26 26-15,26-26 0,0 25 16,26 1-16,0 0 16,-1 26-16,-25-26 0,26 26 15,0 0-15,-26 0 16,26-26-16,-26 25 0,-26 1 16,26-26-16,-26 0 15,0 0-15,-26-26 0,0 0 16,0 0-16,0 0 0,-26-26 15,26 0-15,0-26 16,0 0-16,0 1 0,0-27 16,26 0-16,0 26 15,26-26-15,0 27 0,26-1 16,-26 0-16,26 26 0,-26 26 16,26-26-16,-26 26 15,25 0-15</inkml:trace>
+  <inkml:trace contextRef="#ctx0" brushRef="#br0" timeOffset="37196">16796 3502 0,'52'-26'0,"-26"26"16,0-26-16,0 26 0,0-26 16,-26 0-16,0 0 15,-26 0-15,0 26 0,0-25 16,-26 25-16,-26 0 16,1 0-16,25 25 0,-26-25 15,0 26-15,26 0 0,1 0 16,-1 0-16,26 0 15,26 0-15,0 0 0,26 0 16,26 0-16,-1 0 16,1 0-16,26 25 0,-26-25 15,26 0-15,-1 0 0,1 26 16,-26-26-16,0 0 16,-26 0-16,0 26 0,-26-26 15,0-1-15,-26 1 16,0 0-16,-26 0 0,0 0 15,-26-26-15,1 26 0</inkml:trace>
+  <inkml:trace contextRef="#ctx0" brushRef="#br0" timeOffset="37476">16692 3424 0,'26'-26'15,"0"26"-15,0 0 16,-52 0 0,0 26-16,0 0 0,-25 26 15,-1 0-15,0 0 16,-26-1-16,0 27 0,27 26 16,-27-26-16,26 25 0,0-25 15,0 26-15,26-1 16,1-25-16,-1 0 0,26 0 15,0-26-15,0 25 16,0-51-16,0 26 0,0-26 16,26-26-16</inkml:trace>
+  <inkml:trace contextRef="#ctx0" brushRef="#br0" timeOffset="104105">10524 625 0,'26'0'15,"0"26"-15,0-26 16,0 0-16,-1 26 16,1 0-16,-26 0 0,26 0 15,-26 0-15,26-1 16,-26 1-16,0 0 16,-26-52 15,26 0-31,-26 1 0,26-1 15,-26-26-15,1 26 16,25-26-16,-26-26 0,0 26 16,0 1-16,26-27 15,-26 26-15,26 0 0,0 0 16,0 1-16,0 25 0,26 0 16,0 0-16,26 0 15,-1 0-15,1 26 0,0-26 16,26 26-16,0 0 0,-27 0 15,1 0-15,0 0 16,0 26-16,-26-26 0,0 26 16,-26 0-16,0 0 15,0 0-15,-26 0 0,-26-1 16,0 1-16,0 0 0,1 0 16,-1 0-16,26 0 15,-26 0-15,26-26 0,0 26 16,0-26-16,26 26 15,26 0-15,0-26 16,26 0-16,0 26 0,0-26 16,-1 26-16,27-1 15,-26-25-15,0 26 0,0 0 16,-1 0-16,-25 0 16,0 0-16,-26 0 0,0 0 15,0 0-15,-26 26 0,0-26 16,-25-1-16,-1 1 15,0-26-15,0 26 0,0-26 16,-25 0-16,25 0 16,0-26-16,26 0 0,0 1 15</inkml:trace>
+  <inkml:trace contextRef="#ctx0" brushRef="#br0" timeOffset="104537">11975 184 0,'0'-25'0,"0"-1"15,0 0-15,0 0 16,0 0-16,-26 26 15,0 0 1,1 0-16,-1 26 16,0-26-16,0 26 0,0 0 15,0 25-15,0-25 16,26 0-16,0 0 0,0 26 16,26-26-16,-26 0 15,26 26-15,0-26 0,0 0 16,0-1-16,0 1 0,-1 0 15,1 0-15,-26 0 16,26 0-16,0 0 16,-26 0-16,0 0 15,-26 0-15,0 0 16,-25-26-16,25 26 0,-26-26 16,0 25-16,0-25 15,0 0-15,0-25 0</inkml:trace>
+  <inkml:trace contextRef="#ctx0" brushRef="#br0" timeOffset="105042">12520 133 0,'26'-26'15,"-1"0"-15,-25 0 16,-25 26 0,-1 0-16,0 0 15,0 0-15,-26 26 0,26 0 16,0 0-16,-26 0 16,26 25-16,0 1 0,26-26 15,-25 26-15,25 0 0,0 0 16,0-1-16,25 1 15,1-26-15,-26 26 0,26-26 16,0 0-16,0 0 16,26 0-16,-26-26 0,0 0 15,26 0-15,-26 0 0,-1 0 16,1-26-16,0 26 16,0-26-16,-26 0 0,0-26 15,0 26-15,0 0 16,-26 0-16,-26-25 0,27 25 15,-27 0-15,26 0 0,0 26 16,-26-26-16,26 26 16,0 0-16,52 0 15,26 0 1,-26 0-16,26 0 16,0 0-16,-1 0 0,1-26 15,0 26-15,0 0 16</inkml:trace>
+  <inkml:trace contextRef="#ctx0" brushRef="#br0" timeOffset="105510">13168 29 0,'0'-26'15,"25"26"-15,-25 26 47,-25 0-47,-1 0 0,26 0 16,-26 26-16,0-27 15,0 27-15,0 0 0,0 0 16,0 0-16,26-26 0,0 26 16,0-27-16,0 27 15,0-26-15,26 0 0,0 0 16,0-26-1,0 0-15,0 0 0,0 0 16,0 0-16,-1-26 0,1 0 16,0 0-1,0 0-15,-26 0 0,26-25 16,0 25-16,-26 0 0,26 0 16,-26 0-16,26 26 15,-26-26-15,26 26 0,0-26 16,0 26-1,0 0-15,0 26 0,-1-26 16,1 26-16,26 0 0,-26 0 16,-26 0-16,26 26 15,-26-27-15,0 27 0,-26-26 16,-26 26-16,26 0 16</inkml:trace>
+  <inkml:trace contextRef="#ctx0" brushRef="#br0" timeOffset="107387">10783 1351 0,'0'26'32,"0"0"-32,26 0 0,-26-1 15,26 1-15,0 26 16,0 0-16,26 0 0,-26 0 15,25 0-15,-25-27 0,26 27 16,0-26-16,-26 26 16,0-26-16,26 0 0,-26-26 15,-1 26-15,1-26 16,0 0-16,0 0 16,-26-26-16,26 0 0,-26-26 15,26 26-15,-26-26 16,26 1-16,-26-27 0,0 26 15,26 0-15,-26-26 16,0 27-16,0 25 0,26-26 16,-26 26-16,0 0 15,26 26 1,-26 26 0</inkml:trace>
+  <inkml:trace contextRef="#ctx0" brushRef="#br0" timeOffset="110146">11923 1221 0,'0'26'15,"0"0"17,0 0-32,26 0 15,-26 0-15,0 0 0,0 26 16,0-27-16,0 27 15,0-26-15,0 26 0,0-26 16,0 0-16,26 26 16,-26-26-16,0 0 0,0-1 15,0 1-15,0 0 16</inkml:trace>
+  <inkml:trace contextRef="#ctx0" brushRef="#br0" timeOffset="110466">12157 1351 0,'26'0'16,"-26"-26"-16,26 0 16,-52 26-1,0 26 1,0-26-16,0 26 0,0-26 15,0 26-15,0-26 16,0 26-16,0 0 16,0-1-16,26 1 15,0 0 1,26 0-16,-26 0 0,26 0 16,0 0-16,26 0 15,-26 0-15,26 0 0,0 0 16,-26 0-16,25-1 0,1 1 15,-26 0-15,0 0 16,0-26-16,0 26 0</inkml:trace>
+  <inkml:trace contextRef="#ctx0" brushRef="#br0" timeOffset="110916">12571 1403 0,'-25'0'16,"50"0"31,-25 26-47,26-1 15,0 1-15,0 26 16,0-26-16,-26 0 16,26 0-16,0 0 0,-26 0 15,0 0-15,26 0 0,-26 0 16,0-1-16,26-25 16,-26-25-1,0-1 1,26 0-16,-26 0 15,0-26-15,0 26 0,0-26 16,26 0-16,-26 1 16,0-1-16,26 26 0,-26-26 15,0 26-15,25 0 0,-25 52 47,0 0-47,26-26 16</inkml:trace>
+  <inkml:trace contextRef="#ctx0" brushRef="#br0" timeOffset="111370">13245 1299 0,'0'-26'16,"-26"26"-1,26 26 1,0 0-16,0 0 16,0 0-16,0 0 0,0 25 15,0-25-15,0 26 16,26 0-16,-26-26 0,0 26 16,26-26-16,-26 26 15,0-27-15,0 1 0,26 0 16,-26 0-16,0-52 31,-26 0-31,26 0 16,0 1-16,-26-27 15,26 26-15,0-52 0,0 26 16,0-26-16,0 1 0,26 25 16,-26-26-16,26 0 15,0 26-15,0 27 0,26-1 16,-26 0-16,26 26 0,-26 26 15,25-26-15,-25 51 16,0-25-16,-26 26 0,0 0 16,-26 0-16,-26 0 15,-25 0-15,-27-26 0,0 25 16</inkml:trace>
+</inkml:ink>
+</file>
+
+<file path=ppt/ink/ink38.xml><?xml version="1.0" encoding="utf-8"?>
+<inkml:ink xmlns:inkml="http://www.w3.org/2003/InkML">
+  <inkml:definitions>
+    <inkml:context xml:id="ctx0">
+      <inkml:inkSource xml:id="inkSrc0">
+        <inkml:traceFormat>
+          <inkml:channel name="X" type="integer" max="1920" units="cm"/>
+          <inkml:channel name="Y" type="integer" max="1080" units="cm"/>
+          <inkml:channel name="T" type="integer" max="2.14748E9" units="dev"/>
+        </inkml:traceFormat>
+        <inkml:channelProperties>
+          <inkml:channelProperty channel="X" name="resolution" value="55.81395" units="1/cm"/>
+          <inkml:channelProperty channel="Y" name="resolution" value="55.6701" units="1/cm"/>
+          <inkml:channelProperty channel="T" name="resolution" value="1" units="1/dev"/>
+        </inkml:channelProperties>
+      </inkml:inkSource>
+      <inkml:timestamp xml:id="ts0" timeString="2020-11-20T20:05:49.500"/>
+    </inkml:context>
+    <inkml:brush xml:id="br0">
+      <inkml:brushProperty name="width" value="0.05" units="cm"/>
+      <inkml:brushProperty name="height" value="0.05" units="cm"/>
+      <inkml:brushProperty name="fitToCurve" value="1"/>
+    </inkml:brush>
+  </inkml:definitions>
+  <inkml:trace contextRef="#ctx0" brushRef="#br0">1204 1607 0,'0'-26'16</inkml:trace>
+  <inkml:trace contextRef="#ctx0" brushRef="#br0" timeOffset="-1944">685 234 0,'-26'-26'16,"0"0"-1,1 0-15,-1 0 0,0 0 16,0 26-16,0-26 0,0 0 16,0 26-16,0 0 15,0 26-15,0-26 0,0 26 16,0 26-16,-25-26 16,25 26-16,0-26 0,-26 51 15,0-25-15,26 26 0,-26 0 16,26-26-16,26 25 15,0 1-15,0-26 0,0 0 16,26 0-16,26-1 16,-26-25-16,26 0 0,0-26 15,0 0-15,-1 0 0,-25 0 16</inkml:trace>
+  <inkml:trace contextRef="#ctx0" brushRef="#br0" timeOffset="-1188">141 622 0,'-26'0'16,"0"0"-16,52 0 31,0 0-31,26-25 0,-26 25 16,26-26-16,-1 26 0,27-26 15,-26 0-15,0 26 16,26-26-16,-27 0 0,-25 26 15,26-26-15,-26 26 16,0-26-16,0 26 0,-26-26 16,0 52 31,0 0-47,0 0 15,0 0-15,0 0 0,0 26 16,0-26-16,0 25 0,0 1 15,0 0-15,0 0 16,26 0-16,-26 0 0,0-27 16,0 27-16,0-26 0,0 0 15,0-52 1,0 0 0,0-26-16,0 27 15,0-27-15,0-26 0,0 26 16,26-26-16,-26 27 0,26-27 15,-26 26-15,26 0 16,-26 26-16,26 0 0,-1 0 16,1 26-16,0 26 15,0-26-15,0 26 0,0 26 16,0-26-16,0 26 16,0-26-16,-26 26 0,26-27 15,-26 1-15,0 0 0,0 0 16,0 0-16,0 0 15,0 0-15,0-52 16,0 0 0,0 0-16,0-26 15,0 1-15,0-1 0,26 0 16,-26 0-16,26 0 16,-1 0-16,1 26 0,0 1 15,0-1-15,0 26 0,0 26 16,0-1-16,0 1 15,0 26-15,26 0 0,-26 0 16,-1 0-16,1 0 16,0-1-16,0 1 0,-26 0 15,0 0-15,0 0 0,0 0 16,0-27-16</inkml:trace>
+  <inkml:trace contextRef="#ctx0" brushRef="#br0" timeOffset="-708">1981 311 0,'26'0'16,"-26"-25"-16,0-1 16,-26 26-16,26 26 15,0-1 1,0 1-16,26 26 0,-26-26 15,26 26-15,0 0 16,-26 0-16,26-1 0,0 1 16,0 0-16,-26 0 0,0 0 15,26-26-15,-26 26 16,0-27-16,0-50 31,-26-1-31,26-26 16,-26 0-16,26-26 0,-26 0 15,26-25-15,-26 25 16,26 0-16,0 1 0,0-1 16,0 0-16,26 26 15,0 26-15,26 0 0,-26 0 16,25 26-16,1 0 0,26 26 16,-26 0-16,0 0 15,-26 0-15,25 0 0,-51 26 16,0-26-16,0 26 15,-26-26-15,1 25 0,-27-25 16,0 0-16,0 0 0,-26 0 16,26-26-16,1 26 15,-1-26-15</inkml:trace>
+  <inkml:trace contextRef="#ctx0" brushRef="#br0" timeOffset="845">1255 1478 0,'0'-26'16,"26"52"15,0 26-15,0-26-16,-26 25 0,26 1 15,-26 0-15,26 0 16,-26 26-16,0-27 0,0 27 16,0-26-16,0 26 15,0-26-15,0 25 0,0-51 16,0 26-16,0-26 0,0 0 16,0 0-16,26 0 15,0-26-15,0 0 16,0-26-16,26 26 0,-1-26 15,27 0-15,0 26 16,0-26-16,-1 0 0,27 0 16,-26 26-16,0-26 15,-1 26-15,1-26 0,-26 26 16,-26 0-16,26 0 0,-26 0 16</inkml:trace>
+  <inkml:trace contextRef="#ctx0" brushRef="#br0" timeOffset="1182">2474 1970 0,'-26'0'0,"0"0"0,0-26 15,52 26 17,0 0-17,0 26-15,0 0 0,-1-26 16,1 26-16,26 0 16,-26 0-16,0 0 0,0 0 15,0 0-15,0 0 16,-26-1-16,26 1 15,-26 0-15,0 0 0,-26 0 16,26 0-16,-26 0 16,0-26-16,26 26 0,-26 0 15,0 0-15,0-26 16,-26 26-16</inkml:trace>
+  <inkml:trace contextRef="#ctx0" brushRef="#br0" timeOffset="1759">1178 2696 0,'0'-26'0,"26"26"16,-26-26 0,26 52-1,-26 0 1,25 0-16,-25 26 15,0-26-15,0 25 16,0 1-16,-25 0 0,25 0 16,0 0-16,-26 0 15,26 25-15,-26-25 0,26 0 16,0 0-16,0 0 16,-26 0-16,26-1 0,0-25 15,0 0-15,0 26 0,26-26 16,-26 0-16,26-26 15,0 26-15,-1-26 0,1 26 16,26-26-16,-26 0 0,26 0 16,26 0-16,-26-26 15,25 26-15,-25 0 0,26-26 16,0 26-16,-1-26 16,1 26-16,-26-26 0,0 26 15,-26 0-15,0 0 0,0 0 16,0 0-16,-52 0 31</inkml:trace>
+  <inkml:trace contextRef="#ctx0" brushRef="#br0" timeOffset="2094">1929 3499 0,'0'-26'15,"26"26"32,0 26-47,0 0 16,26-26-16,-26 26 16,26 0-16,-26 0 0,25-26 15,1 26-15,0 0 16,0-26-16,-26 26 0,0-26 15,0 26-15,0 0 16,0-26-16,-26 26 0,0-1 16,-26 1-16,0 0 15,0 0-15,-26 0 16,26 0-16,-26 0 0,0 0 16,1 0-16,25 26 15,-26-26-15,26-26 0</inkml:trace>
+  <inkml:trace contextRef="#ctx0" brushRef="#br0" timeOffset="2587">1281 4147 0,'-26'-26'16,"1"26"-16,-1 0 16,26 26-1,0 0 1,26-26-16,-26 26 0,0 26 16,0-26-16,0 26 15,0-26-15,0 26 0,0-1 16,-26 27-16,26-26 15,-26 0-15,26 0 0,-26 25 16,26-25-16,0 0 0,0 0 16,0 0-16,0 0 15,0-27-15,26 1 0,0 26 16,0-26 0,-1-26-16,1 26 0,26-26 15,-26 0-15,26 0 0,0-26 16,0 26-16,25 0 15,-25-26-15,0 26 0,26 0 16,-26 0-16,0 0 16,-1 0-16,-25 26 0,26-26 15,-26 0-15,0 26 16,-26-52 15</inkml:trace>
+  <inkml:trace contextRef="#ctx0" brushRef="#br0" timeOffset="2915">2033 5054 0,'0'-25'15,"26"25"17,0 0-17,0 0 1,0 0-16,0 0 15,0 25-15,-1-25 0,1 26 16,0 0 0,0 0-16,0 0 15,-26 0-15,26 0 16,-26 0-16,0 0 16,0 0-1,0 0 1,-26-26-16,0 0 0,26 26 15,-26-26-15,0 0 16,0 26-16,1-26 0,-27 25 16,26-25-16,0 0 15,0 26-15</inkml:trace>
+</inkml:ink>
+</file>
+
+<file path=ppt/ink/ink39.xml><?xml version="1.0" encoding="utf-8"?>
+<inkml:ink xmlns:inkml="http://www.w3.org/2003/InkML">
+  <inkml:definitions>
+    <inkml:context xml:id="ctx0">
+      <inkml:inkSource xml:id="inkSrc0">
+        <inkml:traceFormat>
+          <inkml:channel name="X" type="integer" max="1920" units="cm"/>
+          <inkml:channel name="Y" type="integer" max="1080" units="cm"/>
+          <inkml:channel name="T" type="integer" max="2.14748E9" units="dev"/>
+        </inkml:traceFormat>
+        <inkml:channelProperties>
+          <inkml:channelProperty channel="X" name="resolution" value="55.81395" units="1/cm"/>
+          <inkml:channelProperty channel="Y" name="resolution" value="55.6701" units="1/cm"/>
+          <inkml:channelProperty channel="T" name="resolution" value="1" units="1/dev"/>
+        </inkml:channelProperties>
+      </inkml:inkSource>
+      <inkml:timestamp xml:id="ts0" timeString="2020-11-20T20:06:01.945"/>
+    </inkml:context>
+    <inkml:brush xml:id="br0">
+      <inkml:brushProperty name="width" value="0.05" units="cm"/>
+      <inkml:brushProperty name="height" value="0.05" units="cm"/>
+      <inkml:brushProperty name="fitToCurve" value="1"/>
+    </inkml:brush>
+  </inkml:definitions>
+  <inkml:trace contextRef="#ctx0" brushRef="#br0">18 547 0,'-26'0'0,"52"0"32,-26-26-17,26 26 48,0 0-48,0-26 1,0 26-16,26 0 0,0-26 16,-26 26-16,25 0 0,1 0 15,0-26-15,0 26 16,0 0-16,-26 0 0,0 0 16,0 0-16,-1 0 0,-25 26 15,0 0 1,0 0-1,0 0 1,0 0 15,0 0-15,-25-26 0,25 26-1,0 0 1,-26 0-16,26 0 15,-26-1-15,26 1 16,-26 0-16,0 26 0,0-26 16,26 26-16,-52-26 15,26 0-15,0 26 0,0-27 16,0 1-16,26 26 0,-25-26 16,-1 0-16,26 0 15,-26-26-15,26 26 0,0 0 16,0 0-1,0 0 1,26-26 31,-26-26-31,26 26-16,-1 0 15,1 0-15,0 0 0,0 0 16,0-26-16,0 26 15,0 0-15,0 0 16,0 0-16,0 0 16,0 0-16,0 0 0,-1 0 15,1 0-15,0 0 0,0 0 16,0 0 0,0 0-16,0 0 15,0 0 1,-52 0 78</inkml:trace>
+  <inkml:trace contextRef="#ctx0" brushRef="#br0" timeOffset="911">381 910 0,'26'0'47,"0"0"-15,0 0 14,0 0-30,0 0-16,0-26 0,26 26 16,-27 0-16,1-26 0,0 26 15,0 0-15,0 0 16,0 0-16,-26-26 0</inkml:trace>
+  <inkml:trace contextRef="#ctx0" brushRef="#br0" timeOffset="1932">1496 495 0,'0'-26'63,"-26"26"-48,0-26 1,0 26-16,0 0 16,0 26-16,0-26 0,0 26 15,0-26-15,0 26 16,-25 0-16,25 0 0,0 26 16,0-26-16,26 26 15,-26-27-15,26 27 0,0 0 16,0-26-16,0 26 0,0 0 15,26-26-15,0 0 16,0 25-16,0-25 0,-1 0 16,1 0-16,0 0 15,26-26-15,-26 26 0,0-26 16,0 0-16,0 0 0,0 0 16,0 0-16,0-26 15,-26 0 1,26 26-16,-26-26 15,0 0-15</inkml:trace>
+  <inkml:trace contextRef="#ctx0" brushRef="#br0" timeOffset="2495">1962 547 0,'-26'-26'15,"0"26"1,0 0-1,1 26 1,-1-26 0,26 26-16,-26-26 0,0 26 15,26 0-15,-26 26 16,0-26-16,0-1 0,26 27 16,-26-26-16,26 26 0,0-26 15,0 26-15,0-26 16,26 26-16,-26-27 0,26 1 15,0 0-15,0 0 0,0-26 16,0 26-16,0-26 16,25 0-16,-25-26 0,0 26 15,26-26-15,-26 0 16,0 0-16,0 1 0,0-27 16,-26 0-16,0 0 15,0 0-15,0 0 0,-26 1 16,0-1-16,0 0 0,0 26 15,0-26-15,0 26 16,0 26-16,0 0 16,0 0-16,26 26 15,0 0 1</inkml:trace>
+  <inkml:trace contextRef="#ctx0" brushRef="#br0" timeOffset="3191">2403 495 0,'0'26'31,"0"0"-16,0 0 1,26 0-16,-26 0 0,0 0 16,26 0-16,-26 25 15,0-25-15,26 0 0,-26 26 16,0-26-16,0 0 16,0 0-16,0 0 0,0 0 15,25 0-15,-50-26 47,25-26-47,-26 0 16,26 0-16,0 0 0,-26-26 15,0 0-15,26 0 0,0 1 16,-26-27-16,26 26 16,0 0-16,0 0 0,26 1 15,-26 25-15,26-26 16,0 52-16,0-26 0,25 26 15,-25 0-15,26 0 0,-26 0 16,26 0-16,-26 26 16,0 0-16,0 0 0,0 0 15,-26 25-15,0-25 0,0 26 16,-26-26-16,0 0 16,0 26-16,-26-26 0,26 0 15,0-26-15,-26 26 16,26-1-16,0-25 0,1 0 15,50 0 17,1 0-32,0 0 15,0 26-15,0 0 16,26-26-16,-26 26 0,0 0 16,0 0-16,26 0 15,-26-26-15,-1 26 0,1 0 16,0-26-16,-26 26 0,26-26 15,0 26-15,0-26 16</inkml:trace>
+  <inkml:trace contextRef="#ctx0" brushRef="#br0" timeOffset="3713">3310 366 0,'-26'-26'15,"0"26"-15,0 0 16,0 0-1,0 0-15,26 26 16,-26 0-16,26-1 0,-25 1 16,-1 0-16,26 26 15,-26-26-15,26 26 0,0 0 16,0-26-16,26 25 16,0-25-16,-1 26 0,27-26 15,-26 0-15,26 0 0,0-26 16,-26 26-16,26-26 15,-1 0-15,-25 0 0,0-26 16,0 26-16,0-26 16,0 0-16,-26-26 0,0 0 15,0 27-15,0-27 0,-26 0 16,26 0-16,-26 0 16,0 0-16,0 26 0,0 1 15,1-1-15,-27 0 16,26 26-16,0 0 0,0 0 15,0 0-15,0 26 0,0-26 16,26 26-16,-26-26 16,26 25-16</inkml:trace>
+  <inkml:trace contextRef="#ctx0" brushRef="#br0" timeOffset="4024">3958 262 0,'-26'0'31,"26"26"-31,-26-26 16,26 26-16,0 0 0,0 0 15,0 0-15,0 25 16,0-25-16,0 26 0,0 0 16,26 0-16,-26-26 0,0 26 15,0-1-15,0-25 16,0 26-16,0-26 0,0 0 16,0 0-16</inkml:trace>
+  <inkml:trace contextRef="#ctx0" brushRef="#br0" timeOffset="4511">3932 392 0,'0'-26'16,"26"52"15,0-1-16,0 1-15,0 0 0,0 0 16,25 0-16,1 26 0,-26-26 16,26 0-16,-26 0 15,26 0-15,-26 0 0,0-1 16,0-25-16,-1 26 16,1-26-16,0 0 0,-26-26 15,26 1-15,-26-1 16,0 0-16,0 0 15,0-26-15,0 0 0,0 0 16,0 0-16,0 1 16,-26 25-16,26-26 0,0 26 15,-26 0-15,26 0 0,0 0 16,0 52 15,0 0-15,0 0-16,0 0 0,26 26 15,-26-26-15,0 25 0,26-25 16,-26 26-16,0-26 16,0 26-16,0-26 0,26 26 15,-26-26-15,0 0 16,0-1-16,0 1 0,0 0 16</inkml:trace>
+  <inkml:trace contextRef="#ctx0" brushRef="#br0" timeOffset="5050">4917 392 0,'0'-26'15,"-26"0"-15,26 0 0,-26 0 16,26 0-16,0 0 15,-26 52 1,26 0 0,0 0-16,0 0 15,0 26-15,0-27 0,0 27 16,0 0-16,-26 0 0,26-26 16,0 26-16,0-26 15,-26 0-15,26-1 0,0 1 16,-26-52 15,26 1-31,0-1 16,0-26-16,0 26 15,0-52-15,0 26 0,26-25 16,-26-1-16,0 26 0,26-26 16,0 26-16,-26 0 15,26 1-15,0 25 0,0 26 16,0 0-16,0 0 15,0 0-15,0 52 0,-1-27 16,1 27-16,0 0 0,0 0 16,0 0-16,0 0 15,0 25-15,0-25 0,-26 0 16,26-26-16,-26 26 16,0-26-16,26 26 0,-26-26 15,0-1-15,-26 1 16,0-26-1,0 0-15</inkml:trace>
+  <inkml:trace contextRef="#ctx0" brushRef="#br0" timeOffset="5261">4943 547 0,'0'-26'0,"-26"26"16,0 0-16,0-26 0,0 26 15,26-26 16,26 26-31,0 0 16,26-26-16,-26 26 16,0 0-16,25 0 0,-25-26 15,0 26-15,0 0 16,0 0-16,0-25 16</inkml:trace>
+</inkml:ink>
+</file>
+
+<file path=ppt/ink/ink4.xml><?xml version="1.0" encoding="utf-8"?>
+<inkml:ink xmlns:inkml="http://www.w3.org/2003/InkML">
+  <inkml:definitions>
+    <inkml:context xml:id="ctx0">
+      <inkml:inkSource xml:id="inkSrc0">
+        <inkml:traceFormat>
+          <inkml:channel name="X" type="integer" max="1920" units="cm"/>
+          <inkml:channel name="Y" type="integer" max="1080" units="cm"/>
+          <inkml:channel name="T" type="integer" max="2.14748E9" units="dev"/>
+        </inkml:traceFormat>
+        <inkml:channelProperties>
+          <inkml:channelProperty channel="X" name="resolution" value="55.81395" units="1/cm"/>
+          <inkml:channelProperty channel="Y" name="resolution" value="55.6701" units="1/cm"/>
+          <inkml:channelProperty channel="T" name="resolution" value="1" units="1/dev"/>
+        </inkml:channelProperties>
+      </inkml:inkSource>
+      <inkml:timestamp xml:id="ts0" timeString="2020-11-20T18:34:21.328"/>
+    </inkml:context>
+    <inkml:brush xml:id="br0">
+      <inkml:brushProperty name="width" value="0.05" units="cm"/>
+      <inkml:brushProperty name="height" value="0.05" units="cm"/>
+      <inkml:brushProperty name="fitToCurve" value="1"/>
+    </inkml:brush>
+  </inkml:definitions>
+  <inkml:trace contextRef="#ctx0" brushRef="#br0">208 0 0,'-26'0'15,"26"25"17,0 1-17,0 0-15,26 0 0,-26 0 16,0 26-16,26 0 15,-26 0-15,0-1 0,26 1 16,-26 0-16,0 0 16,0 0-16,26-26 0,-26 26 15,0-26-15,25-1 0,-25 1 16,0 0-16,0 0 16,-25-26-16,25 26 0</inkml:trace>
+  <inkml:trace contextRef="#ctx0" brushRef="#br0" timeOffset="325">0 596 0,'0'26'32,"26"-26"-17,-26 26-15,26-1 16,0 1 0,0 0-16,0-26 0,-26 26 15,26 0-15,0-26 16,0 26-16,-26 0 0,26-26 15,-26 26-15,26-26 16,-26 26-16,26-26 0,-1 0 16</inkml:trace>
+  <inkml:trace contextRef="#ctx0" brushRef="#br0" timeOffset="793">545 570 0,'0'26'62,"-26"0"-46,0 0 0,0-1-1,0 1-15,0 0 16,26 0-16,-26 0 0,0 0 16,26 0-1,0 0-15,0 0 0,-26-26 16,26 26-16,0 0 15,0 0 1,0-52 78</inkml:trace>
+</inkml:ink>
+</file>
+
+<file path=ppt/ink/ink40.xml><?xml version="1.0" encoding="utf-8"?>
+<inkml:ink xmlns:inkml="http://www.w3.org/2003/InkML">
+  <inkml:definitions>
+    <inkml:context xml:id="ctx0">
+      <inkml:inkSource xml:id="inkSrc0">
+        <inkml:traceFormat>
+          <inkml:channel name="X" type="integer" max="1920" units="cm"/>
+          <inkml:channel name="Y" type="integer" max="1080" units="cm"/>
+          <inkml:channel name="T" type="integer" max="2.14748E9" units="dev"/>
+        </inkml:traceFormat>
+        <inkml:channelProperties>
+          <inkml:channelProperty channel="X" name="resolution" value="55.81395" units="1/cm"/>
+          <inkml:channelProperty channel="Y" name="resolution" value="55.6701" units="1/cm"/>
+          <inkml:channelProperty channel="T" name="resolution" value="1" units="1/dev"/>
+        </inkml:channelProperties>
+      </inkml:inkSource>
+      <inkml:timestamp xml:id="ts0" timeString="2020-11-20T20:06:18.750"/>
+    </inkml:context>
+    <inkml:brush xml:id="br0">
+      <inkml:brushProperty name="width" value="0.05" units="cm"/>
+      <inkml:brushProperty name="height" value="0.05" units="cm"/>
+      <inkml:brushProperty name="fitToCurve" value="1"/>
+    </inkml:brush>
+  </inkml:definitions>
+  <inkml:trace contextRef="#ctx0" brushRef="#br0">26 197 0,'-26'0'15,"52"0"16,0 0-31,0 0 16,26-26-16,-26 26 0,25-26 16,27 0-16,-26 26 15,0-26-15,26 0 0,-27 26 16,1-26-16,0 0 0,0 26 16,-26 0-16,0-26 15,0 26-15,0 0 0,-26 26 16,-26-26-1</inkml:trace>
+  <inkml:trace contextRef="#ctx0" brushRef="#br0" timeOffset="301">0 508 0,'0'26'0,"26"-26"32,0 0-32,0 0 15,0 0-15,0-26 0,26 26 16,-27 0-16,27-26 16,26 26-16,-26-26 0,26 0 15,-1 0-15,1 26 0,-26-26 16,26 0-16,-26 26 15,-27-26-15,1 26 0,0-26 16,0 26-16,-52 0 16,0 26-1,0-26-15,-25 26 16</inkml:trace>
+</inkml:ink>
+</file>
+
+<file path=ppt/ink/ink41.xml><?xml version="1.0" encoding="utf-8"?>
+<inkml:ink xmlns:inkml="http://www.w3.org/2003/InkML">
+  <inkml:definitions>
+    <inkml:context xml:id="ctx0">
+      <inkml:inkSource xml:id="inkSrc0">
+        <inkml:traceFormat>
+          <inkml:channel name="X" type="integer" max="1920" units="cm"/>
+          <inkml:channel name="Y" type="integer" max="1080" units="cm"/>
+          <inkml:channel name="T" type="integer" max="2.14748E9" units="dev"/>
+        </inkml:traceFormat>
+        <inkml:channelProperties>
+          <inkml:channelProperty channel="X" name="resolution" value="55.81395" units="1/cm"/>
+          <inkml:channelProperty channel="Y" name="resolution" value="55.6701" units="1/cm"/>
+          <inkml:channelProperty channel="T" name="resolution" value="1" units="1/dev"/>
+        </inkml:channelProperties>
+      </inkml:inkSource>
+      <inkml:timestamp xml:id="ts0" timeString="2020-11-20T20:04:55.932"/>
+    </inkml:context>
+    <inkml:brush xml:id="br0">
+      <inkml:brushProperty name="width" value="0.05" units="cm"/>
+      <inkml:brushProperty name="height" value="0.05" units="cm"/>
+      <inkml:brushProperty name="fitToCurve" value="1"/>
+    </inkml:brush>
+  </inkml:definitions>
+  <inkml:trace contextRef="#ctx0" brushRef="#br0">10937 1737 0,'0'-26'0,"26"26"16,-26-26-16,-26 0 15,0 26-15,-25 0 16,25-26-16,-26 26 0,0 0 15,-26 0-15,1 0 16,-27 0-16,0 0 0,-25 26 16,-1-26-16,-25 26 0,-1 0 15,-25 0-15,-27 26 16,1-26-16,0 25 0,-27 1 16,1 0-16,26 0 15,-1 0-15,1 26 0,0-27 16,25 27-16,27 0 0,25 26 15,0-27-15,27 27 16,25 0-16,0-1 0,52 1 16,0-26-16,26 25 15,0 1-15,26-26 0,0 26 16,26-27-16,0 1 0,26 0 16,25 0-16,1-27 15,0 1-15,51 0 0,1-26 16,25 0-16,52 0 15,1-26-15,51 0 0,26 0 16,52-26-16,25 26 0,27-26 16,0-26-16,51 26 15,1 0-15,-1 0 0,1-25 16,25 25-16,-51-26 16,26 26-16,-27-26 0,-25 0 15,0-26-15,-53 27 0,1-27 16,-52 0-16,-26-26 15,-25 27-15,-53-27 0,-52-26 16,-25 27-16,-26-27 16,-52 27-16,-1-27 0,-51 0 15,-51 27-15,-27-27 0,-26 26 16,-25 1-16,-53-1 16,-25 0-16,-26 27 0,-27-27 15,-51 26-15,0 0 16,-26 1-16,-51 25 0,25 0 15,-52 26-15,26 26 0,-25 0 16,-1 0-16,-26 26 16,52 26-16,-25 0 0,51 0 15,0-1-15,52 1 0,26 0 16</inkml:trace>
+  <inkml:trace contextRef="#ctx0" brushRef="#br0" timeOffset="1194">8060 2748 0,'0'-26'0,"0"0"16,0 0-1,-25 26-15,-1 26 16,0 0 0,0 26-16,0-26 15,0 25-15,0 27 0,0-26 16,0 26-16,26-26 15,-26 25-15,26-25 0,26 0 16,0 0-16,0 0 0,0-26 16,26 25-16,0-51 15,25 0-15,-25 0 0,0 0 16,26 0-16,-52-26 16,26-25-16,-27 25 0,1-26 15,-26 0-15,0-26 0,-26 26 16,1-25-16,-1-1 15,-26-26-15,0 52 0,0-25 16,0 25-16,0 26 16,1 0-16,-1 0 0,26 26 15,0 0-15,0 26 0,26 0 16,0 0-16,26 0 16,0 0-16,0-26 15,26 0-15,-1 0 16,1 0-16,26 0 0,-26-26 15,0 26-15,25-26 0,-25 0 16,0 26-16,-26-26 16,26 26-16,-26 0 0,0-26 15,-26 52 1,0 0-16,0 0 16,-26 26-16,26-26 0,-26 25 15,26 1-15,-26 0 16,26 0-16,0 0 0,0 26 15,0-27-15,0-25 16,26 26-16,0-26 0,0 26 16,0-26-16,0-26 0,25 26 15,1-26-15,0 0 16,0-26-16,-26 0 0,26 0 16,0 0-16,-27-26 0,1 0 15,0 1-15,-26-1 16,0-26-16,0 26 0,0 0 15,0 0-15,0 27 16,0-1-16,0 0 0,0 52 16,0 0-16,0-1 15,0 1-15,26 26 16,-26 0-16,26 0 0,0-26 16,0 26-16,0-26 15,0-1-15,0 1 0,0 0 16,0-26-16,25 0 15,-25 0-15,0 0 0,0-26 16,0 0-16,0 1 0,0-27 16,-26 0-16,0-26 15,0 0-15,0 27 0,-26-27 16,26 26-16,-26 0 0,26 0 16,-26 26-16,26 0 15,-26 26-15,26 26 16,0 0-1,0 0-15,26 0 0</inkml:trace>
+  <inkml:trace contextRef="#ctx0" brushRef="#br0" timeOffset="1578">9693 2670 0,'0'-26'0,"26"26"0,-26-26 15,26 0-15,-26 0 16,26 26-16,-26-26 15,26 26-15,0 26 16,0 0 0,-26 0-16,26 0 0,0 26 15,-26 0-15,26 0 0,-26-27 16,26 27-16,-26 0 16,0 0-16,0-26 0,0 0 15,0 0-15,0-52 31,0 0-31,0-26 16,25-26-16,-25 26 16,26-25-16,0 25 0,0-26 15,26 26-15,-26 26 16,0 0-16,26 26 0,-26 0 16,0 26-16,-1 26 0,1 0 15,0 0-15,0 0 16,-26 25-16,26-25 0,0 0 15,-26 0-15,26-26 16,-26 26-16</inkml:trace>
+  <inkml:trace contextRef="#ctx0" brushRef="#br0" timeOffset="1999">10808 2255 0,'26'-26'15,"0"0"-15,0 0 16,-1 1-16,-25-1 16,26 0-16,0 26 15,0-26-15,26 0 0,0 26 16,0-26-16,26 0 0,-1 26 16,27-26-16,0 0 15,25 26-15,-25-26 0,-26 26 16,-1-26-16,1 26 0,-52 0 15,0 0-15,-78 26 16,0-26-16,0 26 16,-25-26-16,-1 26 15,0-26-15,-25 26 0,51-26 16,-26 26-16,26-26 0,0 26 16,26-26-16,26 26 15,0 0-15,0 0 0,26 0 16,0 25-16,0 1 15,0 0-15,0 0 0,26 26 16,-52-1-16,26 1 0,0-26 16,-26 26-16,26 0 15,-26-27-15,0 1 0,0 0 16</inkml:trace>
+  <inkml:trace contextRef="#ctx0" brushRef="#br0" timeOffset="2796">11896 2618 0,'26'0'0,"0"0"47,0 0-32,-26-26-15,26 26 16,0 0-16,26-26 0,-26 26 15,26-26-15,-27 0 0,27 1 16,0 25-16,-26-26 16,0 0-16,0 0 0,0 0 15,-26 0-15,0 0 16,-26 0-16,26 0 0,-26 26 16,-26-26-16,0 26 0,26 0 15,-25 0-15,-1 0 16,0 26-16,0 26 0,0-26 15,26 26-15,0 26 16,26-27-16,0 27 0,0 0 16,26 0-16,-26-27 0,52 1 15,0 0-15,0 0 16,0-26-16,-1 0 0,27-26 16,-26 0-16,26 0 15,-26-26-15,25 0 0,-25-26 16,26 0-16,-26 0 0,0-25 15,-26-1-15,25 26 16,-25-26-16,0 27 0,-26-1 16,0 0-16,0 0 15,0 26-15,0 0 0,-26 26 16,26-26-16,-26 26 0,1 0 16,-1 0-16,0 0 15,0 0-15,-26 26 0,26 0 16,0-26-16,0 26 0,0 0 15,0 26-15,26-26 16,0 26-16,0-1 0,0-25 16,0 26-16,26-26 15,0 26-15,26-26 0,-26 0 16,26-26-16,-26 26 0,26-26 16,-1 0-16,-25 0 15,0-26-15,0 0 0,0 0 16,-26 0-16,26 0 15,-26-26-15,0 26 0,26 0 16,-26 0-16,0 1 0,26 25 16,0 25-1,-26 1 1,26 0-16,-26 0 16,26 0-16,-26 0 0,25 0 15,1 0-15,-26 0 0,26-26 16</inkml:trace>
+  <inkml:trace contextRef="#ctx0" brushRef="#br0" timeOffset="3324">13426 2333 0,'0'-26'0,"0"-26"0,0 26 16,0 0-16,0 0 0,0 52 31,0 0-31,0 0 0,25 26 15,1-26-15,0 26 0,-26 0 16,26 0-16,0-27 16,0 27-16,-26-26 0,26 0 15,-26 0-15,26 0 0,-26-52 32,0 0-32,0 0 15,0-26-15,-26 1 16,26 25-16,0-26 0,0 0 15,0 0-15,0 26 16,26 0-16,0 26 16,0 0-16,-26 26 15,26 0-15,0-26 16,-26 26-16,26 0 0,-1 0 16,-25 0-16,26-26 15,-26 26-15,26-26 0,0 0 16,-26-26-16,26 26 15,0-26-15,0 0 16,0 26-16,0-26 0,0 0 16,26 0-16,-27 0 15,27 0-15,0 26 0,-26 0 16,26-26-16,-26 26 0,0 26 16,0 0-16,0-26 15,-1 52-15,-25-26 0,26 0 16,-26 26-16,0-26 0,26 26 15,-26-27-15,0 27 16</inkml:trace>
+  <inkml:trace contextRef="#ctx0" brushRef="#br0" timeOffset="4644">21434 0 0,'-26'26'0,"1"26"0,-1 0 15,0 0-15,-26 26 0,0 25 16,26 1-16,-26 25 16,0 1-16,26 26 0,-25-1 15,-1 27-15,26-27 0,-26 26 16,26-25-16,0-1 16,0 1-16,0-1 0,26 1 15,-26 0-15,26-1 16,0 1-16,0-1 0,0-25 15,0 25-15,0 1 0,0-27 16,0 27-16,0-27 16,26 27-16,-26-27 0,0 27 15,0-26-15,0 25 0,0-25 16,0-27-16,0 27 16,0-26-16,0-27 0,0 1 15,0-26-15,0 0 16,0 0-16,0-26 0,26-1 15,-26 1-15,0 0 16,26-26-16,0 0 16,-26-26 15,0 0-15,0 1-16</inkml:trace>
+  <inkml:trace contextRef="#ctx0" brushRef="#br0" timeOffset="5118">20190 5132 0,'-26'0'0,"26"26"31,26-26-31,0 0 16,0 26-16,26-26 0,-26 26 15,0-26-15,0 26 16,0 0-16,25 0 0,-25 0 16,0 0-16,0-1 15,-26 1-15,26 0 0,0 0 16,0 0-16,0-26 16,-26 26-16,26-26 15,0 0-15,0 0 16,0-26-16,-1 26 15,1-26-15,0 0 0,0 0 16,0 0-16,26 1 0,-26 25 16,0-26-16,0 0 15,0 0-15,0 26 0,-1-26 16,1 26-16,-26-26 16,26 26-16,-52 0 31,26 26-16,-26-26-15,1 26 0,-1 0 16,0 0-16,0 25 16,0-25-16,0 0 0,26 0 15,-26 0-15</inkml:trace>
+  <inkml:trace contextRef="#ctx0" brushRef="#br0" timeOffset="6205">20864 5884 0,'0'-26'0,"0"0"15,0 0 1,-26 26 15,0 0-31,0 0 0,-25 0 16,25 26-16,-26-26 0,-26 26 16,26 0-16,-26 0 15,1 0-15,25 25 0,0 1 16,-26 0-16,26 26 15,27 0-15,-27-26 0,26 25 16,26 1-16,0 0 16,0 0-16,26-1 0,26 1 15,-1 0-15,1-26 0,26-1 16,26 1-16,-1 0 16,27-26-16,-1-26 0,27 0 15,-1 0-15,1-26 0,25 0 16,1-26-16,-1 1 15,-25-27-15,-27 0 0,1 0 16,-26 1-16,-1-27 16,-51 26-16,0 0 0,-52-25 15,0 25-15,0 0 0,-52 26 16,0-25-16,-25 25 16,25 0-16,-52 0 0,26 0 15,-25 0-15,-1 26 16,26-25-16,-25 25 0,25 0 15,0 0-15,0 26 0,26 0 16,1 0-16,-1 0 16,26 0-16,0 0 0,0 26 15,0-26-15,0 26 16,26 0-16,-26-26 16,26 26-1,26-26 16,0 25-31,0-25 16,0 0 0,0 0-1,-26 26-15,26-26 16,-26 26 15,0 0 0,-26-26-15</inkml:trace>
+  <inkml:trace contextRef="#ctx0" brushRef="#br0" timeOffset="7183">20294 6247 0,'26'0'16,"-26"-26"-1,26 0 17,-52 52-1,0-26-16,26 26-15,-26-26 16,0 26-16,0-26 16,0 26-16,0-26 0,-25 0 15,-1 25-15,0-25 16,-26 26-16,0-26 0,-25 0 16,-1 0-16,-26-26 0,1 26 15,-1-25-15,-51-1 16,25 0-16,-25 0 0,-1-26 15,1 0-15,-26 0 16,25 0-16,-25 1 0,0-27 16,-1 26-16,1-26 0,-1 0 15,27-25-15,0 25 16,-1 0-16,53-25 0,-27-1 16,26 26-16,27-25 15,25-1-15,-26 26 0,53-26 16,-1 1-16,0 25 0,0 0 15,26-25-15,-26 25 16,52 0-16,-26 26 0,0-26 16,1 27-16,25 25 15,-26 0-15,26 0 0,0 0 16,0 0-16,0 0 16,0 52 30,0 0-14,0-52 46</inkml:trace>
+  <inkml:trace contextRef="#ctx0" brushRef="#br0" timeOffset="7903">16017 3759 0,'52'0'0,"-26"0"15,0-26-15,-52 26 32,0 0-32,0 0 15,0 0-15,-25 26 0,-1-26 16,26 0-16,-26 0 16,-26 25-16,26-25 0,1 0 15,-27 0-15,26 0 16,-26 0-16,26 0 0,1-25 15,-1 25-15,0 0 0,26 0 16,0 0-16,0-26 16,0 26-16,0 0 0,0 0 31,26 26-15,26-26-1,-26 25-15,26 1 16,-26 0-16,0 0 15,0 0-15,26 0 16,-26 0-16,0 0 0,0 0 16,0 0-16,0 0 15,0 0-15,0-1 16,26 1-16,-26 0 16,0 0-16,0 0 0,0 0 15,26 0 1,-26 0-16,0 0 15,0 0 1,26-26-16,-26 26 0,0 0 16,0-1-1,26 1 1,-26 0 0,-26-26 109,0 0-110</inkml:trace>
+  <inkml:trace contextRef="#ctx0" brushRef="#br0" timeOffset="10014">16976 1866 0,'26'-25'16,"0"-1"-16,0 0 0,26 0 16,-26 0-16,26 0 0,25-26 15,1 0-15,0 26 16,26-51-16,-1 25 0,27 0 15,0-26-15,-1 0 16,27 1-16,-27 25 0,1-26 16,-1 0-16,1 1 0,-26 25 15,-1 0-15,1 0 16,-26 0-16,-26 26 0,-1 0 16,-25 26-16,26-26 15,-26 26-15,-26-25 16,26 25-1,0 0 17,-26-26-17,26 26 1</inkml:trace>
+  <inkml:trace contextRef="#ctx0" brushRef="#br0" timeOffset="10457">18765 415 0,'26'0'31,"0"0"-31,0 0 16,-1 0-16,27 0 16,0 0-16,0 0 0,0 0 15,0 0-15,25 0 0,-25 26 16,0-26-16,0 0 15,-26 0-15,26 0 0,-26 26 16,-1-26 0,-25 26-16,0 0 15,0 0-15,-25 0 0,25-1 16,-26 27-16,26 0 16,-26-26-16,26 26 0,-26 0 15,26 25-15,0-25 16,-26-26-16,0 26 0,26 0 15,-26 0-15,-26-26 0,26 0 16,-26 0-16</inkml:trace>
+  <inkml:trace contextRef="#ctx0" brushRef="#br0" timeOffset="11634">7542 2696 0,'-26'0'16,"0"0"-16,0 0 0,0 0 15,1 0-15,-27 0 16,26-26-16,0 26 16,-26 0-16,0-26 0,0 0 15,-25 26-15,-1-26 16,0 0-16,-26 0 0,1-25 16,-27 25-16,26-26 0,-51 26 15,25-26-15,-51 0 16,25 26-16,-25-26 0,-26 1 15,-1-1-15,-25 26 16,26-26-16,-27 26 0,1-26 16,26 26-16,-1-26 0,1 27 15,26-27-15,-1 26 16,1-26-16,25 0 0,1 0 16,-1 0-16,27 1 0,25-1 15,-26 0-15,27 0 16,-1 0-16,0 0 0,27 1 15,-1-1-15,0 26 16,0-26-16,27 26 0,-1-26 16,0 26-16,0 0 0,0-25 15,26 51-15,0-26 16,0 0-16,1 26 0,-1-26 16,0 26-1,26-26-15,-26 26 0,0 0 31,0 26-15,0-26 15,52 0-15,0 0-16</inkml:trace>
+  <inkml:trace contextRef="#ctx0" brushRef="#br0" timeOffset="12210">1685 337 0,'-52'26'0,"26"0"16,-26 0-16,0-26 0,26 26 15,-26 0-15,26-26 0,1 26 16,-1-26-16,0 0 16,26 26-16,-26-26 46,26 26-46,0 0 16,-26-1-16,26 27 16,0-26-16,0 26 0,0 0 15,26 26-15,0-27 16,0 1-16,0 26 0,25-26 16,1 0-16,-26 0 0,26-1 15,0 1-15,0-26 16,-26 0-16,25 26 0,-25-26 15,0 0-15,0-26 16,0 26-16,-26 0 0,26-26 16,-26 26-16,0-1 31,26 1 0,-26 0-15,0 0-1,26-26 1,0 26-16,-26 0 0</inkml:trace>
+  <inkml:trace contextRef="#ctx0" brushRef="#br0" timeOffset="12972">6583 1737 0,'26'0'16,"0"26"-16,0 0 0,-26 0 15,26 0-15,-26-1 0,26 1 16,-26 26-16,26-26 16,25 26-16,1 0 0,0 0 15,0-1-15,26 1 0,-1 0 16,1 0-16,-26 0 16,0 0-16,0 0 0,0-1 15,-26 1-15,-1 0 16,1 0-16,-26-26 0,0 26 15,-26-26-15,1 25 0,-1-25 16,-26 0-16,0 26 16,0-26-16,-26 0 0,26 0 15,1-26-15,-1 26 16,0 0-16,26-26 0,0 26 16,0-26-16,0 25 15,26 1-15,-26 0 16,26 0-16,0 0 15,0 0 1,0 0-16,26-26 16,-26 26-16</inkml:trace>
+  <inkml:trace contextRef="#ctx0" brushRef="#br0" timeOffset="89245">0 4095 0,'26'0'0,"0"0"16,0 0 0,25 0-16,27 26 0,0 0 15,52 0-15,-1 26 0,27 0 16,25 26-16,1 25 15,-1 1-15,0-26 0,1 51 16,-1-51-16,1 26 16,25-1-16,0-25 0,1-26 15,-1 26-15,0-26 0,1-1 16,-27 1-16,27 0 16,-53 0-16,1 0 0,-1-26 15,-51 26-15,-1-27 16,-25 1-16,-26 0 0,-26-26 15,0 26-15,-52-26 16,0 0 0,0 0-16,0 0 15,0-26-15,-26 26 16</inkml:trace>
+  <inkml:trace contextRef="#ctx0" brushRef="#br0" timeOffset="89580">4225 5184 0,'0'-26'16,"0"0"-16,0 0 16,25 26-1,1 0-15,0 26 0,0-26 16,26 26-16,0 26 0,0-26 15,0 0-15,-1 26 16,27-1-16,-26 1 0,-26 0 16,26 26-16,-26-26 15,0 0-15,-26-1 0,0 27 16,0-26-16,0 0 0,-26 0 16,-26-1-16,26 27 15,-26-26-15,0 0 0,0 0 16,1-26-16,-1 26 0,0-27 15,0 1-15,0-26 16,26 0-16</inkml:trace>
+  <inkml:trace contextRef="#ctx0" brushRef="#br0" timeOffset="90919">6428 5884 0,'0'-26'31,"-26"26"16,0-26-31,0 26-16,-26 0 16,26 0-16,0 0 0,-26 0 15,1 0-15,-1 0 16,0 26-16,-26 0 0,0 0 15,26 26-15,-25-1 0,25 1 16,-26 26-16,26 0 16,0 0-16,27-1 0,-1 1 15,26 0-15,0-26 16,26 25-16,-1-25 0,1 0 16,26-26-16,0 26 0,26-26 15,-26 0-15,25-26 16,-25 26-16,26-26 0,-26 0 15,0 0-15,0 0 16,-27 0-16,27 0 0,-26 0 16,0 0-16,-26-26 31,-26 26-15,26-26-1,0 0-15,0 0 16</inkml:trace>
+  <inkml:trace contextRef="#ctx0" brushRef="#br0" timeOffset="91284">6972 6169 0,'26'-26'0,"-26"0"0,26 0 16,-26 0-16,26 0 0,0 0 16,-1 26-1,-25 26 1,0 0 0,0 26-16,0-26 15,0 26-15,0 26 0,0-27 16,0 1-16,0 26 15,0-26-15,-25 0 0,25 25 16,0-25-16,0 0 0,0-26 16,0 26-16,-26-26 15,26 0-15,0 0 0,0 0 16</inkml:trace>
+  <inkml:trace contextRef="#ctx0" brushRef="#br0" timeOffset="91566">6842 6998 0,'-26'26'16,"0"-26"0,1 0-1,50 0 16,1 0-31,0 0 0,0 0 16,26 0-16,0 0 16,26-26-16,-27 26 0,1 0 15,0-26-15,0 26 0,0 0 16,-26-26-16,0 26 16,0 0-16,-52-25 31,0 25-16</inkml:trace>
+  <inkml:trace contextRef="#ctx0" brushRef="#br0" timeOffset="91841">6946 6143 0,'-26'0'0,"0"-26"16,26 0-16,-26 26 0,26-26 16,0 0-1,26 26 1,0 0-16,26 0 0,-26 0 16,26-26-16,-26 26 15,25 0-15,1 0 0,0 0 16,-26 0-16,26 0 0,-26 0 15,0 0-15,0 0 16,-26 26-16</inkml:trace>
+  <inkml:trace contextRef="#ctx0" brushRef="#br0" timeOffset="92135">7490 6921 0,'26'25'0,"0"-25"16,0 0 0,0 0-1,0-25-15,0 25 0,26 0 16,-26 0-16,25 0 15,1 0-15,-26 0 0,26 0 16,-26 0-16,0 0 16,0 0-16,0 0 0,-26-26 31</inkml:trace>
+  <inkml:trace contextRef="#ctx0" brushRef="#br0" timeOffset="92495">8605 6091 0,'0'-26'16,"0"0"-16,0 0 0,0 0 16,0 1-16,26 25 31,-26 25-31,26 1 0,-26 26 16,26-26-16,-1 26 0,-25 26 15,26-26-15,-26 25 16,0 1-16,0 0 0,0 0 15,0-27-15,-26 27 16,26-26-16,-25 26 0,-1-52 16,0 26-16,26-27 15,-26 1-15,0-26 0</inkml:trace>
+  <inkml:trace contextRef="#ctx0" brushRef="#br0" timeOffset="92754">8786 6273 0,'26'-52'16,"0"26"-1,0 52 17,-26 0-32,26 0 15,-26 0-15,26-1 0,0 27 16,0-26-16,0 26 15,-1 0-15,1 0 0,0-26 16,0 25-16,0 1 0,-26-26 16,26 0-16,-26 0 15,0 0-15,0 0 0</inkml:trace>
+  <inkml:trace contextRef="#ctx0" brushRef="#br0" timeOffset="93786">9071 6169 0,'0'-26'0,"0"52"125,0 0-110,-26-26 1,26 26 0,0 0-1,26-26 16,-26-26-15,26 26 0,-26-26-1,26 26-15,0 0 16,-26 26 15,0 0-15,0 26-16,26-27 0,-26 27 15,0 0-15,0 0 0,0 26 16,0-26-16,0-1 16,26 1-16,-26 0 0,0-26 15,0 26-15,0-26 16,0 0-16,0 0 16,0-52-1,0 0-15</inkml:trace>
+  <inkml:trace contextRef="#ctx0" brushRef="#br0" timeOffset="94284">9227 6169 0,'0'-52'0,"0"26"16,0 0-16,0 0 0,0 0 15,0 0 1,26 26-1,-26 26-15,0 0 16,26 0-16,-26 0 16,26 0-16,-1 0 0,1 0 15,0 26-15,0 0 16,0-1-16,26 1 0,-26 0 16,0 26-16,26-26 15,-26 0-15,-1-1 0,1-25 16,0 26-16,0-26 0,0 0 15,0 0-15,-26 0 16,26 0-16,0-26 0,0 0 16,0 0-1,-26-26-15,26 26 16,-26-26-16,0-26 0,26 26 16,-26-26-16,0-25 15,0-1-15,-26 26 0,0-52 16,26 27-16,-26-1 15,0 26-15,26-26 0,-26 26 16,26 26-16,0 0 16,0 1-16,0 50 31,26 1-31,-26 0 16,26 0-16,-26 0 15,0 0-15</inkml:trace>
+  <inkml:trace contextRef="#ctx0" brushRef="#br0" timeOffset="94656">10626 6169 0,'0'-26'15,"0"0"1,0 0-16,-26 26 16,26-26-16,-25 26 0,-1-26 15,0 26-15,0 0 16,0 26-16,0 0 0,0 0 16,0 0-16,0 26 0,-26 0 15,26 0-15,1 25 16,25-25-16,-26 26 0,26-26 15,0 25-15,0-25 16,26 0-16,-1 0 0,1 0 16,0-26-16,26 0 0,-26 0 15,26-1-15,0-25 16,-26 0-16,25-25 0,1 25 16,-26-26-16,0-26 0,0 26 15</inkml:trace>
+  <inkml:trace contextRef="#ctx0" brushRef="#br0" timeOffset="95035">11041 6143 0,'26'0'0,"-26"-26"0,0 0 16,26 26-16,-26-26 15,26 26 1,-26 26-16,0 0 16,0 0-16,0 0 15,0 0-15,-26 26 0,26-26 16,0 25-16,-26 1 0,26 26 16,0-26-16,0 0 15,0 0-15,0 25 0,0-51 16,0 26-16,0 0 15,26-26-15,-26 0 0,26 0 16,-26 0-16,26-26 16,0 25-16,0-25 15,0 0-15,-1 0 0,1-25 16,0 25-16,0-26 16,-26 0-1,0 0-15</inkml:trace>
+  <inkml:trace contextRef="#ctx0" brushRef="#br0" timeOffset="95760">11637 6117 0,'-26'-26'0,"26"0"16,0 0-16,0 0 16,0 52-1,0 0 1,0 0-16,0 26 0,0-26 16,0 26-16,0 26 15,0-27-15,0 27 0,0 0 16,0-26-16,0 25 15,0-25-15,0 26 0,26-26 16,-26 0-16,26-26 0,0 0 16,-26-1-16,26 1 15,0-26-15,26 0 0,-26 0 16,0-26-16,-1 1 0,27-1 16,-26-26-16,0 0 15,0-26-15,0 26 0,0-25 16,0-1-16,-26 0 15,26 26-15,-26 0 0,0 1 16,0-1-16,0 26 0,0 0 16,-26 26-1,0 0 1</inkml:trace>
+  <inkml:trace contextRef="#ctx0" brushRef="#br0" timeOffset="96295">12570 6247 0,'0'-26'31,"0"52"-16,0 0 1,0 25-16,0-25 16,0 52-16,0-26 0,0 0 15,0 26-15,0-1 16,0 1-16,0-26 0,0 26 16,0-27-16,0 1 0,0-26 15,0 0-15,0 0 16,0 0-16,0-52 15,0 0-15,0 0 16,0 0-16,0-26 0,0-25 16,0-1-16,0 0 0,0-25 15,0-1-15,0 0 16,0 1-16,26-1 0,0 26 16,0 26-16,26 0 15,0 26-15,-26 26 0,25 0 16,27 26-16,-26 0 0,0 26 15,0 26-15,-26 0 16,0-1-16,-1 1 0,1 0 16,-26 0-16,-26-1 0,26 1 15,-51-26-15,25 0 16,-52-26-16,26 26 0,0-26 16,-25-1-16,25-25 15,0 0-15,0 0 0,26-25 16</inkml:trace>
+  <inkml:trace contextRef="#ctx0" brushRef="#br0" timeOffset="96654">14203 6065 0,'0'-26'0,"0"0"16,-26 0-16,0 1 16,0 25-16,0 0 15,-25 0-15,25 0 0,0 25 16,-26 1-16,26 0 16,0 26-16,0 0 0,26 0 15,-26 0-15,0 25 0,26-25 16,0 26-16,0 0 15,0 0-15,0-27 0,0 27 16,26-26-16,0 0 16,0 0-16,26-26 0,-26-1 15,26 1-15,0 0 0,-1-26 16,-25 0-16,26-26 16,0 0-16,-26 1 0,0-27 15</inkml:trace>
+  <inkml:trace contextRef="#ctx0" brushRef="#br0" timeOffset="96846">14074 6506 0,'-52'-26'16,"0"26"-16,0 0 0,26 0 15,0 0-15,52 26 32,26-26-32,0 0 0,0 0 15,25 0-15,1 0 16,0 0-16,0-26 0,-1 26 15,-25 0-15,0 0 16,-26 0-16,0-26 0</inkml:trace>
+  <inkml:trace contextRef="#ctx0" brushRef="#br0" timeOffset="98166">5339 7076 0,'0'-26'15,"0"0"-15,0 52 31,26-26-31,-26 26 16,26 0-16,-26 0 0,0 26 16,26-26-16,-26 25 15,0-25-15,0 26 0,0 0 16,0 0-16,0-26 0,0 26 16,0-26-16,0 25 15,0-25-15,0 0 0,0 0 16,0 0-16,26-26 15,0 0 1,0 0 0,-1 0-16,27 0 0,0-26 15,0 26-15,26 0 0,-1 0 16,27 0-16,-26 0 0,52 0 16,-27 0-16,1 0 15,25 0-15,-25 0 0,0 0 16,-1 0-16,-25 0 15,-26 0-15,26 0 0,-52 0 16,26 0-16,-27 0 0,1 0 16,0 0-16,-26-26 15,26 26-15,0-26 16,0 26-16,0 0 16,0-26-16,0 26 15,-26-25-15,26 25 16,-26-26-16,0 0 15,-26 0-15,0 0 16,26 0-16,-26 0 16,26 0-16,-26 0 0,26 0 15,-26 0-15,26 0 0,0 0 16,-26 52 15,26 0-15</inkml:trace>
+  <inkml:trace contextRef="#ctx0" brushRef="#br0" timeOffset="98502">6350 7905 0,'-26'0'0,"0"-25"0,26-1 15,26 26 17,0 26-17,0-26-15,0 25 16,-26 27-16,26 0 0,-26 0 15,26 0-15,-26 0 16,0 25-16,0-25 0,0 26 16,0-26-16,0 0 0,0-1 15,0 1-15,0-26 16,-26 0-16</inkml:trace>
+  <inkml:trace contextRef="#ctx0" brushRef="#br0" timeOffset="99810">5883 9201 0,'26'0'0,"0"-26"16,0 1-1,0-1-15,-26 0 0,26 26 16,-26-26-16,0 0 16,0 0-16,0 0 0,-26 26 15,26-26-15,-26 26 0,0 0 16,-26 0-16,26 0 16,0 0-16,-25 26 0,-1 26 15,0-26-15,0 26 16,26-26-16,-26 25 0,26 27 15,1-26-15,-1 0 0,0 26 16,26-1-16,0-25 16,0 26-16,26-26 0,-26 25 15,26-25-15,25 0 16,-25-26-16,0 0 0,26 0 16,0 0-16,-26 0 0,26-26 15,-1 0-15,-25 0 16,26 0-16,-26 0 0,0-26 15,0 0-15,0 0 16,0 0-16,0 0 0,0-26 16,0 0-16,0 1 0,-26-1 15,25 26-15,1-26 16,-26 26-16,26-26 0,-26 26 16,26 26-1,-52 0 1,26 26-1,-26 0-15,26 0 0,0 0 16,0 0-16,-26 0 0,26 26 16,0-26-16,0 25 0,26 1 15,-26-26-15,0 26 16,26-26-16,-26 0 0,26 0 16,-26 0-16,26 0 15,0 0-15,0-26 16,0 0-16,0 0 0,0 0 15,26-26-15,-27 0 16,1 0-16,0-26 0,-26 26 16,26-26-16,0 0 15,0 1-15,-26-1 0,0 0 16,26 26-16,-26-26 0,0 26 16,0 52-1,0 0 1,0 0-16,0 0 15,0 26-15,0-26 0,0 25 16,0-25-16,0 26 0,0-26 16,26 0-16,-26 0 15,26 0-15,-26 0 0,26-26 16,0 0-16,0 0 16,-1 0-16,1-26 0,0 0 15,0-26-15,26 0 0,-26 0 16,0 1-16,26-27 15,-26 26-15,0-26 0,-1 26 16,1 1-16,-26 25 16,26 0-16,-26 0 0,0 0 15,-26 26-15,0 0 16,1 0-16,25 26 16,-26-26-16,0 26 0,26 0 15,0 0-15,0 0 16,0-1-16,26 1 0,0 0 15,-1 0-15,1 0 0,26-26 16,-26 52-16,0-52 16,0 52-16,0-26 0,0 0 15,-26 0-15,0-1 0,0 27 16,-26-26-16,0 0 16,0 0-16,0 0 0,-26 0 15,26-26-15,0 0 16,1 0-16,25-26 0,0 0 15</inkml:trace>
+  <inkml:trace contextRef="#ctx0" brushRef="#br0" timeOffset="100074">7594 9098 0,'26'0'0,"-26"26"31,0 0-15,0 25-16,0-25 16,0 26-16,0 0 0,0 0 15,0 0-15,0 25 16,0-25-16,0 26 0,0-26 16,0 0-16,0-1 15,0 1-15,0 0 0,0-26 16,0 0-16,0 0 15</inkml:trace>
+  <inkml:trace contextRef="#ctx0" brushRef="#br0" timeOffset="101389">7568 9823 0,'0'-26'16,"0"1"-16,0-1 0,0 0 16,0 0-16,0 0 15,0 0-15,26 0 16,0 26-1,0-26-15,0 26 0,26 0 16,-27-26-16,27 26 0,0-26 16,0 26-16,-26-26 15,26 26-15,-26-26 0,0 26 16,-1 0-16,1-25 16,-52 25-1,1 0 1,-1 25-1,0 1-15,0 0 0,26 26 16,-26-26-16,0 26 16,26 0-16,0-26 0,0 25 15,0-25-15,0 0 0,26 0 16,0-26-16,0 26 16,0-26-16,25 0 0,-25 0 15,26-26-15,0 0 16,-26 0-16,26 0 0,-26 1 15,0-27-15,0 26 0,-26-26 16,0 26-16,0-26 16,0 26-16,-26 0 0,0 0 15,0 1-15,0 25 16,-26-26-16,26 26 0,-26 0 16,26 0-16,0 0 0,1 26 15,-1-26-15,0 0 16,26 25-16,26-25 31,0 0-31,-1 0 16,1 0-16,0 0 0,26-25 15,-26 25-15,0 0 16,0-26-16,26 26 0,-26 0 16,0 0-16,-1 0 15,1 26-15,0-1 0,0-25 16,0 26-16,0 26 0,0-26 15,0 26-15,0-26 16,-26 26-16,26 0 0,-26-1 16,0-25-16,-26 0 0,26 26 15,-26-26-15,26 0 16,-26-26-16,26 26 0,-26-26 16,0-26-1,26 0-15,0 0 0,0 0 16,0-26-16,26 0 15,-26 1-15,26-1 0,-26 0 16,26-26-16,0 26 0,0 1 16,0 25-16,0 0 15,0 0-15,-1 26 0,1 0 16,0 0-16,0 26 16,0 0-16,-26 0 15,0 25-15,26-25 0,-26 26 16,0-26-16,26 26 15,-26-26-15,0 0 0,0 0 16,0 0-16,0-1 0,0 1 16,-26-26-1,26-26-15,0 1 16,0-1-16,26 0 16,0-26-16,-26 0 0,26 26 15,0-26-15,0 26 16,0 0-16,-1 1 0,1 25 15,0 0-15,-26 25 16,26 1-16,-26 0 16,26 26-16,-26 0 0,0 0 15,0 0-15,26-26 0,-26 25 16,0-25-16,26 0 16,-26 0-16,26 0 0,0-26 15,0 0 1,0-26-16,25 26 0,-25-52 15,0 26-15,26-25 0,-26-1 16,0 0-16,0 0 16,0 0-16,0 0 0,0 1 15,-26 25-15,0 0 16,0 0-16,-26 0 0,0 26 16,0 0-16,0 0 0,0 0 15,0 26-15,0 26 16,0-26-16,0 25 0,26-25 15,-26 26-15,26 0 16,0 0-16,26 0 0,-26-1 16,26-25-16,0 26 0,0-52 15,0 26-15,0-26 16,26 0-16,-26-26 0,26 0 16</inkml:trace>
+  <inkml:trace contextRef="#ctx0" brushRef="#br0" timeOffset="101717">9953 9357 0,'0'-26'16,"0"52"15,0 0-15,0 0-16,25 0 15,-25 25-15,0 1 0,26 0 16,-26-26-16,0 26 0,0 0 15,-26-26-15,26 25 16,0-25-16,-25-26 0,25 26 16,-26-26-16,26-26 15,0-25-15,0 25 16,0-26-16,26-26 0,-26 26 16,25-26-16,27 1 15,-26-1-15,26 26 0,-26 0 16,26 26-16,0 0 15,-26 1-15,-1 25 0,1 0 16,0 0-16,-26 25 0</inkml:trace>
+  <inkml:trace contextRef="#ctx0" brushRef="#br0" timeOffset="102721">7801 10523 0,'0'-26'0,"0"0"0,26 0 16,-26 52 31,-26 0-32,0-26 1,0 0 15,26-26-31,0 0 16,0 1-1,0-1-15,0-26 0,26 26 16,0 0-16,-26-26 16,26 26-16,0 0 0,0 0 15,0 0-15,0 26 0,0 0 16,0 26-1,-26 26-15,0 0 0,0 0 16,0 26-16,-26-1 0,26 1 16,-26 0-16,26 26 15,-26-27-15,26 1 0,0 0 16,-26-26-16,26 25 16,0-51-16,0 26 0,-26-26 15,26 0-15,0-52 31,26 0-31,-26 0 0,0-26 16,0 26-16,-26-25 16,26 25-16,-26 0 0,0 0 15,0 26-15,0 0 0,1 26 16,-27 0-16,26 26 16,0-1-16,0 1 0,-26 0 15,52 0-15,-26 26 16,0-26-16,26 25 0,0-25 15,0 0-15,26-26 0,-26 0 16,26 0-16,0-26 16,26 0-16</inkml:trace>
+  <inkml:trace contextRef="#ctx0" brushRef="#br0" timeOffset="103122">8138 11016 0,'26'-26'0,"-26"0"15,26 0-15,-26 0 16,0 0-16,26 26 0,-26-26 16,0 52-1,0 0 1,0 0-16,0 0 16,0 26-16,0-26 15,-26 25-15,26-25 0,0 0 16,-26 26-16,26-26 0,0 0 15,0 0 1,0-52 0,0 0-16,0 0 0,26 0 15,-26-26-15,26 0 16,0 1-16,26 25 0,-26-26 16,0 0-16,25 26 15,-25 0-15,0 26 0,0 0 16,0 26-16,0 0 0,0 0 15,-26 0-15,0 26 16,0-26-16,0 25 0,0 1 16,0-26-16,-26 0 15,26 0-15</inkml:trace>
+  <inkml:trace contextRef="#ctx0" brushRef="#br0" timeOffset="105114">8890 10860 0,'26'-26'16,"0"26"-16,0-26 0,-26 0 16,-26 0 15,0 26-31,0 0 16,0 0-16,-26 26 0,26 0 15,0-26-15,0 26 0,0 26 16,1-26-16,25 26 15,-26 0-15,26-26 0,26 25 16,-26 1-16,25-26 16,27 26-16,-26-26 0,26 0 15,-26-26-15,26 0 0,0 0 16,-26 0-16,25-26 16,-25 0-16,0 0 0,0-26 15,0 0-15,0 1 16,0-27-16,-26 0 0,26 26 15,-26-51-15,26 51 0,-26-26 16,0 0-16,26 26 16,-26 26-16,0 1 0,-26 50 31,26 27-31,0-26 0,-26 26 16,26 26-16,0-26 0,-26 25 15,26 1-15,0-26 16,0 0-16,0 0 0,0-1 15,0-25-15,0 26 0,0-26 16,26-26-16,-26 26 16,26-26-16,0 0 0,0-26 15,-26 0-15,25 0 16,1 0-16,0-25 0,0 25 16,0 0-16,0 0 15,-26 0-15,26 0 0,0 26 16,-26 26 15,-26 0-31,0 0 16,26 0-1,0 0-15,0-1 0,0 27 16,0-26-16,0 0 0,26 0 16,-26 26-16,26-26 15,0-26-15,0 26 0,0-26 16,0 0-16,-1 0 15,1 0-15,0-26 0,0 0 16,0 0-16,0-26 0,0 26 16,-26-26-16,26 1 15,-26-1-15,0 26 0,0-26 16,0 26-16,0 0 0,0 0 16,0 52-1,0 0 1,0 26-1,0-26-15,0 0 0,0 26 16,0-27-16,0 1 16,26 26-16,-26-26 0,26 0 15,0 0-15,0 0 0,0-26 16,-1 0-16,27 0 16,-26 0-16,26 0 0,0-26 15,0-26-15,0 26 0,-1 0 16,1-26-16,-26 27 15,26-27-15,-52 26 0,26 0 16,-26 0-16,0 0 16,0 0-16,-26 26 0,0 0 15,0 0-15,0 0 0,-26 0 16,26 26-16,-25-26 16,25 26-16,0-26 0,-26 26 15,26 0-15,0 0 16,26 0-16,-26 0 0,26-1 15,0 1-15,0 26 0,0-26 16,0 0-16,26 0 16,-26 0-16,26 0 0,0 0 15,0-26-15,0 0 16,26 0-16,-26-26 0,-1 0 16,27 0-16,-26 0 0,0 0 15,0-26-15,0 0 16,0 1-16,-26-1 0,26-26 15,-26 0-15,26 26 16,-26-25-16,0 25 0,26 0 16,-26 26-16,0 0 0,0 0 15,0 52 1,0 0-16,0 0 0,0 26 16,-26 0-16,26 25 15,0-25-15,-26 26 0,26-26 16,0 26-16,0-27 0,0 27 15,0-26-15,0 0 16,0-26-16,26 0 0,0 0 16,0-26-16,25 0 15,-25 0-15,26-26 0,0 0 16,-26 0-16,26-26 0,-26 26 16,25 0-16,-25 0 15,-26 0-15,26 0 0,-26 1 16,0-1-16,0 0 15,0 0 1,26 26 31,0 0-31,0 0-16,0 0 15,0-26-15,0 26 0,0 0 16,0-26-16,0 0 15,0 26-15,-1-26 0,-25 0 16,0 0-16,0 0 16,-25 26-16,-27-26 15,26 26-15,-26-25 0,0 25 16,0 0-16,0 25 16,1 1-16,25 0 0,-26 0 15,26 0-15,26 26 16,0 0-16,0-26 0,0 26 15,0-27-15,26 1 0,0 26 16,0-26-16,0-26 16,25 26-16,-25-26 0,26 0 15,0 0-15,0-26 0,0 0 16,0 0-16,-1 0 16,1 0-16,0-25 0,0-1 15,-26 0-15,26 0 16,-26 0-16,-1 0 0,1 1 15,-26-1-15,26 26 0,-26-26 16,-26 26 0,0 26-16,1 26 15,-1 0-15,26 0 16,0 0-16,0 26 0,0-26 16,0 25-16,26 1 0,-1 0 15,1-26-15,26 26 16,-26 0-16,0-26 0,-26-1 15,0 1-15,0 26 16,-52-52-16,0 26 0,1 0 16,-27-26-16,-26 0 0,26 0 15,-25-26-15</inkml:trace>
+  <inkml:trace contextRef="#ctx0" brushRef="#br0" timeOffset="109620">11119 7361 0,'-26'0'0,"0"0"0,0-26 15,52 26 16,0 26-31,0 0 16,0 0-16,26 0 16,-26 0-16,25 26 0,1-26 15,0 25-15,0 1 0,26 0 16,-27 26-16,27-26 16,0 25-16,0 1 0,25 0 15,-25 0-15,26 25 16,25-25-16,-25 0 0,26 0 15,-1-1-15,27-25 0,-27 26 16,27-26-16,-1 26 16,-25-27-16,25-25 0,-25 26 15,0-26-15,-27 0 16,1 0-16,-26 0 0,0-26 16,-27 26-16,1-26 0,-26 0 15,0 0-15,0 0 16,0 0 46,-26-26-46</inkml:trace>
+  <inkml:trace contextRef="#ctx0" brushRef="#br0" timeOffset="109997">14359 8813 0,'0'-26'15,"-26"26"1,26-26-16,0 52 47,26-26-32,0 26-15,-1 0 16,1-1-16,0 1 0,0 0 16,0 0-16,0 0 15,0 0-15,0 26 0,-26-26 16,26 0-16,-26 0 0,0 0 16,0-1-16,0 1 15,0 0-15,-26 0 0,0 0 16,0 0-1,-26 0-15,26-26 0,0 26 16,0-26-16,1 26 0,-1-26 16,0 26-16,0-26 15</inkml:trace>
+  <inkml:trace contextRef="#ctx0" brushRef="#br0" timeOffset="110843">17858 7594 0,'0'-25'0,"26"25"16,-26-26-16,0 0 15,-26 0 1,0 0-16,0 0 16,0 26-16,-26-26 15,0 0-15,-26 0 0,1 0 16,-27 0-16,0 26 0,-25-26 16,-1 0-16,-25 1 15,-1 25-15,1-26 0,-1 26 16,27 0-16,-27 0 15,26 0-15,1 0 0,25 0 16,0 0-16,1 0 0,25 26 16,26-26-16,0 25 15,1-25-15,25 0 0,0 26 16,26 0 15,26-26-31,0 0 31,-1 0-31,1 0 16,0 0 0</inkml:trace>
+  <inkml:trace contextRef="#ctx0" brushRef="#br0" timeOffset="111726">15655 7024 0,'-26'-26'15,"0"26"1,0 0 0,0 0-16,-26 26 15,26 0-15,0-26 16,0 26-16,0 0 0,-25 0 15,25-26-15,-26 26 16,26 0-16,0 0 0,0 0 16,0-1-16,0 1 0,26 0 15,-26 0-15,26 0 16,-26-26-16,26 26 0,0 0 16,0 0-16,0 0 15,26 0-15,-26 0 16,26-26-16,-26 26 0,26 0 15,0-1-15,0 1 16,0 0-16,0 0 16,0-26-16,0 26 15,0 0-15,-1-26 78,1 0-62,0 26 15,0-26-15,-26 26 15,26-26 157,0 0-173,0 0 1,0 0 0,-26-26 62,-26 26-78</inkml:trace>
+  <inkml:trace contextRef="#ctx0" brushRef="#br0" timeOffset="113022">15240 9150 0,'-26'-26'15,"0"0"17,0 26-17,0-26 1,0 26-1,26-26 32,26 26-47,0 0 16,0-26-16,0 26 0,26-26 16,0 26-16,-26 0 0,25-26 15,1 26-15,0 0 16,0 0-16,-26 0 0,26 0 15,-26 0-15,-26 26 16,25-26-16,-25 26 0,0 0 16,0 0-16,0 0 15,-25 0-15,-1 0 0,0 25 16,0-25-16,-26 26 0,26 0 16,-26 0-16,26 0 15,-26-1-15,27 1 0,-1 0 16,-26 0-16,26 0 0,0 0 15,26-1-15,-26-25 16,0 0-16,26 0 0,0 0 16,26-52 15,0 26-31,0-26 16,26 26-16,-26-26 15,25 26-15,1 0 0,-26 0 16,26 0-16,-26 0 15,26 0-15,-26 26 0,0-26 16,0 26-16,-1 0 0,1 0 16,-26 0-1,0-52 17,-26 0-32,26 0 0</inkml:trace>
+  <inkml:trace contextRef="#ctx0" brushRef="#br0" timeOffset="113251">15369 9590 0,'-25'-26'0,"-1"26"15,52 0 1,-1 0 0,1 0-16,0 0 15,0 0-15,0 0 16,0 0-16,0 0 0,26 0 15,-26 0-15,0 0 0,0 0 16,-1 0-16,1 0 16,0-26-16,-26 0 15,-26 26 1</inkml:trace>
+  <inkml:trace contextRef="#ctx0" brushRef="#br0" timeOffset="115374">15136 10394 0,'0'-26'0,"26"0"16,-26 0-16,0 0 0,26 26 15,-26-26-15,26 0 16,0 26 0,-26 26-1,0 0-15,0 26 16,0-26-16,26 26 0,-26-27 16,0 27-16,26 0 15,-26-26-15,0 26 0,26-26 16,-26 26-16,26-26 0,-26-1 15,25-25-15,1 26 16,0-26-16,0 0 16,0-26-1,0 1-15,-26-1 0,26 0 16,0 0-16,0 0 0,-26 0 16,26-26-16,-26 26 15,26 26-15,-26-26 0,-26 52 31,26 0-15,-26 0-16,0 26 0,0-26 16,0 0-16,26 26 15,-26-27-15,26 27 0,-26 0 16,26 0-16,0-26 16,0 26-16,0 0 0,0-27 15,0 27-15,0-26 0,26 0 16,-26 0-16,0 0 15,0 0-15,26-26 16,-26-26 0,0 0-1,0 0-15,0 0 0,0 0 16</inkml:trace>
+  <inkml:trace contextRef="#ctx0" brushRef="#br0" timeOffset="116531">16354 9279 0,'0'-26'16,"-26"0"-16,26-26 15,-25 27-15,25-1 0,0 0 16,25 0-1,1 0-15,0 26 0,0 0 16,26 0-16,-26 0 0,26 0 16,0 0-16,-26 26 15,25 0-15,-25 0 0,26 0 16,-26-1-16,-26 27 0,26 0 16,-26-26-16,0 26 15,-26 0-15,0 0 0,-26-27 16,26 27-16,-25 0 15,25 0-15,-26-26 0,26 26 16,-26 0-16,26-1 0,0 1 16,26-26-16,0 26 15,0 0-15,0-26 0,0 26 16,26-26-16,0-1 16,26 1-16,-26 0 0,26-26 15,-26 26-15,-1-26 0,27 0 16,-26 0-16,0 0 15,0 0-15,0 0 0,0 0 16,-52 26 15,0-26-31,0 26 16,0-26-16,0 26 16,0 0-16,0 0 0,1-26 15,-1 26-15,26 0 16,0 0-16,0-1 0,0 1 15,0 0-15,0 0 0,26 0 16,-1 26-16,-25-26 16,0 0-16,26 0 0,-26 0 15,0 0-15,26-1 0,-26 1 16,0 26-16,0-26 16,-26 0-16,26 0 0,-26 0 15,26 0-15,-25 0 16,25 0-16,-26-26 15,26 26-15,0-1 16,-26-25-16,26 26 16,-26-26-1,0 0 157</inkml:trace>
+  <inkml:trace contextRef="#ctx0" brushRef="#br0" timeOffset="118357">8164 7543 0,'-26'0'16,"26"26"-16,-26-26 15,0 0 1,52 0-1,0 0 1,26 0-16,0 0 16,52-26-16,-1 26 15,27-26-15,51 0 0,1 0 16,25 26-16,0-26 16,1 0-16,-1 0 0,-25 26 15,-27-26-15,-25 26 0,-27 0 16,-25-26-16,-26 26 15,-26 0-15,-52 26 16,-26-26 0,0 0-16,0 26 0,1-26 15</inkml:trace>
+  <inkml:trace contextRef="#ctx0" brushRef="#br0" timeOffset="118704">8527 7854 0,'-52'26'0,"26"-26"0,0 0 15,26 25 1,26-25-16,0 0 15,26-25-15,0 25 0,0-26 16,51 0-16,1 26 16,26-26-16,25-26 0,1 26 15,-1 0-15,27 0 16,-27 0-16,1 0 0,-1 26 16,-25-26-16,-27 26 15,1 0-15,-26-25 0,-52 25 16,26 0-16,-78 25 31,0-25-31</inkml:trace>
+</inkml:ink>
+</file>
+
+<file path=ppt/ink/ink42.xml><?xml version="1.0" encoding="utf-8"?>
+<inkml:ink xmlns:inkml="http://www.w3.org/2003/InkML">
+  <inkml:definitions>
+    <inkml:context xml:id="ctx0">
+      <inkml:inkSource xml:id="inkSrc0">
+        <inkml:traceFormat>
+          <inkml:channel name="X" type="integer" max="1920" units="cm"/>
+          <inkml:channel name="Y" type="integer" max="1080" units="cm"/>
+          <inkml:channel name="T" type="integer" max="2.14748E9" units="dev"/>
+        </inkml:traceFormat>
+        <inkml:channelProperties>
+          <inkml:channelProperty channel="X" name="resolution" value="55.81395" units="1/cm"/>
+          <inkml:channelProperty channel="Y" name="resolution" value="55.6701" units="1/cm"/>
+          <inkml:channelProperty channel="T" name="resolution" value="1" units="1/dev"/>
+        </inkml:channelProperties>
+      </inkml:inkSource>
+      <inkml:timestamp xml:id="ts0" timeString="2020-11-20T20:06:59.099"/>
+    </inkml:context>
+    <inkml:brush xml:id="br0">
+      <inkml:brushProperty name="width" value="0.05" units="cm"/>
+      <inkml:brushProperty name="height" value="0.05" units="cm"/>
+      <inkml:brushProperty name="fitToCurve" value="1"/>
+    </inkml:brush>
+  </inkml:definitions>
+  <inkml:trace contextRef="#ctx0" brushRef="#br0">6376 2281 0,'0'-26'0,"0"-25"0,0 25 16,0-26-16,0 26 15,0-26-15,0 0 0,-26 0 16,0 1-16,0-1 0,0 0 15,-26-26-15,1 26 16,-1-26-16,0 1 0,-26-27 16,-26 26-16,27-25 0,-53 25 15,0-26-15,1 1 16,-1-1-16,-25 26 0,-1 0 16,-25-25-16,25 51 15,1-26-15,-27 0 0,1 26 16,0 1-16,-1-1 15,1 0-15,-1 26 0,1-26 16,25 26-16,-25 0 0,-1 26 16,27-26-16,-1 26 15,1 0-15,-1 0 0,27 0 16,25 26-16,-25-26 0,25 26 16,0 0-16,1 0 15,-1 0-15,0 0 0,1 0 16,25 0-16,-26 0 15,26 0-15,1-26 0,25 26 16,0-1-16,0-25 0,0 26 16,26-26-16,0 0 15,0 26-15,1-26 0,-1 26 16,0-26-16,0 0 16,26 26-16,-26-26 0,0 0 15,26 26-15,-26-26 0,0 0 16,26 26-1,-26-26 64</inkml:trace>
+  <inkml:trace contextRef="#ctx0" brushRef="#br0" timeOffset="996">337 156 0,'0'-26'0,"-26"26"47,0 0-47,0 0 15,0 26 1,0 0-16,0 0 16,0 0-16,26 0 15,-25 0-15,-1-1 16,26 27-16,-26-26 0,0 0 15,26 0-15,-26 0 16,26 0-16,-26 0 0,26 0 16,0 0-1,0 0-15,26-26 16,0 0-16,0 0 16,0 0-16,0 0 15,-1 0-15,1 0 16,0 0-16,0 0 15,0 0-15,0 0 16,0 0-16,0 0 16,-26 26 187,-26-26-188,26 25 1</inkml:trace>
+</inkml:ink>
+</file>
+
+<file path=ppt/ink/ink5.xml><?xml version="1.0" encoding="utf-8"?>
+<inkml:ink xmlns:inkml="http://www.w3.org/2003/InkML">
+  <inkml:definitions>
+    <inkml:context xml:id="ctx0">
+      <inkml:inkSource xml:id="inkSrc0">
+        <inkml:traceFormat>
+          <inkml:channel name="X" type="integer" max="1920" units="cm"/>
+          <inkml:channel name="Y" type="integer" max="1080" units="cm"/>
+          <inkml:channel name="T" type="integer" max="2.14748E9" units="dev"/>
+        </inkml:traceFormat>
+        <inkml:channelProperties>
+          <inkml:channelProperty channel="X" name="resolution" value="55.81395" units="1/cm"/>
+          <inkml:channelProperty channel="Y" name="resolution" value="55.6701" units="1/cm"/>
+          <inkml:channelProperty channel="T" name="resolution" value="1" units="1/dev"/>
+        </inkml:channelProperties>
+      </inkml:inkSource>
+      <inkml:timestamp xml:id="ts0" timeString="2020-11-20T18:34:25.021"/>
+    </inkml:context>
+    <inkml:brush xml:id="br0">
+      <inkml:brushProperty name="width" value="0.05" units="cm"/>
+      <inkml:brushProperty name="height" value="0.05" units="cm"/>
+      <inkml:brushProperty name="fitToCurve" value="1"/>
+    </inkml:brush>
+  </inkml:definitions>
+  <inkml:trace contextRef="#ctx0" brushRef="#br0">158 129 0,'-26'26'15,"26"0"-15,-26 0 16,26 0-16,0 0 0,0 0 16,-25 26-16,25-26 15,0 26-15,-26-1 0,26-25 16,0 26-16,-26 0 16,26-26-16,0 0 0,-26 0 15,26 0-15,0 0 0,0 0 16,0-52-1,0 0 1,0 0-16,0 0 16,26 0-16,-26 0 15,0-26-15,26 0 0,-26 1 16,26-1-16,-26 0 16,25 0-16,-25 0 0,26 0 15,0 26-15,-26-25 0,26 25 16,0-26-16,0 26 15,0 26-15,0 0 0,0 0 16,0 0 0,-26 26-16,26 0 0,-26 0 15,26 0-15,-26 25 0,0-25 16,25 26-16,-25 0 16,0 0-16,26 0 0,-26 0 15,26-1-15,-26-25 16,0 26-16,0-26 0,26 26 15,-26-26-15,0 0 0,0 0 16,26-26 0</inkml:trace>
+  <inkml:trace contextRef="#ctx0" brushRef="#br0" timeOffset="257">132 466 0,'-26'0'16,"26"-25"-16,26 25 15,-26-26 1,26 26-16,26 0 0,-26-26 16,26 26-16,-26 0 15,26-26-15,-1 26 0,1 0 16,-26-26-16,26 26 0,-26 0 15,0 0-15,0 0 16,0 0-16,-26-26 0</inkml:trace>
+  <inkml:trace contextRef="#ctx0" brushRef="#br0" timeOffset="623">780 52 0,'0'-26'31,"0"52"-15,0 0-1,26 0-15,-26-1 0,26 1 16,-26 26-16,26-26 16,-26 26-16,0 0 0,0 0 15,26 0-15,-26-1 0,0 1 16,0 0-16,0 0 15,0-26-15,0 0 0,0 0 16,0 0-16</inkml:trace>
+  <inkml:trace contextRef="#ctx0" brushRef="#br0" timeOffset="1199">754 389 0,'0'-26'16,"26"0"-1,0 26 1,0 0-16,0 0 0,0 0 16,0-26-16,26 26 0,-26 0 15,26 0-15,-1 0 16,1 0-16,-26 0 0,26 0 15,0 0-15,-26 0 16,0 0-16,0 0 0,-1 0 16,-50 0 15,-1 0-15,0 0-16,0 26 0,0-26 15,0 26-15,26 0 16,-26 0-16,0 0 0,26-1 15,0 1-15,0 0 16,0 0-16,0 26 0,26-26 16,-26 0-1,26 0-15,0-26 0,0 0 16,0 0-16,26 0 0,-27 0 16,1 0-16,26-26 15,-26 0-15,0 26 0,0-26 16,-26 0-16,26 0 0,-26 0 15,0 0-15,0-25 16,0 25-16,-26 0 0,26 0 16,-26 0-16,0 0 15,0 26-15,0-26 0,0 26 16,0 0-16,1 0 16</inkml:trace>
+  <inkml:trace contextRef="#ctx0" brushRef="#br0" timeOffset="2005">1739 285 0,'-26'0'16,"0"0"0,52 0 15,0 0-15,0 26-1,0 0 1,-26 0-16,26 0 0,-26 0 15,0 0-15,26-1 0,-26 1 16,0 0-16,0 0 16,26 0-16,-26 0 15,-26-26 17,26-26-32,0 0 15,0 0-15,0 0 16,0 0-16,26 1 0,-26-1 15,26-26-15,-26 26 0,26 0 16,-26-26-16,26 26 16,0 0-16,-1 26 0,-25-26 15,26 26-15,0 0 16,0 26-16,0-26 16,-26 26-16,26-26 15,-26 26-15,26 0 0,0 0 16,-26 0-16,0 0 15,26 0-15,-26 0 16,0 0-16,0-1 16,0 1-1,-26-26-15,26-26 32,0 1-32,0-1 15,26 0-15,-26 0 16,26 0-16,-26-26 0,26 26 15,-26 0-15,26 0 16,0 0-16,-1 26 0,-25-26 16,26 0-16,0 26 15,0 0-15,0 0 16,-26 26 0,26 0-16,0 0 15,-26 0-15,26 26 0,0 26 16,-26-52-1,26 26-15,-26-27 0,0 27 16,26 0-16,-26-26 0,0 0 16</inkml:trace>
+  <inkml:trace contextRef="#ctx0" brushRef="#br0" timeOffset="3407">288 1477 0,'0'-26'16,"-26"26"-16,26-26 15,0 0 1,0 52 15,26-26-31,-26 26 0,26 0 16,-26 0-16,26 0 0,-26 0 15,26 26-15,0-26 16,-26 0-16,25 26 0,1-27 16,-26 1-16,26 26 0,0-26 15,-26 0-15,26-26 16,-26 26-16,0 0 0,26-26 15,-26 26-15,0-52 32,26 0-17,-26-26 1,26 26-16,-26 0 0,26-26 16,-26 1-16,26-1 15,0 0-15,-26 0 0,26 26 16,-26-26-16,25 26 0,-25 0 15,26 1-15,-52 50 47</inkml:trace>
+  <inkml:trace contextRef="#ctx0" brushRef="#br0" timeOffset="3996">1195 1399 0,'26'-25'16,"0"-1"-16,-26 0 15,0 0-15,0 0 16,-26 26 0,0 0-16,0-26 0,0 26 15,0 0-15,0 0 16,-25 26-16,25 0 0,-26-26 15,26 26-15,0 0 0,0 0 16,26-1-16,-26 1 16,26 0-16,0 0 0,26 0 15,-26 0-15,26 0 16,0 0-16,26-26 0,-26 26 16,0 0-16,25-26 0,-25 0 15,26 26-15,-26-26 16,0 0-16,0 26 0,0-26 15,0 26-15,0-26 16,-26 25-16,26 1 0,-26 0 16,0 0-16,-26-26 15,0 26-15,0 0 16,0-26-16,0 0 0,-26 26 16,26-26-16,-26 0 15,26 0-15,1 0 0,-27 0 16,26-26-16,0 26 0,0 0 15,0-26 1,26 0-16</inkml:trace>
+  <inkml:trace contextRef="#ctx0" brushRef="#br0" timeOffset="4464">1921 1322 0,'0'-26'16,"-26"26"-16,26-26 0,-26 26 16,0 0-1,0 0-15,0 0 16,0 0-16,0 26 16,0 0-16,0 0 0,1 0 15,-1-1-15,0 1 0,0 0 16,26 26-16,-26-26 15,26 26-15,0-26 0,0 0 16,26 0-16,-26 0 16,26 0-16,0-1 0,0 1 15,-1-26-15,1 26 0,26-26 16,-26 26-16,26-26 16,-26 0-16,26 0 0,-26-26 15,0 26-15,-1-26 16,1 26-16,0 0 0</inkml:trace>
+  <inkml:trace contextRef="#ctx0" brushRef="#br0" timeOffset="4956">2517 1503 0,'-26'0'16,"0"0"-1,0 0 1,0 0 0,0 0-1,26 26-15,-26-26 0,26 26 16,-26-26-16,1 26 0,-1 0 15,26 0 1,-26-26-16,26 26 0,0 0 16,26 0-16,0-26 15,-1 25-15,1-25 16,0 0-16,0 0 0,0 0 16,26 0-16,-26 0 15,0 0-15,0-25 0,0-1 16,0 26-16,-26-26 0,0 0 15,0 0-15,0 0 16,0 0-16,-26 0 16,0 0-16,0 26 15,26-26-15,-52 26 0,52-26 16,-26 26-16,0 0 16,0 0-16,0 0 0,26 26 15,-26-26-15,26 26 16</inkml:trace>
+  <inkml:trace contextRef="#ctx0" brushRef="#br0" timeOffset="5657">3294 1503 0,'0'-26'0,"0"0"32,-26 26-17,1 0-15,-1 0 0,0-26 16,0 26-16,0 0 15,0 0-15,0 0 0,-26 0 16,26 0-16,0 26 16,0-26-16,1 26 0,-1 0 15,0 0 1,26 0-16,0 0 16,0 0-16,26 0 15,-26 0-15,26 0 16,-1 0-16,1-1 15,0-25-15,0 0 16,0 0-16,0 0 16,0 0-16,0 0 0,0 0 15,0-25-15,0 25 16,0-26-16,-1 0 0,1 26 16,-26-26-16,26 0 15,-26-26-15,26 26 0,-26-26 16,0 26-16,0-26 0,0 1 15,0-1-15,0 0 16,0 0-16,0 0 0,0 26 16,0 0-16,0 1 15,0-1-15,0 52 32,0-1-32,0 27 15,26 0-15,-26-26 0,0 26 16,0 0-16,26 0 15,-26-1-15,26 1 0,-26 0 16,0-26-16,26 26 0,-26-26 16,26 0-16,-26 0 15</inkml:trace>
+  <inkml:trace contextRef="#ctx0" brushRef="#br0" timeOffset="6246">3735 1477 0,'-26'0'15,"26"26"17,26-26-32,0 0 15,0 26 1,0-26 0,0 0-16,0 0 0,0-26 15,-1 26 1,27 0-16,-26 0 0,0-26 15,0 0-15,0 26 16,-26-26-16,0 0 16,0 1-1,0-1-15,-26 0 16,0 26-16,0-26 0,0 0 16,0 26-16,0 0 0,-25 0 15,25 0-15,0 0 16,0 26-16,0 0 0,0 0 15,26 0-15,-26-1 0,26 27 16,0-26-16,26 26 16,-26-26-16,26 0 0,0 26 15,0-26-15,0 0 16,0-26-16,25 26 0,-25-1 16,26-25-16,0 0 15,-26 0-15,26-25 0,-26 25 16,26-26-16,-27 26 0,1-26 15,0 26-15,-26-26 16,0 0-16</inkml:trace>
+</inkml:ink>
+</file>
+
+<file path=ppt/ink/ink6.xml><?xml version="1.0" encoding="utf-8"?>
+<inkml:ink xmlns:inkml="http://www.w3.org/2003/InkML">
+  <inkml:definitions>
+    <inkml:context xml:id="ctx0">
+      <inkml:inkSource xml:id="inkSrc0">
+        <inkml:traceFormat>
+          <inkml:channel name="X" type="integer" max="1920" units="cm"/>
+          <inkml:channel name="Y" type="integer" max="1080" units="cm"/>
+          <inkml:channel name="T" type="integer" max="2.14748E9" units="dev"/>
+        </inkml:traceFormat>
+        <inkml:channelProperties>
+          <inkml:channelProperty channel="X" name="resolution" value="55.81395" units="1/cm"/>
+          <inkml:channelProperty channel="Y" name="resolution" value="55.6701" units="1/cm"/>
+          <inkml:channelProperty channel="T" name="resolution" value="1" units="1/dev"/>
+        </inkml:channelProperties>
+      </inkml:inkSource>
+      <inkml:timestamp xml:id="ts0" timeString="2020-11-20T18:34:33.607"/>
+    </inkml:context>
+    <inkml:brush xml:id="br0">
+      <inkml:brushProperty name="width" value="0.05" units="cm"/>
+      <inkml:brushProperty name="height" value="0.05" units="cm"/>
+      <inkml:brushProperty name="fitToCurve" value="1"/>
+    </inkml:brush>
+  </inkml:definitions>
+  <inkml:trace contextRef="#ctx0" brushRef="#br0">467 26 0,'26'0'0,"-26"-26"16,26 26 0,-52 0-1,0 0 1,0 0-16,0 0 16,0 0-16,0 0 0,0 26 15,0-26-15,0 0 16,1 0-16,-1 26 0,0-26 15,0 0-15,-26 26 0,26-26 16,0 0-16,0 0 16,0 0-16,0 26 15,52-26 32,0 26-31,0 0-16,-26 0 15,0-1-15,26 1 16,-26 0-16,0 0 0,26 26 16,-26-26-16,0 26 0,0-26 15,0 26-15,0-26 16,0 25-16,0-25 0,-26 26 16,26-26-16,0 0 15,0 0-15,0 0 0,0 0 16,0 0-16,0 0 0,0-1 15,0 1 1,26-26-16,-26 26 0,26-26 16,0 26-1,0-26-15,0 0 0,25 0 16,-25 0-16,0-26 0,26 26 16,0-26-16,-26 0 15,26 26-15,-26-25 0,0-1 16,-26 0-16</inkml:trace>
+  <inkml:trace contextRef="#ctx0" brushRef="#br0" timeOffset="228">78 570 0,'26'0'15,"0"0"1,0 0-16,0 0 16,26 0-16,-26-26 15,-1 26-15,1 0 0,26 0 16,-26 0-16,-26-25 16,26 25-16,0 0 15</inkml:trace>
+  <inkml:trace contextRef="#ctx0" brushRef="#br0" timeOffset="673">1167 493 0,'0'-26'16,"-26"26"-16,0-26 16,0 26-1,0 0 1,0 0-16,0 0 0,0 0 15,0 0-15,0 26 16,1-26-16,-1 26 0,0-26 16,0 26-16,26-1 0,0 1 15,-26 0-15,26 0 16,0 0-16,26 0 0,-26 0 16,26 0-16,0-26 15,-26 26-15,26-26 0,25 26 16,-25-26-16,26 0 0,-26-26 15,26 26-15,0-26 16,0 26-16,-27-26 0,27 0 16,-26 0-16</inkml:trace>
+  <inkml:trace contextRef="#ctx0" brushRef="#br0" timeOffset="984">1400 130 0,'-26'0'32,"26"26"-17,0 0-15,0-1 16,0 1-16,0 0 15,0 0-15,0 0 0,26 0 16,-26 26-16,0 0 0,26-26 16,-26 0-16,26 25 15,-26-25-15,0 26 0,26-26 16,-26 0-16,0 0 16,26 0-16</inkml:trace>
+  <inkml:trace contextRef="#ctx0" brushRef="#br0" timeOffset="1218">1685 467 0,'26'-26'0,"0"26"47,-26 26-47,0 0 15,26 0 1,-26-1 0,0 1-16,0 0 0,0 0 15,0 0 1,-26-26 0</inkml:trace>
+  <inkml:trace contextRef="#ctx0" brushRef="#br0" timeOffset="1379">1711 156 0,'-26'0'15,"26"26"-15</inkml:trace>
+  <inkml:trace contextRef="#ctx0" brushRef="#br0" timeOffset="1963">1918 156 0,'0'26'47,"0"-1"-32,0 1-15,26 0 0,-26 0 16,0 26-16,0 0 0,26 0 16,-26 0-16,0-1 15,0 1-15,26 0 0,-26 0 16,0 0-16,26 0 15,-26-1-15,0-25 0,26 0 16,-26 0-16,0 0 0,0 0 16,0 0-16,0-52 47,0 0-32,0 0-15,0 0 0,0 0 16,0-25-16,0-1 15,0 0-15,0 0 0,0 0 16,0 0-16,26 1 16,-26-1-16,0 26 0,26 0 15,-26 0-15,26 0 0,-26 0 16,26 26-16,0 0 16,-1 0-16,-25 26 15,26 0-15,0 0 16,-26 0-16,0 0 15,0 0-15,0 0 16,-26-26 0,0 25-16,1-25 0,-1 26 15,0-26-15,0 0 16,0 0-16,0 0 0,26-26 16</inkml:trace>
+  <inkml:trace contextRef="#ctx0" brushRef="#br0" timeOffset="2514">2670 259 0,'0'-26'16,"0"0"-16,0 1 15,0-1-15,-26 26 16,26-26-16,-26 26 16,0 0-16,0 0 15,0 26-15,0-26 0,1 26 16,-1-26-16,0 25 0,0 1 15,26 0-15,0 0 16,-26 0-16,26 0 16,26-26-1,-26 26-15,26-26 0,0 26 16,0-26-16,-1 0 0,1 26 16,0-26-16,26 0 15,-26 26-15,0-26 0,0 0 16,0 26-16,0-26 15,0 26-15,-26 0 16,-26-1 0,0 1-1,0-26-15,0 0 0,0 26 16,-26-26-16,26 0 16,0 0-16,0 0 0,-25 0 15,25 0-15,0-26 16,26 0-1</inkml:trace>
+  <inkml:trace contextRef="#ctx0" brushRef="#br0" timeOffset="3089">3059 285 0,'0'26'32,"26"-26"-17,-26 26-15,26-26 16,0 26-1,-1-26-15,1 0 16,0 0-16,0-26 16,0 26-16,0-26 15,0 26-15,-26-26 16,26 26-16,-26-26 0,26 0 16,-26 0-1,0 1-15,-26 25 16,26-26-16,-26 26 0,0-26 15,0 26-15,0 0 16,0 0-16,0 0 0,-25 0 16,25 0-16,-26 0 15,26 26-15,0-26 0,26 26 16,-26-1-16,26 1 16,0 0-16,0 26 15,0-26-15,26 0 0,0 0 16,0 0-16,0 26 15,0-26-15,0 0 0,25-26 16,-25 25-16,26-25 0,-26 26 16,0-26-16,26 0 15,-26 0-15,0-26 0,0 26 16,-1-25-16,1 25 0,-26-26 16</inkml:trace>
+</inkml:ink>
+</file>
+
+<file path=ppt/ink/ink7.xml><?xml version="1.0" encoding="utf-8"?>
+<inkml:ink xmlns:inkml="http://www.w3.org/2003/InkML">
+  <inkml:definitions>
+    <inkml:context xml:id="ctx0">
+      <inkml:inkSource xml:id="inkSrc0">
+        <inkml:traceFormat>
+          <inkml:channel name="X" type="integer" max="1920" units="cm"/>
+          <inkml:channel name="Y" type="integer" max="1080" units="cm"/>
+          <inkml:channel name="T" type="integer" max="2.14748E9" units="dev"/>
+        </inkml:traceFormat>
+        <inkml:channelProperties>
+          <inkml:channelProperty channel="X" name="resolution" value="55.81395" units="1/cm"/>
+          <inkml:channelProperty channel="Y" name="resolution" value="55.6701" units="1/cm"/>
+          <inkml:channelProperty channel="T" name="resolution" value="1" units="1/dev"/>
+        </inkml:channelProperties>
+      </inkml:inkSource>
+      <inkml:timestamp xml:id="ts0" timeString="2020-11-20T18:34:46.380"/>
+    </inkml:context>
+    <inkml:brush xml:id="br0">
+      <inkml:brushProperty name="width" value="0.05" units="cm"/>
+      <inkml:brushProperty name="height" value="0.05" units="cm"/>
+      <inkml:brushProperty name="fitToCurve" value="1"/>
+    </inkml:brush>
+  </inkml:definitions>
+  <inkml:trace contextRef="#ctx0" brushRef="#br0">26 389 0,'-26'0'0,"52"0"62,-26-26-46,26 26-16,0 0 0,26-26 15,-26 26-15,25-26 16,-25 26-16,26-26 0,0 26 16,0-25-16,0-1 15,0 26-15,-27-26 0,27 26 16,-26 0-16,0-26 0,0 26 16,-26-26-1,-26 26 16,0 26-31</inkml:trace>
+  <inkml:trace contextRef="#ctx0" brushRef="#br0" timeOffset="403">259 104 0,'0'-26'0,"0"52"78,0 0-78,0 0 0,26 0 15,-26 0-15,26 26 0,-26-27 16,0 27-16,26-26 16,0 26-16,-26-26 0,0 26 15,26-26-15,-26 0 0,0 0 16,0 0-16,26-1 15,-26 1-15,-26-52 32</inkml:trace>
+  <inkml:trace contextRef="#ctx0" brushRef="#br0" timeOffset="817">467 0 0,'0'26'0,"-26"-26"16,26 26-16,-26 0 15,26 0-15,-26 0 16,0 0-16,0 0 0,26 0 16,-26 0-16,0 0 0,0-1 15,0 1-15,26 0 16,-26 0-16,26 0 0,-25-26 16,25 26-16,-26 0 15,0 0 1,0-26 31</inkml:trace>
+  <inkml:trace contextRef="#ctx0" brushRef="#br0" timeOffset="1302">0 156 0,'26'26'31,"-26"0"1,26-26-32,-26 26 15,26-26-15,-26 26 16,26-26-16,0 0 0,26 25 15,-27-25-15,27 0 0,-26 26 16,26 0-16,0-26 16,-26 26-16,26 0 0,-26-26 15,25 26-15,-25 0 16,0 0-16,0-26 16,-26 26-16,0-52 109</inkml:trace>
+</inkml:ink>
+</file>
+
+<file path=ppt/ink/ink8.xml><?xml version="1.0" encoding="utf-8"?>
+<inkml:ink xmlns:inkml="http://www.w3.org/2003/InkML">
+  <inkml:definitions>
+    <inkml:context xml:id="ctx0">
+      <inkml:inkSource xml:id="inkSrc0">
+        <inkml:traceFormat>
+          <inkml:channel name="X" type="integer" max="1920" units="cm"/>
+          <inkml:channel name="Y" type="integer" max="1080" units="cm"/>
+          <inkml:channel name="T" type="integer" max="2.14748E9" units="dev"/>
+        </inkml:traceFormat>
+        <inkml:channelProperties>
+          <inkml:channelProperty channel="X" name="resolution" value="55.81395" units="1/cm"/>
+          <inkml:channelProperty channel="Y" name="resolution" value="55.6701" units="1/cm"/>
+          <inkml:channelProperty channel="T" name="resolution" value="1" units="1/dev"/>
+        </inkml:channelProperties>
+      </inkml:inkSource>
+      <inkml:timestamp xml:id="ts0" timeString="2020-11-20T18:35:13.712"/>
+    </inkml:context>
+    <inkml:brush xml:id="br0">
+      <inkml:brushProperty name="width" value="0.05" units="cm"/>
+      <inkml:brushProperty name="height" value="0.05" units="cm"/>
+      <inkml:brushProperty name="fitToCurve" value="1"/>
+    </inkml:brush>
+  </inkml:definitions>
+  <inkml:trace contextRef="#ctx0" brushRef="#br0">234 285 0,'0'-26'16,"0"0"0,26 26-1,-26-26 1,26 26-16,-52 0 31,26 26-15,-26 0-16,0 0 15,0 0-15,0 26 0,-26 0 16,26 26-16,0-27 16,1 27-16,-1 0 0,26-26 15,0 26-15,0-27 0,0 1 16,0 0-16,26 0 15,-26-26-15,25 0 0,1 0 16,0 0-16,0-1 16,0-25-16,-26 26 0,26-26 15,0 0-15,0 0 0,0 0 16,0-26-16,0 1 16,0-1-16,-26 0 15</inkml:trace>
+  <inkml:trace contextRef="#ctx0" brushRef="#br0" timeOffset="568">804 311 0,'0'-26'15,"0"52"17,0 0-17,0 0-15,0 0 16,-26 26-16,26-26 16,-26 26-16,26-27 0,0 27 15,0-26-15,0 26 0,0-26 16,0 0-16,0 0 15,0 26-15,0-26 16,0-1-16,0 1 16,26-26-16</inkml:trace>
+  <inkml:trace contextRef="#ctx0" brushRef="#br0" timeOffset="1049">1348 285 0,'0'-26'0,"0"52"47,0 0-47,0 0 15,0 0-15,0 0 16,0 0-16,0 26 0,-26-26 16,26 25-16,0 1 15,0-26-15,0 26 0,0-26 16,0 0-16,-25 0 0,25 0 15,0 0-15,0 0 16</inkml:trace>
+  <inkml:trace contextRef="#ctx0" brushRef="#br0" timeOffset="1445">1167 467 0,'0'-26'0,"0"0"16,0 0-16,0 0 15,0 0-15,26 0 0,0 0 16,0 26-16,0-26 16,0 26-16,-1-26 0,27 26 15,-26 0-15,26 0 0,-26 26 16,26-26-16,-26 26 15,0 0-15,0 0 0,-1 0 16,1 26-16,-26-26 0,0 0 16,0 26-16,0-27 15,-26 1-15,26 26 0,-25-26 16,-27 0-16,26 26 16,0-26-16,-26 0 0,0 0 15,26 0-15,-26-1 0,27-25 16,-27 26-16,26-26 15,0 0-15,0 0 0,0 0 16,26-26 0,26 26-16</inkml:trace>
+  <inkml:trace contextRef="#ctx0" brushRef="#br0" timeOffset="1895">2333 207 0,'-26'0'16,"0"0"-1,1 0 1,-1 0 0,0 0-16,0 26 15,0-26-15,0 26 16,0-26-16,0 26 0,26 0 16,-26 0-16,0 0 15,0 0-15,26 26 0,-26-26 16,26 26-16,0-27 0,0 27 15,0-26-15,0 0 16,26 26-16,-26-26 0,26 0 16,0 0-1,0 0-15,0-26 0,0 0 16,0 0-16,0 0 0,26 0 16,-26 0-16,-1-26 15,27 26-15,-26-26 0,0 0 16,-26 0-16</inkml:trace>
+  <inkml:trace contextRef="#ctx0" brushRef="#br0" timeOffset="2159">2048 544 0,'-26'0'0,"0"0"0,26 26 16,26-26 15,0 0-15,0 0-16,26-26 15,-26 26-15,0 0 0,0-25 16,26 25-16,-27-26 16,1 26-16,26 0 0,-52-26 15,26 26-15,0 0 0,0 0 16</inkml:trace>
+  <inkml:trace contextRef="#ctx0" brushRef="#br0" timeOffset="2514">2567 52 0,'0'-26'16,"25"26"-16,-25-26 15,26 26 1,0 0-16,-26 26 0,26-26 16,0 26-16,26 0 0,-26 0 15,0 0-15,0 26 16,26-27-16,-27 27 0,1 0 15,0 0-15,0 0 16,-26 0-16,26 0 0,-26-1 16,0-25-16,0 26 0,-26 0 15,0-26-15,0 26 16,0-26-16,1 0 0,-1-1 16,0 1-16,0-26 15,-26 26-15,26-26 0,0 0 16</inkml:trace>
+</inkml:ink>
+</file>
+
+<file path=ppt/ink/ink9.xml><?xml version="1.0" encoding="utf-8"?>
+<inkml:ink xmlns:inkml="http://www.w3.org/2003/InkML">
+  <inkml:definitions>
+    <inkml:context xml:id="ctx0">
+      <inkml:inkSource xml:id="inkSrc0">
+        <inkml:traceFormat>
+          <inkml:channel name="X" type="integer" max="1920" units="cm"/>
+          <inkml:channel name="Y" type="integer" max="1080" units="cm"/>
+          <inkml:channel name="T" type="integer" max="2.14748E9" units="dev"/>
+        </inkml:traceFormat>
+        <inkml:channelProperties>
+          <inkml:channelProperty channel="X" name="resolution" value="55.81395" units="1/cm"/>
+          <inkml:channelProperty channel="Y" name="resolution" value="55.6701" units="1/cm"/>
+          <inkml:channelProperty channel="T" name="resolution" value="1" units="1/dev"/>
+        </inkml:channelProperties>
+      </inkml:inkSource>
+      <inkml:timestamp xml:id="ts0" timeString="2020-11-20T18:35:29.694"/>
+    </inkml:context>
+    <inkml:brush xml:id="br0">
+      <inkml:brushProperty name="width" value="0.05" units="cm"/>
+      <inkml:brushProperty name="height" value="0.05" units="cm"/>
+      <inkml:brushProperty name="fitToCurve" value="1"/>
+    </inkml:brush>
+  </inkml:definitions>
+  <inkml:trace contextRef="#ctx0" brushRef="#br0">440 98 0,'-26'0'0,"0"0"16,26-26 0,-25 26-16,50 0 15,1 0-15,0-26 16,0 26-16,26 0 15,26 0-15,0 0 0,25-26 16,1 26-16,26 0 16,-1 0-16,1 0 0,25 0 15,1 0-15,-27 0 0,1 0 16,-26 0-16,-1 0 16,1 0-16,-52 0 0,0 0 15,-1 0-15,-25 0 0,0 0 16,-26 26 265,-26 0-265,26 0-1,0 0-15,-26 0 16,26 0-16,-25 0 0,25 0 16,-26 0-16,0 0 15,26 25-15,-26-25 0,0 26 16,0-26-16,0 26 15,0 0-15,0 0 0,0-27 16,26 27-16,-26-26 0,0 26 16,1-26-16,25 26 15,-26-26-15,26 0 0,-26 0 16,26-1-16,-26 1 16,26 0-16,0 0 15,-26-26-15,26 26 0,0 0 31,-26-26-15,0 0 172,0 0-188,0 0 15,0 0 1,0 0-16,-26 0 0,1 0 15,-1 0-15,0 0 0,0 0 16,0 0-16,0 0 16,1 0-16,-1 0 0,0 0 15,0 0-15,-26 0 16,27 26-16,-1-26 0,-26 0 16,26 0-16,-26 0 0,27 0 15,-1 0-15,-26 0 16,52 26-16,-26-26 0,0 0 15,26 0-15,0 0 16,-25 0-16,25 0 0,0 0 16,0 0-16,0 26 0,0-26 15,0 0-15,0 0 16,0 0-16,0 0 16,0 0-16,1 0 15,-1 0 1,0 0 31,26-26 62,0 0-93,26 26-1,-26-26-15,0 0 0,26 26 16,-26-26-16,0 0 16,25-26-16,-25 27 0,0-1 15,0-26-15,26 26 0,-26 0 16,0-26-16,0 26 15,0-26-15,0 26 0,0-25 16,0-1-16,-26 26 0,26-26 16,0 26-16,0-26 15,0 26-15,0 0 0,0 1 16,0-1-16,0 0 16,-25 0-16,25 0 15,0 0 110,0 0-94,25 26 1,-25-26-32,26 26 15,0 0 1,0 0-16,0 0 16,26 0-16,-26 0 0,0 0 15,26 0-15,-26-26 16,25 26-16,-25 0 0,26 0 15,-26-26-15,26 26 16,-26 0-16,0 0 0,0 0 16,0 0-16,0 0 31</inkml:trace>
+  <inkml:trace contextRef="#ctx0" brushRef="#br0" timeOffset="709">674 409 0,'0'-26'0,"26"0"31,-26 0-15,-26 26 15,0 0-16,0 0-15,0 0 16,0 0 0,0 26-16,0 0 15,0 0 1,26 0 0,0 0-16,0 0 15,26-26 1,0 26-16,-26 0 0,26-26 15,0 26-15,0-26 0,0 26 16,0-1-16,0-25 16,-1 26-16,1-26 0,-26 26 15,0 0 1,-26 0-16,1-26 16,-1 0-16,-26 26 0,0-26 15,26 0-15,-26 26 16,26-26-16,-26 0 0,26 0 15,1 0-15,25-26 16,0 0-16,0 0 16</inkml:trace>
+  <inkml:trace contextRef="#ctx0" brushRef="#br0" timeOffset="1327">1088 383 0,'-26'26'15,"26"0"1,-26-26-16,26 26 16,-25 0-1,25 0-15,0 0 0,-26 0 16,0 0-16,26-1 16,0 1-16,-26 0 15,26 0-15,0 0 0,0 0 16,-26 0-1,26 0 1,0-52 15,26 26-31,-26-26 16,26 0-16,-26 0 16,26 0-16,0 0 0,-1 0 15,1-25-15,0 25 16,-26-26-16,26 26 0,0-26 15,0 26-15,0 0 0,-26 0 16,26 26-16,0 0 31,-26 26-31,0 0 16,0 0-16,0 26 16,0-26-16,0 26 0,0-26 15,0 25-15,26-25 16,-26 26-16,0-26 0,0 0 15,0 0-15,0 0 0,0 0 16</inkml:trace>
+  <inkml:trace contextRef="#ctx0" brushRef="#br0" timeOffset="1537">933 694 0,'26'-26'16,"0"26"-1,0-26 1,25 26-16,-25 0 0,0-26 16,0 26-16,26 0 15,-26-25-15,0 25 0,0 0 16,0 0-16</inkml:trace>
+  <inkml:trace contextRef="#ctx0" brushRef="#br0" timeOffset="2047">1503 461 0,'-26'0'15,"0"0"17,26 26-32,0 0 15,0 0-15,0 0 16,0 0-16,-26 25 0,26-25 16,0 0-16,0 0 15,0 0-15,-26-26 0,26 26 16,0 0-16,0 0 15,0 0 1,-26-26 0,26-26-1,0 0 1,26 0 0,-26 0-16,0 0 15,26-26-15,-26 26 16,0-25-16,26-1 0,0 0 15,-26 26-15,26-26 0,0 26 16,-26 0-16,26 0 16,0 0-16,0 26 15,0 0-15,-1 0 0,-25 26 16,26-26-16,0 26 16,0 0-16,-26 0 15,0 0-15,-26-26 16,0 26-16,0-26 0,-51 26 15</inkml:trace>
+</inkml:ink>
+</file>
+
 <file path=ppt/notesMasters/notesMaster1.xml><?xml version="1.0" encoding="utf-8"?>
 <p:notesMaster xmlns:a="http://schemas.openxmlformats.org/drawingml/2006/main" xmlns:r="http://schemas.openxmlformats.org/officeDocument/2006/relationships" xmlns:p="http://schemas.openxmlformats.org/presentationml/2006/main">
   <p:cSld>
@@ -220,7 +1937,7 @@
           <a:p>
             <a:fld id="{4AF2A06D-4991-4208-8C88-4E8BAD69A8B8}" type="datetimeFigureOut">
               <a:rPr lang="en-US" smtClean="0"/>
-              <a:t>11/15/2020</a:t>
+              <a:t>11/20/2020</a:t>
             </a:fld>
             <a:endParaRPr lang="en-US"/>
           </a:p>
@@ -683,7 +2400,7 @@
                 <a:tabLst/>
                 <a:defRPr/>
               </a:pPr>
-              <a:t>24</a:t>
+              <a:t>26</a:t>
             </a:fld>
             <a:endParaRPr kumimoji="0" lang="en-US" sz="1200" b="0" i="0" u="none" strike="noStrike" kern="1200" cap="none" spc="0" normalizeH="0" baseline="0" noProof="0">
               <a:ln>
@@ -844,7 +2561,7 @@
           <a:p>
             <a:fld id="{E26E0DA5-0C76-4851-AA82-0B75261F9EB4}" type="datetimeFigureOut">
               <a:rPr lang="en-US" smtClean="0"/>
-              <a:t>11/15/2020</a:t>
+              <a:t>11/20/2020</a:t>
             </a:fld>
             <a:endParaRPr lang="en-US"/>
           </a:p>
@@ -1012,7 +2729,7 @@
           <a:p>
             <a:fld id="{E26E0DA5-0C76-4851-AA82-0B75261F9EB4}" type="datetimeFigureOut">
               <a:rPr lang="en-US" smtClean="0"/>
-              <a:t>11/15/2020</a:t>
+              <a:t>11/20/2020</a:t>
             </a:fld>
             <a:endParaRPr lang="en-US"/>
           </a:p>
@@ -1190,7 +2907,7 @@
           <a:p>
             <a:fld id="{E26E0DA5-0C76-4851-AA82-0B75261F9EB4}" type="datetimeFigureOut">
               <a:rPr lang="en-US" smtClean="0"/>
-              <a:t>11/15/2020</a:t>
+              <a:t>11/20/2020</a:t>
             </a:fld>
             <a:endParaRPr lang="en-US"/>
           </a:p>
@@ -1358,7 +3075,7 @@
           <a:p>
             <a:fld id="{E26E0DA5-0C76-4851-AA82-0B75261F9EB4}" type="datetimeFigureOut">
               <a:rPr lang="en-US" smtClean="0"/>
-              <a:t>11/15/2020</a:t>
+              <a:t>11/20/2020</a:t>
             </a:fld>
             <a:endParaRPr lang="en-US"/>
           </a:p>
@@ -1603,7 +3320,7 @@
           <a:p>
             <a:fld id="{E26E0DA5-0C76-4851-AA82-0B75261F9EB4}" type="datetimeFigureOut">
               <a:rPr lang="en-US" smtClean="0"/>
-              <a:t>11/15/2020</a:t>
+              <a:t>11/20/2020</a:t>
             </a:fld>
             <a:endParaRPr lang="en-US"/>
           </a:p>
@@ -1832,7 +3549,7 @@
           <a:p>
             <a:fld id="{E26E0DA5-0C76-4851-AA82-0B75261F9EB4}" type="datetimeFigureOut">
               <a:rPr lang="en-US" smtClean="0"/>
-              <a:t>11/15/2020</a:t>
+              <a:t>11/20/2020</a:t>
             </a:fld>
             <a:endParaRPr lang="en-US"/>
           </a:p>
@@ -2196,7 +3913,7 @@
           <a:p>
             <a:fld id="{E26E0DA5-0C76-4851-AA82-0B75261F9EB4}" type="datetimeFigureOut">
               <a:rPr lang="en-US" smtClean="0"/>
-              <a:t>11/15/2020</a:t>
+              <a:t>11/20/2020</a:t>
             </a:fld>
             <a:endParaRPr lang="en-US"/>
           </a:p>
@@ -2313,7 +4030,7 @@
           <a:p>
             <a:fld id="{E26E0DA5-0C76-4851-AA82-0B75261F9EB4}" type="datetimeFigureOut">
               <a:rPr lang="en-US" smtClean="0"/>
-              <a:t>11/15/2020</a:t>
+              <a:t>11/20/2020</a:t>
             </a:fld>
             <a:endParaRPr lang="en-US"/>
           </a:p>
@@ -2408,7 +4125,7 @@
           <a:p>
             <a:fld id="{E26E0DA5-0C76-4851-AA82-0B75261F9EB4}" type="datetimeFigureOut">
               <a:rPr lang="en-US" smtClean="0"/>
-              <a:t>11/15/2020</a:t>
+              <a:t>11/20/2020</a:t>
             </a:fld>
             <a:endParaRPr lang="en-US"/>
           </a:p>
@@ -2683,7 +4400,7 @@
           <a:p>
             <a:fld id="{E26E0DA5-0C76-4851-AA82-0B75261F9EB4}" type="datetimeFigureOut">
               <a:rPr lang="en-US" smtClean="0"/>
-              <a:t>11/15/2020</a:t>
+              <a:t>11/20/2020</a:t>
             </a:fld>
             <a:endParaRPr lang="en-US"/>
           </a:p>
@@ -2935,7 +4652,7 @@
           <a:p>
             <a:fld id="{E26E0DA5-0C76-4851-AA82-0B75261F9EB4}" type="datetimeFigureOut">
               <a:rPr lang="en-US" smtClean="0"/>
-              <a:t>11/15/2020</a:t>
+              <a:t>11/20/2020</a:t>
             </a:fld>
             <a:endParaRPr lang="en-US"/>
           </a:p>
@@ -3146,7 +4863,7 @@
           <a:p>
             <a:fld id="{E26E0DA5-0C76-4851-AA82-0B75261F9EB4}" type="datetimeFigureOut">
               <a:rPr lang="en-US" smtClean="0"/>
-              <a:t>11/15/2020</a:t>
+              <a:t>11/20/2020</a:t>
             </a:fld>
             <a:endParaRPr lang="en-US"/>
           </a:p>
@@ -4391,9 +6108,39 @@
             </a:lvl1pPr>
           </a:lstStyle>
           <a:p>
-            <a:r>
-              <a:rPr lang="en-US" b="1" dirty="0"/>
-              <a:t>Introduction to CDS View</a:t>
+            <a:pPr marL="0" marR="0" lvl="0" indent="0" algn="l" defTabSz="914400" rtl="0" eaLnBrk="1" fontAlgn="auto" latinLnBrk="0" hangingPunct="1">
+              <a:lnSpc>
+                <a:spcPct val="90000"/>
+              </a:lnSpc>
+              <a:spcBef>
+                <a:spcPct val="0"/>
+              </a:spcBef>
+              <a:spcAft>
+                <a:spcPts val="0"/>
+              </a:spcAft>
+              <a:buClrTx/>
+              <a:buSzTx/>
+              <a:buFontTx/>
+              <a:buNone/>
+              <a:tabLst/>
+              <a:defRPr/>
+            </a:pPr>
+            <a:r>
+              <a:rPr kumimoji="0" lang="en-US" sz="4400" b="1" i="0" u="none" strike="noStrike" kern="1200" cap="none" spc="0" normalizeH="0" baseline="0" noProof="0" dirty="0">
+                <a:ln>
+                  <a:noFill/>
+                </a:ln>
+                <a:solidFill>
+                  <a:prstClr val="black"/>
+                </a:solidFill>
+                <a:effectLst/>
+                <a:uLnTx/>
+                <a:uFillTx/>
+                <a:latin typeface="Calibri Light" panose="020F0302020204030204"/>
+                <a:ea typeface="+mj-ea"/>
+                <a:cs typeface="+mj-cs"/>
+              </a:rPr>
+              <a:t>ABAP on Eclipse Tool</a:t>
             </a:r>
           </a:p>
         </p:txBody>
@@ -4424,50 +6171,40 @@
           <a:bodyPr/>
           <a:lstStyle/>
           <a:p>
-            <a:r>
-              <a:rPr lang="en-US" b="1" dirty="0">
+            <a:pPr marL="0" marR="0" lvl="0" indent="0" algn="ctr" defTabSz="914400" rtl="0" eaLnBrk="1" fontAlgn="auto" latinLnBrk="0" hangingPunct="1">
+              <a:lnSpc>
+                <a:spcPct val="100000"/>
+              </a:lnSpc>
+              <a:spcBef>
+                <a:spcPts val="0"/>
+              </a:spcBef>
+              <a:spcAft>
+                <a:spcPts val="0"/>
+              </a:spcAft>
+              <a:buClrTx/>
+              <a:buSzTx/>
+              <a:buFontTx/>
+              <a:buNone/>
+              <a:tabLst/>
+              <a:defRPr/>
+            </a:pPr>
+            <a:r>
+              <a:rPr kumimoji="0" lang="en-US" sz="1200" b="1" i="0" u="none" strike="noStrike" kern="1200" cap="none" spc="0" normalizeH="0" baseline="0" noProof="0" dirty="0">
+                <a:ln>
+                  <a:noFill/>
+                </a:ln>
                 <a:solidFill>
-                  <a:schemeClr val="tx1"/>
+                  <a:prstClr val="black"/>
                 </a:solidFill>
+                <a:effectLst/>
+                <a:uLnTx/>
+                <a:uFillTx/>
+                <a:latin typeface="Calibri" panose="020F0502020204030204"/>
+                <a:ea typeface="+mn-ea"/>
+                <a:cs typeface="+mn-cs"/>
               </a:rPr>
               <a:t>Trainer: Anubhav Oberoy</a:t>
             </a:r>
-          </a:p>
-        </p:txBody>
-      </p:sp>
-      <p:sp>
-        <p:nvSpPr>
-          <p:cNvPr id="5" name="TextBox 4">
-            <a:extLst>
-              <a:ext uri="{FF2B5EF4-FFF2-40B4-BE49-F238E27FC236}">
-                <a16:creationId xmlns:a16="http://schemas.microsoft.com/office/drawing/2014/main" id="{27E5B41D-1DDF-48C9-A5AF-075F84492B68}"/>
-              </a:ext>
-            </a:extLst>
-          </p:cNvPr>
-          <p:cNvSpPr txBox="1"/>
-          <p:nvPr/>
-        </p:nvSpPr>
-        <p:spPr>
-          <a:xfrm>
-            <a:off x="401216" y="982353"/>
-            <a:ext cx="11542905" cy="461665"/>
-          </a:xfrm>
-          <a:prstGeom prst="rect">
-            <a:avLst/>
-          </a:prstGeom>
-          <a:noFill/>
-        </p:spPr>
-        <p:txBody>
-          <a:bodyPr wrap="square" rtlCol="0">
-            <a:spAutoFit/>
-          </a:bodyPr>
-          <a:lstStyle/>
-          <a:p>
-            <a:r>
-              <a:rPr lang="en-US" sz="2400"/>
-              <a:t>&lt;content&gt;</a:t>
-            </a:r>
-            <a:endParaRPr lang="en-US" sz="2400" dirty="0"/>
           </a:p>
         </p:txBody>
       </p:sp>
@@ -4519,10 +6256,877 @@
           </a:extLst>
         </p:spPr>
       </p:pic>
+      <mc:AlternateContent xmlns:mc="http://schemas.openxmlformats.org/markup-compatibility/2006">
+        <mc:Choice xmlns:p14="http://schemas.microsoft.com/office/powerpoint/2010/main" Requires="p14">
+          <p:contentPart p14:bwMode="auto" r:id="rId4">
+            <p14:nvContentPartPr>
+              <p14:cNvPr id="53" name="Ink 52">
+                <a:extLst>
+                  <a:ext uri="{FF2B5EF4-FFF2-40B4-BE49-F238E27FC236}">
+                    <a16:creationId xmlns:a16="http://schemas.microsoft.com/office/drawing/2014/main" id="{7EE955AE-8C0D-4F19-84C2-09E4E832886F}"/>
+                  </a:ext>
+                </a:extLst>
+              </p14:cNvPr>
+              <p14:cNvContentPartPr/>
+              <p14:nvPr/>
+            </p14:nvContentPartPr>
+            <p14:xfrm>
+              <a:off x="956814" y="1017081"/>
+              <a:ext cx="1954800" cy="2539800"/>
+            </p14:xfrm>
+          </p:contentPart>
+        </mc:Choice>
+        <mc:Fallback>
+          <p:pic>
+            <p:nvPicPr>
+              <p:cNvPr id="53" name="Ink 52">
+                <a:extLst>
+                  <a:ext uri="{FF2B5EF4-FFF2-40B4-BE49-F238E27FC236}">
+                    <a16:creationId xmlns:a16="http://schemas.microsoft.com/office/drawing/2014/main" id="{7EE955AE-8C0D-4F19-84C2-09E4E832886F}"/>
+                  </a:ext>
+                </a:extLst>
+              </p:cNvPr>
+              <p:cNvPicPr/>
+              <p:nvPr/>
+            </p:nvPicPr>
+            <p:blipFill>
+              <a:blip r:embed="rId5"/>
+              <a:stretch>
+                <a:fillRect/>
+              </a:stretch>
+            </p:blipFill>
+            <p:spPr>
+              <a:xfrm>
+                <a:off x="947814" y="1008081"/>
+                <a:ext cx="1972440" cy="2557440"/>
+              </a:xfrm>
+              <a:prstGeom prst="rect">
+                <a:avLst/>
+              </a:prstGeom>
+            </p:spPr>
+          </p:pic>
+        </mc:Fallback>
+      </mc:AlternateContent>
+      <mc:AlternateContent xmlns:mc="http://schemas.openxmlformats.org/markup-compatibility/2006">
+        <mc:Choice xmlns:p14="http://schemas.microsoft.com/office/powerpoint/2010/main" Requires="p14">
+          <p:contentPart p14:bwMode="auto" r:id="rId6">
+            <p14:nvContentPartPr>
+              <p14:cNvPr id="54" name="Ink 53">
+                <a:extLst>
+                  <a:ext uri="{FF2B5EF4-FFF2-40B4-BE49-F238E27FC236}">
+                    <a16:creationId xmlns:a16="http://schemas.microsoft.com/office/drawing/2014/main" id="{3120E78C-8AEF-4400-B896-A0473ED2FDB2}"/>
+                  </a:ext>
+                </a:extLst>
+              </p14:cNvPr>
+              <p14:cNvContentPartPr/>
+              <p14:nvPr/>
+            </p14:nvContentPartPr>
+            <p14:xfrm>
+              <a:off x="3499134" y="1080081"/>
+              <a:ext cx="405000" cy="2273040"/>
+            </p14:xfrm>
+          </p:contentPart>
+        </mc:Choice>
+        <mc:Fallback>
+          <p:pic>
+            <p:nvPicPr>
+              <p:cNvPr id="54" name="Ink 53">
+                <a:extLst>
+                  <a:ext uri="{FF2B5EF4-FFF2-40B4-BE49-F238E27FC236}">
+                    <a16:creationId xmlns:a16="http://schemas.microsoft.com/office/drawing/2014/main" id="{3120E78C-8AEF-4400-B896-A0473ED2FDB2}"/>
+                  </a:ext>
+                </a:extLst>
+              </p:cNvPr>
+              <p:cNvPicPr/>
+              <p:nvPr/>
+            </p:nvPicPr>
+            <p:blipFill>
+              <a:blip r:embed="rId7"/>
+              <a:stretch>
+                <a:fillRect/>
+              </a:stretch>
+            </p:blipFill>
+            <p:spPr>
+              <a:xfrm>
+                <a:off x="3490134" y="1071081"/>
+                <a:ext cx="422640" cy="2290680"/>
+              </a:xfrm>
+              <a:prstGeom prst="rect">
+                <a:avLst/>
+              </a:prstGeom>
+            </p:spPr>
+          </p:pic>
+        </mc:Fallback>
+      </mc:AlternateContent>
+      <mc:AlternateContent xmlns:mc="http://schemas.openxmlformats.org/markup-compatibility/2006">
+        <mc:Choice xmlns:p14="http://schemas.microsoft.com/office/powerpoint/2010/main" Requires="p14">
+          <p:contentPart p14:bwMode="auto" r:id="rId8">
+            <p14:nvContentPartPr>
+              <p14:cNvPr id="59" name="Ink 58">
+                <a:extLst>
+                  <a:ext uri="{FF2B5EF4-FFF2-40B4-BE49-F238E27FC236}">
+                    <a16:creationId xmlns:a16="http://schemas.microsoft.com/office/drawing/2014/main" id="{6C2B0F3A-6194-42FC-AA28-458FC15A2E76}"/>
+                  </a:ext>
+                </a:extLst>
+              </p14:cNvPr>
+              <p14:cNvContentPartPr/>
+              <p14:nvPr/>
+            </p14:nvContentPartPr>
+            <p14:xfrm>
+              <a:off x="4239294" y="1931481"/>
+              <a:ext cx="902160" cy="401760"/>
+            </p14:xfrm>
+          </p:contentPart>
+        </mc:Choice>
+        <mc:Fallback>
+          <p:pic>
+            <p:nvPicPr>
+              <p:cNvPr id="59" name="Ink 58">
+                <a:extLst>
+                  <a:ext uri="{FF2B5EF4-FFF2-40B4-BE49-F238E27FC236}">
+                    <a16:creationId xmlns:a16="http://schemas.microsoft.com/office/drawing/2014/main" id="{6C2B0F3A-6194-42FC-AA28-458FC15A2E76}"/>
+                  </a:ext>
+                </a:extLst>
+              </p:cNvPr>
+              <p:cNvPicPr/>
+              <p:nvPr/>
+            </p:nvPicPr>
+            <p:blipFill>
+              <a:blip r:embed="rId9"/>
+              <a:stretch>
+                <a:fillRect/>
+              </a:stretch>
+            </p:blipFill>
+            <p:spPr>
+              <a:xfrm>
+                <a:off x="4230294" y="1922481"/>
+                <a:ext cx="919800" cy="419400"/>
+              </a:xfrm>
+              <a:prstGeom prst="rect">
+                <a:avLst/>
+              </a:prstGeom>
+            </p:spPr>
+          </p:pic>
+        </mc:Fallback>
+      </mc:AlternateContent>
+      <mc:AlternateContent xmlns:mc="http://schemas.openxmlformats.org/markup-compatibility/2006">
+        <mc:Choice xmlns:p14="http://schemas.microsoft.com/office/powerpoint/2010/main" Requires="p14">
+          <p:contentPart p14:bwMode="auto" r:id="rId10">
+            <p14:nvContentPartPr>
+              <p14:cNvPr id="63" name="Ink 62">
+                <a:extLst>
+                  <a:ext uri="{FF2B5EF4-FFF2-40B4-BE49-F238E27FC236}">
+                    <a16:creationId xmlns:a16="http://schemas.microsoft.com/office/drawing/2014/main" id="{38F99C75-1157-4746-92C7-76C7E19144C2}"/>
+                  </a:ext>
+                </a:extLst>
+              </p14:cNvPr>
+              <p14:cNvContentPartPr/>
+              <p14:nvPr/>
+            </p14:nvContentPartPr>
+            <p14:xfrm>
+              <a:off x="4767774" y="2426121"/>
+              <a:ext cx="196560" cy="348120"/>
+            </p14:xfrm>
+          </p:contentPart>
+        </mc:Choice>
+        <mc:Fallback>
+          <p:pic>
+            <p:nvPicPr>
+              <p:cNvPr id="63" name="Ink 62">
+                <a:extLst>
+                  <a:ext uri="{FF2B5EF4-FFF2-40B4-BE49-F238E27FC236}">
+                    <a16:creationId xmlns:a16="http://schemas.microsoft.com/office/drawing/2014/main" id="{38F99C75-1157-4746-92C7-76C7E19144C2}"/>
+                  </a:ext>
+                </a:extLst>
+              </p:cNvPr>
+              <p:cNvPicPr/>
+              <p:nvPr/>
+            </p:nvPicPr>
+            <p:blipFill>
+              <a:blip r:embed="rId11"/>
+              <a:stretch>
+                <a:fillRect/>
+              </a:stretch>
+            </p:blipFill>
+            <p:spPr>
+              <a:xfrm>
+                <a:off x="4758774" y="2417121"/>
+                <a:ext cx="214200" cy="365760"/>
+              </a:xfrm>
+              <a:prstGeom prst="rect">
+                <a:avLst/>
+              </a:prstGeom>
+            </p:spPr>
+          </p:pic>
+        </mc:Fallback>
+      </mc:AlternateContent>
+      <mc:AlternateContent xmlns:mc="http://schemas.openxmlformats.org/markup-compatibility/2006">
+        <mc:Choice xmlns:p14="http://schemas.microsoft.com/office/powerpoint/2010/main" Requires="p14">
+          <p:contentPart p14:bwMode="auto" r:id="rId12">
+            <p14:nvContentPartPr>
+              <p14:cNvPr id="2062" name="Ink 2061">
+                <a:extLst>
+                  <a:ext uri="{FF2B5EF4-FFF2-40B4-BE49-F238E27FC236}">
+                    <a16:creationId xmlns:a16="http://schemas.microsoft.com/office/drawing/2014/main" id="{FEEBDFD8-CBA0-4163-BA53-58E4B437DDE7}"/>
+                  </a:ext>
+                </a:extLst>
+              </p14:cNvPr>
+              <p14:cNvContentPartPr/>
+              <p14:nvPr/>
+            </p14:nvContentPartPr>
+            <p14:xfrm>
+              <a:off x="4617654" y="2957841"/>
+              <a:ext cx="1540800" cy="703440"/>
+            </p14:xfrm>
+          </p:contentPart>
+        </mc:Choice>
+        <mc:Fallback>
+          <p:pic>
+            <p:nvPicPr>
+              <p:cNvPr id="2062" name="Ink 2061">
+                <a:extLst>
+                  <a:ext uri="{FF2B5EF4-FFF2-40B4-BE49-F238E27FC236}">
+                    <a16:creationId xmlns:a16="http://schemas.microsoft.com/office/drawing/2014/main" id="{FEEBDFD8-CBA0-4163-BA53-58E4B437DDE7}"/>
+                  </a:ext>
+                </a:extLst>
+              </p:cNvPr>
+              <p:cNvPicPr/>
+              <p:nvPr/>
+            </p:nvPicPr>
+            <p:blipFill>
+              <a:blip r:embed="rId13"/>
+              <a:stretch>
+                <a:fillRect/>
+              </a:stretch>
+            </p:blipFill>
+            <p:spPr>
+              <a:xfrm>
+                <a:off x="4608654" y="2948841"/>
+                <a:ext cx="1558440" cy="721080"/>
+              </a:xfrm>
+              <a:prstGeom prst="rect">
+                <a:avLst/>
+              </a:prstGeom>
+            </p:spPr>
+          </p:pic>
+        </mc:Fallback>
+      </mc:AlternateContent>
+      <mc:AlternateContent xmlns:mc="http://schemas.openxmlformats.org/markup-compatibility/2006">
+        <mc:Choice xmlns:p14="http://schemas.microsoft.com/office/powerpoint/2010/main" Requires="p14">
+          <p:contentPart p14:bwMode="auto" r:id="rId14">
+            <p14:nvContentPartPr>
+              <p14:cNvPr id="2073" name="Ink 2072">
+                <a:extLst>
+                  <a:ext uri="{FF2B5EF4-FFF2-40B4-BE49-F238E27FC236}">
+                    <a16:creationId xmlns:a16="http://schemas.microsoft.com/office/drawing/2014/main" id="{C25A6B17-0B31-44E8-B4A4-C4A1DA009F4F}"/>
+                  </a:ext>
+                </a:extLst>
+              </p14:cNvPr>
+              <p14:cNvContentPartPr/>
+              <p14:nvPr/>
+            </p14:nvContentPartPr>
+            <p14:xfrm>
+              <a:off x="4777134" y="3844161"/>
+              <a:ext cx="1260000" cy="364320"/>
+            </p14:xfrm>
+          </p:contentPart>
+        </mc:Choice>
+        <mc:Fallback>
+          <p:pic>
+            <p:nvPicPr>
+              <p:cNvPr id="2073" name="Ink 2072">
+                <a:extLst>
+                  <a:ext uri="{FF2B5EF4-FFF2-40B4-BE49-F238E27FC236}">
+                    <a16:creationId xmlns:a16="http://schemas.microsoft.com/office/drawing/2014/main" id="{C25A6B17-0B31-44E8-B4A4-C4A1DA009F4F}"/>
+                  </a:ext>
+                </a:extLst>
+              </p:cNvPr>
+              <p:cNvPicPr/>
+              <p:nvPr/>
+            </p:nvPicPr>
+            <p:blipFill>
+              <a:blip r:embed="rId15"/>
+              <a:stretch>
+                <a:fillRect/>
+              </a:stretch>
+            </p:blipFill>
+            <p:spPr>
+              <a:xfrm>
+                <a:off x="4768134" y="3835161"/>
+                <a:ext cx="1277640" cy="381960"/>
+              </a:xfrm>
+              <a:prstGeom prst="rect">
+                <a:avLst/>
+              </a:prstGeom>
+            </p:spPr>
+          </p:pic>
+        </mc:Fallback>
+      </mc:AlternateContent>
+      <mc:AlternateContent xmlns:mc="http://schemas.openxmlformats.org/markup-compatibility/2006">
+        <mc:Choice xmlns:p14="http://schemas.microsoft.com/office/powerpoint/2010/main" Requires="p14">
+          <p:contentPart p14:bwMode="auto" r:id="rId16">
+            <p14:nvContentPartPr>
+              <p14:cNvPr id="2078" name="Ink 2077">
+                <a:extLst>
+                  <a:ext uri="{FF2B5EF4-FFF2-40B4-BE49-F238E27FC236}">
+                    <a16:creationId xmlns:a16="http://schemas.microsoft.com/office/drawing/2014/main" id="{FEF26928-D8FE-4A1D-88C9-EB6B4C471A5E}"/>
+                  </a:ext>
+                </a:extLst>
+              </p14:cNvPr>
+              <p14:cNvContentPartPr/>
+              <p14:nvPr/>
+            </p14:nvContentPartPr>
+            <p14:xfrm>
+              <a:off x="4469334" y="3816081"/>
+              <a:ext cx="235080" cy="230760"/>
+            </p14:xfrm>
+          </p:contentPart>
+        </mc:Choice>
+        <mc:Fallback>
+          <p:pic>
+            <p:nvPicPr>
+              <p:cNvPr id="2078" name="Ink 2077">
+                <a:extLst>
+                  <a:ext uri="{FF2B5EF4-FFF2-40B4-BE49-F238E27FC236}">
+                    <a16:creationId xmlns:a16="http://schemas.microsoft.com/office/drawing/2014/main" id="{FEF26928-D8FE-4A1D-88C9-EB6B4C471A5E}"/>
+                  </a:ext>
+                </a:extLst>
+              </p:cNvPr>
+              <p:cNvPicPr/>
+              <p:nvPr/>
+            </p:nvPicPr>
+            <p:blipFill>
+              <a:blip r:embed="rId17"/>
+              <a:stretch>
+                <a:fillRect/>
+              </a:stretch>
+            </p:blipFill>
+            <p:spPr>
+              <a:xfrm>
+                <a:off x="4460334" y="3807081"/>
+                <a:ext cx="252720" cy="248400"/>
+              </a:xfrm>
+              <a:prstGeom prst="rect">
+                <a:avLst/>
+              </a:prstGeom>
+            </p:spPr>
+          </p:pic>
+        </mc:Fallback>
+      </mc:AlternateContent>
+      <mc:AlternateContent xmlns:mc="http://schemas.openxmlformats.org/markup-compatibility/2006">
+        <mc:Choice xmlns:p14="http://schemas.microsoft.com/office/powerpoint/2010/main" Requires="p14">
+          <p:contentPart p14:bwMode="auto" r:id="rId18">
+            <p14:nvContentPartPr>
+              <p14:cNvPr id="2086" name="Ink 2085">
+                <a:extLst>
+                  <a:ext uri="{FF2B5EF4-FFF2-40B4-BE49-F238E27FC236}">
+                    <a16:creationId xmlns:a16="http://schemas.microsoft.com/office/drawing/2014/main" id="{46EBE816-45EB-47DE-82FC-D3CFD0DCD2AB}"/>
+                  </a:ext>
+                </a:extLst>
+              </p14:cNvPr>
+              <p14:cNvContentPartPr/>
+              <p14:nvPr/>
+            </p14:nvContentPartPr>
+            <p14:xfrm>
+              <a:off x="4749054" y="4301361"/>
+              <a:ext cx="1083240" cy="430200"/>
+            </p14:xfrm>
+          </p:contentPart>
+        </mc:Choice>
+        <mc:Fallback>
+          <p:pic>
+            <p:nvPicPr>
+              <p:cNvPr id="2086" name="Ink 2085">
+                <a:extLst>
+                  <a:ext uri="{FF2B5EF4-FFF2-40B4-BE49-F238E27FC236}">
+                    <a16:creationId xmlns:a16="http://schemas.microsoft.com/office/drawing/2014/main" id="{46EBE816-45EB-47DE-82FC-D3CFD0DCD2AB}"/>
+                  </a:ext>
+                </a:extLst>
+              </p:cNvPr>
+              <p:cNvPicPr/>
+              <p:nvPr/>
+            </p:nvPicPr>
+            <p:blipFill>
+              <a:blip r:embed="rId19"/>
+              <a:stretch>
+                <a:fillRect/>
+              </a:stretch>
+            </p:blipFill>
+            <p:spPr>
+              <a:xfrm>
+                <a:off x="4740054" y="4292361"/>
+                <a:ext cx="1100880" cy="447840"/>
+              </a:xfrm>
+              <a:prstGeom prst="rect">
+                <a:avLst/>
+              </a:prstGeom>
+            </p:spPr>
+          </p:pic>
+        </mc:Fallback>
+      </mc:AlternateContent>
+      <mc:AlternateContent xmlns:mc="http://schemas.openxmlformats.org/markup-compatibility/2006">
+        <mc:Choice xmlns:p14="http://schemas.microsoft.com/office/powerpoint/2010/main" Requires="p14">
+          <p:contentPart p14:bwMode="auto" r:id="rId20">
+            <p14:nvContentPartPr>
+              <p14:cNvPr id="2104" name="Ink 2103">
+                <a:extLst>
+                  <a:ext uri="{FF2B5EF4-FFF2-40B4-BE49-F238E27FC236}">
+                    <a16:creationId xmlns:a16="http://schemas.microsoft.com/office/drawing/2014/main" id="{127097CF-AC73-4484-B9FF-DF618CFCF5C8}"/>
+                  </a:ext>
+                </a:extLst>
+              </p14:cNvPr>
+              <p14:cNvContentPartPr/>
+              <p14:nvPr/>
+            </p14:nvContentPartPr>
+            <p14:xfrm>
+              <a:off x="11140854" y="4042161"/>
+              <a:ext cx="849240" cy="410400"/>
+            </p14:xfrm>
+          </p:contentPart>
+        </mc:Choice>
+        <mc:Fallback>
+          <p:pic>
+            <p:nvPicPr>
+              <p:cNvPr id="2104" name="Ink 2103">
+                <a:extLst>
+                  <a:ext uri="{FF2B5EF4-FFF2-40B4-BE49-F238E27FC236}">
+                    <a16:creationId xmlns:a16="http://schemas.microsoft.com/office/drawing/2014/main" id="{127097CF-AC73-4484-B9FF-DF618CFCF5C8}"/>
+                  </a:ext>
+                </a:extLst>
+              </p:cNvPr>
+              <p:cNvPicPr/>
+              <p:nvPr/>
+            </p:nvPicPr>
+            <p:blipFill>
+              <a:blip r:embed="rId21"/>
+              <a:stretch>
+                <a:fillRect/>
+              </a:stretch>
+            </p:blipFill>
+            <p:spPr>
+              <a:xfrm>
+                <a:off x="11131854" y="4033161"/>
+                <a:ext cx="866880" cy="428040"/>
+              </a:xfrm>
+              <a:prstGeom prst="rect">
+                <a:avLst/>
+              </a:prstGeom>
+            </p:spPr>
+          </p:pic>
+        </mc:Fallback>
+      </mc:AlternateContent>
+      <mc:AlternateContent xmlns:mc="http://schemas.openxmlformats.org/markup-compatibility/2006">
+        <mc:Choice xmlns:p14="http://schemas.microsoft.com/office/powerpoint/2010/main" Requires="p14">
+          <p:contentPart p14:bwMode="auto" r:id="rId22">
+            <p14:nvContentPartPr>
+              <p14:cNvPr id="2185" name="Ink 2184">
+                <a:extLst>
+                  <a:ext uri="{FF2B5EF4-FFF2-40B4-BE49-F238E27FC236}">
+                    <a16:creationId xmlns:a16="http://schemas.microsoft.com/office/drawing/2014/main" id="{A1A8DEC1-7DCE-4DAB-88DF-B69DD843E997}"/>
+                  </a:ext>
+                </a:extLst>
+              </p14:cNvPr>
+              <p14:cNvContentPartPr/>
+              <p14:nvPr/>
+            </p14:nvContentPartPr>
+            <p14:xfrm>
+              <a:off x="420054" y="4049361"/>
+              <a:ext cx="1884960" cy="627120"/>
+            </p14:xfrm>
+          </p:contentPart>
+        </mc:Choice>
+        <mc:Fallback>
+          <p:pic>
+            <p:nvPicPr>
+              <p:cNvPr id="2185" name="Ink 2184">
+                <a:extLst>
+                  <a:ext uri="{FF2B5EF4-FFF2-40B4-BE49-F238E27FC236}">
+                    <a16:creationId xmlns:a16="http://schemas.microsoft.com/office/drawing/2014/main" id="{A1A8DEC1-7DCE-4DAB-88DF-B69DD843E997}"/>
+                  </a:ext>
+                </a:extLst>
+              </p:cNvPr>
+              <p:cNvPicPr/>
+              <p:nvPr/>
+            </p:nvPicPr>
+            <p:blipFill>
+              <a:blip r:embed="rId23"/>
+              <a:stretch>
+                <a:fillRect/>
+              </a:stretch>
+            </p:blipFill>
+            <p:spPr>
+              <a:xfrm>
+                <a:off x="411054" y="4040361"/>
+                <a:ext cx="1902600" cy="644760"/>
+              </a:xfrm>
+              <a:prstGeom prst="rect">
+                <a:avLst/>
+              </a:prstGeom>
+            </p:spPr>
+          </p:pic>
+        </mc:Fallback>
+      </mc:AlternateContent>
+      <mc:AlternateContent xmlns:mc="http://schemas.openxmlformats.org/markup-compatibility/2006">
+        <mc:Choice xmlns:p14="http://schemas.microsoft.com/office/powerpoint/2010/main" Requires="p14">
+          <p:contentPart p14:bwMode="auto" r:id="rId24">
+            <p14:nvContentPartPr>
+              <p14:cNvPr id="2211" name="Ink 2210">
+                <a:extLst>
+                  <a:ext uri="{FF2B5EF4-FFF2-40B4-BE49-F238E27FC236}">
+                    <a16:creationId xmlns:a16="http://schemas.microsoft.com/office/drawing/2014/main" id="{09B05027-23F0-44F8-8A9C-5F5948161E9A}"/>
+                  </a:ext>
+                </a:extLst>
+              </p14:cNvPr>
+              <p14:cNvContentPartPr/>
+              <p14:nvPr/>
+            </p14:nvContentPartPr>
+            <p14:xfrm>
+              <a:off x="438414" y="4767921"/>
+              <a:ext cx="2500920" cy="1521360"/>
+            </p14:xfrm>
+          </p:contentPart>
+        </mc:Choice>
+        <mc:Fallback>
+          <p:pic>
+            <p:nvPicPr>
+              <p:cNvPr id="2211" name="Ink 2210">
+                <a:extLst>
+                  <a:ext uri="{FF2B5EF4-FFF2-40B4-BE49-F238E27FC236}">
+                    <a16:creationId xmlns:a16="http://schemas.microsoft.com/office/drawing/2014/main" id="{09B05027-23F0-44F8-8A9C-5F5948161E9A}"/>
+                  </a:ext>
+                </a:extLst>
+              </p:cNvPr>
+              <p:cNvPicPr/>
+              <p:nvPr/>
+            </p:nvPicPr>
+            <p:blipFill>
+              <a:blip r:embed="rId25"/>
+              <a:stretch>
+                <a:fillRect/>
+              </a:stretch>
+            </p:blipFill>
+            <p:spPr>
+              <a:xfrm>
+                <a:off x="429414" y="4758921"/>
+                <a:ext cx="2518560" cy="1539000"/>
+              </a:xfrm>
+              <a:prstGeom prst="rect">
+                <a:avLst/>
+              </a:prstGeom>
+            </p:spPr>
+          </p:pic>
+        </mc:Fallback>
+      </mc:AlternateContent>
+      <mc:AlternateContent xmlns:mc="http://schemas.openxmlformats.org/markup-compatibility/2006">
+        <mc:Choice xmlns:p14="http://schemas.microsoft.com/office/powerpoint/2010/main" Requires="p14">
+          <p:contentPart p14:bwMode="auto" r:id="rId26">
+            <p14:nvContentPartPr>
+              <p14:cNvPr id="2219" name="Ink 2218">
+                <a:extLst>
+                  <a:ext uri="{FF2B5EF4-FFF2-40B4-BE49-F238E27FC236}">
+                    <a16:creationId xmlns:a16="http://schemas.microsoft.com/office/drawing/2014/main" id="{C4A21B7D-CBE0-41D0-9C09-FDC564918B45}"/>
+                  </a:ext>
+                </a:extLst>
+              </p14:cNvPr>
+              <p14:cNvContentPartPr/>
+              <p14:nvPr/>
+            </p14:nvContentPartPr>
+            <p14:xfrm>
+              <a:off x="2565654" y="3713481"/>
+              <a:ext cx="1149840" cy="569520"/>
+            </p14:xfrm>
+          </p:contentPart>
+        </mc:Choice>
+        <mc:Fallback>
+          <p:pic>
+            <p:nvPicPr>
+              <p:cNvPr id="2219" name="Ink 2218">
+                <a:extLst>
+                  <a:ext uri="{FF2B5EF4-FFF2-40B4-BE49-F238E27FC236}">
+                    <a16:creationId xmlns:a16="http://schemas.microsoft.com/office/drawing/2014/main" id="{C4A21B7D-CBE0-41D0-9C09-FDC564918B45}"/>
+                  </a:ext>
+                </a:extLst>
+              </p:cNvPr>
+              <p:cNvPicPr/>
+              <p:nvPr/>
+            </p:nvPicPr>
+            <p:blipFill>
+              <a:blip r:embed="rId27"/>
+              <a:stretch>
+                <a:fillRect/>
+              </a:stretch>
+            </p:blipFill>
+            <p:spPr>
+              <a:xfrm>
+                <a:off x="2556654" y="3704481"/>
+                <a:ext cx="1167480" cy="587160"/>
+              </a:xfrm>
+              <a:prstGeom prst="rect">
+                <a:avLst/>
+              </a:prstGeom>
+            </p:spPr>
+          </p:pic>
+        </mc:Fallback>
+      </mc:AlternateContent>
+      <mc:AlternateContent xmlns:mc="http://schemas.openxmlformats.org/markup-compatibility/2006">
+        <mc:Choice xmlns:p14="http://schemas.microsoft.com/office/powerpoint/2010/main" Requires="p14">
+          <p:contentPart p14:bwMode="auto" r:id="rId28">
+            <p14:nvContentPartPr>
+              <p14:cNvPr id="2230" name="Ink 2229">
+                <a:extLst>
+                  <a:ext uri="{FF2B5EF4-FFF2-40B4-BE49-F238E27FC236}">
+                    <a16:creationId xmlns:a16="http://schemas.microsoft.com/office/drawing/2014/main" id="{86C4A27E-DD0A-44F6-8E6B-9DF413DDBE25}"/>
+                  </a:ext>
+                </a:extLst>
+              </p14:cNvPr>
+              <p14:cNvContentPartPr/>
+              <p14:nvPr/>
+            </p14:nvContentPartPr>
+            <p14:xfrm>
+              <a:off x="5587494" y="950841"/>
+              <a:ext cx="1739520" cy="374400"/>
+            </p14:xfrm>
+          </p:contentPart>
+        </mc:Choice>
+        <mc:Fallback>
+          <p:pic>
+            <p:nvPicPr>
+              <p:cNvPr id="2230" name="Ink 2229">
+                <a:extLst>
+                  <a:ext uri="{FF2B5EF4-FFF2-40B4-BE49-F238E27FC236}">
+                    <a16:creationId xmlns:a16="http://schemas.microsoft.com/office/drawing/2014/main" id="{86C4A27E-DD0A-44F6-8E6B-9DF413DDBE25}"/>
+                  </a:ext>
+                </a:extLst>
+              </p:cNvPr>
+              <p:cNvPicPr/>
+              <p:nvPr/>
+            </p:nvPicPr>
+            <p:blipFill>
+              <a:blip r:embed="rId29"/>
+              <a:stretch>
+                <a:fillRect/>
+              </a:stretch>
+            </p:blipFill>
+            <p:spPr>
+              <a:xfrm>
+                <a:off x="5578494" y="941841"/>
+                <a:ext cx="1757160" cy="392040"/>
+              </a:xfrm>
+              <a:prstGeom prst="rect">
+                <a:avLst/>
+              </a:prstGeom>
+            </p:spPr>
+          </p:pic>
+        </mc:Fallback>
+      </mc:AlternateContent>
+      <mc:AlternateContent xmlns:mc="http://schemas.openxmlformats.org/markup-compatibility/2006">
+        <mc:Choice xmlns:p14="http://schemas.microsoft.com/office/powerpoint/2010/main" Requires="p14">
+          <p:contentPart p14:bwMode="auto" r:id="rId30">
+            <p14:nvContentPartPr>
+              <p14:cNvPr id="2231" name="Ink 2230">
+                <a:extLst>
+                  <a:ext uri="{FF2B5EF4-FFF2-40B4-BE49-F238E27FC236}">
+                    <a16:creationId xmlns:a16="http://schemas.microsoft.com/office/drawing/2014/main" id="{5C5E70F5-EB7B-4174-98E5-A496C8E5DF97}"/>
+                  </a:ext>
+                </a:extLst>
+              </p14:cNvPr>
+              <p14:cNvContentPartPr/>
+              <p14:nvPr/>
+            </p14:nvContentPartPr>
+            <p14:xfrm>
+              <a:off x="5542494" y="1445841"/>
+              <a:ext cx="2127600" cy="51840"/>
+            </p14:xfrm>
+          </p:contentPart>
+        </mc:Choice>
+        <mc:Fallback>
+          <p:pic>
+            <p:nvPicPr>
+              <p:cNvPr id="2231" name="Ink 2230">
+                <a:extLst>
+                  <a:ext uri="{FF2B5EF4-FFF2-40B4-BE49-F238E27FC236}">
+                    <a16:creationId xmlns:a16="http://schemas.microsoft.com/office/drawing/2014/main" id="{5C5E70F5-EB7B-4174-98E5-A496C8E5DF97}"/>
+                  </a:ext>
+                </a:extLst>
+              </p:cNvPr>
+              <p:cNvPicPr/>
+              <p:nvPr/>
+            </p:nvPicPr>
+            <p:blipFill>
+              <a:blip r:embed="rId31"/>
+              <a:stretch>
+                <a:fillRect/>
+              </a:stretch>
+            </p:blipFill>
+            <p:spPr>
+              <a:xfrm>
+                <a:off x="5533494" y="1436841"/>
+                <a:ext cx="2145240" cy="69480"/>
+              </a:xfrm>
+              <a:prstGeom prst="rect">
+                <a:avLst/>
+              </a:prstGeom>
+            </p:spPr>
+          </p:pic>
+        </mc:Fallback>
+      </mc:AlternateContent>
+      <mc:AlternateContent xmlns:mc="http://schemas.openxmlformats.org/markup-compatibility/2006">
+        <mc:Choice xmlns:p14="http://schemas.microsoft.com/office/powerpoint/2010/main" Requires="p14">
+          <p:contentPart p14:bwMode="auto" r:id="rId32">
+            <p14:nvContentPartPr>
+              <p14:cNvPr id="2232" name="Ink 2231">
+                <a:extLst>
+                  <a:ext uri="{FF2B5EF4-FFF2-40B4-BE49-F238E27FC236}">
+                    <a16:creationId xmlns:a16="http://schemas.microsoft.com/office/drawing/2014/main" id="{403B3CBC-FF7D-4E35-8B86-5EF2C089C220}"/>
+                  </a:ext>
+                </a:extLst>
+              </p14:cNvPr>
+              <p14:cNvContentPartPr/>
+              <p14:nvPr/>
+            </p14:nvContentPartPr>
+            <p14:xfrm>
+              <a:off x="3125814" y="4326201"/>
+              <a:ext cx="774720" cy="1356480"/>
+            </p14:xfrm>
+          </p:contentPart>
+        </mc:Choice>
+        <mc:Fallback>
+          <p:pic>
+            <p:nvPicPr>
+              <p:cNvPr id="2232" name="Ink 2231">
+                <a:extLst>
+                  <a:ext uri="{FF2B5EF4-FFF2-40B4-BE49-F238E27FC236}">
+                    <a16:creationId xmlns:a16="http://schemas.microsoft.com/office/drawing/2014/main" id="{403B3CBC-FF7D-4E35-8B86-5EF2C089C220}"/>
+                  </a:ext>
+                </a:extLst>
+              </p:cNvPr>
+              <p:cNvPicPr/>
+              <p:nvPr/>
+            </p:nvPicPr>
+            <p:blipFill>
+              <a:blip r:embed="rId33"/>
+              <a:stretch>
+                <a:fillRect/>
+              </a:stretch>
+            </p:blipFill>
+            <p:spPr>
+              <a:xfrm>
+                <a:off x="3116814" y="4317201"/>
+                <a:ext cx="792360" cy="1374120"/>
+              </a:xfrm>
+              <a:prstGeom prst="rect">
+                <a:avLst/>
+              </a:prstGeom>
+            </p:spPr>
+          </p:pic>
+        </mc:Fallback>
+      </mc:AlternateContent>
+      <mc:AlternateContent xmlns:mc="http://schemas.openxmlformats.org/markup-compatibility/2006">
+        <mc:Choice xmlns:p14="http://schemas.microsoft.com/office/powerpoint/2010/main" Requires="p14">
+          <p:contentPart p14:bwMode="auto" r:id="rId34">
+            <p14:nvContentPartPr>
+              <p14:cNvPr id="2236" name="Ink 2235">
+                <a:extLst>
+                  <a:ext uri="{FF2B5EF4-FFF2-40B4-BE49-F238E27FC236}">
+                    <a16:creationId xmlns:a16="http://schemas.microsoft.com/office/drawing/2014/main" id="{337413EA-6B96-4358-985C-592579E349AE}"/>
+                  </a:ext>
+                </a:extLst>
+              </p14:cNvPr>
+              <p14:cNvContentPartPr/>
+              <p14:nvPr/>
+            </p14:nvContentPartPr>
+            <p14:xfrm>
+              <a:off x="3816294" y="3067641"/>
+              <a:ext cx="4516200" cy="2036520"/>
+            </p14:xfrm>
+          </p:contentPart>
+        </mc:Choice>
+        <mc:Fallback>
+          <p:pic>
+            <p:nvPicPr>
+              <p:cNvPr id="2236" name="Ink 2235">
+                <a:extLst>
+                  <a:ext uri="{FF2B5EF4-FFF2-40B4-BE49-F238E27FC236}">
+                    <a16:creationId xmlns:a16="http://schemas.microsoft.com/office/drawing/2014/main" id="{337413EA-6B96-4358-985C-592579E349AE}"/>
+                  </a:ext>
+                </a:extLst>
+              </p:cNvPr>
+              <p:cNvPicPr/>
+              <p:nvPr/>
+            </p:nvPicPr>
+            <p:blipFill>
+              <a:blip r:embed="rId35"/>
+              <a:stretch>
+                <a:fillRect/>
+              </a:stretch>
+            </p:blipFill>
+            <p:spPr>
+              <a:xfrm>
+                <a:off x="3807294" y="3058641"/>
+                <a:ext cx="4533840" cy="2054160"/>
+              </a:xfrm>
+              <a:prstGeom prst="rect">
+                <a:avLst/>
+              </a:prstGeom>
+            </p:spPr>
+          </p:pic>
+        </mc:Fallback>
+      </mc:AlternateContent>
+      <mc:AlternateContent xmlns:mc="http://schemas.openxmlformats.org/markup-compatibility/2006">
+        <mc:Choice xmlns:p14="http://schemas.microsoft.com/office/powerpoint/2010/main" Requires="p14">
+          <p:contentPart p14:bwMode="auto" r:id="rId36">
+            <p14:nvContentPartPr>
+              <p14:cNvPr id="2245" name="Ink 2244">
+                <a:extLst>
+                  <a:ext uri="{FF2B5EF4-FFF2-40B4-BE49-F238E27FC236}">
+                    <a16:creationId xmlns:a16="http://schemas.microsoft.com/office/drawing/2014/main" id="{4AB19E7A-831E-4323-9509-7335B09A52C7}"/>
+                  </a:ext>
+                </a:extLst>
+              </p14:cNvPr>
+              <p14:cNvContentPartPr/>
+              <p14:nvPr/>
+            </p14:nvContentPartPr>
+            <p14:xfrm>
+              <a:off x="7307214" y="2574081"/>
+              <a:ext cx="3834000" cy="2847960"/>
+            </p14:xfrm>
+          </p:contentPart>
+        </mc:Choice>
+        <mc:Fallback>
+          <p:pic>
+            <p:nvPicPr>
+              <p:cNvPr id="2245" name="Ink 2244">
+                <a:extLst>
+                  <a:ext uri="{FF2B5EF4-FFF2-40B4-BE49-F238E27FC236}">
+                    <a16:creationId xmlns:a16="http://schemas.microsoft.com/office/drawing/2014/main" id="{4AB19E7A-831E-4323-9509-7335B09A52C7}"/>
+                  </a:ext>
+                </a:extLst>
+              </p:cNvPr>
+              <p:cNvPicPr/>
+              <p:nvPr/>
+            </p:nvPicPr>
+            <p:blipFill>
+              <a:blip r:embed="rId37"/>
+              <a:stretch>
+                <a:fillRect/>
+              </a:stretch>
+            </p:blipFill>
+            <p:spPr>
+              <a:xfrm>
+                <a:off x="7298214" y="2565081"/>
+                <a:ext cx="3851640" cy="2865600"/>
+              </a:xfrm>
+              <a:prstGeom prst="rect">
+                <a:avLst/>
+              </a:prstGeom>
+            </p:spPr>
+          </p:pic>
+        </mc:Fallback>
+      </mc:AlternateContent>
     </p:spTree>
     <p:extLst>
       <p:ext uri="{BB962C8B-B14F-4D97-AF65-F5344CB8AC3E}">
-        <p14:creationId xmlns:p14="http://schemas.microsoft.com/office/powerpoint/2010/main" val="441198133"/>
+        <p14:creationId xmlns:p14="http://schemas.microsoft.com/office/powerpoint/2010/main" val="1440920042"/>
       </p:ext>
     </p:extLst>
   </p:cSld>
@@ -4551,155 +7155,10 @@
       </p:grpSpPr>
       <p:sp>
         <p:nvSpPr>
-          <p:cNvPr id="2" name="Title 3">
+          <p:cNvPr id="2" name="TextBox 1">
             <a:extLst>
               <a:ext uri="{FF2B5EF4-FFF2-40B4-BE49-F238E27FC236}">
-                <a16:creationId xmlns:a16="http://schemas.microsoft.com/office/drawing/2014/main" id="{F07FC580-E2AB-4C55-8C95-D5E077A1D127}"/>
-              </a:ext>
-            </a:extLst>
-          </p:cNvPr>
-          <p:cNvSpPr txBox="1">
-            <a:spLocks/>
-          </p:cNvSpPr>
-          <p:nvPr/>
-        </p:nvSpPr>
-        <p:spPr>
-          <a:xfrm>
-            <a:off x="261764" y="188640"/>
-            <a:ext cx="11292008" cy="711081"/>
-          </a:xfrm>
-          <a:prstGeom prst="rect">
-            <a:avLst/>
-          </a:prstGeom>
-        </p:spPr>
-        <p:txBody>
-          <a:bodyPr/>
-          <a:lstStyle>
-            <a:lvl1pPr algn="l" defTabSz="914400" rtl="0" eaLnBrk="1" latinLnBrk="0" hangingPunct="1">
-              <a:lnSpc>
-                <a:spcPct val="90000"/>
-              </a:lnSpc>
-              <a:spcBef>
-                <a:spcPct val="0"/>
-              </a:spcBef>
-              <a:buNone/>
-              <a:defRPr sz="4400" kern="1200">
-                <a:solidFill>
-                  <a:schemeClr val="tx1"/>
-                </a:solidFill>
-                <a:latin typeface="+mj-lt"/>
-                <a:ea typeface="+mj-ea"/>
-                <a:cs typeface="+mj-cs"/>
-              </a:defRPr>
-            </a:lvl1pPr>
-          </a:lstStyle>
-          <a:p>
-            <a:pPr marL="0" marR="0" lvl="0" indent="0" algn="l" defTabSz="914400" rtl="0" eaLnBrk="1" fontAlgn="auto" latinLnBrk="0" hangingPunct="1">
-              <a:lnSpc>
-                <a:spcPct val="90000"/>
-              </a:lnSpc>
-              <a:spcBef>
-                <a:spcPct val="0"/>
-              </a:spcBef>
-              <a:spcAft>
-                <a:spcPts val="0"/>
-              </a:spcAft>
-              <a:buClrTx/>
-              <a:buSzTx/>
-              <a:buFontTx/>
-              <a:buNone/>
-              <a:tabLst/>
-              <a:defRPr/>
-            </a:pPr>
-            <a:r>
-              <a:rPr kumimoji="0" lang="en-US" sz="4400" b="1" i="0" u="none" strike="noStrike" kern="1200" cap="none" spc="0" normalizeH="0" baseline="0" noProof="0" dirty="0">
-                <a:ln>
-                  <a:noFill/>
-                </a:ln>
-                <a:solidFill>
-                  <a:prstClr val="black"/>
-                </a:solidFill>
-                <a:effectLst/>
-                <a:uLnTx/>
-                <a:uFillTx/>
-                <a:latin typeface="Calibri Light" panose="020F0302020204030204"/>
-                <a:ea typeface="+mj-ea"/>
-                <a:cs typeface="+mj-cs"/>
-              </a:rPr>
-              <a:t>ABAP on Eclipse Tool</a:t>
-            </a:r>
-          </a:p>
-        </p:txBody>
-      </p:sp>
-      <p:sp>
-        <p:nvSpPr>
-          <p:cNvPr id="4" name="Footer Placeholder 45">
-            <a:extLst>
-              <a:ext uri="{FF2B5EF4-FFF2-40B4-BE49-F238E27FC236}">
-                <a16:creationId xmlns:a16="http://schemas.microsoft.com/office/drawing/2014/main" id="{90E33047-DFF5-4690-8905-31E4C115EFDC}"/>
-              </a:ext>
-            </a:extLst>
-          </p:cNvPr>
-          <p:cNvSpPr>
-            <a:spLocks noGrp="1"/>
-          </p:cNvSpPr>
-          <p:nvPr>
-            <p:ph type="ftr" sz="quarter" idx="11"/>
-          </p:nvPr>
-        </p:nvSpPr>
-        <p:spPr>
-          <a:xfrm>
-            <a:off x="10123055" y="6548582"/>
-            <a:ext cx="2225295" cy="203620"/>
-          </a:xfrm>
-        </p:spPr>
-        <p:txBody>
-          <a:bodyPr/>
-          <a:lstStyle/>
-          <a:p>
-            <a:pPr marL="0" marR="0" lvl="0" indent="0" algn="ctr" defTabSz="914400" rtl="0" eaLnBrk="1" fontAlgn="auto" latinLnBrk="0" hangingPunct="1">
-              <a:lnSpc>
-                <a:spcPct val="100000"/>
-              </a:lnSpc>
-              <a:spcBef>
-                <a:spcPts val="0"/>
-              </a:spcBef>
-              <a:spcAft>
-                <a:spcPts val="0"/>
-              </a:spcAft>
-              <a:buClrTx/>
-              <a:buSzTx/>
-              <a:buFontTx/>
-              <a:buNone/>
-              <a:tabLst/>
-              <a:defRPr/>
-            </a:pPr>
-            <a:r>
-              <a:rPr kumimoji="0" lang="en-US" sz="1200" b="1" i="0" u="none" strike="noStrike" kern="1200" cap="none" spc="0" normalizeH="0" baseline="0" noProof="0" dirty="0">
-                <a:ln>
-                  <a:noFill/>
-                </a:ln>
-                <a:solidFill>
-                  <a:prstClr val="black"/>
-                </a:solidFill>
-                <a:effectLst/>
-                <a:uLnTx/>
-                <a:uFillTx/>
-                <a:latin typeface="Calibri" panose="020F0502020204030204"/>
-                <a:ea typeface="+mn-ea"/>
-                <a:cs typeface="+mn-cs"/>
-              </a:rPr>
-              <a:t>Trainer: Anubhav Oberoy</a:t>
-            </a:r>
-          </a:p>
-        </p:txBody>
-      </p:sp>
-      <p:sp>
-        <p:nvSpPr>
-          <p:cNvPr id="5" name="TextBox 4">
-            <a:extLst>
-              <a:ext uri="{FF2B5EF4-FFF2-40B4-BE49-F238E27FC236}">
-                <a16:creationId xmlns:a16="http://schemas.microsoft.com/office/drawing/2014/main" id="{27E5B41D-1DDF-48C9-A5AF-075F84492B68}"/>
+                <a16:creationId xmlns:a16="http://schemas.microsoft.com/office/drawing/2014/main" id="{60203B16-6D44-47DC-93DC-1C1A32E23841}"/>
               </a:ext>
             </a:extLst>
           </p:cNvPr>
@@ -4708,8 +7167,8 @@
         </p:nvSpPr>
         <p:spPr>
           <a:xfrm>
-            <a:off x="401216" y="982353"/>
-            <a:ext cx="11542905" cy="461665"/>
+            <a:off x="289249" y="279918"/>
+            <a:ext cx="11523306" cy="6555641"/>
           </a:xfrm>
           <a:prstGeom prst="rect">
             <a:avLst/>
@@ -4722,109 +7181,211 @@
           </a:bodyPr>
           <a:lstStyle/>
           <a:p>
-            <a:pPr marL="0" marR="0" lvl="0" indent="0" algn="l" defTabSz="914400" rtl="0" eaLnBrk="1" fontAlgn="auto" latinLnBrk="0" hangingPunct="1">
-              <a:lnSpc>
-                <a:spcPct val="100000"/>
-              </a:lnSpc>
-              <a:spcBef>
-                <a:spcPts val="0"/>
-              </a:spcBef>
-              <a:spcAft>
-                <a:spcPts val="0"/>
-              </a:spcAft>
-              <a:buClrTx/>
-              <a:buSzTx/>
-              <a:buFontTx/>
-              <a:buNone/>
-              <a:tabLst/>
-              <a:defRPr/>
+            <a:pPr marL="342900" indent="-342900">
+              <a:buAutoNum type="arabicPeriod"/>
             </a:pPr>
             <a:r>
-              <a:rPr kumimoji="0" lang="en-US" sz="2400" b="0" i="0" u="none" strike="noStrike" kern="1200" cap="none" spc="0" normalizeH="0" baseline="0" noProof="0">
-                <a:ln>
-                  <a:noFill/>
-                </a:ln>
-                <a:solidFill>
-                  <a:prstClr val="black"/>
-                </a:solidFill>
-                <a:effectLst/>
-                <a:uLnTx/>
-                <a:uFillTx/>
-                <a:latin typeface="Calibri" panose="020F0502020204030204"/>
-                <a:ea typeface="+mn-ea"/>
-                <a:cs typeface="+mn-cs"/>
-              </a:rPr>
-              <a:t>&lt;content&gt;</a:t>
-            </a:r>
-            <a:endParaRPr kumimoji="0" lang="en-US" sz="2400" b="0" i="0" u="none" strike="noStrike" kern="1200" cap="none" spc="0" normalizeH="0" baseline="0" noProof="0" dirty="0">
-              <a:ln>
-                <a:noFill/>
-              </a:ln>
-              <a:solidFill>
-                <a:prstClr val="black"/>
-              </a:solidFill>
-              <a:effectLst/>
-              <a:uLnTx/>
-              <a:uFillTx/>
-              <a:latin typeface="Calibri" panose="020F0502020204030204"/>
-              <a:ea typeface="+mn-ea"/>
-              <a:cs typeface="+mn-cs"/>
-            </a:endParaRPr>
+              <a:rPr lang="en-US" dirty="0"/>
+              <a:t>Create new ABAP Project (An ABAP Project is just a connection to an SAP system)</a:t>
+            </a:r>
+          </a:p>
+          <a:p>
+            <a:pPr marL="342900" indent="-342900">
+              <a:buAutoNum type="arabicPeriod"/>
+            </a:pPr>
+            <a:r>
+              <a:rPr lang="en-US" dirty="0"/>
+              <a:t>Select your system</a:t>
+            </a:r>
+          </a:p>
+          <a:p>
+            <a:pPr marL="342900" indent="-342900">
+              <a:buAutoNum type="arabicPeriod"/>
+            </a:pPr>
+            <a:r>
+              <a:rPr lang="en-US" dirty="0"/>
+              <a:t>Say next and provide your user and password, client is 800</a:t>
+            </a:r>
+          </a:p>
+          <a:p>
+            <a:pPr marL="342900" indent="-342900">
+              <a:buAutoNum type="arabicPeriod"/>
+            </a:pPr>
+            <a:r>
+              <a:rPr lang="en-US" dirty="0"/>
+              <a:t>System will be added on left side</a:t>
+            </a:r>
+          </a:p>
+          <a:p>
+            <a:pPr marL="342900" indent="-342900">
+              <a:buAutoNum type="arabicPeriod"/>
+            </a:pPr>
+            <a:r>
+              <a:rPr lang="en-US" dirty="0"/>
+              <a:t>Use keyboard shortcut </a:t>
+            </a:r>
+            <a:r>
+              <a:rPr lang="en-US" sz="2400" b="1" dirty="0" err="1"/>
+              <a:t>Ctrl+Shift+A</a:t>
+            </a:r>
+            <a:endParaRPr lang="en-US" sz="2400" b="1" dirty="0"/>
+          </a:p>
+          <a:p>
+            <a:pPr marL="342900" indent="-342900">
+              <a:buAutoNum type="arabicPeriod"/>
+            </a:pPr>
+            <a:r>
+              <a:rPr lang="en-US" dirty="0"/>
+              <a:t>Search for your package ZNC_PKG_XX</a:t>
+            </a:r>
+          </a:p>
+          <a:p>
+            <a:pPr marL="342900" indent="-342900">
+              <a:buAutoNum type="arabicPeriod"/>
+            </a:pPr>
+            <a:r>
+              <a:rPr lang="en-US" dirty="0"/>
+              <a:t>Select your package and choose the link to editor button</a:t>
+            </a:r>
+          </a:p>
+          <a:p>
+            <a:pPr marL="342900" indent="-342900">
+              <a:buAutoNum type="arabicPeriod"/>
+            </a:pPr>
+            <a:endParaRPr lang="en-US" dirty="0"/>
+          </a:p>
+          <a:p>
+            <a:pPr marL="342900" indent="-342900">
+              <a:buAutoNum type="arabicPeriod"/>
+            </a:pPr>
+            <a:endParaRPr lang="en-US" dirty="0"/>
+          </a:p>
+          <a:p>
+            <a:pPr marL="342900" indent="-342900">
+              <a:buAutoNum type="arabicPeriod"/>
+            </a:pPr>
+            <a:endParaRPr lang="en-US" dirty="0"/>
+          </a:p>
+          <a:p>
+            <a:pPr marL="342900" indent="-342900">
+              <a:buAutoNum type="arabicPeriod"/>
+            </a:pPr>
+            <a:endParaRPr lang="en-US" dirty="0"/>
+          </a:p>
+          <a:p>
+            <a:pPr marL="342900" indent="-342900">
+              <a:buAutoNum type="arabicPeriod"/>
+            </a:pPr>
+            <a:endParaRPr lang="en-US" dirty="0"/>
+          </a:p>
+          <a:p>
+            <a:pPr marL="342900" indent="-342900">
+              <a:buAutoNum type="arabicPeriod"/>
+            </a:pPr>
+            <a:endParaRPr lang="en-US" dirty="0"/>
+          </a:p>
+          <a:p>
+            <a:pPr marL="342900" indent="-342900">
+              <a:buAutoNum type="arabicPeriod"/>
+            </a:pPr>
+            <a:endParaRPr lang="en-US" dirty="0"/>
+          </a:p>
+          <a:p>
+            <a:pPr marL="342900" indent="-342900">
+              <a:buAutoNum type="arabicPeriod"/>
+            </a:pPr>
+            <a:endParaRPr lang="en-US" dirty="0"/>
+          </a:p>
+          <a:p>
+            <a:pPr marL="342900" indent="-342900">
+              <a:buAutoNum type="arabicPeriod"/>
+            </a:pPr>
+            <a:endParaRPr lang="en-US" dirty="0"/>
+          </a:p>
+          <a:p>
+            <a:pPr marL="342900" indent="-342900">
+              <a:buAutoNum type="arabicPeriod"/>
+            </a:pPr>
+            <a:endParaRPr lang="en-US" dirty="0"/>
+          </a:p>
+          <a:p>
+            <a:pPr marL="342900" indent="-342900">
+              <a:buAutoNum type="arabicPeriod"/>
+            </a:pPr>
+            <a:endParaRPr lang="en-US" dirty="0"/>
+          </a:p>
+          <a:p>
+            <a:pPr marL="342900" indent="-342900">
+              <a:buAutoNum type="arabicPeriod"/>
+            </a:pPr>
+            <a:endParaRPr lang="en-US" dirty="0"/>
+          </a:p>
+          <a:p>
+            <a:pPr marL="342900" indent="-342900">
+              <a:buAutoNum type="arabicPeriod"/>
+            </a:pPr>
+            <a:r>
+              <a:rPr lang="en-US" dirty="0"/>
+              <a:t>Now we can see our package just like SE80 and open any program</a:t>
+            </a:r>
+          </a:p>
+          <a:p>
+            <a:pPr marL="342900" indent="-342900">
+              <a:buAutoNum type="arabicPeriod"/>
+            </a:pPr>
+            <a:r>
+              <a:rPr lang="en-US" dirty="0"/>
+              <a:t>Open last class program and press F8 to execute</a:t>
+            </a:r>
+          </a:p>
+          <a:p>
+            <a:pPr marL="342900" indent="-342900">
+              <a:buAutoNum type="arabicPeriod"/>
+            </a:pPr>
+            <a:r>
+              <a:rPr lang="en-US" dirty="0"/>
+              <a:t>You can test your ABAP program now in eclipse.</a:t>
+            </a:r>
+          </a:p>
+          <a:p>
+            <a:endParaRPr lang="en-US" dirty="0"/>
           </a:p>
         </p:txBody>
       </p:sp>
       <p:pic>
         <p:nvPicPr>
-          <p:cNvPr id="2050" name="Picture 2" descr="NetCom Logo">
-            <a:hlinkClick r:id="rId2"/>
+          <p:cNvPr id="3" name="Picture 2">
             <a:extLst>
               <a:ext uri="{FF2B5EF4-FFF2-40B4-BE49-F238E27FC236}">
-                <a16:creationId xmlns:a16="http://schemas.microsoft.com/office/drawing/2014/main" id="{2B8D59D5-A57D-4846-863C-31591ACCF193}"/>
+                <a16:creationId xmlns:a16="http://schemas.microsoft.com/office/drawing/2014/main" id="{3DC30E3D-A88B-46CC-ABED-DAF7170AE4B6}"/>
               </a:ext>
             </a:extLst>
           </p:cNvPr>
           <p:cNvPicPr>
-            <a:picLocks noChangeAspect="1" noChangeArrowheads="1"/>
+            <a:picLocks noChangeAspect="1"/>
           </p:cNvPicPr>
           <p:nvPr/>
         </p:nvPicPr>
         <p:blipFill>
-          <a:blip r:embed="rId3" cstate="print">
-            <a:extLst>
-              <a:ext uri="{28A0092B-C50C-407E-A947-70E740481C1C}">
-                <a14:useLocalDpi xmlns:a14="http://schemas.microsoft.com/office/drawing/2010/main" val="0"/>
-              </a:ext>
-            </a:extLst>
-          </a:blip>
-          <a:srcRect/>
+          <a:blip r:embed="rId2"/>
           <a:stretch>
             <a:fillRect/>
           </a:stretch>
         </p:blipFill>
-        <p:spPr bwMode="auto">
+        <p:spPr>
           <a:xfrm>
-            <a:off x="9485308" y="105798"/>
-            <a:ext cx="2444928" cy="656107"/>
+            <a:off x="379444" y="2382439"/>
+            <a:ext cx="5078964" cy="3063505"/>
           </a:xfrm>
           <a:prstGeom prst="rect">
             <a:avLst/>
           </a:prstGeom>
-          <a:noFill/>
-          <a:extLst>
-            <a:ext uri="{909E8E84-426E-40DD-AFC4-6F175D3DCCD1}">
-              <a14:hiddenFill xmlns:a14="http://schemas.microsoft.com/office/drawing/2010/main">
-                <a:solidFill>
-                  <a:srgbClr val="FFFFFF"/>
-                </a:solidFill>
-              </a14:hiddenFill>
-            </a:ext>
-          </a:extLst>
         </p:spPr>
       </p:pic>
     </p:spTree>
     <p:extLst>
       <p:ext uri="{BB962C8B-B14F-4D97-AF65-F5344CB8AC3E}">
-        <p14:creationId xmlns:p14="http://schemas.microsoft.com/office/powerpoint/2010/main" val="1440920042"/>
+        <p14:creationId xmlns:p14="http://schemas.microsoft.com/office/powerpoint/2010/main" val="133385719"/>
       </p:ext>
     </p:extLst>
   </p:cSld>
@@ -4898,7 +7459,7 @@
           <a:p>
             <a:r>
               <a:rPr lang="en-US" b="1" dirty="0"/>
-              <a:t>Exercise – Simple CDS View</a:t>
+              <a:t>Introduction to CDS View</a:t>
             </a:r>
           </a:p>
         </p:txBody>
@@ -4955,7 +7516,7 @@
         <p:spPr>
           <a:xfrm>
             <a:off x="401216" y="982353"/>
-            <a:ext cx="11542905" cy="461665"/>
+            <a:ext cx="11542905" cy="830997"/>
           </a:xfrm>
           <a:prstGeom prst="rect">
             <a:avLst/>
@@ -4970,22 +7531,15 @@
           <a:p>
             <a:r>
               <a:rPr lang="en-US" sz="2400" dirty="0"/>
-              <a:t>Create a simple CDS View with name </a:t>
-            </a:r>
-            <a:r>
-              <a:rPr lang="en-US" sz="2400" dirty="0">
-                <a:hlinkClick r:id="rId2"/>
-              </a:rPr>
-              <a:t>ZNC_XX_CDS_VIEW</a:t>
-            </a:r>
-            <a:endParaRPr lang="en-US" sz="2400" dirty="0"/>
+              <a:t>CDS stands for Core Data &amp; Services, It is an enhancement of SQL in ABAP. CDS is also known as semantically-rich data model. @ annotations – auto generate code for you</a:t>
+            </a:r>
           </a:p>
         </p:txBody>
       </p:sp>
       <p:pic>
         <p:nvPicPr>
           <p:cNvPr id="2050" name="Picture 2" descr="NetCom Logo">
-            <a:hlinkClick r:id="rId3"/>
+            <a:hlinkClick r:id="rId2"/>
             <a:extLst>
               <a:ext uri="{FF2B5EF4-FFF2-40B4-BE49-F238E27FC236}">
                 <a16:creationId xmlns:a16="http://schemas.microsoft.com/office/drawing/2014/main" id="{2B8D59D5-A57D-4846-863C-31591ACCF193}"/>
@@ -4998,7 +7552,7 @@
           <p:nvPr/>
         </p:nvPicPr>
         <p:blipFill>
-          <a:blip r:embed="rId4" cstate="print">
+          <a:blip r:embed="rId3" cstate="print">
             <a:extLst>
               <a:ext uri="{28A0092B-C50C-407E-A947-70E740481C1C}">
                 <a14:useLocalDpi xmlns:a14="http://schemas.microsoft.com/office/drawing/2010/main" val="0"/>
@@ -5030,10 +7584,571 @@
           </a:extLst>
         </p:spPr>
       </p:pic>
+      <mc:AlternateContent xmlns:mc="http://schemas.openxmlformats.org/markup-compatibility/2006">
+        <mc:Choice xmlns:p14="http://schemas.microsoft.com/office/powerpoint/2010/main" Requires="p14">
+          <p:contentPart p14:bwMode="auto" r:id="rId4">
+            <p14:nvContentPartPr>
+              <p14:cNvPr id="3" name="Ink 2">
+                <a:extLst>
+                  <a:ext uri="{FF2B5EF4-FFF2-40B4-BE49-F238E27FC236}">
+                    <a16:creationId xmlns:a16="http://schemas.microsoft.com/office/drawing/2014/main" id="{1356E60B-4AF0-4059-B4FF-EE272F89BBDC}"/>
+                  </a:ext>
+                </a:extLst>
+              </p14:cNvPr>
+              <p14:cNvContentPartPr/>
+              <p14:nvPr/>
+            </p14:nvContentPartPr>
+            <p14:xfrm>
+              <a:off x="727854" y="2126961"/>
+              <a:ext cx="2307240" cy="1157760"/>
+            </p14:xfrm>
+          </p:contentPart>
+        </mc:Choice>
+        <mc:Fallback>
+          <p:pic>
+            <p:nvPicPr>
+              <p:cNvPr id="3" name="Ink 2">
+                <a:extLst>
+                  <a:ext uri="{FF2B5EF4-FFF2-40B4-BE49-F238E27FC236}">
+                    <a16:creationId xmlns:a16="http://schemas.microsoft.com/office/drawing/2014/main" id="{1356E60B-4AF0-4059-B4FF-EE272F89BBDC}"/>
+                  </a:ext>
+                </a:extLst>
+              </p:cNvPr>
+              <p:cNvPicPr/>
+              <p:nvPr/>
+            </p:nvPicPr>
+            <p:blipFill>
+              <a:blip r:embed="rId5"/>
+              <a:stretch>
+                <a:fillRect/>
+              </a:stretch>
+            </p:blipFill>
+            <p:spPr>
+              <a:xfrm>
+                <a:off x="718854" y="2117961"/>
+                <a:ext cx="2324880" cy="1175400"/>
+              </a:xfrm>
+              <a:prstGeom prst="rect">
+                <a:avLst/>
+              </a:prstGeom>
+            </p:spPr>
+          </p:pic>
+        </mc:Fallback>
+      </mc:AlternateContent>
+      <mc:AlternateContent xmlns:mc="http://schemas.openxmlformats.org/markup-compatibility/2006">
+        <mc:Choice xmlns:p14="http://schemas.microsoft.com/office/powerpoint/2010/main" Requires="p14">
+          <p:contentPart p14:bwMode="auto" r:id="rId6">
+            <p14:nvContentPartPr>
+              <p14:cNvPr id="61" name="Ink 60">
+                <a:extLst>
+                  <a:ext uri="{FF2B5EF4-FFF2-40B4-BE49-F238E27FC236}">
+                    <a16:creationId xmlns:a16="http://schemas.microsoft.com/office/drawing/2014/main" id="{A681A56D-D938-443F-85B4-0EE48B3AD4DE}"/>
+                  </a:ext>
+                </a:extLst>
+              </p14:cNvPr>
+              <p14:cNvContentPartPr/>
+              <p14:nvPr/>
+            </p14:nvContentPartPr>
+            <p14:xfrm>
+              <a:off x="858174" y="2272401"/>
+              <a:ext cx="2678400" cy="3155040"/>
+            </p14:xfrm>
+          </p:contentPart>
+        </mc:Choice>
+        <mc:Fallback>
+          <p:pic>
+            <p:nvPicPr>
+              <p:cNvPr id="61" name="Ink 60">
+                <a:extLst>
+                  <a:ext uri="{FF2B5EF4-FFF2-40B4-BE49-F238E27FC236}">
+                    <a16:creationId xmlns:a16="http://schemas.microsoft.com/office/drawing/2014/main" id="{A681A56D-D938-443F-85B4-0EE48B3AD4DE}"/>
+                  </a:ext>
+                </a:extLst>
+              </p:cNvPr>
+              <p:cNvPicPr/>
+              <p:nvPr/>
+            </p:nvPicPr>
+            <p:blipFill>
+              <a:blip r:embed="rId7"/>
+              <a:stretch>
+                <a:fillRect/>
+              </a:stretch>
+            </p:blipFill>
+            <p:spPr>
+              <a:xfrm>
+                <a:off x="849174" y="2263401"/>
+                <a:ext cx="2696040" cy="3172680"/>
+              </a:xfrm>
+              <a:prstGeom prst="rect">
+                <a:avLst/>
+              </a:prstGeom>
+            </p:spPr>
+          </p:pic>
+        </mc:Fallback>
+      </mc:AlternateContent>
+      <mc:AlternateContent xmlns:mc="http://schemas.openxmlformats.org/markup-compatibility/2006">
+        <mc:Choice xmlns:p14="http://schemas.microsoft.com/office/powerpoint/2010/main" Requires="p14">
+          <p:contentPart p14:bwMode="auto" r:id="rId8">
+            <p14:nvContentPartPr>
+              <p14:cNvPr id="2057" name="Ink 2056">
+                <a:extLst>
+                  <a:ext uri="{FF2B5EF4-FFF2-40B4-BE49-F238E27FC236}">
+                    <a16:creationId xmlns:a16="http://schemas.microsoft.com/office/drawing/2014/main" id="{EBA544DD-EC12-499E-A5F2-E5C29EE51C7D}"/>
+                  </a:ext>
+                </a:extLst>
+              </p14:cNvPr>
+              <p14:cNvContentPartPr/>
+              <p14:nvPr/>
+            </p14:nvContentPartPr>
+            <p14:xfrm>
+              <a:off x="2155254" y="5542281"/>
+              <a:ext cx="681480" cy="233640"/>
+            </p14:xfrm>
+          </p:contentPart>
+        </mc:Choice>
+        <mc:Fallback>
+          <p:pic>
+            <p:nvPicPr>
+              <p:cNvPr id="2057" name="Ink 2056">
+                <a:extLst>
+                  <a:ext uri="{FF2B5EF4-FFF2-40B4-BE49-F238E27FC236}">
+                    <a16:creationId xmlns:a16="http://schemas.microsoft.com/office/drawing/2014/main" id="{EBA544DD-EC12-499E-A5F2-E5C29EE51C7D}"/>
+                  </a:ext>
+                </a:extLst>
+              </p:cNvPr>
+              <p:cNvPicPr/>
+              <p:nvPr/>
+            </p:nvPicPr>
+            <p:blipFill>
+              <a:blip r:embed="rId9"/>
+              <a:stretch>
+                <a:fillRect/>
+              </a:stretch>
+            </p:blipFill>
+            <p:spPr>
+              <a:xfrm>
+                <a:off x="2146254" y="5533281"/>
+                <a:ext cx="699120" cy="251280"/>
+              </a:xfrm>
+              <a:prstGeom prst="rect">
+                <a:avLst/>
+              </a:prstGeom>
+            </p:spPr>
+          </p:pic>
+        </mc:Fallback>
+      </mc:AlternateContent>
+      <mc:AlternateContent xmlns:mc="http://schemas.openxmlformats.org/markup-compatibility/2006">
+        <mc:Choice xmlns:p14="http://schemas.microsoft.com/office/powerpoint/2010/main" Requires="p14">
+          <p:contentPart p14:bwMode="auto" r:id="rId10">
+            <p14:nvContentPartPr>
+              <p14:cNvPr id="2086" name="Ink 2085">
+                <a:extLst>
+                  <a:ext uri="{FF2B5EF4-FFF2-40B4-BE49-F238E27FC236}">
+                    <a16:creationId xmlns:a16="http://schemas.microsoft.com/office/drawing/2014/main" id="{717CE362-2B63-4360-8B53-6395DDBBA293}"/>
+                  </a:ext>
+                </a:extLst>
+              </p14:cNvPr>
+              <p14:cNvContentPartPr/>
+              <p14:nvPr/>
+            </p14:nvContentPartPr>
+            <p14:xfrm>
+              <a:off x="3517494" y="5744601"/>
+              <a:ext cx="1403280" cy="609840"/>
+            </p14:xfrm>
+          </p:contentPart>
+        </mc:Choice>
+        <mc:Fallback>
+          <p:pic>
+            <p:nvPicPr>
+              <p:cNvPr id="2086" name="Ink 2085">
+                <a:extLst>
+                  <a:ext uri="{FF2B5EF4-FFF2-40B4-BE49-F238E27FC236}">
+                    <a16:creationId xmlns:a16="http://schemas.microsoft.com/office/drawing/2014/main" id="{717CE362-2B63-4360-8B53-6395DDBBA293}"/>
+                  </a:ext>
+                </a:extLst>
+              </p:cNvPr>
+              <p:cNvPicPr/>
+              <p:nvPr/>
+            </p:nvPicPr>
+            <p:blipFill>
+              <a:blip r:embed="rId11"/>
+              <a:stretch>
+                <a:fillRect/>
+              </a:stretch>
+            </p:blipFill>
+            <p:spPr>
+              <a:xfrm>
+                <a:off x="3508494" y="5735601"/>
+                <a:ext cx="1420920" cy="627480"/>
+              </a:xfrm>
+              <a:prstGeom prst="rect">
+                <a:avLst/>
+              </a:prstGeom>
+            </p:spPr>
+          </p:pic>
+        </mc:Fallback>
+      </mc:AlternateContent>
+      <mc:AlternateContent xmlns:mc="http://schemas.openxmlformats.org/markup-compatibility/2006">
+        <mc:Choice xmlns:p14="http://schemas.microsoft.com/office/powerpoint/2010/main" Requires="p14">
+          <p:contentPart p14:bwMode="auto" r:id="rId12">
+            <p14:nvContentPartPr>
+              <p14:cNvPr id="2095" name="Ink 2094">
+                <a:extLst>
+                  <a:ext uri="{FF2B5EF4-FFF2-40B4-BE49-F238E27FC236}">
+                    <a16:creationId xmlns:a16="http://schemas.microsoft.com/office/drawing/2014/main" id="{4E67625A-923F-432C-A57C-C8D9D69A0824}"/>
+                  </a:ext>
+                </a:extLst>
+              </p14:cNvPr>
+              <p14:cNvContentPartPr/>
+              <p14:nvPr/>
+            </p14:nvContentPartPr>
+            <p14:xfrm>
+              <a:off x="3480414" y="4252041"/>
+              <a:ext cx="2332800" cy="1580040"/>
+            </p14:xfrm>
+          </p:contentPart>
+        </mc:Choice>
+        <mc:Fallback>
+          <p:pic>
+            <p:nvPicPr>
+              <p:cNvPr id="2095" name="Ink 2094">
+                <a:extLst>
+                  <a:ext uri="{FF2B5EF4-FFF2-40B4-BE49-F238E27FC236}">
+                    <a16:creationId xmlns:a16="http://schemas.microsoft.com/office/drawing/2014/main" id="{4E67625A-923F-432C-A57C-C8D9D69A0824}"/>
+                  </a:ext>
+                </a:extLst>
+              </p:cNvPr>
+              <p:cNvPicPr/>
+              <p:nvPr/>
+            </p:nvPicPr>
+            <p:blipFill>
+              <a:blip r:embed="rId13"/>
+              <a:stretch>
+                <a:fillRect/>
+              </a:stretch>
+            </p:blipFill>
+            <p:spPr>
+              <a:xfrm>
+                <a:off x="3471414" y="4243041"/>
+                <a:ext cx="2350440" cy="1597680"/>
+              </a:xfrm>
+              <a:prstGeom prst="rect">
+                <a:avLst/>
+              </a:prstGeom>
+            </p:spPr>
+          </p:pic>
+        </mc:Fallback>
+      </mc:AlternateContent>
+      <mc:AlternateContent xmlns:mc="http://schemas.openxmlformats.org/markup-compatibility/2006">
+        <mc:Choice xmlns:p14="http://schemas.microsoft.com/office/powerpoint/2010/main" Requires="p14">
+          <p:contentPart p14:bwMode="auto" r:id="rId14">
+            <p14:nvContentPartPr>
+              <p14:cNvPr id="2172" name="Ink 2171">
+                <a:extLst>
+                  <a:ext uri="{FF2B5EF4-FFF2-40B4-BE49-F238E27FC236}">
+                    <a16:creationId xmlns:a16="http://schemas.microsoft.com/office/drawing/2014/main" id="{C207F110-5714-4E8F-A1D7-2D91FEFA2978}"/>
+                  </a:ext>
+                </a:extLst>
+              </p14:cNvPr>
+              <p14:cNvContentPartPr/>
+              <p14:nvPr/>
+            </p14:nvContentPartPr>
+            <p14:xfrm>
+              <a:off x="9796974" y="3133521"/>
+              <a:ext cx="1334880" cy="906840"/>
+            </p14:xfrm>
+          </p:contentPart>
+        </mc:Choice>
+        <mc:Fallback>
+          <p:pic>
+            <p:nvPicPr>
+              <p:cNvPr id="2172" name="Ink 2171">
+                <a:extLst>
+                  <a:ext uri="{FF2B5EF4-FFF2-40B4-BE49-F238E27FC236}">
+                    <a16:creationId xmlns:a16="http://schemas.microsoft.com/office/drawing/2014/main" id="{C207F110-5714-4E8F-A1D7-2D91FEFA2978}"/>
+                  </a:ext>
+                </a:extLst>
+              </p:cNvPr>
+              <p:cNvPicPr/>
+              <p:nvPr/>
+            </p:nvPicPr>
+            <p:blipFill>
+              <a:blip r:embed="rId15"/>
+              <a:stretch>
+                <a:fillRect/>
+              </a:stretch>
+            </p:blipFill>
+            <p:spPr>
+              <a:xfrm>
+                <a:off x="9787974" y="3124521"/>
+                <a:ext cx="1352520" cy="924480"/>
+              </a:xfrm>
+              <a:prstGeom prst="rect">
+                <a:avLst/>
+              </a:prstGeom>
+            </p:spPr>
+          </p:pic>
+        </mc:Fallback>
+      </mc:AlternateContent>
+      <mc:AlternateContent xmlns:mc="http://schemas.openxmlformats.org/markup-compatibility/2006">
+        <mc:Choice xmlns:p14="http://schemas.microsoft.com/office/powerpoint/2010/main" Requires="p14">
+          <p:contentPart p14:bwMode="auto" r:id="rId16">
+            <p14:nvContentPartPr>
+              <p14:cNvPr id="2186" name="Ink 2185">
+                <a:extLst>
+                  <a:ext uri="{FF2B5EF4-FFF2-40B4-BE49-F238E27FC236}">
+                    <a16:creationId xmlns:a16="http://schemas.microsoft.com/office/drawing/2014/main" id="{299F36A6-5F5D-4BDB-92D3-2DD53953CBAA}"/>
+                  </a:ext>
+                </a:extLst>
+              </p14:cNvPr>
+              <p14:cNvContentPartPr/>
+              <p14:nvPr/>
+            </p14:nvContentPartPr>
+            <p14:xfrm>
+              <a:off x="10234374" y="2295441"/>
+              <a:ext cx="1551600" cy="672120"/>
+            </p14:xfrm>
+          </p:contentPart>
+        </mc:Choice>
+        <mc:Fallback>
+          <p:pic>
+            <p:nvPicPr>
+              <p:cNvPr id="2186" name="Ink 2185">
+                <a:extLst>
+                  <a:ext uri="{FF2B5EF4-FFF2-40B4-BE49-F238E27FC236}">
+                    <a16:creationId xmlns:a16="http://schemas.microsoft.com/office/drawing/2014/main" id="{299F36A6-5F5D-4BDB-92D3-2DD53953CBAA}"/>
+                  </a:ext>
+                </a:extLst>
+              </p:cNvPr>
+              <p:cNvPicPr/>
+              <p:nvPr/>
+            </p:nvPicPr>
+            <p:blipFill>
+              <a:blip r:embed="rId17"/>
+              <a:stretch>
+                <a:fillRect/>
+              </a:stretch>
+            </p:blipFill>
+            <p:spPr>
+              <a:xfrm>
+                <a:off x="10225374" y="2286441"/>
+                <a:ext cx="1569240" cy="689760"/>
+              </a:xfrm>
+              <a:prstGeom prst="rect">
+                <a:avLst/>
+              </a:prstGeom>
+            </p:spPr>
+          </p:pic>
+        </mc:Fallback>
+      </mc:AlternateContent>
+      <mc:AlternateContent xmlns:mc="http://schemas.openxmlformats.org/markup-compatibility/2006">
+        <mc:Choice xmlns:p14="http://schemas.microsoft.com/office/powerpoint/2010/main" Requires="p14">
+          <p:contentPart p14:bwMode="auto" r:id="rId18">
+            <p14:nvContentPartPr>
+              <p14:cNvPr id="2205" name="Ink 2204">
+                <a:extLst>
+                  <a:ext uri="{FF2B5EF4-FFF2-40B4-BE49-F238E27FC236}">
+                    <a16:creationId xmlns:a16="http://schemas.microsoft.com/office/drawing/2014/main" id="{A708744C-4D93-40B1-8AF5-0235A40E7988}"/>
+                  </a:ext>
+                </a:extLst>
+              </p14:cNvPr>
+              <p14:cNvContentPartPr/>
+              <p14:nvPr/>
+            </p14:nvContentPartPr>
+            <p14:xfrm>
+              <a:off x="3927894" y="1752201"/>
+              <a:ext cx="2062800" cy="674280"/>
+            </p14:xfrm>
+          </p:contentPart>
+        </mc:Choice>
+        <mc:Fallback>
+          <p:pic>
+            <p:nvPicPr>
+              <p:cNvPr id="2205" name="Ink 2204">
+                <a:extLst>
+                  <a:ext uri="{FF2B5EF4-FFF2-40B4-BE49-F238E27FC236}">
+                    <a16:creationId xmlns:a16="http://schemas.microsoft.com/office/drawing/2014/main" id="{A708744C-4D93-40B1-8AF5-0235A40E7988}"/>
+                  </a:ext>
+                </a:extLst>
+              </p:cNvPr>
+              <p:cNvPicPr/>
+              <p:nvPr/>
+            </p:nvPicPr>
+            <p:blipFill>
+              <a:blip r:embed="rId19"/>
+              <a:stretch>
+                <a:fillRect/>
+              </a:stretch>
+            </p:blipFill>
+            <p:spPr>
+              <a:xfrm>
+                <a:off x="3918894" y="1743201"/>
+                <a:ext cx="2080440" cy="691920"/>
+              </a:xfrm>
+              <a:prstGeom prst="rect">
+                <a:avLst/>
+              </a:prstGeom>
+            </p:spPr>
+          </p:pic>
+        </mc:Fallback>
+      </mc:AlternateContent>
+      <mc:AlternateContent xmlns:mc="http://schemas.openxmlformats.org/markup-compatibility/2006">
+        <mc:Choice xmlns:p14="http://schemas.microsoft.com/office/powerpoint/2010/main" Requires="p14">
+          <p:contentPart p14:bwMode="auto" r:id="rId20">
+            <p14:nvContentPartPr>
+              <p14:cNvPr id="2224" name="Ink 2223">
+                <a:extLst>
+                  <a:ext uri="{FF2B5EF4-FFF2-40B4-BE49-F238E27FC236}">
+                    <a16:creationId xmlns:a16="http://schemas.microsoft.com/office/drawing/2014/main" id="{4CCD07D1-0D64-49A8-B695-FF9F9B2730FC}"/>
+                  </a:ext>
+                </a:extLst>
+              </p14:cNvPr>
+              <p14:cNvContentPartPr/>
+              <p14:nvPr/>
+            </p14:nvContentPartPr>
+            <p14:xfrm>
+              <a:off x="5980974" y="1931121"/>
+              <a:ext cx="4171320" cy="3229920"/>
+            </p14:xfrm>
+          </p:contentPart>
+        </mc:Choice>
+        <mc:Fallback>
+          <p:pic>
+            <p:nvPicPr>
+              <p:cNvPr id="2224" name="Ink 2223">
+                <a:extLst>
+                  <a:ext uri="{FF2B5EF4-FFF2-40B4-BE49-F238E27FC236}">
+                    <a16:creationId xmlns:a16="http://schemas.microsoft.com/office/drawing/2014/main" id="{4CCD07D1-0D64-49A8-B695-FF9F9B2730FC}"/>
+                  </a:ext>
+                </a:extLst>
+              </p:cNvPr>
+              <p:cNvPicPr/>
+              <p:nvPr/>
+            </p:nvPicPr>
+            <p:blipFill>
+              <a:blip r:embed="rId21"/>
+              <a:stretch>
+                <a:fillRect/>
+              </a:stretch>
+            </p:blipFill>
+            <p:spPr>
+              <a:xfrm>
+                <a:off x="5971974" y="1922121"/>
+                <a:ext cx="4188960" cy="3247560"/>
+              </a:xfrm>
+              <a:prstGeom prst="rect">
+                <a:avLst/>
+              </a:prstGeom>
+            </p:spPr>
+          </p:pic>
+        </mc:Fallback>
+      </mc:AlternateContent>
+      <mc:AlternateContent xmlns:mc="http://schemas.openxmlformats.org/markup-compatibility/2006">
+        <mc:Choice xmlns:p14="http://schemas.microsoft.com/office/powerpoint/2010/main" Requires="p14">
+          <p:contentPart p14:bwMode="auto" r:id="rId22">
+            <p14:nvContentPartPr>
+              <p14:cNvPr id="2233" name="Ink 2232">
+                <a:extLst>
+                  <a:ext uri="{FF2B5EF4-FFF2-40B4-BE49-F238E27FC236}">
+                    <a16:creationId xmlns:a16="http://schemas.microsoft.com/office/drawing/2014/main" id="{A2113908-C70B-462A-A8A4-D19005D76C28}"/>
+                  </a:ext>
+                </a:extLst>
+              </p14:cNvPr>
+              <p14:cNvContentPartPr/>
+              <p14:nvPr/>
+            </p14:nvContentPartPr>
+            <p14:xfrm>
+              <a:off x="5849574" y="2789721"/>
+              <a:ext cx="972360" cy="280440"/>
+            </p14:xfrm>
+          </p:contentPart>
+        </mc:Choice>
+        <mc:Fallback>
+          <p:pic>
+            <p:nvPicPr>
+              <p:cNvPr id="2233" name="Ink 2232">
+                <a:extLst>
+                  <a:ext uri="{FF2B5EF4-FFF2-40B4-BE49-F238E27FC236}">
+                    <a16:creationId xmlns:a16="http://schemas.microsoft.com/office/drawing/2014/main" id="{A2113908-C70B-462A-A8A4-D19005D76C28}"/>
+                  </a:ext>
+                </a:extLst>
+              </p:cNvPr>
+              <p:cNvPicPr/>
+              <p:nvPr/>
+            </p:nvPicPr>
+            <p:blipFill>
+              <a:blip r:embed="rId23"/>
+              <a:stretch>
+                <a:fillRect/>
+              </a:stretch>
+            </p:blipFill>
+            <p:spPr>
+              <a:xfrm>
+                <a:off x="5840574" y="2780721"/>
+                <a:ext cx="990000" cy="298080"/>
+              </a:xfrm>
+              <a:prstGeom prst="rect">
+                <a:avLst/>
+              </a:prstGeom>
+            </p:spPr>
+          </p:pic>
+        </mc:Fallback>
+      </mc:AlternateContent>
+      <mc:AlternateContent xmlns:mc="http://schemas.openxmlformats.org/markup-compatibility/2006">
+        <mc:Choice xmlns:p14="http://schemas.microsoft.com/office/powerpoint/2010/main" Requires="p14">
+          <p:contentPart p14:bwMode="auto" r:id="rId24">
+            <p14:nvContentPartPr>
+              <p14:cNvPr id="2234" name="Ink 2233">
+                <a:extLst>
+                  <a:ext uri="{FF2B5EF4-FFF2-40B4-BE49-F238E27FC236}">
+                    <a16:creationId xmlns:a16="http://schemas.microsoft.com/office/drawing/2014/main" id="{02492C33-F620-41D0-B547-A9BBC5200BE0}"/>
+                  </a:ext>
+                </a:extLst>
+              </p14:cNvPr>
+              <p14:cNvContentPartPr/>
+              <p14:nvPr/>
+            </p14:nvContentPartPr>
+            <p14:xfrm>
+              <a:off x="5962254" y="3180681"/>
+              <a:ext cx="206280" cy="291240"/>
+            </p14:xfrm>
+          </p:contentPart>
+        </mc:Choice>
+        <mc:Fallback>
+          <p:pic>
+            <p:nvPicPr>
+              <p:cNvPr id="2234" name="Ink 2233">
+                <a:extLst>
+                  <a:ext uri="{FF2B5EF4-FFF2-40B4-BE49-F238E27FC236}">
+                    <a16:creationId xmlns:a16="http://schemas.microsoft.com/office/drawing/2014/main" id="{02492C33-F620-41D0-B547-A9BBC5200BE0}"/>
+                  </a:ext>
+                </a:extLst>
+              </p:cNvPr>
+              <p:cNvPicPr/>
+              <p:nvPr/>
+            </p:nvPicPr>
+            <p:blipFill>
+              <a:blip r:embed="rId25"/>
+              <a:stretch>
+                <a:fillRect/>
+              </a:stretch>
+            </p:blipFill>
+            <p:spPr>
+              <a:xfrm>
+                <a:off x="5953254" y="3171681"/>
+                <a:ext cx="223920" cy="308880"/>
+              </a:xfrm>
+              <a:prstGeom prst="rect">
+                <a:avLst/>
+              </a:prstGeom>
+            </p:spPr>
+          </p:pic>
+        </mc:Fallback>
+      </mc:AlternateContent>
     </p:spTree>
     <p:extLst>
       <p:ext uri="{BB962C8B-B14F-4D97-AF65-F5344CB8AC3E}">
-        <p14:creationId xmlns:p14="http://schemas.microsoft.com/office/powerpoint/2010/main" val="2715377246"/>
+        <p14:creationId xmlns:p14="http://schemas.microsoft.com/office/powerpoint/2010/main" val="441198133"/>
       </p:ext>
     </p:extLst>
   </p:cSld>
@@ -5107,7 +8222,7 @@
           <a:p>
             <a:r>
               <a:rPr lang="en-US" b="1" dirty="0"/>
-              <a:t>Introduction to OData</a:t>
+              <a:t>Exercise – Simple CDS View</a:t>
             </a:r>
           </a:p>
         </p:txBody>
@@ -5164,7 +8279,7 @@
         <p:spPr>
           <a:xfrm>
             <a:off x="401216" y="982353"/>
-            <a:ext cx="11542905" cy="461665"/>
+            <a:ext cx="11542905" cy="3046988"/>
           </a:xfrm>
           <a:prstGeom prst="rect">
             <a:avLst/>
@@ -5178,17 +8293,117 @@
           <a:lstStyle/>
           <a:p>
             <a:r>
-              <a:rPr lang="en-US" sz="2400"/>
-              <a:t>&lt;content&gt;</a:t>
+              <a:rPr lang="en-US" sz="2400" dirty="0"/>
+              <a:t>Create a simple CDS View with name </a:t>
+            </a:r>
+            <a:r>
+              <a:rPr lang="en-US" sz="2400" dirty="0">
+                <a:hlinkClick r:id="rId2"/>
+              </a:rPr>
+              <a:t>ZNC_XX_CDS_VIEW</a:t>
             </a:r>
             <a:endParaRPr lang="en-US" sz="2400" dirty="0"/>
+          </a:p>
+          <a:p>
+            <a:endParaRPr lang="en-US" sz="2400" dirty="0"/>
+          </a:p>
+          <a:p>
+            <a:pPr marL="457200" indent="-457200">
+              <a:buAutoNum type="arabicPeriod"/>
+            </a:pPr>
+            <a:r>
+              <a:rPr lang="en-US" sz="2400" dirty="0"/>
+              <a:t>Right click on package, choose new </a:t>
+            </a:r>
+            <a:r>
+              <a:rPr lang="en-US" sz="2400" b="1" dirty="0"/>
+              <a:t>Other ABAP Object</a:t>
+            </a:r>
+            <a:r>
+              <a:rPr lang="en-US" sz="2400" dirty="0"/>
+              <a:t>..</a:t>
+            </a:r>
+          </a:p>
+          <a:p>
+            <a:pPr marL="457200" indent="-457200">
+              <a:buAutoNum type="arabicPeriod"/>
+            </a:pPr>
+            <a:r>
+              <a:rPr lang="en-US" sz="2400" dirty="0"/>
+              <a:t>Search </a:t>
+            </a:r>
+            <a:r>
+              <a:rPr lang="en-US" sz="2400" b="1" dirty="0"/>
+              <a:t>Core Data </a:t>
+            </a:r>
+            <a:r>
+              <a:rPr lang="en-US" sz="2400" dirty="0"/>
+              <a:t>and select </a:t>
+            </a:r>
+            <a:r>
+              <a:rPr lang="en-US" sz="2400" b="1" dirty="0"/>
+              <a:t>Data Definition</a:t>
+            </a:r>
+          </a:p>
+          <a:p>
+            <a:pPr marL="457200" indent="-457200">
+              <a:buAutoNum type="arabicPeriod"/>
+            </a:pPr>
+            <a:r>
+              <a:rPr lang="en-US" sz="2400" dirty="0"/>
+              <a:t>Click Next and provide view name </a:t>
+            </a:r>
+            <a:r>
+              <a:rPr lang="en-US" sz="2400" b="1" dirty="0"/>
+              <a:t>ZNC_XX_MY_CDS</a:t>
+            </a:r>
+          </a:p>
+          <a:p>
+            <a:pPr marL="457200" indent="-457200">
+              <a:buAutoNum type="arabicPeriod"/>
+            </a:pPr>
+            <a:r>
+              <a:rPr lang="en-US" sz="2400" dirty="0"/>
+              <a:t>Click Next and choose </a:t>
+            </a:r>
+            <a:r>
+              <a:rPr lang="en-US" sz="2400" b="1" dirty="0"/>
+              <a:t>transport</a:t>
+            </a:r>
+          </a:p>
+          <a:p>
+            <a:pPr marL="457200" indent="-457200">
+              <a:buAutoNum type="arabicPeriod"/>
+            </a:pPr>
+            <a:r>
+              <a:rPr lang="en-US" sz="2400" dirty="0"/>
+              <a:t>Click Next and Select template as </a:t>
+            </a:r>
+            <a:r>
+              <a:rPr lang="en-US" sz="2400" b="1" dirty="0"/>
+              <a:t>Define View</a:t>
+            </a:r>
+            <a:endParaRPr lang="en-US" sz="2400" dirty="0"/>
+          </a:p>
+          <a:p>
+            <a:pPr marL="457200" indent="-457200">
+              <a:buAutoNum type="arabicPeriod"/>
+            </a:pPr>
+            <a:r>
+              <a:rPr lang="en-US" sz="2400" dirty="0"/>
+              <a:t>Click </a:t>
+            </a:r>
+            <a:r>
+              <a:rPr lang="en-US" sz="2400" b="1" dirty="0"/>
+              <a:t>Finish</a:t>
+            </a:r>
           </a:p>
         </p:txBody>
       </p:sp>
       <p:pic>
         <p:nvPicPr>
           <p:cNvPr id="2050" name="Picture 2" descr="NetCom Logo">
-            <a:hlinkClick r:id="rId2"/>
+            <a:hlinkClick r:id="rId3"/>
             <a:extLst>
               <a:ext uri="{FF2B5EF4-FFF2-40B4-BE49-F238E27FC236}">
                 <a16:creationId xmlns:a16="http://schemas.microsoft.com/office/drawing/2014/main" id="{2B8D59D5-A57D-4846-863C-31591ACCF193}"/>
@@ -5201,7 +8416,7 @@
           <p:nvPr/>
         </p:nvPicPr>
         <p:blipFill>
-          <a:blip r:embed="rId3" cstate="print">
+          <a:blip r:embed="rId4" cstate="print">
             <a:extLst>
               <a:ext uri="{28A0092B-C50C-407E-A947-70E740481C1C}">
                 <a14:useLocalDpi xmlns:a14="http://schemas.microsoft.com/office/drawing/2010/main" val="0"/>
@@ -5233,10 +8448,214 @@
           </a:extLst>
         </p:spPr>
       </p:pic>
+      <mc:AlternateContent xmlns:mc="http://schemas.openxmlformats.org/markup-compatibility/2006">
+        <mc:Choice xmlns:p14="http://schemas.microsoft.com/office/powerpoint/2010/main" Requires="p14">
+          <p:contentPart p14:bwMode="auto" r:id="rId5">
+            <p14:nvContentPartPr>
+              <p14:cNvPr id="50" name="Ink 49">
+                <a:extLst>
+                  <a:ext uri="{FF2B5EF4-FFF2-40B4-BE49-F238E27FC236}">
+                    <a16:creationId xmlns:a16="http://schemas.microsoft.com/office/drawing/2014/main" id="{C9B0A67B-092C-4F95-8E4C-CEC546C342E0}"/>
+                  </a:ext>
+                </a:extLst>
+              </p14:cNvPr>
+              <p14:cNvContentPartPr/>
+              <p14:nvPr/>
+            </p14:nvContentPartPr>
+            <p14:xfrm>
+              <a:off x="9442734" y="4460121"/>
+              <a:ext cx="140040" cy="487440"/>
+            </p14:xfrm>
+          </p:contentPart>
+        </mc:Choice>
+        <mc:Fallback>
+          <p:pic>
+            <p:nvPicPr>
+              <p:cNvPr id="50" name="Ink 49">
+                <a:extLst>
+                  <a:ext uri="{FF2B5EF4-FFF2-40B4-BE49-F238E27FC236}">
+                    <a16:creationId xmlns:a16="http://schemas.microsoft.com/office/drawing/2014/main" id="{C9B0A67B-092C-4F95-8E4C-CEC546C342E0}"/>
+                  </a:ext>
+                </a:extLst>
+              </p:cNvPr>
+              <p:cNvPicPr/>
+              <p:nvPr/>
+            </p:nvPicPr>
+            <p:blipFill>
+              <a:blip r:embed="rId6"/>
+              <a:stretch>
+                <a:fillRect/>
+              </a:stretch>
+            </p:blipFill>
+            <p:spPr>
+              <a:xfrm>
+                <a:off x="9433734" y="4451121"/>
+                <a:ext cx="157680" cy="505080"/>
+              </a:xfrm>
+              <a:prstGeom prst="rect">
+                <a:avLst/>
+              </a:prstGeom>
+            </p:spPr>
+          </p:pic>
+        </mc:Fallback>
+      </mc:AlternateContent>
+      <mc:AlternateContent xmlns:mc="http://schemas.openxmlformats.org/markup-compatibility/2006">
+        <mc:Choice xmlns:p14="http://schemas.microsoft.com/office/powerpoint/2010/main" Requires="p14">
+          <p:contentPart p14:bwMode="auto" r:id="rId7">
+            <p14:nvContentPartPr>
+              <p14:cNvPr id="2067" name="Ink 2066">
+                <a:extLst>
+                  <a:ext uri="{FF2B5EF4-FFF2-40B4-BE49-F238E27FC236}">
+                    <a16:creationId xmlns:a16="http://schemas.microsoft.com/office/drawing/2014/main" id="{A10F4333-3229-47E7-A231-BE4A9E0C4692}"/>
+                  </a:ext>
+                </a:extLst>
+              </p14:cNvPr>
+              <p14:cNvContentPartPr/>
+              <p14:nvPr/>
+            </p14:nvContentPartPr>
+            <p14:xfrm>
+              <a:off x="1780854" y="3684681"/>
+              <a:ext cx="7484760" cy="2697840"/>
+            </p14:xfrm>
+          </p:contentPart>
+        </mc:Choice>
+        <mc:Fallback>
+          <p:pic>
+            <p:nvPicPr>
+              <p:cNvPr id="2067" name="Ink 2066">
+                <a:extLst>
+                  <a:ext uri="{FF2B5EF4-FFF2-40B4-BE49-F238E27FC236}">
+                    <a16:creationId xmlns:a16="http://schemas.microsoft.com/office/drawing/2014/main" id="{A10F4333-3229-47E7-A231-BE4A9E0C4692}"/>
+                  </a:ext>
+                </a:extLst>
+              </p:cNvPr>
+              <p:cNvPicPr/>
+              <p:nvPr/>
+            </p:nvPicPr>
+            <p:blipFill>
+              <a:blip r:embed="rId8"/>
+              <a:stretch>
+                <a:fillRect/>
+              </a:stretch>
+            </p:blipFill>
+            <p:spPr>
+              <a:xfrm>
+                <a:off x="1771854" y="3675681"/>
+                <a:ext cx="7502400" cy="2715480"/>
+              </a:xfrm>
+              <a:prstGeom prst="rect">
+                <a:avLst/>
+              </a:prstGeom>
+            </p:spPr>
+          </p:pic>
+        </mc:Fallback>
+      </mc:AlternateContent>
+      <mc:AlternateContent xmlns:mc="http://schemas.openxmlformats.org/markup-compatibility/2006">
+        <mc:Choice xmlns:p14="http://schemas.microsoft.com/office/powerpoint/2010/main" Requires="p14">
+          <p:contentPart p14:bwMode="auto" r:id="rId9">
+            <p14:nvContentPartPr>
+              <p14:cNvPr id="2073" name="Ink 2072">
+                <a:extLst>
+                  <a:ext uri="{FF2B5EF4-FFF2-40B4-BE49-F238E27FC236}">
+                    <a16:creationId xmlns:a16="http://schemas.microsoft.com/office/drawing/2014/main" id="{27FC1AFE-3AD7-475A-A4E0-03BDF1F94E86}"/>
+                  </a:ext>
+                </a:extLst>
+              </p14:cNvPr>
+              <p14:cNvContentPartPr/>
+              <p14:nvPr/>
+            </p14:nvContentPartPr>
+            <p14:xfrm>
+              <a:off x="2995134" y="6538401"/>
+              <a:ext cx="718920" cy="236160"/>
+            </p14:xfrm>
+          </p:contentPart>
+        </mc:Choice>
+        <mc:Fallback>
+          <p:pic>
+            <p:nvPicPr>
+              <p:cNvPr id="2073" name="Ink 2072">
+                <a:extLst>
+                  <a:ext uri="{FF2B5EF4-FFF2-40B4-BE49-F238E27FC236}">
+                    <a16:creationId xmlns:a16="http://schemas.microsoft.com/office/drawing/2014/main" id="{27FC1AFE-3AD7-475A-A4E0-03BDF1F94E86}"/>
+                  </a:ext>
+                </a:extLst>
+              </p:cNvPr>
+              <p:cNvPicPr/>
+              <p:nvPr/>
+            </p:nvPicPr>
+            <p:blipFill>
+              <a:blip r:embed="rId10"/>
+              <a:stretch>
+                <a:fillRect/>
+              </a:stretch>
+            </p:blipFill>
+            <p:spPr>
+              <a:xfrm>
+                <a:off x="2986134" y="6529401"/>
+                <a:ext cx="736560" cy="253800"/>
+              </a:xfrm>
+              <a:prstGeom prst="rect">
+                <a:avLst/>
+              </a:prstGeom>
+            </p:spPr>
+          </p:pic>
+        </mc:Fallback>
+      </mc:AlternateContent>
+      <mc:AlternateContent xmlns:mc="http://schemas.openxmlformats.org/markup-compatibility/2006">
+        <mc:Choice xmlns:p14="http://schemas.microsoft.com/office/powerpoint/2010/main" Requires="p14">
+          <p:contentPart p14:bwMode="auto" r:id="rId11">
+            <p14:nvContentPartPr>
+              <p14:cNvPr id="2074" name="Ink 2073">
+                <a:extLst>
+                  <a:ext uri="{FF2B5EF4-FFF2-40B4-BE49-F238E27FC236}">
+                    <a16:creationId xmlns:a16="http://schemas.microsoft.com/office/drawing/2014/main" id="{80DC99B0-66F5-4068-861D-591E08A0391A}"/>
+                  </a:ext>
+                </a:extLst>
+              </p14:cNvPr>
+              <p14:cNvContentPartPr/>
+              <p14:nvPr/>
+            </p14:nvContentPartPr>
+            <p14:xfrm>
+              <a:off x="5038134" y="5850081"/>
+              <a:ext cx="234000" cy="345960"/>
+            </p14:xfrm>
+          </p:contentPart>
+        </mc:Choice>
+        <mc:Fallback>
+          <p:pic>
+            <p:nvPicPr>
+              <p:cNvPr id="2074" name="Ink 2073">
+                <a:extLst>
+                  <a:ext uri="{FF2B5EF4-FFF2-40B4-BE49-F238E27FC236}">
+                    <a16:creationId xmlns:a16="http://schemas.microsoft.com/office/drawing/2014/main" id="{80DC99B0-66F5-4068-861D-591E08A0391A}"/>
+                  </a:ext>
+                </a:extLst>
+              </p:cNvPr>
+              <p:cNvPicPr/>
+              <p:nvPr/>
+            </p:nvPicPr>
+            <p:blipFill>
+              <a:blip r:embed="rId12"/>
+              <a:stretch>
+                <a:fillRect/>
+              </a:stretch>
+            </p:blipFill>
+            <p:spPr>
+              <a:xfrm>
+                <a:off x="5029134" y="5841081"/>
+                <a:ext cx="251640" cy="363600"/>
+              </a:xfrm>
+              <a:prstGeom prst="rect">
+                <a:avLst/>
+              </a:prstGeom>
+            </p:spPr>
+          </p:pic>
+        </mc:Fallback>
+      </mc:AlternateContent>
     </p:spTree>
     <p:extLst>
       <p:ext uri="{BB962C8B-B14F-4D97-AF65-F5344CB8AC3E}">
-        <p14:creationId xmlns:p14="http://schemas.microsoft.com/office/powerpoint/2010/main" val="2726920625"/>
+        <p14:creationId xmlns:p14="http://schemas.microsoft.com/office/powerpoint/2010/main" val="2715377246"/>
       </p:ext>
     </p:extLst>
   </p:cSld>
@@ -5310,7 +8729,7 @@
           <a:p>
             <a:r>
               <a:rPr lang="en-US" b="1" dirty="0"/>
-              <a:t>Exercise – Create OData Using CDS</a:t>
+              <a:t>Introduction to OData</a:t>
             </a:r>
           </a:p>
         </p:txBody>
@@ -5381,10 +8800,9 @@
           <a:lstStyle/>
           <a:p>
             <a:r>
-              <a:rPr lang="en-US" sz="2400"/>
+              <a:rPr lang="en-US" sz="2400" dirty="0"/>
               <a:t>&lt;content&gt;</a:t>
             </a:r>
-            <a:endParaRPr lang="en-US" sz="2400" dirty="0"/>
           </a:p>
         </p:txBody>
       </p:sp>
@@ -5439,7 +8857,7 @@
     </p:spTree>
     <p:extLst>
       <p:ext uri="{BB962C8B-B14F-4D97-AF65-F5344CB8AC3E}">
-        <p14:creationId xmlns:p14="http://schemas.microsoft.com/office/powerpoint/2010/main" val="3437804326"/>
+        <p14:creationId xmlns:p14="http://schemas.microsoft.com/office/powerpoint/2010/main" val="2726920625"/>
       </p:ext>
     </p:extLst>
   </p:cSld>
@@ -5513,7 +8931,7 @@
           <a:p>
             <a:r>
               <a:rPr lang="en-US" b="1" dirty="0"/>
-              <a:t>Introduction to SAP Fiori App</a:t>
+              <a:t>Exercise – Create OData Using CDS</a:t>
             </a:r>
           </a:p>
         </p:txBody>
@@ -5642,7 +9060,7 @@
     </p:spTree>
     <p:extLst>
       <p:ext uri="{BB962C8B-B14F-4D97-AF65-F5344CB8AC3E}">
-        <p14:creationId xmlns:p14="http://schemas.microsoft.com/office/powerpoint/2010/main" val="3998570415"/>
+        <p14:creationId xmlns:p14="http://schemas.microsoft.com/office/powerpoint/2010/main" val="3437804326"/>
       </p:ext>
     </p:extLst>
   </p:cSld>
@@ -5716,7 +9134,7 @@
           <a:p>
             <a:r>
               <a:rPr lang="en-US" b="1" dirty="0"/>
-              <a:t>Where to check all Fiori Apps?</a:t>
+              <a:t>Introduction to SAP Fiori App</a:t>
             </a:r>
           </a:p>
         </p:txBody>
@@ -5845,7 +9263,7 @@
     </p:spTree>
     <p:extLst>
       <p:ext uri="{BB962C8B-B14F-4D97-AF65-F5344CB8AC3E}">
-        <p14:creationId xmlns:p14="http://schemas.microsoft.com/office/powerpoint/2010/main" val="1381949208"/>
+        <p14:creationId xmlns:p14="http://schemas.microsoft.com/office/powerpoint/2010/main" val="3998570415"/>
       </p:ext>
     </p:extLst>
   </p:cSld>
@@ -5919,7 +9337,7 @@
           <a:p>
             <a:r>
               <a:rPr lang="en-US" b="1" dirty="0"/>
-              <a:t>WebIDE tool</a:t>
+              <a:t>Where to check all Fiori Apps?</a:t>
             </a:r>
           </a:p>
         </p:txBody>
@@ -5990,10 +9408,9 @@
           <a:lstStyle/>
           <a:p>
             <a:r>
-              <a:rPr lang="en-US" sz="2400"/>
-              <a:t>&lt;content&gt;</a:t>
-            </a:r>
-            <a:endParaRPr lang="en-US" sz="2400" dirty="0"/>
+              <a:rPr lang="en-US" sz="2400" dirty="0"/>
+              <a:t>https://fioriappslibrary.hana.ondemand.com/sap/fix/externalViewer/#</a:t>
+            </a:r>
           </a:p>
         </p:txBody>
       </p:sp>
@@ -6048,7 +9465,7 @@
     </p:spTree>
     <p:extLst>
       <p:ext uri="{BB962C8B-B14F-4D97-AF65-F5344CB8AC3E}">
-        <p14:creationId xmlns:p14="http://schemas.microsoft.com/office/powerpoint/2010/main" val="1840414770"/>
+        <p14:creationId xmlns:p14="http://schemas.microsoft.com/office/powerpoint/2010/main" val="1381949208"/>
       </p:ext>
     </p:extLst>
   </p:cSld>
@@ -7047,7 +10464,7 @@
           <a:p>
             <a:r>
               <a:rPr lang="en-US" b="1" dirty="0"/>
-              <a:t>Create Simple Fiori App</a:t>
+              <a:t>WebIDE tool</a:t>
             </a:r>
           </a:p>
         </p:txBody>
@@ -7176,7 +10593,7 @@
     </p:spTree>
     <p:extLst>
       <p:ext uri="{BB962C8B-B14F-4D97-AF65-F5344CB8AC3E}">
-        <p14:creationId xmlns:p14="http://schemas.microsoft.com/office/powerpoint/2010/main" val="619725578"/>
+        <p14:creationId xmlns:p14="http://schemas.microsoft.com/office/powerpoint/2010/main" val="1840414770"/>
       </p:ext>
     </p:extLst>
   </p:cSld>
@@ -7250,6 +10667,209 @@
           <a:p>
             <a:r>
               <a:rPr lang="en-US" b="1" dirty="0"/>
+              <a:t>Create Simple Fiori App</a:t>
+            </a:r>
+          </a:p>
+        </p:txBody>
+      </p:sp>
+      <p:sp>
+        <p:nvSpPr>
+          <p:cNvPr id="4" name="Footer Placeholder 45">
+            <a:extLst>
+              <a:ext uri="{FF2B5EF4-FFF2-40B4-BE49-F238E27FC236}">
+                <a16:creationId xmlns:a16="http://schemas.microsoft.com/office/drawing/2014/main" id="{90E33047-DFF5-4690-8905-31E4C115EFDC}"/>
+              </a:ext>
+            </a:extLst>
+          </p:cNvPr>
+          <p:cNvSpPr>
+            <a:spLocks noGrp="1"/>
+          </p:cNvSpPr>
+          <p:nvPr>
+            <p:ph type="ftr" sz="quarter" idx="11"/>
+          </p:nvPr>
+        </p:nvSpPr>
+        <p:spPr>
+          <a:xfrm>
+            <a:off x="10123055" y="6548582"/>
+            <a:ext cx="2225295" cy="203620"/>
+          </a:xfrm>
+        </p:spPr>
+        <p:txBody>
+          <a:bodyPr/>
+          <a:lstStyle/>
+          <a:p>
+            <a:r>
+              <a:rPr lang="en-US" b="1" dirty="0">
+                <a:solidFill>
+                  <a:schemeClr val="tx1"/>
+                </a:solidFill>
+              </a:rPr>
+              <a:t>Trainer: Anubhav Oberoy</a:t>
+            </a:r>
+          </a:p>
+        </p:txBody>
+      </p:sp>
+      <p:sp>
+        <p:nvSpPr>
+          <p:cNvPr id="5" name="TextBox 4">
+            <a:extLst>
+              <a:ext uri="{FF2B5EF4-FFF2-40B4-BE49-F238E27FC236}">
+                <a16:creationId xmlns:a16="http://schemas.microsoft.com/office/drawing/2014/main" id="{27E5B41D-1DDF-48C9-A5AF-075F84492B68}"/>
+              </a:ext>
+            </a:extLst>
+          </p:cNvPr>
+          <p:cNvSpPr txBox="1"/>
+          <p:nvPr/>
+        </p:nvSpPr>
+        <p:spPr>
+          <a:xfrm>
+            <a:off x="401216" y="982353"/>
+            <a:ext cx="11542905" cy="461665"/>
+          </a:xfrm>
+          <a:prstGeom prst="rect">
+            <a:avLst/>
+          </a:prstGeom>
+          <a:noFill/>
+        </p:spPr>
+        <p:txBody>
+          <a:bodyPr wrap="square" rtlCol="0">
+            <a:spAutoFit/>
+          </a:bodyPr>
+          <a:lstStyle/>
+          <a:p>
+            <a:r>
+              <a:rPr lang="en-US" sz="2400"/>
+              <a:t>&lt;content&gt;</a:t>
+            </a:r>
+            <a:endParaRPr lang="en-US" sz="2400" dirty="0"/>
+          </a:p>
+        </p:txBody>
+      </p:sp>
+      <p:pic>
+        <p:nvPicPr>
+          <p:cNvPr id="2050" name="Picture 2" descr="NetCom Logo">
+            <a:hlinkClick r:id="rId2"/>
+            <a:extLst>
+              <a:ext uri="{FF2B5EF4-FFF2-40B4-BE49-F238E27FC236}">
+                <a16:creationId xmlns:a16="http://schemas.microsoft.com/office/drawing/2014/main" id="{2B8D59D5-A57D-4846-863C-31591ACCF193}"/>
+              </a:ext>
+            </a:extLst>
+          </p:cNvPr>
+          <p:cNvPicPr>
+            <a:picLocks noChangeAspect="1" noChangeArrowheads="1"/>
+          </p:cNvPicPr>
+          <p:nvPr/>
+        </p:nvPicPr>
+        <p:blipFill>
+          <a:blip r:embed="rId3" cstate="print">
+            <a:extLst>
+              <a:ext uri="{28A0092B-C50C-407E-A947-70E740481C1C}">
+                <a14:useLocalDpi xmlns:a14="http://schemas.microsoft.com/office/drawing/2010/main" val="0"/>
+              </a:ext>
+            </a:extLst>
+          </a:blip>
+          <a:srcRect/>
+          <a:stretch>
+            <a:fillRect/>
+          </a:stretch>
+        </p:blipFill>
+        <p:spPr bwMode="auto">
+          <a:xfrm>
+            <a:off x="9485308" y="105798"/>
+            <a:ext cx="2444928" cy="656107"/>
+          </a:xfrm>
+          <a:prstGeom prst="rect">
+            <a:avLst/>
+          </a:prstGeom>
+          <a:noFill/>
+          <a:extLst>
+            <a:ext uri="{909E8E84-426E-40DD-AFC4-6F175D3DCCD1}">
+              <a14:hiddenFill xmlns:a14="http://schemas.microsoft.com/office/drawing/2010/main">
+                <a:solidFill>
+                  <a:srgbClr val="FFFFFF"/>
+                </a:solidFill>
+              </a14:hiddenFill>
+            </a:ext>
+          </a:extLst>
+        </p:spPr>
+      </p:pic>
+    </p:spTree>
+    <p:extLst>
+      <p:ext uri="{BB962C8B-B14F-4D97-AF65-F5344CB8AC3E}">
+        <p14:creationId xmlns:p14="http://schemas.microsoft.com/office/powerpoint/2010/main" val="619725578"/>
+      </p:ext>
+    </p:extLst>
+  </p:cSld>
+  <p:clrMapOvr>
+    <a:masterClrMapping/>
+  </p:clrMapOvr>
+</p:sld>
+</file>
+
+<file path=ppt/slides/slide22.xml><?xml version="1.0" encoding="utf-8"?>
+<p:sld xmlns:a="http://schemas.openxmlformats.org/drawingml/2006/main" xmlns:r="http://schemas.openxmlformats.org/officeDocument/2006/relationships" xmlns:p="http://schemas.openxmlformats.org/presentationml/2006/main">
+  <p:cSld>
+    <p:spTree>
+      <p:nvGrpSpPr>
+        <p:cNvPr id="1" name=""/>
+        <p:cNvGrpSpPr/>
+        <p:nvPr/>
+      </p:nvGrpSpPr>
+      <p:grpSpPr>
+        <a:xfrm>
+          <a:off x="0" y="0"/>
+          <a:ext cx="0" cy="0"/>
+          <a:chOff x="0" y="0"/>
+          <a:chExt cx="0" cy="0"/>
+        </a:xfrm>
+      </p:grpSpPr>
+      <p:sp>
+        <p:nvSpPr>
+          <p:cNvPr id="2" name="Title 3">
+            <a:extLst>
+              <a:ext uri="{FF2B5EF4-FFF2-40B4-BE49-F238E27FC236}">
+                <a16:creationId xmlns:a16="http://schemas.microsoft.com/office/drawing/2014/main" id="{F07FC580-E2AB-4C55-8C95-D5E077A1D127}"/>
+              </a:ext>
+            </a:extLst>
+          </p:cNvPr>
+          <p:cNvSpPr txBox="1">
+            <a:spLocks/>
+          </p:cNvSpPr>
+          <p:nvPr/>
+        </p:nvSpPr>
+        <p:spPr>
+          <a:xfrm>
+            <a:off x="261764" y="188640"/>
+            <a:ext cx="11292008" cy="711081"/>
+          </a:xfrm>
+          <a:prstGeom prst="rect">
+            <a:avLst/>
+          </a:prstGeom>
+        </p:spPr>
+        <p:txBody>
+          <a:bodyPr/>
+          <a:lstStyle>
+            <a:lvl1pPr algn="l" defTabSz="914400" rtl="0" eaLnBrk="1" latinLnBrk="0" hangingPunct="1">
+              <a:lnSpc>
+                <a:spcPct val="90000"/>
+              </a:lnSpc>
+              <a:spcBef>
+                <a:spcPct val="0"/>
+              </a:spcBef>
+              <a:buNone/>
+              <a:defRPr sz="4400" kern="1200">
+                <a:solidFill>
+                  <a:schemeClr val="tx1"/>
+                </a:solidFill>
+                <a:latin typeface="+mj-lt"/>
+                <a:ea typeface="+mj-ea"/>
+                <a:cs typeface="+mj-cs"/>
+              </a:defRPr>
+            </a:lvl1pPr>
+          </a:lstStyle>
+          <a:p>
+            <a:r>
+              <a:rPr lang="en-US" b="1" dirty="0"/>
               <a:t>Exercise – Fiori App Development</a:t>
             </a:r>
           </a:p>
@@ -7389,7 +11009,582 @@
 </p:sld>
 </file>
 
-<file path=ppt/slides/slide22.xml><?xml version="1.0" encoding="utf-8"?>
+<file path=ppt/slides/slide23.xml><?xml version="1.0" encoding="utf-8"?>
+<p:sld xmlns:a="http://schemas.openxmlformats.org/drawingml/2006/main" xmlns:r="http://schemas.openxmlformats.org/officeDocument/2006/relationships" xmlns:p="http://schemas.openxmlformats.org/presentationml/2006/main">
+  <p:cSld>
+    <p:spTree>
+      <p:nvGrpSpPr>
+        <p:cNvPr id="1" name=""/>
+        <p:cNvGrpSpPr/>
+        <p:nvPr/>
+      </p:nvGrpSpPr>
+      <p:grpSpPr>
+        <a:xfrm>
+          <a:off x="0" y="0"/>
+          <a:ext cx="0" cy="0"/>
+          <a:chOff x="0" y="0"/>
+          <a:chExt cx="0" cy="0"/>
+        </a:xfrm>
+      </p:grpSpPr>
+      <p:sp>
+        <p:nvSpPr>
+          <p:cNvPr id="2" name="TextBox 1">
+            <a:extLst>
+              <a:ext uri="{FF2B5EF4-FFF2-40B4-BE49-F238E27FC236}">
+                <a16:creationId xmlns:a16="http://schemas.microsoft.com/office/drawing/2014/main" id="{BDE4AF9D-3E23-4B46-BA01-268EBDD6E3BD}"/>
+              </a:ext>
+            </a:extLst>
+          </p:cNvPr>
+          <p:cNvSpPr txBox="1"/>
+          <p:nvPr/>
+        </p:nvSpPr>
+        <p:spPr>
+          <a:xfrm>
+            <a:off x="223935" y="223935"/>
+            <a:ext cx="11420669" cy="707886"/>
+          </a:xfrm>
+          <a:prstGeom prst="rect">
+            <a:avLst/>
+          </a:prstGeom>
+          <a:noFill/>
+        </p:spPr>
+        <p:txBody>
+          <a:bodyPr wrap="square" rtlCol="0">
+            <a:spAutoFit/>
+          </a:bodyPr>
+          <a:lstStyle/>
+          <a:p>
+            <a:r>
+              <a:rPr lang="en-US" sz="4000" dirty="0"/>
+              <a:t>Field Extension</a:t>
+            </a:r>
+          </a:p>
+        </p:txBody>
+      </p:sp>
+      <mc:AlternateContent xmlns:mc="http://schemas.openxmlformats.org/markup-compatibility/2006">
+        <mc:Choice xmlns:p14="http://schemas.microsoft.com/office/powerpoint/2010/main" Requires="p14">
+          <p:contentPart p14:bwMode="auto" r:id="rId2">
+            <p14:nvContentPartPr>
+              <p14:cNvPr id="16" name="Ink 15">
+                <a:extLst>
+                  <a:ext uri="{FF2B5EF4-FFF2-40B4-BE49-F238E27FC236}">
+                    <a16:creationId xmlns:a16="http://schemas.microsoft.com/office/drawing/2014/main" id="{2A337707-ABE9-4A23-A47B-A6ADF86CD5C7}"/>
+                  </a:ext>
+                </a:extLst>
+              </p14:cNvPr>
+              <p14:cNvContentPartPr/>
+              <p14:nvPr/>
+            </p14:nvContentPartPr>
+            <p14:xfrm>
+              <a:off x="9553974" y="736281"/>
+              <a:ext cx="1953720" cy="592920"/>
+            </p14:xfrm>
+          </p:contentPart>
+        </mc:Choice>
+        <mc:Fallback>
+          <p:pic>
+            <p:nvPicPr>
+              <p:cNvPr id="16" name="Ink 15">
+                <a:extLst>
+                  <a:ext uri="{FF2B5EF4-FFF2-40B4-BE49-F238E27FC236}">
+                    <a16:creationId xmlns:a16="http://schemas.microsoft.com/office/drawing/2014/main" id="{2A337707-ABE9-4A23-A47B-A6ADF86CD5C7}"/>
+                  </a:ext>
+                </a:extLst>
+              </p:cNvPr>
+              <p:cNvPicPr/>
+              <p:nvPr/>
+            </p:nvPicPr>
+            <p:blipFill>
+              <a:blip r:embed="rId3"/>
+              <a:stretch>
+                <a:fillRect/>
+              </a:stretch>
+            </p:blipFill>
+            <p:spPr>
+              <a:xfrm>
+                <a:off x="9544974" y="727281"/>
+                <a:ext cx="1971360" cy="610560"/>
+              </a:xfrm>
+              <a:prstGeom prst="rect">
+                <a:avLst/>
+              </a:prstGeom>
+            </p:spPr>
+          </p:pic>
+        </mc:Fallback>
+      </mc:AlternateContent>
+      <mc:AlternateContent xmlns:mc="http://schemas.openxmlformats.org/markup-compatibility/2006">
+        <mc:Choice xmlns:p14="http://schemas.microsoft.com/office/powerpoint/2010/main" Requires="p14">
+          <p:contentPart p14:bwMode="auto" r:id="rId4">
+            <p14:nvContentPartPr>
+              <p14:cNvPr id="28" name="Ink 27">
+                <a:extLst>
+                  <a:ext uri="{FF2B5EF4-FFF2-40B4-BE49-F238E27FC236}">
+                    <a16:creationId xmlns:a16="http://schemas.microsoft.com/office/drawing/2014/main" id="{FD65CCF4-A297-4757-9FF0-0AC606720A8B}"/>
+                  </a:ext>
+                </a:extLst>
+              </p14:cNvPr>
+              <p14:cNvContentPartPr/>
+              <p14:nvPr/>
+            </p14:nvContentPartPr>
+            <p14:xfrm>
+              <a:off x="9666654" y="1520721"/>
+              <a:ext cx="1847160" cy="1493280"/>
+            </p14:xfrm>
+          </p:contentPart>
+        </mc:Choice>
+        <mc:Fallback>
+          <p:pic>
+            <p:nvPicPr>
+              <p:cNvPr id="28" name="Ink 27">
+                <a:extLst>
+                  <a:ext uri="{FF2B5EF4-FFF2-40B4-BE49-F238E27FC236}">
+                    <a16:creationId xmlns:a16="http://schemas.microsoft.com/office/drawing/2014/main" id="{FD65CCF4-A297-4757-9FF0-0AC606720A8B}"/>
+                  </a:ext>
+                </a:extLst>
+              </p:cNvPr>
+              <p:cNvPicPr/>
+              <p:nvPr/>
+            </p:nvPicPr>
+            <p:blipFill>
+              <a:blip r:embed="rId5"/>
+              <a:stretch>
+                <a:fillRect/>
+              </a:stretch>
+            </p:blipFill>
+            <p:spPr>
+              <a:xfrm>
+                <a:off x="9657654" y="1511721"/>
+                <a:ext cx="1864800" cy="1510920"/>
+              </a:xfrm>
+              <a:prstGeom prst="rect">
+                <a:avLst/>
+              </a:prstGeom>
+            </p:spPr>
+          </p:pic>
+        </mc:Fallback>
+      </mc:AlternateContent>
+      <mc:AlternateContent xmlns:mc="http://schemas.openxmlformats.org/markup-compatibility/2006">
+        <mc:Choice xmlns:p14="http://schemas.microsoft.com/office/powerpoint/2010/main" Requires="p14">
+          <p:contentPart p14:bwMode="auto" r:id="rId6">
+            <p14:nvContentPartPr>
+              <p14:cNvPr id="45" name="Ink 44">
+                <a:extLst>
+                  <a:ext uri="{FF2B5EF4-FFF2-40B4-BE49-F238E27FC236}">
+                    <a16:creationId xmlns:a16="http://schemas.microsoft.com/office/drawing/2014/main" id="{251BA39A-9137-4E71-B754-08E06F846795}"/>
+                  </a:ext>
+                </a:extLst>
+              </p14:cNvPr>
+              <p14:cNvContentPartPr/>
+              <p14:nvPr/>
+            </p14:nvContentPartPr>
+            <p14:xfrm>
+              <a:off x="2628294" y="1647081"/>
+              <a:ext cx="1526760" cy="275400"/>
+            </p14:xfrm>
+          </p:contentPart>
+        </mc:Choice>
+        <mc:Fallback>
+          <p:pic>
+            <p:nvPicPr>
+              <p:cNvPr id="45" name="Ink 44">
+                <a:extLst>
+                  <a:ext uri="{FF2B5EF4-FFF2-40B4-BE49-F238E27FC236}">
+                    <a16:creationId xmlns:a16="http://schemas.microsoft.com/office/drawing/2014/main" id="{251BA39A-9137-4E71-B754-08E06F846795}"/>
+                  </a:ext>
+                </a:extLst>
+              </p:cNvPr>
+              <p:cNvPicPr/>
+              <p:nvPr/>
+            </p:nvPicPr>
+            <p:blipFill>
+              <a:blip r:embed="rId7"/>
+              <a:stretch>
+                <a:fillRect/>
+              </a:stretch>
+            </p:blipFill>
+            <p:spPr>
+              <a:xfrm>
+                <a:off x="2619294" y="1638081"/>
+                <a:ext cx="1544400" cy="293040"/>
+              </a:xfrm>
+              <a:prstGeom prst="rect">
+                <a:avLst/>
+              </a:prstGeom>
+            </p:spPr>
+          </p:pic>
+        </mc:Fallback>
+      </mc:AlternateContent>
+      <mc:AlternateContent xmlns:mc="http://schemas.openxmlformats.org/markup-compatibility/2006">
+        <mc:Choice xmlns:p14="http://schemas.microsoft.com/office/powerpoint/2010/main" Requires="p14">
+          <p:contentPart p14:bwMode="auto" r:id="rId8">
+            <p14:nvContentPartPr>
+              <p14:cNvPr id="48" name="Ink 47">
+                <a:extLst>
+                  <a:ext uri="{FF2B5EF4-FFF2-40B4-BE49-F238E27FC236}">
+                    <a16:creationId xmlns:a16="http://schemas.microsoft.com/office/drawing/2014/main" id="{DD591C4C-450C-4043-904A-F5BB7E82754E}"/>
+                  </a:ext>
+                </a:extLst>
+              </p14:cNvPr>
+              <p14:cNvContentPartPr/>
+              <p14:nvPr/>
+            </p14:nvContentPartPr>
+            <p14:xfrm>
+              <a:off x="7828494" y="1343601"/>
+              <a:ext cx="1577160" cy="429480"/>
+            </p14:xfrm>
+          </p:contentPart>
+        </mc:Choice>
+        <mc:Fallback>
+          <p:pic>
+            <p:nvPicPr>
+              <p:cNvPr id="48" name="Ink 47">
+                <a:extLst>
+                  <a:ext uri="{FF2B5EF4-FFF2-40B4-BE49-F238E27FC236}">
+                    <a16:creationId xmlns:a16="http://schemas.microsoft.com/office/drawing/2014/main" id="{DD591C4C-450C-4043-904A-F5BB7E82754E}"/>
+                  </a:ext>
+                </a:extLst>
+              </p:cNvPr>
+              <p:cNvPicPr/>
+              <p:nvPr/>
+            </p:nvPicPr>
+            <p:blipFill>
+              <a:blip r:embed="rId9"/>
+              <a:stretch>
+                <a:fillRect/>
+              </a:stretch>
+            </p:blipFill>
+            <p:spPr>
+              <a:xfrm>
+                <a:off x="7819494" y="1334601"/>
+                <a:ext cx="1594800" cy="447120"/>
+              </a:xfrm>
+              <a:prstGeom prst="rect">
+                <a:avLst/>
+              </a:prstGeom>
+            </p:spPr>
+          </p:pic>
+        </mc:Fallback>
+      </mc:AlternateContent>
+      <mc:AlternateContent xmlns:mc="http://schemas.openxmlformats.org/markup-compatibility/2006">
+        <mc:Choice xmlns:p14="http://schemas.microsoft.com/office/powerpoint/2010/main" Requires="p14">
+          <p:contentPart p14:bwMode="auto" r:id="rId10">
+            <p14:nvContentPartPr>
+              <p14:cNvPr id="83" name="Ink 82">
+                <a:extLst>
+                  <a:ext uri="{FF2B5EF4-FFF2-40B4-BE49-F238E27FC236}">
+                    <a16:creationId xmlns:a16="http://schemas.microsoft.com/office/drawing/2014/main" id="{5C8CDB70-DFF8-4458-8CA8-1112C9760A1F}"/>
+                  </a:ext>
+                </a:extLst>
+              </p14:cNvPr>
+              <p14:cNvContentPartPr/>
+              <p14:nvPr/>
+            </p14:nvContentPartPr>
+            <p14:xfrm>
+              <a:off x="587454" y="316161"/>
+              <a:ext cx="6993720" cy="2202480"/>
+            </p14:xfrm>
+          </p:contentPart>
+        </mc:Choice>
+        <mc:Fallback>
+          <p:pic>
+            <p:nvPicPr>
+              <p:cNvPr id="83" name="Ink 82">
+                <a:extLst>
+                  <a:ext uri="{FF2B5EF4-FFF2-40B4-BE49-F238E27FC236}">
+                    <a16:creationId xmlns:a16="http://schemas.microsoft.com/office/drawing/2014/main" id="{5C8CDB70-DFF8-4458-8CA8-1112C9760A1F}"/>
+                  </a:ext>
+                </a:extLst>
+              </p:cNvPr>
+              <p:cNvPicPr/>
+              <p:nvPr/>
+            </p:nvPicPr>
+            <p:blipFill>
+              <a:blip r:embed="rId11"/>
+              <a:stretch>
+                <a:fillRect/>
+              </a:stretch>
+            </p:blipFill>
+            <p:spPr>
+              <a:xfrm>
+                <a:off x="578454" y="307161"/>
+                <a:ext cx="7011360" cy="2220120"/>
+              </a:xfrm>
+              <a:prstGeom prst="rect">
+                <a:avLst/>
+              </a:prstGeom>
+            </p:spPr>
+          </p:pic>
+        </mc:Fallback>
+      </mc:AlternateContent>
+      <mc:AlternateContent xmlns:mc="http://schemas.openxmlformats.org/markup-compatibility/2006">
+        <mc:Choice xmlns:p14="http://schemas.microsoft.com/office/powerpoint/2010/main" Requires="p14">
+          <p:contentPart p14:bwMode="auto" r:id="rId12">
+            <p14:nvContentPartPr>
+              <p14:cNvPr id="95" name="Ink 94">
+                <a:extLst>
+                  <a:ext uri="{FF2B5EF4-FFF2-40B4-BE49-F238E27FC236}">
+                    <a16:creationId xmlns:a16="http://schemas.microsoft.com/office/drawing/2014/main" id="{A519F3AC-4312-4B52-9606-A1E68C9E3171}"/>
+                  </a:ext>
+                </a:extLst>
+              </p14:cNvPr>
+              <p14:cNvContentPartPr/>
+              <p14:nvPr/>
+            </p14:nvContentPartPr>
+            <p14:xfrm>
+              <a:off x="658374" y="3470841"/>
+              <a:ext cx="992520" cy="1950480"/>
+            </p14:xfrm>
+          </p:contentPart>
+        </mc:Choice>
+        <mc:Fallback>
+          <p:pic>
+            <p:nvPicPr>
+              <p:cNvPr id="95" name="Ink 94">
+                <a:extLst>
+                  <a:ext uri="{FF2B5EF4-FFF2-40B4-BE49-F238E27FC236}">
+                    <a16:creationId xmlns:a16="http://schemas.microsoft.com/office/drawing/2014/main" id="{A519F3AC-4312-4B52-9606-A1E68C9E3171}"/>
+                  </a:ext>
+                </a:extLst>
+              </p:cNvPr>
+              <p:cNvPicPr/>
+              <p:nvPr/>
+            </p:nvPicPr>
+            <p:blipFill>
+              <a:blip r:embed="rId13"/>
+              <a:stretch>
+                <a:fillRect/>
+              </a:stretch>
+            </p:blipFill>
+            <p:spPr>
+              <a:xfrm>
+                <a:off x="649374" y="3461841"/>
+                <a:ext cx="1010160" cy="1968120"/>
+              </a:xfrm>
+              <a:prstGeom prst="rect">
+                <a:avLst/>
+              </a:prstGeom>
+            </p:spPr>
+          </p:pic>
+        </mc:Fallback>
+      </mc:AlternateContent>
+      <mc:AlternateContent xmlns:mc="http://schemas.openxmlformats.org/markup-compatibility/2006">
+        <mc:Choice xmlns:p14="http://schemas.microsoft.com/office/powerpoint/2010/main" Requires="p14">
+          <p:contentPart p14:bwMode="auto" r:id="rId14">
+            <p14:nvContentPartPr>
+              <p14:cNvPr id="107" name="Ink 106">
+                <a:extLst>
+                  <a:ext uri="{FF2B5EF4-FFF2-40B4-BE49-F238E27FC236}">
+                    <a16:creationId xmlns:a16="http://schemas.microsoft.com/office/drawing/2014/main" id="{61D74B62-F37C-4985-B47C-DF8B119D7D17}"/>
+                  </a:ext>
+                </a:extLst>
+              </p14:cNvPr>
+              <p14:cNvContentPartPr/>
+              <p14:nvPr/>
+            </p14:nvContentPartPr>
+            <p14:xfrm>
+              <a:off x="1234374" y="5718681"/>
+              <a:ext cx="1902240" cy="468000"/>
+            </p14:xfrm>
+          </p:contentPart>
+        </mc:Choice>
+        <mc:Fallback>
+          <p:pic>
+            <p:nvPicPr>
+              <p:cNvPr id="107" name="Ink 106">
+                <a:extLst>
+                  <a:ext uri="{FF2B5EF4-FFF2-40B4-BE49-F238E27FC236}">
+                    <a16:creationId xmlns:a16="http://schemas.microsoft.com/office/drawing/2014/main" id="{61D74B62-F37C-4985-B47C-DF8B119D7D17}"/>
+                  </a:ext>
+                </a:extLst>
+              </p:cNvPr>
+              <p:cNvPicPr/>
+              <p:nvPr/>
+            </p:nvPicPr>
+            <p:blipFill>
+              <a:blip r:embed="rId15"/>
+              <a:stretch>
+                <a:fillRect/>
+              </a:stretch>
+            </p:blipFill>
+            <p:spPr>
+              <a:xfrm>
+                <a:off x="1225374" y="5709681"/>
+                <a:ext cx="1919880" cy="485640"/>
+              </a:xfrm>
+              <a:prstGeom prst="rect">
+                <a:avLst/>
+              </a:prstGeom>
+            </p:spPr>
+          </p:pic>
+        </mc:Fallback>
+      </mc:AlternateContent>
+      <mc:AlternateContent xmlns:mc="http://schemas.openxmlformats.org/markup-compatibility/2006">
+        <mc:Choice xmlns:p14="http://schemas.microsoft.com/office/powerpoint/2010/main" Requires="p14">
+          <p:contentPart p14:bwMode="auto" r:id="rId16">
+            <p14:nvContentPartPr>
+              <p14:cNvPr id="110" name="Ink 109">
+                <a:extLst>
+                  <a:ext uri="{FF2B5EF4-FFF2-40B4-BE49-F238E27FC236}">
+                    <a16:creationId xmlns:a16="http://schemas.microsoft.com/office/drawing/2014/main" id="{40FB6C56-7ECE-4D74-B8A1-EC16C9412981}"/>
+                  </a:ext>
+                </a:extLst>
+              </p14:cNvPr>
+              <p14:cNvContentPartPr/>
+              <p14:nvPr/>
+            </p14:nvContentPartPr>
+            <p14:xfrm>
+              <a:off x="1268934" y="6236721"/>
+              <a:ext cx="324360" cy="193320"/>
+            </p14:xfrm>
+          </p:contentPart>
+        </mc:Choice>
+        <mc:Fallback>
+          <p:pic>
+            <p:nvPicPr>
+              <p:cNvPr id="110" name="Ink 109">
+                <a:extLst>
+                  <a:ext uri="{FF2B5EF4-FFF2-40B4-BE49-F238E27FC236}">
+                    <a16:creationId xmlns:a16="http://schemas.microsoft.com/office/drawing/2014/main" id="{40FB6C56-7ECE-4D74-B8A1-EC16C9412981}"/>
+                  </a:ext>
+                </a:extLst>
+              </p:cNvPr>
+              <p:cNvPicPr/>
+              <p:nvPr/>
+            </p:nvPicPr>
+            <p:blipFill>
+              <a:blip r:embed="rId17"/>
+              <a:stretch>
+                <a:fillRect/>
+              </a:stretch>
+            </p:blipFill>
+            <p:spPr>
+              <a:xfrm>
+                <a:off x="1259934" y="6227721"/>
+                <a:ext cx="342000" cy="210960"/>
+              </a:xfrm>
+              <a:prstGeom prst="rect">
+                <a:avLst/>
+              </a:prstGeom>
+            </p:spPr>
+          </p:pic>
+        </mc:Fallback>
+      </mc:AlternateContent>
+      <mc:AlternateContent xmlns:mc="http://schemas.openxmlformats.org/markup-compatibility/2006">
+        <mc:Choice xmlns:p14="http://schemas.microsoft.com/office/powerpoint/2010/main" Requires="p14">
+          <p:contentPart p14:bwMode="auto" r:id="rId18">
+            <p14:nvContentPartPr>
+              <p14:cNvPr id="162" name="Ink 161">
+                <a:extLst>
+                  <a:ext uri="{FF2B5EF4-FFF2-40B4-BE49-F238E27FC236}">
+                    <a16:creationId xmlns:a16="http://schemas.microsoft.com/office/drawing/2014/main" id="{41BE77AE-A142-4D6F-B03A-67EF94D21A99}"/>
+                  </a:ext>
+                </a:extLst>
+              </p14:cNvPr>
+              <p14:cNvContentPartPr/>
+              <p14:nvPr/>
+            </p14:nvContentPartPr>
+            <p14:xfrm>
+              <a:off x="1866174" y="2220561"/>
+              <a:ext cx="8100000" cy="4190040"/>
+            </p14:xfrm>
+          </p:contentPart>
+        </mc:Choice>
+        <mc:Fallback>
+          <p:pic>
+            <p:nvPicPr>
+              <p:cNvPr id="162" name="Ink 161">
+                <a:extLst>
+                  <a:ext uri="{FF2B5EF4-FFF2-40B4-BE49-F238E27FC236}">
+                    <a16:creationId xmlns:a16="http://schemas.microsoft.com/office/drawing/2014/main" id="{41BE77AE-A142-4D6F-B03A-67EF94D21A99}"/>
+                  </a:ext>
+                </a:extLst>
+              </p:cNvPr>
+              <p:cNvPicPr/>
+              <p:nvPr/>
+            </p:nvPicPr>
+            <p:blipFill>
+              <a:blip r:embed="rId19"/>
+              <a:stretch>
+                <a:fillRect/>
+              </a:stretch>
+            </p:blipFill>
+            <p:spPr>
+              <a:xfrm>
+                <a:off x="1857174" y="2211561"/>
+                <a:ext cx="8117640" cy="4207680"/>
+              </a:xfrm>
+              <a:prstGeom prst="rect">
+                <a:avLst/>
+              </a:prstGeom>
+            </p:spPr>
+          </p:pic>
+        </mc:Fallback>
+      </mc:AlternateContent>
+      <mc:AlternateContent xmlns:mc="http://schemas.openxmlformats.org/markup-compatibility/2006">
+        <mc:Choice xmlns:p14="http://schemas.microsoft.com/office/powerpoint/2010/main" Requires="p14">
+          <p:contentPart p14:bwMode="auto" r:id="rId20">
+            <p14:nvContentPartPr>
+              <p14:cNvPr id="165" name="Ink 164">
+                <a:extLst>
+                  <a:ext uri="{FF2B5EF4-FFF2-40B4-BE49-F238E27FC236}">
+                    <a16:creationId xmlns:a16="http://schemas.microsoft.com/office/drawing/2014/main" id="{8C834E2E-8561-40FF-8A90-F175A246E06B}"/>
+                  </a:ext>
+                </a:extLst>
+              </p14:cNvPr>
+              <p14:cNvContentPartPr/>
+              <p14:nvPr/>
+            </p14:nvContentPartPr>
+            <p14:xfrm>
+              <a:off x="1968774" y="3349521"/>
+              <a:ext cx="2295720" cy="821520"/>
+            </p14:xfrm>
+          </p:contentPart>
+        </mc:Choice>
+        <mc:Fallback>
+          <p:pic>
+            <p:nvPicPr>
+              <p:cNvPr id="165" name="Ink 164">
+                <a:extLst>
+                  <a:ext uri="{FF2B5EF4-FFF2-40B4-BE49-F238E27FC236}">
+                    <a16:creationId xmlns:a16="http://schemas.microsoft.com/office/drawing/2014/main" id="{8C834E2E-8561-40FF-8A90-F175A246E06B}"/>
+                  </a:ext>
+                </a:extLst>
+              </p:cNvPr>
+              <p:cNvPicPr/>
+              <p:nvPr/>
+            </p:nvPicPr>
+            <p:blipFill>
+              <a:blip r:embed="rId21"/>
+              <a:stretch>
+                <a:fillRect/>
+              </a:stretch>
+            </p:blipFill>
+            <p:spPr>
+              <a:xfrm>
+                <a:off x="1959774" y="3340521"/>
+                <a:ext cx="2313360" cy="839160"/>
+              </a:xfrm>
+              <a:prstGeom prst="rect">
+                <a:avLst/>
+              </a:prstGeom>
+            </p:spPr>
+          </p:pic>
+        </mc:Fallback>
+      </mc:AlternateContent>
+    </p:spTree>
+    <p:extLst>
+      <p:ext uri="{BB962C8B-B14F-4D97-AF65-F5344CB8AC3E}">
+        <p14:creationId xmlns:p14="http://schemas.microsoft.com/office/powerpoint/2010/main" val="158152379"/>
+      </p:ext>
+    </p:extLst>
+  </p:cSld>
+  <p:clrMapOvr>
+    <a:masterClrMapping/>
+  </p:clrMapOvr>
+</p:sld>
+</file>
+
+<file path=ppt/slides/slide24.xml><?xml version="1.0" encoding="utf-8"?>
 <p:sld xmlns:a="http://schemas.openxmlformats.org/drawingml/2006/main" xmlns:r="http://schemas.openxmlformats.org/officeDocument/2006/relationships" xmlns:p="http://schemas.openxmlformats.org/presentationml/2006/main">
   <p:cSld>
     <p:spTree>
@@ -7540,7 +11735,7 @@
 </p:sld>
 </file>
 
-<file path=ppt/slides/slide23.xml><?xml version="1.0" encoding="utf-8"?>
+<file path=ppt/slides/slide25.xml><?xml version="1.0" encoding="utf-8"?>
 <p:sld xmlns:a="http://schemas.openxmlformats.org/drawingml/2006/main" xmlns:r="http://schemas.openxmlformats.org/officeDocument/2006/relationships" xmlns:p="http://schemas.openxmlformats.org/presentationml/2006/main">
   <p:cSld>
     <p:spTree>
@@ -7735,7 +11930,7 @@
 </p:sld>
 </file>
 
-<file path=ppt/slides/slide24.xml><?xml version="1.0" encoding="utf-8"?>
+<file path=ppt/slides/slide26.xml><?xml version="1.0" encoding="utf-8"?>
 <p:sld xmlns:a="http://schemas.openxmlformats.org/drawingml/2006/main" xmlns:r="http://schemas.openxmlformats.org/officeDocument/2006/relationships" xmlns:p="http://schemas.openxmlformats.org/presentationml/2006/main">
   <p:cSld>
     <p:bg>
@@ -9564,7 +13759,7 @@
             </a:pPr>
             <a:r>
               <a:rPr lang="en-US" sz="1600" dirty="0"/>
-              <a:t>Create an exception class and inherit call CX_ROOT (Root class for OOABAP exception handling).</a:t>
+              <a:t>Create an exception class and inherit call CX_STATIC_CHECK (Root class for OOABAP exception handling).</a:t>
             </a:r>
           </a:p>
           <a:p>
